--- a/doc/05_Design/praesentation.pptx
+++ b/doc/05_Design/praesentation.pptx
@@ -13,6 +13,21 @@
   <p:sldIdLst>
     <p:sldId id="256" r:id="rId8"/>
     <p:sldId id="257" r:id="rId9"/>
+    <p:sldId id="258" r:id="rId10"/>
+    <p:sldId id="259" r:id="rId11"/>
+    <p:sldId id="262" r:id="rId12"/>
+    <p:sldId id="263" r:id="rId13"/>
+    <p:sldId id="260" r:id="rId14"/>
+    <p:sldId id="261" r:id="rId15"/>
+    <p:sldId id="264" r:id="rId16"/>
+    <p:sldId id="265" r:id="rId17"/>
+    <p:sldId id="267" r:id="rId18"/>
+    <p:sldId id="266" r:id="rId19"/>
+    <p:sldId id="268" r:id="rId20"/>
+    <p:sldId id="269" r:id="rId21"/>
+    <p:sldId id="270" r:id="rId22"/>
+    <p:sldId id="271" r:id="rId23"/>
+    <p:sldId id="272" r:id="rId24"/>
   </p:sldIdLst>
   <p:sldSz cx="9144000" cy="6858000" type="screen4x3"/>
   <p:notesSz cx="6858000" cy="9144000"/>
@@ -36591,29 +36606,62 @@
         </p:nvSpPr>
         <p:spPr/>
         <p:txBody>
+          <a:bodyPr>
+            <a:normAutofit fontScale="90000"/>
+          </a:bodyPr>
+          <a:lstStyle/>
+          <a:p>
+            <a:r>
+              <a:rPr lang="de-CH" dirty="0" smtClean="0"/>
+              <a:t>Mobile Reporting Tool</a:t>
+            </a:r>
+            <a:br>
+              <a:rPr lang="de-CH" dirty="0" smtClean="0"/>
+            </a:br>
+            <a:r>
+              <a:rPr lang="de-CH" dirty="0" smtClean="0"/>
+              <a:t>MS3 Ende Elaboration</a:t>
+            </a:r>
+            <a:br>
+              <a:rPr lang="de-CH" dirty="0" smtClean="0"/>
+            </a:br>
+            <a:r>
+              <a:rPr lang="de-CH" dirty="0" smtClean="0"/>
+              <a:t>Architektur, Prototyp</a:t>
+            </a:r>
+            <a:endParaRPr lang="de-CH" dirty="0"/>
+          </a:p>
+        </p:txBody>
+      </p:sp>
+      <p:sp>
+        <p:nvSpPr>
+          <p:cNvPr id="3" name="Untertitel 2"/>
+          <p:cNvSpPr>
+            <a:spLocks noGrp="1"/>
+          </p:cNvSpPr>
+          <p:nvPr>
+            <p:ph type="subTitle" idx="1"/>
+          </p:nvPr>
+        </p:nvSpPr>
+        <p:spPr/>
+        <p:txBody>
           <a:bodyPr/>
           <a:lstStyle/>
           <a:p>
-            <a:endParaRPr lang="de-CH"/>
-          </a:p>
-        </p:txBody>
-      </p:sp>
-      <p:sp>
-        <p:nvSpPr>
-          <p:cNvPr id="3" name="Untertitel 2"/>
-          <p:cNvSpPr>
-            <a:spLocks noGrp="1"/>
-          </p:cNvSpPr>
-          <p:nvPr>
-            <p:ph type="subTitle" idx="1"/>
-          </p:nvPr>
-        </p:nvSpPr>
-        <p:spPr/>
-        <p:txBody>
-          <a:bodyPr/>
-          <a:lstStyle/>
-          <a:p>
-            <a:endParaRPr lang="de-CH"/>
+            <a:pPr algn="ctr"/>
+            <a:r>
+              <a:rPr lang="de-CH" dirty="0" smtClean="0"/>
+              <a:t>Diego Steiner, Delia </a:t>
+            </a:r>
+            <a:r>
+              <a:rPr lang="de-CH" dirty="0" err="1" smtClean="0"/>
+              <a:t>Treichler</a:t>
+            </a:r>
+            <a:r>
+              <a:rPr lang="de-CH" dirty="0" smtClean="0"/>
+              <a:t>, Lukas Elmer, Christina Heidt, Remo Waltenspül </a:t>
+            </a:r>
+            <a:endParaRPr lang="de-CH" dirty="0"/>
           </a:p>
         </p:txBody>
       </p:sp>
@@ -36621,6 +36669,701 @@
     <p:extLst>
       <p:ext uri="{BB962C8B-B14F-4D97-AF65-F5344CB8AC3E}">
         <p14:creationId xmlns:p14="http://schemas.microsoft.com/office/powerpoint/2010/main" val="1479270911"/>
+      </p:ext>
+    </p:extLst>
+  </p:cSld>
+  <p:clrMapOvr>
+    <a:masterClrMapping/>
+  </p:clrMapOvr>
+  <p:transition/>
+  <p:timing>
+    <p:tnLst>
+      <p:par>
+        <p:cTn id="1" dur="indefinite" restart="never" nodeType="tmRoot"/>
+      </p:par>
+    </p:tnLst>
+  </p:timing>
+</p:sld>
+</file>
+
+<file path=ppt/slides/slide10.xml><?xml version="1.0" encoding="utf-8"?>
+<p:sld xmlns:a="http://schemas.openxmlformats.org/drawingml/2006/main" xmlns:r="http://schemas.openxmlformats.org/officeDocument/2006/relationships" xmlns:p="http://schemas.openxmlformats.org/presentationml/2006/main">
+  <p:cSld>
+    <p:spTree>
+      <p:nvGrpSpPr>
+        <p:cNvPr id="1" name=""/>
+        <p:cNvGrpSpPr/>
+        <p:nvPr/>
+      </p:nvGrpSpPr>
+      <p:grpSpPr>
+        <a:xfrm>
+          <a:off x="0" y="0"/>
+          <a:ext cx="0" cy="0"/>
+          <a:chOff x="0" y="0"/>
+          <a:chExt cx="0" cy="0"/>
+        </a:xfrm>
+      </p:grpSpPr>
+      <p:sp>
+        <p:nvSpPr>
+          <p:cNvPr id="2" name="Inhaltsplatzhalter 1"/>
+          <p:cNvSpPr>
+            <a:spLocks noGrp="1"/>
+          </p:cNvSpPr>
+          <p:nvPr>
+            <p:ph idx="1"/>
+          </p:nvPr>
+        </p:nvSpPr>
+        <p:spPr/>
+        <p:txBody>
+          <a:bodyPr/>
+          <a:lstStyle/>
+          <a:p>
+            <a:endParaRPr lang="de-CH"/>
+          </a:p>
+        </p:txBody>
+      </p:sp>
+      <p:sp>
+        <p:nvSpPr>
+          <p:cNvPr id="3" name="Titel 2"/>
+          <p:cNvSpPr>
+            <a:spLocks noGrp="1"/>
+          </p:cNvSpPr>
+          <p:nvPr>
+            <p:ph type="title"/>
+          </p:nvPr>
+        </p:nvSpPr>
+        <p:spPr/>
+        <p:txBody>
+          <a:bodyPr/>
+          <a:lstStyle/>
+          <a:p>
+            <a:r>
+              <a:rPr lang="de-CH" dirty="0" smtClean="0"/>
+              <a:t>Packages</a:t>
+            </a:r>
+            <a:endParaRPr lang="de-CH" dirty="0"/>
+          </a:p>
+        </p:txBody>
+      </p:sp>
+    </p:spTree>
+    <p:extLst>
+      <p:ext uri="{BB962C8B-B14F-4D97-AF65-F5344CB8AC3E}">
+        <p14:creationId xmlns:p14="http://schemas.microsoft.com/office/powerpoint/2010/main" val="1515303313"/>
+      </p:ext>
+    </p:extLst>
+  </p:cSld>
+  <p:clrMapOvr>
+    <a:masterClrMapping/>
+  </p:clrMapOvr>
+  <p:transition/>
+  <p:timing>
+    <p:tnLst>
+      <p:par>
+        <p:cTn id="1" dur="indefinite" restart="never" nodeType="tmRoot"/>
+      </p:par>
+    </p:tnLst>
+  </p:timing>
+</p:sld>
+</file>
+
+<file path=ppt/slides/slide11.xml><?xml version="1.0" encoding="utf-8"?>
+<p:sld xmlns:a="http://schemas.openxmlformats.org/drawingml/2006/main" xmlns:r="http://schemas.openxmlformats.org/officeDocument/2006/relationships" xmlns:p="http://schemas.openxmlformats.org/presentationml/2006/main">
+  <p:cSld>
+    <p:spTree>
+      <p:nvGrpSpPr>
+        <p:cNvPr id="1" name=""/>
+        <p:cNvGrpSpPr/>
+        <p:nvPr/>
+      </p:nvGrpSpPr>
+      <p:grpSpPr>
+        <a:xfrm>
+          <a:off x="0" y="0"/>
+          <a:ext cx="0" cy="0"/>
+          <a:chOff x="0" y="0"/>
+          <a:chExt cx="0" cy="0"/>
+        </a:xfrm>
+      </p:grpSpPr>
+      <p:sp>
+        <p:nvSpPr>
+          <p:cNvPr id="2" name="Inhaltsplatzhalter 1"/>
+          <p:cNvSpPr>
+            <a:spLocks noGrp="1"/>
+          </p:cNvSpPr>
+          <p:nvPr>
+            <p:ph idx="1"/>
+          </p:nvPr>
+        </p:nvSpPr>
+        <p:spPr/>
+        <p:txBody>
+          <a:bodyPr/>
+          <a:lstStyle/>
+          <a:p>
+            <a:endParaRPr lang="de-CH" dirty="0"/>
+          </a:p>
+        </p:txBody>
+      </p:sp>
+      <p:sp>
+        <p:nvSpPr>
+          <p:cNvPr id="3" name="Titel 2"/>
+          <p:cNvSpPr>
+            <a:spLocks noGrp="1"/>
+          </p:cNvSpPr>
+          <p:nvPr>
+            <p:ph type="title"/>
+          </p:nvPr>
+        </p:nvSpPr>
+        <p:spPr/>
+        <p:txBody>
+          <a:bodyPr/>
+          <a:lstStyle/>
+          <a:p>
+            <a:r>
+              <a:rPr lang="de-CH" dirty="0" smtClean="0"/>
+              <a:t>Architekturentscheidungen</a:t>
+            </a:r>
+            <a:endParaRPr lang="de-CH" dirty="0"/>
+          </a:p>
+        </p:txBody>
+      </p:sp>
+    </p:spTree>
+    <p:extLst>
+      <p:ext uri="{BB962C8B-B14F-4D97-AF65-F5344CB8AC3E}">
+        <p14:creationId xmlns:p14="http://schemas.microsoft.com/office/powerpoint/2010/main" val="3935725331"/>
+      </p:ext>
+    </p:extLst>
+  </p:cSld>
+  <p:clrMapOvr>
+    <a:masterClrMapping/>
+  </p:clrMapOvr>
+  <p:transition/>
+  <p:timing>
+    <p:tnLst>
+      <p:par>
+        <p:cTn id="1" dur="indefinite" restart="never" nodeType="tmRoot"/>
+      </p:par>
+    </p:tnLst>
+  </p:timing>
+</p:sld>
+</file>
+
+<file path=ppt/slides/slide12.xml><?xml version="1.0" encoding="utf-8"?>
+<p:sld xmlns:a="http://schemas.openxmlformats.org/drawingml/2006/main" xmlns:r="http://schemas.openxmlformats.org/officeDocument/2006/relationships" xmlns:p="http://schemas.openxmlformats.org/presentationml/2006/main">
+  <p:cSld>
+    <p:spTree>
+      <p:nvGrpSpPr>
+        <p:cNvPr id="1" name=""/>
+        <p:cNvGrpSpPr/>
+        <p:nvPr/>
+      </p:nvGrpSpPr>
+      <p:grpSpPr>
+        <a:xfrm>
+          <a:off x="0" y="0"/>
+          <a:ext cx="0" cy="0"/>
+          <a:chOff x="0" y="0"/>
+          <a:chExt cx="0" cy="0"/>
+        </a:xfrm>
+      </p:grpSpPr>
+      <p:sp>
+        <p:nvSpPr>
+          <p:cNvPr id="3" name="Titel 2"/>
+          <p:cNvSpPr>
+            <a:spLocks noGrp="1"/>
+          </p:cNvSpPr>
+          <p:nvPr>
+            <p:ph type="title"/>
+          </p:nvPr>
+        </p:nvSpPr>
+        <p:spPr/>
+        <p:txBody>
+          <a:bodyPr/>
+          <a:lstStyle/>
+          <a:p>
+            <a:r>
+              <a:rPr lang="de-CH" dirty="0" smtClean="0"/>
+              <a:t>Problemdomain </a:t>
+            </a:r>
+            <a:r>
+              <a:rPr lang="de-CH" dirty="0" err="1" smtClean="0"/>
+              <a:t>Android</a:t>
+            </a:r>
+            <a:endParaRPr lang="de-CH" dirty="0"/>
+          </a:p>
+        </p:txBody>
+      </p:sp>
+      <p:pic>
+        <p:nvPicPr>
+          <p:cNvPr id="1026" name="Picture 2"/>
+          <p:cNvPicPr>
+            <a:picLocks noChangeAspect="1" noChangeArrowheads="1"/>
+          </p:cNvPicPr>
+          <p:nvPr/>
+        </p:nvPicPr>
+        <p:blipFill>
+          <a:blip r:embed="rId2">
+            <a:extLst>
+              <a:ext uri="{28A0092B-C50C-407E-A947-70E740481C1C}">
+                <a14:useLocalDpi xmlns:a14="http://schemas.microsoft.com/office/drawing/2010/main" val="0"/>
+              </a:ext>
+            </a:extLst>
+          </a:blip>
+          <a:srcRect/>
+          <a:stretch>
+            <a:fillRect/>
+          </a:stretch>
+        </p:blipFill>
+        <p:spPr bwMode="auto">
+          <a:xfrm>
+            <a:off x="1115616" y="1320550"/>
+            <a:ext cx="7374632" cy="5015543"/>
+          </a:xfrm>
+          <a:prstGeom prst="rect">
+            <a:avLst/>
+          </a:prstGeom>
+          <a:noFill/>
+          <a:ln>
+            <a:noFill/>
+          </a:ln>
+          <a:effectLst/>
+          <a:extLst>
+            <a:ext uri="{909E8E84-426E-40DD-AFC4-6F175D3DCCD1}">
+              <a14:hiddenFill xmlns:a14="http://schemas.microsoft.com/office/drawing/2010/main">
+                <a:solidFill>
+                  <a:schemeClr val="accent1"/>
+                </a:solidFill>
+              </a14:hiddenFill>
+            </a:ext>
+            <a:ext uri="{91240B29-F687-4F45-9708-019B960494DF}">
+              <a14:hiddenLine xmlns:a14="http://schemas.microsoft.com/office/drawing/2010/main" w="9525">
+                <a:solidFill>
+                  <a:schemeClr val="tx1"/>
+                </a:solidFill>
+                <a:miter lim="800000"/>
+                <a:headEnd/>
+                <a:tailEnd/>
+              </a14:hiddenLine>
+            </a:ext>
+            <a:ext uri="{AF507438-7753-43E0-B8FC-AC1667EBCBE1}">
+              <a14:hiddenEffects xmlns:a14="http://schemas.microsoft.com/office/drawing/2010/main">
+                <a:effectLst>
+                  <a:outerShdw dist="35921" dir="2700000" algn="ctr" rotWithShape="0">
+                    <a:schemeClr val="bg2"/>
+                  </a:outerShdw>
+                </a:effectLst>
+              </a14:hiddenEffects>
+            </a:ext>
+          </a:extLst>
+        </p:spPr>
+      </p:pic>
+    </p:spTree>
+    <p:extLst>
+      <p:ext uri="{BB962C8B-B14F-4D97-AF65-F5344CB8AC3E}">
+        <p14:creationId xmlns:p14="http://schemas.microsoft.com/office/powerpoint/2010/main" val="1752878550"/>
+      </p:ext>
+    </p:extLst>
+  </p:cSld>
+  <p:clrMapOvr>
+    <a:masterClrMapping/>
+  </p:clrMapOvr>
+  <p:transition/>
+  <p:timing>
+    <p:tnLst>
+      <p:par>
+        <p:cTn id="1" dur="indefinite" restart="never" nodeType="tmRoot"/>
+      </p:par>
+    </p:tnLst>
+  </p:timing>
+</p:sld>
+</file>
+
+<file path=ppt/slides/slide13.xml><?xml version="1.0" encoding="utf-8"?>
+<p:sld xmlns:a="http://schemas.openxmlformats.org/drawingml/2006/main" xmlns:r="http://schemas.openxmlformats.org/officeDocument/2006/relationships" xmlns:p="http://schemas.openxmlformats.org/presentationml/2006/main">
+  <p:cSld>
+    <p:spTree>
+      <p:nvGrpSpPr>
+        <p:cNvPr id="1" name=""/>
+        <p:cNvGrpSpPr/>
+        <p:nvPr/>
+      </p:nvGrpSpPr>
+      <p:grpSpPr>
+        <a:xfrm>
+          <a:off x="0" y="0"/>
+          <a:ext cx="0" cy="0"/>
+          <a:chOff x="0" y="0"/>
+          <a:chExt cx="0" cy="0"/>
+        </a:xfrm>
+      </p:grpSpPr>
+      <p:pic>
+        <p:nvPicPr>
+          <p:cNvPr id="2050" name="Picture 2"/>
+          <p:cNvPicPr>
+            <a:picLocks noChangeAspect="1" noChangeArrowheads="1"/>
+          </p:cNvPicPr>
+          <p:nvPr/>
+        </p:nvPicPr>
+        <p:blipFill>
+          <a:blip r:embed="rId2">
+            <a:extLst>
+              <a:ext uri="{28A0092B-C50C-407E-A947-70E740481C1C}">
+                <a14:useLocalDpi xmlns:a14="http://schemas.microsoft.com/office/drawing/2010/main" val="0"/>
+              </a:ext>
+            </a:extLst>
+          </a:blip>
+          <a:srcRect/>
+          <a:stretch>
+            <a:fillRect/>
+          </a:stretch>
+        </p:blipFill>
+        <p:spPr bwMode="auto">
+          <a:xfrm>
+            <a:off x="84584" y="117379"/>
+            <a:ext cx="7056784" cy="6692092"/>
+          </a:xfrm>
+          <a:prstGeom prst="rect">
+            <a:avLst/>
+          </a:prstGeom>
+          <a:noFill/>
+          <a:ln>
+            <a:noFill/>
+          </a:ln>
+          <a:effectLst/>
+        </p:spPr>
+      </p:pic>
+      <p:sp>
+        <p:nvSpPr>
+          <p:cNvPr id="3" name="Titel 2"/>
+          <p:cNvSpPr>
+            <a:spLocks noGrp="1"/>
+          </p:cNvSpPr>
+          <p:nvPr>
+            <p:ph type="title"/>
+          </p:nvPr>
+        </p:nvSpPr>
+        <p:spPr>
+          <a:xfrm>
+            <a:off x="6020072" y="836712"/>
+            <a:ext cx="2242592" cy="1930226"/>
+          </a:xfrm>
+          <a:solidFill>
+            <a:schemeClr val="bg1"/>
+          </a:solidFill>
+        </p:spPr>
+        <p:txBody>
+          <a:bodyPr>
+            <a:normAutofit fontScale="90000"/>
+          </a:bodyPr>
+          <a:lstStyle/>
+          <a:p>
+            <a:r>
+              <a:rPr lang="de-CH" dirty="0" smtClean="0"/>
+              <a:t>Problemdomain Server</a:t>
+            </a:r>
+            <a:endParaRPr lang="de-CH" dirty="0"/>
+          </a:p>
+        </p:txBody>
+      </p:sp>
+    </p:spTree>
+    <p:extLst>
+      <p:ext uri="{BB962C8B-B14F-4D97-AF65-F5344CB8AC3E}">
+        <p14:creationId xmlns:p14="http://schemas.microsoft.com/office/powerpoint/2010/main" val="3846578893"/>
+      </p:ext>
+    </p:extLst>
+  </p:cSld>
+  <p:clrMapOvr>
+    <a:masterClrMapping/>
+  </p:clrMapOvr>
+  <p:transition/>
+  <p:timing>
+    <p:tnLst>
+      <p:par>
+        <p:cTn id="1" dur="indefinite" restart="never" nodeType="tmRoot"/>
+      </p:par>
+    </p:tnLst>
+  </p:timing>
+</p:sld>
+</file>
+
+<file path=ppt/slides/slide14.xml><?xml version="1.0" encoding="utf-8"?>
+<p:sld xmlns:a="http://schemas.openxmlformats.org/drawingml/2006/main" xmlns:r="http://schemas.openxmlformats.org/officeDocument/2006/relationships" xmlns:p="http://schemas.openxmlformats.org/presentationml/2006/main">
+  <p:cSld>
+    <p:spTree>
+      <p:nvGrpSpPr>
+        <p:cNvPr id="1" name=""/>
+        <p:cNvGrpSpPr/>
+        <p:nvPr/>
+      </p:nvGrpSpPr>
+      <p:grpSpPr>
+        <a:xfrm>
+          <a:off x="0" y="0"/>
+          <a:ext cx="0" cy="0"/>
+          <a:chOff x="0" y="0"/>
+          <a:chExt cx="0" cy="0"/>
+        </a:xfrm>
+      </p:grpSpPr>
+      <p:sp>
+        <p:nvSpPr>
+          <p:cNvPr id="2" name="Inhaltsplatzhalter 1"/>
+          <p:cNvSpPr>
+            <a:spLocks noGrp="1"/>
+          </p:cNvSpPr>
+          <p:nvPr>
+            <p:ph idx="1"/>
+          </p:nvPr>
+        </p:nvSpPr>
+        <p:spPr/>
+        <p:txBody>
+          <a:bodyPr/>
+          <a:lstStyle/>
+          <a:p>
+            <a:endParaRPr lang="de-CH"/>
+          </a:p>
+        </p:txBody>
+      </p:sp>
+      <p:sp>
+        <p:nvSpPr>
+          <p:cNvPr id="3" name="Titel 2"/>
+          <p:cNvSpPr>
+            <a:spLocks noGrp="1"/>
+          </p:cNvSpPr>
+          <p:nvPr>
+            <p:ph type="title"/>
+          </p:nvPr>
+        </p:nvSpPr>
+        <p:spPr/>
+        <p:txBody>
+          <a:bodyPr/>
+          <a:lstStyle/>
+          <a:p>
+            <a:r>
+              <a:rPr lang="de-CH" dirty="0" smtClean="0"/>
+              <a:t>User Interface</a:t>
+            </a:r>
+            <a:endParaRPr lang="de-CH" dirty="0"/>
+          </a:p>
+        </p:txBody>
+      </p:sp>
+    </p:spTree>
+    <p:extLst>
+      <p:ext uri="{BB962C8B-B14F-4D97-AF65-F5344CB8AC3E}">
+        <p14:creationId xmlns:p14="http://schemas.microsoft.com/office/powerpoint/2010/main" val="966300946"/>
+      </p:ext>
+    </p:extLst>
+  </p:cSld>
+  <p:clrMapOvr>
+    <a:masterClrMapping/>
+  </p:clrMapOvr>
+  <p:transition/>
+</p:sld>
+</file>
+
+<file path=ppt/slides/slide15.xml><?xml version="1.0" encoding="utf-8"?>
+<p:sld xmlns:a="http://schemas.openxmlformats.org/drawingml/2006/main" xmlns:r="http://schemas.openxmlformats.org/officeDocument/2006/relationships" xmlns:p="http://schemas.openxmlformats.org/presentationml/2006/main">
+  <p:cSld>
+    <p:spTree>
+      <p:nvGrpSpPr>
+        <p:cNvPr id="1" name=""/>
+        <p:cNvGrpSpPr/>
+        <p:nvPr/>
+      </p:nvGrpSpPr>
+      <p:grpSpPr>
+        <a:xfrm>
+          <a:off x="0" y="0"/>
+          <a:ext cx="0" cy="0"/>
+          <a:chOff x="0" y="0"/>
+          <a:chExt cx="0" cy="0"/>
+        </a:xfrm>
+      </p:grpSpPr>
+      <p:sp>
+        <p:nvSpPr>
+          <p:cNvPr id="2" name="Inhaltsplatzhalter 1"/>
+          <p:cNvSpPr>
+            <a:spLocks noGrp="1"/>
+          </p:cNvSpPr>
+          <p:nvPr>
+            <p:ph idx="1"/>
+          </p:nvPr>
+        </p:nvSpPr>
+        <p:spPr/>
+        <p:txBody>
+          <a:bodyPr/>
+          <a:lstStyle/>
+          <a:p>
+            <a:endParaRPr lang="de-CH"/>
+          </a:p>
+        </p:txBody>
+      </p:sp>
+      <p:sp>
+        <p:nvSpPr>
+          <p:cNvPr id="3" name="Titel 2"/>
+          <p:cNvSpPr>
+            <a:spLocks noGrp="1"/>
+          </p:cNvSpPr>
+          <p:nvPr>
+            <p:ph type="title"/>
+          </p:nvPr>
+        </p:nvSpPr>
+        <p:spPr/>
+        <p:txBody>
+          <a:bodyPr/>
+          <a:lstStyle/>
+          <a:p>
+            <a:r>
+              <a:rPr lang="de-CH" dirty="0" smtClean="0"/>
+              <a:t>Systemtest</a:t>
+            </a:r>
+            <a:endParaRPr lang="de-CH" dirty="0"/>
+          </a:p>
+        </p:txBody>
+      </p:sp>
+    </p:spTree>
+    <p:extLst>
+      <p:ext uri="{BB962C8B-B14F-4D97-AF65-F5344CB8AC3E}">
+        <p14:creationId xmlns:p14="http://schemas.microsoft.com/office/powerpoint/2010/main" val="2835939076"/>
+      </p:ext>
+    </p:extLst>
+  </p:cSld>
+  <p:clrMapOvr>
+    <a:masterClrMapping/>
+  </p:clrMapOvr>
+  <p:transition/>
+</p:sld>
+</file>
+
+<file path=ppt/slides/slide16.xml><?xml version="1.0" encoding="utf-8"?>
+<p:sld xmlns:a="http://schemas.openxmlformats.org/drawingml/2006/main" xmlns:r="http://schemas.openxmlformats.org/officeDocument/2006/relationships" xmlns:p="http://schemas.openxmlformats.org/presentationml/2006/main">
+  <p:cSld>
+    <p:spTree>
+      <p:nvGrpSpPr>
+        <p:cNvPr id="1" name=""/>
+        <p:cNvGrpSpPr/>
+        <p:nvPr/>
+      </p:nvGrpSpPr>
+      <p:grpSpPr>
+        <a:xfrm>
+          <a:off x="0" y="0"/>
+          <a:ext cx="0" cy="0"/>
+          <a:chOff x="0" y="0"/>
+          <a:chExt cx="0" cy="0"/>
+        </a:xfrm>
+      </p:grpSpPr>
+      <p:sp>
+        <p:nvSpPr>
+          <p:cNvPr id="2" name="Inhaltsplatzhalter 1"/>
+          <p:cNvSpPr>
+            <a:spLocks noGrp="1"/>
+          </p:cNvSpPr>
+          <p:nvPr>
+            <p:ph idx="1"/>
+          </p:nvPr>
+        </p:nvSpPr>
+        <p:spPr/>
+        <p:txBody>
+          <a:bodyPr/>
+          <a:lstStyle/>
+          <a:p>
+            <a:endParaRPr lang="de-CH"/>
+          </a:p>
+        </p:txBody>
+      </p:sp>
+      <p:sp>
+        <p:nvSpPr>
+          <p:cNvPr id="3" name="Titel 2"/>
+          <p:cNvSpPr>
+            <a:spLocks noGrp="1"/>
+          </p:cNvSpPr>
+          <p:nvPr>
+            <p:ph type="title"/>
+          </p:nvPr>
+        </p:nvSpPr>
+        <p:spPr/>
+        <p:txBody>
+          <a:bodyPr/>
+          <a:lstStyle/>
+          <a:p>
+            <a:r>
+              <a:rPr lang="de-CH" dirty="0" smtClean="0"/>
+              <a:t>Unit Tests</a:t>
+            </a:r>
+            <a:endParaRPr lang="de-CH" dirty="0"/>
+          </a:p>
+        </p:txBody>
+      </p:sp>
+    </p:spTree>
+    <p:extLst>
+      <p:ext uri="{BB962C8B-B14F-4D97-AF65-F5344CB8AC3E}">
+        <p14:creationId xmlns:p14="http://schemas.microsoft.com/office/powerpoint/2010/main" val="755503688"/>
+      </p:ext>
+    </p:extLst>
+  </p:cSld>
+  <p:clrMapOvr>
+    <a:masterClrMapping/>
+  </p:clrMapOvr>
+  <p:transition/>
+</p:sld>
+</file>
+
+<file path=ppt/slides/slide17.xml><?xml version="1.0" encoding="utf-8"?>
+<p:sld xmlns:a="http://schemas.openxmlformats.org/drawingml/2006/main" xmlns:r="http://schemas.openxmlformats.org/officeDocument/2006/relationships" xmlns:p="http://schemas.openxmlformats.org/presentationml/2006/main">
+  <p:cSld>
+    <p:spTree>
+      <p:nvGrpSpPr>
+        <p:cNvPr id="1" name=""/>
+        <p:cNvGrpSpPr/>
+        <p:nvPr/>
+      </p:nvGrpSpPr>
+      <p:grpSpPr>
+        <a:xfrm>
+          <a:off x="0" y="0"/>
+          <a:ext cx="0" cy="0"/>
+          <a:chOff x="0" y="0"/>
+          <a:chExt cx="0" cy="0"/>
+        </a:xfrm>
+      </p:grpSpPr>
+      <p:sp>
+        <p:nvSpPr>
+          <p:cNvPr id="2" name="Inhaltsplatzhalter 1"/>
+          <p:cNvSpPr>
+            <a:spLocks noGrp="1"/>
+          </p:cNvSpPr>
+          <p:nvPr>
+            <p:ph idx="1"/>
+          </p:nvPr>
+        </p:nvSpPr>
+        <p:spPr/>
+        <p:txBody>
+          <a:bodyPr/>
+          <a:lstStyle/>
+          <a:p>
+            <a:endParaRPr lang="de-CH"/>
+          </a:p>
+        </p:txBody>
+      </p:sp>
+      <p:sp>
+        <p:nvSpPr>
+          <p:cNvPr id="3" name="Titel 2"/>
+          <p:cNvSpPr>
+            <a:spLocks noGrp="1"/>
+          </p:cNvSpPr>
+          <p:nvPr>
+            <p:ph type="title"/>
+          </p:nvPr>
+        </p:nvSpPr>
+        <p:spPr/>
+        <p:txBody>
+          <a:bodyPr/>
+          <a:lstStyle/>
+          <a:p>
+            <a:r>
+              <a:rPr lang="de-CH" dirty="0" smtClean="0"/>
+              <a:t>Live-Demo</a:t>
+            </a:r>
+            <a:endParaRPr lang="de-CH" dirty="0"/>
+          </a:p>
+        </p:txBody>
+      </p:sp>
+    </p:spTree>
+    <p:extLst>
+      <p:ext uri="{BB962C8B-B14F-4D97-AF65-F5344CB8AC3E}">
+        <p14:creationId xmlns:p14="http://schemas.microsoft.com/office/powerpoint/2010/main" val="2697756913"/>
       </p:ext>
     </p:extLst>
   </p:cSld>
@@ -36660,33 +37403,97 @@
         </p:nvSpPr>
         <p:spPr/>
         <p:txBody>
-          <a:bodyPr/>
-          <a:lstStyle/>
-          <a:p>
-            <a:endParaRPr lang="de-CH"/>
-          </a:p>
-        </p:txBody>
-      </p:sp>
-      <p:sp>
-        <p:nvSpPr>
-          <p:cNvPr id="2" name="Titel 1"/>
-          <p:cNvSpPr>
-            <a:spLocks noGrp="1"/>
-          </p:cNvSpPr>
-          <p:nvPr>
-            <p:ph type="title"/>
-          </p:nvPr>
-        </p:nvSpPr>
-        <p:spPr/>
-        <p:txBody>
           <a:bodyPr>
             <a:normAutofit/>
           </a:bodyPr>
           <a:lstStyle/>
           <a:p>
             <a:r>
-              <a:rPr lang="de-CH" dirty="0" err="1" smtClean="0"/>
-              <a:t>Blaa</a:t>
+              <a:rPr lang="de-CH" sz="3000" dirty="0" smtClean="0"/>
+              <a:t>Ziele, Risiken, Funktionalität</a:t>
+            </a:r>
+            <a:endParaRPr lang="de-CH" sz="3000" dirty="0" smtClean="0"/>
+          </a:p>
+          <a:p>
+            <a:r>
+              <a:rPr lang="de-CH" sz="3000" dirty="0" smtClean="0"/>
+              <a:t>Architektur</a:t>
+            </a:r>
+            <a:endParaRPr lang="de-CH" sz="2600" dirty="0" smtClean="0"/>
+          </a:p>
+          <a:p>
+            <a:pPr lvl="1"/>
+            <a:r>
+              <a:rPr lang="de-CH" sz="2600" dirty="0" smtClean="0"/>
+              <a:t>Packages (</a:t>
+            </a:r>
+            <a:r>
+              <a:rPr lang="de-CH" sz="2600" dirty="0" err="1" smtClean="0"/>
+              <a:t>Layers</a:t>
+            </a:r>
+            <a:r>
+              <a:rPr lang="de-CH" sz="2600" dirty="0" smtClean="0"/>
+              <a:t>, Tiers)</a:t>
+            </a:r>
+          </a:p>
+          <a:p>
+            <a:pPr lvl="1"/>
+            <a:r>
+              <a:rPr lang="de-CH" sz="2600" dirty="0" smtClean="0"/>
+              <a:t>Problemdomain</a:t>
+            </a:r>
+          </a:p>
+          <a:p>
+            <a:pPr lvl="1"/>
+            <a:r>
+              <a:rPr lang="de-CH" sz="2600" dirty="0" smtClean="0"/>
+              <a:t>User Interface</a:t>
+            </a:r>
+          </a:p>
+          <a:p>
+            <a:r>
+              <a:rPr lang="de-CH" sz="3000" dirty="0" smtClean="0"/>
+              <a:t>Tests</a:t>
+            </a:r>
+          </a:p>
+          <a:p>
+            <a:r>
+              <a:rPr lang="de-CH" sz="3000" dirty="0" smtClean="0"/>
+              <a:t>Live-Demo</a:t>
+            </a:r>
+          </a:p>
+          <a:p>
+            <a:r>
+              <a:rPr lang="de-CH" sz="3000" dirty="0" smtClean="0"/>
+              <a:t>Projektstand</a:t>
+            </a:r>
+            <a:endParaRPr lang="de-CH" sz="3000" dirty="0"/>
+          </a:p>
+          <a:p>
+            <a:endParaRPr lang="de-CH" dirty="0" smtClean="0"/>
+          </a:p>
+        </p:txBody>
+      </p:sp>
+      <p:sp>
+        <p:nvSpPr>
+          <p:cNvPr id="2" name="Titel 1"/>
+          <p:cNvSpPr>
+            <a:spLocks noGrp="1"/>
+          </p:cNvSpPr>
+          <p:nvPr>
+            <p:ph type="title"/>
+          </p:nvPr>
+        </p:nvSpPr>
+        <p:spPr/>
+        <p:txBody>
+          <a:bodyPr>
+            <a:normAutofit/>
+          </a:bodyPr>
+          <a:lstStyle/>
+          <a:p>
+            <a:r>
+              <a:rPr lang="de-CH" dirty="0" smtClean="0"/>
+              <a:t>Inhalt</a:t>
             </a:r>
             <a:endParaRPr lang="de-CH" dirty="0"/>
           </a:p>
@@ -36703,6 +37510,878 @@
     <a:masterClrMapping/>
   </p:clrMapOvr>
   <p:transition/>
+  <p:timing>
+    <p:tnLst>
+      <p:par>
+        <p:cTn id="1" dur="indefinite" restart="never" nodeType="tmRoot"/>
+      </p:par>
+    </p:tnLst>
+  </p:timing>
+</p:sld>
+</file>
+
+<file path=ppt/slides/slide3.xml><?xml version="1.0" encoding="utf-8"?>
+<p:sld xmlns:a="http://schemas.openxmlformats.org/drawingml/2006/main" xmlns:r="http://schemas.openxmlformats.org/officeDocument/2006/relationships" xmlns:p="http://schemas.openxmlformats.org/presentationml/2006/main">
+  <p:cSld>
+    <p:spTree>
+      <p:nvGrpSpPr>
+        <p:cNvPr id="1" name=""/>
+        <p:cNvGrpSpPr/>
+        <p:nvPr/>
+      </p:nvGrpSpPr>
+      <p:grpSpPr>
+        <a:xfrm>
+          <a:off x="0" y="0"/>
+          <a:ext cx="0" cy="0"/>
+          <a:chOff x="0" y="0"/>
+          <a:chExt cx="0" cy="0"/>
+        </a:xfrm>
+      </p:grpSpPr>
+      <p:sp>
+        <p:nvSpPr>
+          <p:cNvPr id="2" name="Inhaltsplatzhalter 1"/>
+          <p:cNvSpPr>
+            <a:spLocks noGrp="1"/>
+          </p:cNvSpPr>
+          <p:nvPr>
+            <p:ph idx="1"/>
+          </p:nvPr>
+        </p:nvSpPr>
+        <p:spPr/>
+        <p:txBody>
+          <a:bodyPr/>
+          <a:lstStyle/>
+          <a:p>
+            <a:r>
+              <a:rPr lang="de-CH" dirty="0" smtClean="0"/>
+              <a:t>Technische Risiken eliminieren</a:t>
+            </a:r>
+          </a:p>
+          <a:p>
+            <a:r>
+              <a:rPr lang="de-CH" dirty="0" smtClean="0"/>
+              <a:t>Machbarkeit testen</a:t>
+            </a:r>
+          </a:p>
+          <a:p>
+            <a:endParaRPr lang="de-CH" dirty="0"/>
+          </a:p>
+          <a:p>
+            <a:pPr marL="109728" indent="0">
+              <a:buNone/>
+            </a:pPr>
+            <a:endParaRPr lang="de-CH" dirty="0" smtClean="0"/>
+          </a:p>
+          <a:p>
+            <a:endParaRPr lang="de-CH" dirty="0" smtClean="0"/>
+          </a:p>
+          <a:p>
+            <a:endParaRPr lang="de-CH" dirty="0"/>
+          </a:p>
+        </p:txBody>
+      </p:sp>
+      <p:sp>
+        <p:nvSpPr>
+          <p:cNvPr id="3" name="Titel 2"/>
+          <p:cNvSpPr>
+            <a:spLocks noGrp="1"/>
+          </p:cNvSpPr>
+          <p:nvPr>
+            <p:ph type="title"/>
+          </p:nvPr>
+        </p:nvSpPr>
+        <p:spPr/>
+        <p:txBody>
+          <a:bodyPr/>
+          <a:lstStyle/>
+          <a:p>
+            <a:r>
+              <a:rPr lang="de-CH" dirty="0" smtClean="0"/>
+              <a:t>Ziele</a:t>
+            </a:r>
+            <a:endParaRPr lang="de-CH" dirty="0"/>
+          </a:p>
+        </p:txBody>
+      </p:sp>
+    </p:spTree>
+    <p:extLst>
+      <p:ext uri="{BB962C8B-B14F-4D97-AF65-F5344CB8AC3E}">
+        <p14:creationId xmlns:p14="http://schemas.microsoft.com/office/powerpoint/2010/main" val="2857039303"/>
+      </p:ext>
+    </p:extLst>
+  </p:cSld>
+  <p:clrMapOvr>
+    <a:masterClrMapping/>
+  </p:clrMapOvr>
+  <p:transition/>
+  <p:timing>
+    <p:tnLst>
+      <p:par>
+        <p:cTn id="1" dur="indefinite" restart="never" nodeType="tmRoot"/>
+      </p:par>
+    </p:tnLst>
+  </p:timing>
+</p:sld>
+</file>
+
+<file path=ppt/slides/slide4.xml><?xml version="1.0" encoding="utf-8"?>
+<p:sld xmlns:a="http://schemas.openxmlformats.org/drawingml/2006/main" xmlns:r="http://schemas.openxmlformats.org/officeDocument/2006/relationships" xmlns:p="http://schemas.openxmlformats.org/presentationml/2006/main">
+  <p:cSld>
+    <p:spTree>
+      <p:nvGrpSpPr>
+        <p:cNvPr id="1" name=""/>
+        <p:cNvGrpSpPr/>
+        <p:nvPr/>
+      </p:nvGrpSpPr>
+      <p:grpSpPr>
+        <a:xfrm>
+          <a:off x="0" y="0"/>
+          <a:ext cx="0" cy="0"/>
+          <a:chOff x="0" y="0"/>
+          <a:chExt cx="0" cy="0"/>
+        </a:xfrm>
+      </p:grpSpPr>
+      <p:sp>
+        <p:nvSpPr>
+          <p:cNvPr id="2" name="Inhaltsplatzhalter 1"/>
+          <p:cNvSpPr>
+            <a:spLocks noGrp="1"/>
+          </p:cNvSpPr>
+          <p:nvPr>
+            <p:ph idx="1"/>
+          </p:nvPr>
+        </p:nvSpPr>
+        <p:spPr/>
+        <p:txBody>
+          <a:bodyPr/>
+          <a:lstStyle/>
+          <a:p>
+            <a:r>
+              <a:rPr lang="de-CH" dirty="0" smtClean="0"/>
+              <a:t>Unterbruch während Übertragung eines Zeiteintrag</a:t>
+            </a:r>
+          </a:p>
+          <a:p>
+            <a:r>
+              <a:rPr lang="de-CH" dirty="0" smtClean="0"/>
+              <a:t>JSON </a:t>
+            </a:r>
+            <a:r>
+              <a:rPr lang="de-CH" dirty="0" err="1" smtClean="0"/>
+              <a:t>Serialisierung</a:t>
+            </a:r>
+            <a:endParaRPr lang="de-CH" dirty="0" smtClean="0"/>
+          </a:p>
+          <a:p>
+            <a:r>
+              <a:rPr lang="de-CH" dirty="0" smtClean="0"/>
+              <a:t>Dateninkonsistenz</a:t>
+            </a:r>
+          </a:p>
+          <a:p>
+            <a:endParaRPr lang="de-CH" dirty="0" smtClean="0"/>
+          </a:p>
+          <a:p>
+            <a:endParaRPr lang="de-CH" dirty="0" smtClean="0"/>
+          </a:p>
+          <a:p>
+            <a:endParaRPr lang="de-CH" dirty="0"/>
+          </a:p>
+        </p:txBody>
+      </p:sp>
+      <p:sp>
+        <p:nvSpPr>
+          <p:cNvPr id="3" name="Titel 2"/>
+          <p:cNvSpPr>
+            <a:spLocks noGrp="1"/>
+          </p:cNvSpPr>
+          <p:nvPr>
+            <p:ph type="title"/>
+          </p:nvPr>
+        </p:nvSpPr>
+        <p:spPr/>
+        <p:txBody>
+          <a:bodyPr/>
+          <a:lstStyle/>
+          <a:p>
+            <a:r>
+              <a:rPr lang="de-CH" dirty="0" smtClean="0"/>
+              <a:t>Risiken</a:t>
+            </a:r>
+            <a:endParaRPr lang="de-CH" dirty="0"/>
+          </a:p>
+        </p:txBody>
+      </p:sp>
+    </p:spTree>
+    <p:extLst>
+      <p:ext uri="{BB962C8B-B14F-4D97-AF65-F5344CB8AC3E}">
+        <p14:creationId xmlns:p14="http://schemas.microsoft.com/office/powerpoint/2010/main" val="4148578029"/>
+      </p:ext>
+    </p:extLst>
+  </p:cSld>
+  <p:clrMapOvr>
+    <a:masterClrMapping/>
+  </p:clrMapOvr>
+  <p:transition/>
+  <p:timing>
+    <p:tnLst>
+      <p:par>
+        <p:cTn id="1" dur="indefinite" restart="never" nodeType="tmRoot"/>
+      </p:par>
+    </p:tnLst>
+  </p:timing>
+</p:sld>
+</file>
+
+<file path=ppt/slides/slide5.xml><?xml version="1.0" encoding="utf-8"?>
+<p:sld xmlns:a="http://schemas.openxmlformats.org/drawingml/2006/main" xmlns:r="http://schemas.openxmlformats.org/officeDocument/2006/relationships" xmlns:p="http://schemas.openxmlformats.org/presentationml/2006/main">
+  <p:cSld>
+    <p:spTree>
+      <p:nvGrpSpPr>
+        <p:cNvPr id="1" name=""/>
+        <p:cNvGrpSpPr/>
+        <p:nvPr/>
+      </p:nvGrpSpPr>
+      <p:grpSpPr>
+        <a:xfrm>
+          <a:off x="0" y="0"/>
+          <a:ext cx="0" cy="0"/>
+          <a:chOff x="0" y="0"/>
+          <a:chExt cx="0" cy="0"/>
+        </a:xfrm>
+      </p:grpSpPr>
+      <p:pic>
+        <p:nvPicPr>
+          <p:cNvPr id="7" name="Grafik 6"/>
+          <p:cNvPicPr/>
+          <p:nvPr/>
+        </p:nvPicPr>
+        <p:blipFill rotWithShape="1">
+          <a:blip r:embed="rId2">
+            <a:extLst>
+              <a:ext uri="{28A0092B-C50C-407E-A947-70E740481C1C}">
+                <a14:useLocalDpi xmlns:a14="http://schemas.microsoft.com/office/drawing/2010/main" val="0"/>
+              </a:ext>
+            </a:extLst>
+          </a:blip>
+          <a:srcRect b="19869"/>
+          <a:stretch/>
+        </p:blipFill>
+        <p:spPr bwMode="auto">
+          <a:xfrm>
+            <a:off x="251520" y="0"/>
+            <a:ext cx="6984776" cy="6741368"/>
+          </a:xfrm>
+          <a:prstGeom prst="rect">
+            <a:avLst/>
+          </a:prstGeom>
+          <a:noFill/>
+          <a:ln>
+            <a:noFill/>
+          </a:ln>
+          <a:extLst>
+            <a:ext uri="{53640926-AAD7-44D8-BBD7-CCE9431645EC}">
+              <a14:shadowObscured xmlns:a14="http://schemas.microsoft.com/office/drawing/2010/main"/>
+            </a:ext>
+          </a:extLst>
+        </p:spPr>
+      </p:pic>
+    </p:spTree>
+    <p:extLst>
+      <p:ext uri="{BB962C8B-B14F-4D97-AF65-F5344CB8AC3E}">
+        <p14:creationId xmlns:p14="http://schemas.microsoft.com/office/powerpoint/2010/main" val="613654050"/>
+      </p:ext>
+    </p:extLst>
+  </p:cSld>
+  <p:clrMapOvr>
+    <a:masterClrMapping/>
+  </p:clrMapOvr>
+  <p:transition/>
+  <p:timing>
+    <p:tnLst>
+      <p:par>
+        <p:cTn id="1" dur="indefinite" restart="never" nodeType="tmRoot"/>
+      </p:par>
+    </p:tnLst>
+  </p:timing>
+</p:sld>
+</file>
+
+<file path=ppt/slides/slide6.xml><?xml version="1.0" encoding="utf-8"?>
+<p:sld xmlns:a="http://schemas.openxmlformats.org/drawingml/2006/main" xmlns:r="http://schemas.openxmlformats.org/officeDocument/2006/relationships" xmlns:p="http://schemas.openxmlformats.org/presentationml/2006/main">
+  <p:cSld>
+    <p:spTree>
+      <p:nvGrpSpPr>
+        <p:cNvPr id="1" name=""/>
+        <p:cNvGrpSpPr/>
+        <p:nvPr/>
+      </p:nvGrpSpPr>
+      <p:grpSpPr>
+        <a:xfrm>
+          <a:off x="0" y="0"/>
+          <a:ext cx="0" cy="0"/>
+          <a:chOff x="0" y="0"/>
+          <a:chExt cx="0" cy="0"/>
+        </a:xfrm>
+      </p:grpSpPr>
+      <p:pic>
+        <p:nvPicPr>
+          <p:cNvPr id="4" name="Grafik 3"/>
+          <p:cNvPicPr/>
+          <p:nvPr/>
+        </p:nvPicPr>
+        <p:blipFill>
+          <a:blip r:embed="rId2">
+            <a:extLst>
+              <a:ext uri="{28A0092B-C50C-407E-A947-70E740481C1C}">
+                <a14:useLocalDpi xmlns:a14="http://schemas.microsoft.com/office/drawing/2010/main" val="0"/>
+              </a:ext>
+            </a:extLst>
+          </a:blip>
+          <a:srcRect/>
+          <a:stretch>
+            <a:fillRect/>
+          </a:stretch>
+        </p:blipFill>
+        <p:spPr bwMode="auto">
+          <a:xfrm>
+            <a:off x="251520" y="188640"/>
+            <a:ext cx="8064896" cy="6552728"/>
+          </a:xfrm>
+          <a:prstGeom prst="rect">
+            <a:avLst/>
+          </a:prstGeom>
+          <a:noFill/>
+          <a:ln>
+            <a:noFill/>
+          </a:ln>
+        </p:spPr>
+      </p:pic>
+    </p:spTree>
+    <p:extLst>
+      <p:ext uri="{BB962C8B-B14F-4D97-AF65-F5344CB8AC3E}">
+        <p14:creationId xmlns:p14="http://schemas.microsoft.com/office/powerpoint/2010/main" val="4031105902"/>
+      </p:ext>
+    </p:extLst>
+  </p:cSld>
+  <p:clrMapOvr>
+    <a:masterClrMapping/>
+  </p:clrMapOvr>
+  <p:transition/>
+  <p:timing>
+    <p:tnLst>
+      <p:par>
+        <p:cTn id="1" dur="indefinite" restart="never" nodeType="tmRoot"/>
+      </p:par>
+    </p:tnLst>
+  </p:timing>
+</p:sld>
+</file>
+
+<file path=ppt/slides/slide7.xml><?xml version="1.0" encoding="utf-8"?>
+<p:sld xmlns:a="http://schemas.openxmlformats.org/drawingml/2006/main" xmlns:r="http://schemas.openxmlformats.org/officeDocument/2006/relationships" xmlns:p="http://schemas.openxmlformats.org/presentationml/2006/main">
+  <p:cSld>
+    <p:spTree>
+      <p:nvGrpSpPr>
+        <p:cNvPr id="1" name=""/>
+        <p:cNvGrpSpPr/>
+        <p:nvPr/>
+      </p:nvGrpSpPr>
+      <p:grpSpPr>
+        <a:xfrm>
+          <a:off x="0" y="0"/>
+          <a:ext cx="0" cy="0"/>
+          <a:chOff x="0" y="0"/>
+          <a:chExt cx="0" cy="0"/>
+        </a:xfrm>
+      </p:grpSpPr>
+      <p:sp>
+        <p:nvSpPr>
+          <p:cNvPr id="2" name="Inhaltsplatzhalter 1"/>
+          <p:cNvSpPr>
+            <a:spLocks noGrp="1"/>
+          </p:cNvSpPr>
+          <p:nvPr>
+            <p:ph idx="1"/>
+          </p:nvPr>
+        </p:nvSpPr>
+        <p:spPr/>
+        <p:txBody>
+          <a:bodyPr/>
+          <a:lstStyle/>
+          <a:p>
+            <a:r>
+              <a:rPr lang="de-CH" dirty="0"/>
+              <a:t>Übertragung eines Zeiteintrags</a:t>
+            </a:r>
+          </a:p>
+          <a:p>
+            <a:r>
+              <a:rPr lang="de-CH" dirty="0"/>
+              <a:t>Simples, funktionsfähiges GUI</a:t>
+            </a:r>
+          </a:p>
+          <a:p>
+            <a:r>
+              <a:rPr lang="de-CH" dirty="0"/>
+              <a:t>Anzeigen Zeiteinträge in Datenbank</a:t>
+            </a:r>
+          </a:p>
+          <a:p>
+            <a:r>
+              <a:rPr lang="de-CH" dirty="0"/>
+              <a:t>CRUD Zeiteintrag auf Server</a:t>
+            </a:r>
+          </a:p>
+          <a:p>
+            <a:pPr marL="109728" indent="0">
+              <a:buNone/>
+            </a:pPr>
+            <a:endParaRPr lang="de-CH" dirty="0"/>
+          </a:p>
+        </p:txBody>
+      </p:sp>
+      <p:sp>
+        <p:nvSpPr>
+          <p:cNvPr id="3" name="Titel 2"/>
+          <p:cNvSpPr>
+            <a:spLocks noGrp="1"/>
+          </p:cNvSpPr>
+          <p:nvPr>
+            <p:ph type="title"/>
+          </p:nvPr>
+        </p:nvSpPr>
+        <p:spPr/>
+        <p:txBody>
+          <a:bodyPr/>
+          <a:lstStyle/>
+          <a:p>
+            <a:r>
+              <a:rPr lang="de-CH" dirty="0" smtClean="0"/>
+              <a:t>Funktionalität</a:t>
+            </a:r>
+            <a:endParaRPr lang="de-CH" dirty="0"/>
+          </a:p>
+        </p:txBody>
+      </p:sp>
+    </p:spTree>
+    <p:extLst>
+      <p:ext uri="{BB962C8B-B14F-4D97-AF65-F5344CB8AC3E}">
+        <p14:creationId xmlns:p14="http://schemas.microsoft.com/office/powerpoint/2010/main" val="799700918"/>
+      </p:ext>
+    </p:extLst>
+  </p:cSld>
+  <p:clrMapOvr>
+    <a:masterClrMapping/>
+  </p:clrMapOvr>
+  <p:transition/>
+  <p:timing>
+    <p:tnLst>
+      <p:par>
+        <p:cTn id="1" dur="indefinite" restart="never" nodeType="tmRoot"/>
+      </p:par>
+    </p:tnLst>
+  </p:timing>
+</p:sld>
+</file>
+
+<file path=ppt/slides/slide8.xml><?xml version="1.0" encoding="utf-8"?>
+<p:sld xmlns:a="http://schemas.openxmlformats.org/drawingml/2006/main" xmlns:r="http://schemas.openxmlformats.org/officeDocument/2006/relationships" xmlns:p="http://schemas.openxmlformats.org/presentationml/2006/main">
+  <p:cSld>
+    <p:spTree>
+      <p:nvGrpSpPr>
+        <p:cNvPr id="1" name=""/>
+        <p:cNvGrpSpPr/>
+        <p:nvPr/>
+      </p:nvGrpSpPr>
+      <p:grpSpPr>
+        <a:xfrm>
+          <a:off x="0" y="0"/>
+          <a:ext cx="0" cy="0"/>
+          <a:chOff x="0" y="0"/>
+          <a:chExt cx="0" cy="0"/>
+        </a:xfrm>
+      </p:grpSpPr>
+      <p:sp>
+        <p:nvSpPr>
+          <p:cNvPr id="3" name="Titel 2"/>
+          <p:cNvSpPr>
+            <a:spLocks noGrp="1"/>
+          </p:cNvSpPr>
+          <p:nvPr>
+            <p:ph type="title"/>
+          </p:nvPr>
+        </p:nvSpPr>
+        <p:spPr/>
+        <p:txBody>
+          <a:bodyPr/>
+          <a:lstStyle/>
+          <a:p>
+            <a:r>
+              <a:rPr lang="de-CH" dirty="0" smtClean="0"/>
+              <a:t>Architektur</a:t>
+            </a:r>
+            <a:endParaRPr lang="de-CH" dirty="0"/>
+          </a:p>
+        </p:txBody>
+      </p:sp>
+      <p:grpSp>
+        <p:nvGrpSpPr>
+          <p:cNvPr id="4" name="Gruppieren 3"/>
+          <p:cNvGrpSpPr/>
+          <p:nvPr/>
+        </p:nvGrpSpPr>
+        <p:grpSpPr>
+          <a:xfrm>
+            <a:off x="3712840" y="1325457"/>
+            <a:ext cx="4392488" cy="5040560"/>
+            <a:chOff x="0" y="0"/>
+            <a:chExt cx="4295775" cy="5161894"/>
+          </a:xfrm>
+        </p:grpSpPr>
+        <p:pic>
+          <p:nvPicPr>
+            <p:cNvPr id="5" name="Grafik 4"/>
+            <p:cNvPicPr>
+              <a:picLocks noChangeAspect="1"/>
+            </p:cNvPicPr>
+            <p:nvPr/>
+          </p:nvPicPr>
+          <p:blipFill>
+            <a:blip r:embed="rId2">
+              <a:extLst>
+                <a:ext uri="{28A0092B-C50C-407E-A947-70E740481C1C}">
+                  <a14:useLocalDpi xmlns:a14="http://schemas.microsoft.com/office/drawing/2010/main" val="0"/>
+                </a:ext>
+              </a:extLst>
+            </a:blip>
+            <a:stretch>
+              <a:fillRect/>
+            </a:stretch>
+          </p:blipFill>
+          <p:spPr>
+            <a:xfrm>
+              <a:off x="0" y="0"/>
+              <a:ext cx="4295553" cy="4933507"/>
+            </a:xfrm>
+            <a:prstGeom prst="rect">
+              <a:avLst/>
+            </a:prstGeom>
+          </p:spPr>
+        </p:pic>
+        <p:sp>
+          <p:nvSpPr>
+            <p:cNvPr id="6" name="Textfeld 33"/>
+            <p:cNvSpPr txBox="1"/>
+            <p:nvPr/>
+          </p:nvSpPr>
+          <p:spPr>
+            <a:xfrm>
+              <a:off x="0" y="4986653"/>
+              <a:ext cx="4295775" cy="175241"/>
+            </a:xfrm>
+            <a:prstGeom prst="rect">
+              <a:avLst/>
+            </a:prstGeom>
+            <a:solidFill>
+              <a:prstClr val="white"/>
+            </a:solidFill>
+            <a:ln>
+              <a:noFill/>
+            </a:ln>
+            <a:effectLst/>
+          </p:spPr>
+          <p:txBody>
+            <a:bodyPr rot="0" spcFirstLastPara="0" vert="horz" wrap="square" lIns="0" tIns="0" rIns="0" bIns="0" numCol="1" spcCol="0" rtlCol="0" fromWordArt="0" anchor="t" anchorCtr="0" forceAA="0" compatLnSpc="1">
+              <a:prstTxWarp prst="textNoShape">
+                <a:avLst/>
+              </a:prstTxWarp>
+              <a:spAutoFit/>
+            </a:bodyPr>
+            <a:lstStyle/>
+            <a:p>
+              <a:pPr>
+                <a:spcAft>
+                  <a:spcPts val="400"/>
+                </a:spcAft>
+              </a:pPr>
+              <a:r>
+                <a:rPr lang="de-CH" sz="800" b="1" u="sng">
+                  <a:solidFill>
+                    <a:srgbClr val="365F91"/>
+                  </a:solidFill>
+                  <a:effectLst/>
+                  <a:latin typeface="Calibri"/>
+                  <a:ea typeface="Times New Roman"/>
+                  <a:cs typeface="Times New Roman"/>
+                </a:rPr>
+                <a:t>Abbildung </a:t>
+              </a:r>
+              <a:r>
+                <a:rPr lang="de-CH" sz="800" b="1">
+                  <a:solidFill>
+                    <a:srgbClr val="365F91"/>
+                  </a:solidFill>
+                  <a:effectLst/>
+                  <a:latin typeface="Calibri"/>
+                  <a:ea typeface="Times New Roman"/>
+                  <a:cs typeface="Times New Roman"/>
+                </a:rPr>
+                <a:t>1 - Architekturübersicht</a:t>
+              </a:r>
+            </a:p>
+          </p:txBody>
+        </p:sp>
+      </p:grpSp>
+      <p:sp>
+        <p:nvSpPr>
+          <p:cNvPr id="7" name="Inhaltsplatzhalter 1"/>
+          <p:cNvSpPr>
+            <a:spLocks noGrp="1"/>
+          </p:cNvSpPr>
+          <p:nvPr>
+            <p:ph idx="1"/>
+          </p:nvPr>
+        </p:nvSpPr>
+        <p:spPr>
+          <a:xfrm>
+            <a:off x="323528" y="1772816"/>
+            <a:ext cx="3672408" cy="1961411"/>
+          </a:xfrm>
+        </p:spPr>
+        <p:txBody>
+          <a:bodyPr>
+            <a:normAutofit fontScale="92500"/>
+          </a:bodyPr>
+          <a:lstStyle/>
+          <a:p>
+            <a:r>
+              <a:rPr lang="en-US" dirty="0" smtClean="0"/>
+              <a:t>Webserver</a:t>
+            </a:r>
+            <a:r>
+              <a:rPr lang="de-CH" dirty="0"/>
+              <a:t> </a:t>
+            </a:r>
+            <a:r>
+              <a:rPr lang="fr-CH" dirty="0" smtClean="0"/>
+              <a:t>(Apache)</a:t>
+            </a:r>
+          </a:p>
+          <a:p>
+            <a:r>
+              <a:rPr lang="fr-CH" dirty="0" err="1" smtClean="0"/>
+              <a:t>Database</a:t>
+            </a:r>
+            <a:r>
+              <a:rPr lang="fr-CH" dirty="0" smtClean="0"/>
+              <a:t> in MySQL</a:t>
+            </a:r>
+          </a:p>
+          <a:p>
+            <a:r>
+              <a:rPr lang="fr-CH" dirty="0" err="1" smtClean="0"/>
+              <a:t>Android</a:t>
+            </a:r>
+            <a:r>
+              <a:rPr lang="fr-CH" dirty="0" smtClean="0"/>
+              <a:t> mit </a:t>
+            </a:r>
+            <a:r>
+              <a:rPr lang="fr-CH" dirty="0" err="1" smtClean="0"/>
+              <a:t>lokalem</a:t>
+            </a:r>
+            <a:r>
+              <a:rPr lang="fr-CH" dirty="0" smtClean="0"/>
+              <a:t> Cache</a:t>
+            </a:r>
+            <a:endParaRPr lang="de-CH" dirty="0"/>
+          </a:p>
+        </p:txBody>
+      </p:sp>
+    </p:spTree>
+    <p:extLst>
+      <p:ext uri="{BB962C8B-B14F-4D97-AF65-F5344CB8AC3E}">
+        <p14:creationId xmlns:p14="http://schemas.microsoft.com/office/powerpoint/2010/main" val="894457348"/>
+      </p:ext>
+    </p:extLst>
+  </p:cSld>
+  <p:clrMapOvr>
+    <a:masterClrMapping/>
+  </p:clrMapOvr>
+  <p:transition/>
+  <p:timing>
+    <p:tnLst>
+      <p:par>
+        <p:cTn id="1" dur="indefinite" restart="never" nodeType="tmRoot"/>
+      </p:par>
+    </p:tnLst>
+  </p:timing>
+</p:sld>
+</file>
+
+<file path=ppt/slides/slide9.xml><?xml version="1.0" encoding="utf-8"?>
+<p:sld xmlns:a="http://schemas.openxmlformats.org/drawingml/2006/main" xmlns:r="http://schemas.openxmlformats.org/officeDocument/2006/relationships" xmlns:p="http://schemas.openxmlformats.org/presentationml/2006/main">
+  <p:cSld>
+    <p:spTree>
+      <p:nvGrpSpPr>
+        <p:cNvPr id="1" name=""/>
+        <p:cNvGrpSpPr/>
+        <p:nvPr/>
+      </p:nvGrpSpPr>
+      <p:grpSpPr>
+        <a:xfrm>
+          <a:off x="0" y="0"/>
+          <a:ext cx="0" cy="0"/>
+          <a:chOff x="0" y="0"/>
+          <a:chExt cx="0" cy="0"/>
+        </a:xfrm>
+      </p:grpSpPr>
+      <p:sp>
+        <p:nvSpPr>
+          <p:cNvPr id="2" name="Inhaltsplatzhalter 1"/>
+          <p:cNvSpPr>
+            <a:spLocks noGrp="1"/>
+          </p:cNvSpPr>
+          <p:nvPr>
+            <p:ph idx="1"/>
+          </p:nvPr>
+        </p:nvSpPr>
+        <p:spPr>
+          <a:xfrm>
+            <a:off x="457200" y="1481329"/>
+            <a:ext cx="7355160" cy="2379719"/>
+          </a:xfrm>
+        </p:spPr>
+        <p:txBody>
+          <a:bodyPr/>
+          <a:lstStyle/>
+          <a:p>
+            <a:r>
+              <a:rPr lang="de-CH" dirty="0" smtClean="0"/>
+              <a:t>Protokoll HTTP 1.1</a:t>
+            </a:r>
+          </a:p>
+          <a:p>
+            <a:r>
+              <a:rPr lang="de-CH" dirty="0" smtClean="0"/>
+              <a:t>Client: </a:t>
+            </a:r>
+            <a:r>
+              <a:rPr lang="de-CH" dirty="0" err="1" smtClean="0"/>
+              <a:t>Android</a:t>
+            </a:r>
+            <a:r>
+              <a:rPr lang="de-CH" dirty="0" smtClean="0"/>
+              <a:t> Version 2.2</a:t>
+            </a:r>
+          </a:p>
+          <a:p>
+            <a:pPr lvl="1"/>
+            <a:r>
+              <a:rPr lang="de-CH" dirty="0" smtClean="0"/>
+              <a:t>Anwendung: </a:t>
+            </a:r>
+            <a:r>
+              <a:rPr lang="de-CH" dirty="0" err="1" smtClean="0"/>
+              <a:t>mrt.apk</a:t>
+            </a:r>
+            <a:endParaRPr lang="de-CH" dirty="0" smtClean="0"/>
+          </a:p>
+          <a:p>
+            <a:r>
+              <a:rPr lang="de-CH" dirty="0" smtClean="0"/>
+              <a:t>Server: Linux mit Apache</a:t>
+            </a:r>
+          </a:p>
+          <a:p>
+            <a:pPr lvl="1"/>
+            <a:r>
+              <a:rPr lang="de-CH" dirty="0" smtClean="0"/>
+              <a:t>Anwendung: </a:t>
+            </a:r>
+            <a:r>
+              <a:rPr lang="de-CH" dirty="0" err="1" smtClean="0"/>
+              <a:t>rails_app</a:t>
+            </a:r>
+            <a:endParaRPr lang="de-CH" dirty="0" smtClean="0"/>
+          </a:p>
+        </p:txBody>
+      </p:sp>
+      <p:sp>
+        <p:nvSpPr>
+          <p:cNvPr id="3" name="Titel 2"/>
+          <p:cNvSpPr>
+            <a:spLocks noGrp="1"/>
+          </p:cNvSpPr>
+          <p:nvPr>
+            <p:ph type="title"/>
+          </p:nvPr>
+        </p:nvSpPr>
+        <p:spPr/>
+        <p:txBody>
+          <a:bodyPr/>
+          <a:lstStyle/>
+          <a:p>
+            <a:r>
+              <a:rPr lang="de-CH" dirty="0" smtClean="0"/>
+              <a:t>Tiers</a:t>
+            </a:r>
+            <a:endParaRPr lang="de-CH" dirty="0"/>
+          </a:p>
+        </p:txBody>
+      </p:sp>
+      <p:pic>
+        <p:nvPicPr>
+          <p:cNvPr id="4" name="Grafik 3"/>
+          <p:cNvPicPr/>
+          <p:nvPr/>
+        </p:nvPicPr>
+        <p:blipFill>
+          <a:blip r:embed="rId2">
+            <a:extLst>
+              <a:ext uri="{28A0092B-C50C-407E-A947-70E740481C1C}">
+                <a14:useLocalDpi xmlns:a14="http://schemas.microsoft.com/office/drawing/2010/main" val="0"/>
+              </a:ext>
+            </a:extLst>
+          </a:blip>
+          <a:srcRect/>
+          <a:stretch>
+            <a:fillRect/>
+          </a:stretch>
+        </p:blipFill>
+        <p:spPr bwMode="auto">
+          <a:xfrm>
+            <a:off x="2123728" y="4149080"/>
+            <a:ext cx="4848225" cy="1776730"/>
+          </a:xfrm>
+          <a:prstGeom prst="rect">
+            <a:avLst/>
+          </a:prstGeom>
+          <a:noFill/>
+          <a:ln>
+            <a:noFill/>
+          </a:ln>
+        </p:spPr>
+      </p:pic>
+    </p:spTree>
+    <p:extLst>
+      <p:ext uri="{BB962C8B-B14F-4D97-AF65-F5344CB8AC3E}">
+        <p14:creationId xmlns:p14="http://schemas.microsoft.com/office/powerpoint/2010/main" val="3379927354"/>
+      </p:ext>
+    </p:extLst>
+  </p:cSld>
+  <p:clrMapOvr>
+    <a:masterClrMapping/>
+  </p:clrMapOvr>
+  <p:transition/>
+  <p:timing>
+    <p:tnLst>
+      <p:par>
+        <p:cTn id="1" dur="indefinite" restart="never" nodeType="tmRoot"/>
+      </p:par>
+    </p:tnLst>
+  </p:timing>
 </p:sld>
 </file>
 

--- a/doc/05_Design/praesentation.pptx
+++ b/doc/05_Design/praesentation.pptx
@@ -21,13 +21,14 @@
     <p:sldId id="261" r:id="rId15"/>
     <p:sldId id="264" r:id="rId16"/>
     <p:sldId id="265" r:id="rId17"/>
-    <p:sldId id="267" r:id="rId18"/>
-    <p:sldId id="266" r:id="rId19"/>
-    <p:sldId id="268" r:id="rId20"/>
-    <p:sldId id="269" r:id="rId21"/>
-    <p:sldId id="270" r:id="rId22"/>
-    <p:sldId id="271" r:id="rId23"/>
-    <p:sldId id="272" r:id="rId24"/>
+    <p:sldId id="273" r:id="rId18"/>
+    <p:sldId id="267" r:id="rId19"/>
+    <p:sldId id="266" r:id="rId20"/>
+    <p:sldId id="268" r:id="rId21"/>
+    <p:sldId id="269" r:id="rId22"/>
+    <p:sldId id="270" r:id="rId23"/>
+    <p:sldId id="271" r:id="rId24"/>
+    <p:sldId id="272" r:id="rId25"/>
   </p:sldIdLst>
   <p:sldSz cx="9144000" cy="6858000" type="screen4x3"/>
   <p:notesSz cx="6858000" cy="9144000"/>
@@ -36607,27 +36608,17 @@
         <p:spPr/>
         <p:txBody>
           <a:bodyPr>
-            <a:normAutofit fontScale="90000"/>
+            <a:normAutofit/>
           </a:bodyPr>
           <a:lstStyle/>
           <a:p>
             <a:r>
               <a:rPr lang="de-CH" dirty="0" smtClean="0"/>
-              <a:t>Mobile Reporting Tool</a:t>
-            </a:r>
-            <a:br>
+              <a:t>Mobile Reporting </a:t>
+            </a:r>
+            <a:r>
               <a:rPr lang="de-CH" dirty="0" smtClean="0"/>
-            </a:br>
-            <a:r>
-              <a:rPr lang="de-CH" dirty="0" smtClean="0"/>
-              <a:t>MS3 Ende Elaboration</a:t>
-            </a:r>
-            <a:br>
-              <a:rPr lang="de-CH" dirty="0" smtClean="0"/>
-            </a:br>
-            <a:r>
-              <a:rPr lang="de-CH" dirty="0" smtClean="0"/>
-              <a:t>Architektur, Prototyp</a:t>
+              <a:t>Tool</a:t>
             </a:r>
             <a:endParaRPr lang="de-CH" dirty="0"/>
           </a:p>
@@ -36648,18 +36639,17 @@
           <a:bodyPr/>
           <a:lstStyle/>
           <a:p>
-            <a:pPr algn="ctr"/>
+            <a:r>
+              <a:rPr lang="de-CH" dirty="0"/>
+              <a:t>MS3: Architektur </a:t>
+            </a:r>
             <a:r>
               <a:rPr lang="de-CH" dirty="0" smtClean="0"/>
-              <a:t>Diego Steiner, Delia </a:t>
-            </a:r>
-            <a:r>
-              <a:rPr lang="de-CH" dirty="0" err="1" smtClean="0"/>
-              <a:t>Treichler</a:t>
-            </a:r>
-            <a:r>
-              <a:rPr lang="de-CH" dirty="0" smtClean="0"/>
-              <a:t>, Lukas Elmer, Christina Heidt, Remo Waltenspül </a:t>
+              <a:t>und </a:t>
+            </a:r>
+            <a:r>
+              <a:rPr lang="de-CH" dirty="0"/>
+              <a:t>Prototyp</a:t>
             </a:r>
             <a:endParaRPr lang="de-CH" dirty="0"/>
           </a:p>
@@ -36718,7 +36708,57 @@
           <a:bodyPr/>
           <a:lstStyle/>
           <a:p>
-            <a:endParaRPr lang="de-CH"/>
+            <a:r>
+              <a:rPr lang="de-CH" dirty="0" smtClean="0"/>
+              <a:t>Konzentration </a:t>
+            </a:r>
+            <a:r>
+              <a:rPr lang="de-CH" dirty="0" err="1" smtClean="0"/>
+              <a:t>Android</a:t>
+            </a:r>
+            <a:endParaRPr lang="de-CH" dirty="0"/>
+          </a:p>
+          <a:p>
+            <a:r>
+              <a:rPr lang="de-CH" dirty="0" smtClean="0"/>
+              <a:t>Schichtenarchitektur</a:t>
+            </a:r>
+          </a:p>
+          <a:p>
+            <a:pPr lvl="1"/>
+            <a:r>
+              <a:rPr lang="de-CH" dirty="0" smtClean="0"/>
+              <a:t>Schwache Kopplung</a:t>
+            </a:r>
+          </a:p>
+          <a:p>
+            <a:pPr lvl="1"/>
+            <a:r>
+              <a:rPr lang="de-CH" dirty="0" smtClean="0"/>
+              <a:t>Aufteilbar</a:t>
+            </a:r>
+          </a:p>
+          <a:p>
+            <a:pPr lvl="1"/>
+            <a:r>
+              <a:rPr lang="de-CH" dirty="0" smtClean="0"/>
+              <a:t>Einzeln </a:t>
+            </a:r>
+            <a:r>
+              <a:rPr lang="de-CH" dirty="0" err="1" smtClean="0"/>
+              <a:t>Testbar</a:t>
+            </a:r>
+            <a:endParaRPr lang="de-CH" dirty="0" smtClean="0"/>
+          </a:p>
+          <a:p>
+            <a:r>
+              <a:rPr lang="de-CH" dirty="0" smtClean="0"/>
+              <a:t>Realisierung</a:t>
+            </a:r>
+            <a:endParaRPr lang="de-CH" dirty="0" smtClean="0"/>
+          </a:p>
+          <a:p>
+            <a:endParaRPr lang="de-CH" dirty="0" smtClean="0"/>
           </a:p>
         </p:txBody>
       </p:sp>
@@ -36783,52 +36823,72 @@
           <a:chExt cx="0" cy="0"/>
         </a:xfrm>
       </p:grpSpPr>
-      <p:sp>
-        <p:nvSpPr>
-          <p:cNvPr id="2" name="Inhaltsplatzhalter 1"/>
-          <p:cNvSpPr>
-            <a:spLocks noGrp="1"/>
-          </p:cNvSpPr>
-          <p:nvPr>
-            <p:ph idx="1"/>
-          </p:nvPr>
-        </p:nvSpPr>
-        <p:spPr/>
-        <p:txBody>
-          <a:bodyPr/>
-          <a:lstStyle/>
-          <a:p>
-            <a:endParaRPr lang="de-CH" dirty="0"/>
-          </a:p>
-        </p:txBody>
-      </p:sp>
-      <p:sp>
-        <p:nvSpPr>
-          <p:cNvPr id="3" name="Titel 2"/>
-          <p:cNvSpPr>
-            <a:spLocks noGrp="1"/>
-          </p:cNvSpPr>
-          <p:nvPr>
-            <p:ph type="title"/>
-          </p:nvPr>
-        </p:nvSpPr>
-        <p:spPr/>
-        <p:txBody>
-          <a:bodyPr/>
-          <a:lstStyle/>
-          <a:p>
-            <a:r>
-              <a:rPr lang="de-CH" dirty="0" smtClean="0"/>
-              <a:t>Architekturentscheidungen</a:t>
-            </a:r>
-            <a:endParaRPr lang="de-CH" dirty="0"/>
-          </a:p>
-        </p:txBody>
-      </p:sp>
+      <p:pic>
+        <p:nvPicPr>
+          <p:cNvPr id="8195" name="Picture 3"/>
+          <p:cNvPicPr>
+            <a:picLocks noChangeAspect="1" noChangeArrowheads="1"/>
+          </p:cNvPicPr>
+          <p:nvPr/>
+        </p:nvPicPr>
+        <p:blipFill rotWithShape="1">
+          <a:blip r:embed="rId2">
+            <a:extLst>
+              <a:ext uri="{28A0092B-C50C-407E-A947-70E740481C1C}">
+                <a14:useLocalDpi xmlns:a14="http://schemas.microsoft.com/office/drawing/2010/main" val="0"/>
+              </a:ext>
+            </a:extLst>
+          </a:blip>
+          <a:srcRect l="1724" t="3134" r="1311" b="1404"/>
+          <a:stretch/>
+        </p:blipFill>
+        <p:spPr bwMode="auto">
+          <a:xfrm>
+            <a:off x="899592" y="-7400"/>
+            <a:ext cx="7704855" cy="6926280"/>
+          </a:xfrm>
+          <a:prstGeom prst="rect">
+            <a:avLst/>
+          </a:prstGeom>
+          <a:noFill/>
+          <a:ln>
+            <a:noFill/>
+          </a:ln>
+          <a:effectLst/>
+          <a:extLst>
+            <a:ext uri="{909E8E84-426E-40DD-AFC4-6F175D3DCCD1}">
+              <a14:hiddenFill xmlns:a14="http://schemas.microsoft.com/office/drawing/2010/main">
+                <a:solidFill>
+                  <a:schemeClr val="accent1"/>
+                </a:solidFill>
+              </a14:hiddenFill>
+            </a:ext>
+            <a:ext uri="{91240B29-F687-4F45-9708-019B960494DF}">
+              <a14:hiddenLine xmlns:a14="http://schemas.microsoft.com/office/drawing/2010/main" w="9525">
+                <a:solidFill>
+                  <a:schemeClr val="tx1"/>
+                </a:solidFill>
+                <a:miter lim="800000"/>
+                <a:headEnd/>
+                <a:tailEnd/>
+              </a14:hiddenLine>
+            </a:ext>
+            <a:ext uri="{AF507438-7753-43E0-B8FC-AC1667EBCBE1}">
+              <a14:hiddenEffects xmlns:a14="http://schemas.microsoft.com/office/drawing/2010/main">
+                <a:effectLst>
+                  <a:outerShdw dist="35921" dir="2700000" algn="ctr" rotWithShape="0">
+                    <a:schemeClr val="bg2"/>
+                  </a:outerShdw>
+                </a:effectLst>
+              </a14:hiddenEffects>
+            </a:ext>
+          </a:extLst>
+        </p:spPr>
+      </p:pic>
     </p:spTree>
     <p:extLst>
       <p:ext uri="{BB962C8B-B14F-4D97-AF65-F5344CB8AC3E}">
-        <p14:creationId xmlns:p14="http://schemas.microsoft.com/office/powerpoint/2010/main" val="3935725331"/>
+        <p14:creationId xmlns:p14="http://schemas.microsoft.com/office/powerpoint/2010/main" val="3020056857"/>
       </p:ext>
     </p:extLst>
   </p:cSld>
@@ -36865,6 +36925,86 @@
       </p:grpSpPr>
       <p:sp>
         <p:nvSpPr>
+          <p:cNvPr id="2" name="Inhaltsplatzhalter 1"/>
+          <p:cNvSpPr>
+            <a:spLocks noGrp="1"/>
+          </p:cNvSpPr>
+          <p:nvPr>
+            <p:ph idx="1"/>
+          </p:nvPr>
+        </p:nvSpPr>
+        <p:spPr/>
+        <p:txBody>
+          <a:bodyPr/>
+          <a:lstStyle/>
+          <a:p>
+            <a:endParaRPr lang="de-CH" dirty="0"/>
+          </a:p>
+        </p:txBody>
+      </p:sp>
+      <p:sp>
+        <p:nvSpPr>
+          <p:cNvPr id="3" name="Titel 2"/>
+          <p:cNvSpPr>
+            <a:spLocks noGrp="1"/>
+          </p:cNvSpPr>
+          <p:nvPr>
+            <p:ph type="title"/>
+          </p:nvPr>
+        </p:nvSpPr>
+        <p:spPr/>
+        <p:txBody>
+          <a:bodyPr/>
+          <a:lstStyle/>
+          <a:p>
+            <a:r>
+              <a:rPr lang="de-CH" dirty="0" smtClean="0"/>
+              <a:t>Architekturentscheidungen</a:t>
+            </a:r>
+            <a:endParaRPr lang="de-CH" dirty="0"/>
+          </a:p>
+        </p:txBody>
+      </p:sp>
+    </p:spTree>
+    <p:extLst>
+      <p:ext uri="{BB962C8B-B14F-4D97-AF65-F5344CB8AC3E}">
+        <p14:creationId xmlns:p14="http://schemas.microsoft.com/office/powerpoint/2010/main" val="3935725331"/>
+      </p:ext>
+    </p:extLst>
+  </p:cSld>
+  <p:clrMapOvr>
+    <a:masterClrMapping/>
+  </p:clrMapOvr>
+  <p:transition/>
+  <p:timing>
+    <p:tnLst>
+      <p:par>
+        <p:cTn id="1" dur="indefinite" restart="never" nodeType="tmRoot"/>
+      </p:par>
+    </p:tnLst>
+  </p:timing>
+</p:sld>
+</file>
+
+<file path=ppt/slides/slide13.xml><?xml version="1.0" encoding="utf-8"?>
+<p:sld xmlns:a="http://schemas.openxmlformats.org/drawingml/2006/main" xmlns:r="http://schemas.openxmlformats.org/officeDocument/2006/relationships" xmlns:p="http://schemas.openxmlformats.org/presentationml/2006/main">
+  <p:cSld>
+    <p:spTree>
+      <p:nvGrpSpPr>
+        <p:cNvPr id="1" name=""/>
+        <p:cNvGrpSpPr/>
+        <p:nvPr/>
+      </p:nvGrpSpPr>
+      <p:grpSpPr>
+        <a:xfrm>
+          <a:off x="0" y="0"/>
+          <a:ext cx="0" cy="0"/>
+          <a:chOff x="0" y="0"/>
+          <a:chExt cx="0" cy="0"/>
+        </a:xfrm>
+      </p:grpSpPr>
+      <p:sp>
+        <p:nvSpPr>
           <p:cNvPr id="3" name="Titel 2"/>
           <p:cNvSpPr>
             <a:spLocks noGrp="1"/>
@@ -36913,8 +37053,8 @@
         </p:blipFill>
         <p:spPr bwMode="auto">
           <a:xfrm>
-            <a:off x="1115616" y="1320550"/>
-            <a:ext cx="7374632" cy="5015543"/>
+            <a:off x="731472" y="1124744"/>
+            <a:ext cx="8233016" cy="5599336"/>
           </a:xfrm>
           <a:prstGeom prst="rect">
             <a:avLst/>
@@ -36975,7 +37115,7 @@
 </p:sld>
 </file>
 
-<file path=ppt/slides/slide13.xml><?xml version="1.0" encoding="utf-8"?>
+<file path=ppt/slides/slide14.xml><?xml version="1.0" encoding="utf-8"?>
 <p:sld xmlns:a="http://schemas.openxmlformats.org/drawingml/2006/main" xmlns:r="http://schemas.openxmlformats.org/officeDocument/2006/relationships" xmlns:p="http://schemas.openxmlformats.org/presentationml/2006/main">
   <p:cSld>
     <p:spTree>
@@ -37082,79 +37222,6 @@
 </p:sld>
 </file>
 
-<file path=ppt/slides/slide14.xml><?xml version="1.0" encoding="utf-8"?>
-<p:sld xmlns:a="http://schemas.openxmlformats.org/drawingml/2006/main" xmlns:r="http://schemas.openxmlformats.org/officeDocument/2006/relationships" xmlns:p="http://schemas.openxmlformats.org/presentationml/2006/main">
-  <p:cSld>
-    <p:spTree>
-      <p:nvGrpSpPr>
-        <p:cNvPr id="1" name=""/>
-        <p:cNvGrpSpPr/>
-        <p:nvPr/>
-      </p:nvGrpSpPr>
-      <p:grpSpPr>
-        <a:xfrm>
-          <a:off x="0" y="0"/>
-          <a:ext cx="0" cy="0"/>
-          <a:chOff x="0" y="0"/>
-          <a:chExt cx="0" cy="0"/>
-        </a:xfrm>
-      </p:grpSpPr>
-      <p:sp>
-        <p:nvSpPr>
-          <p:cNvPr id="2" name="Inhaltsplatzhalter 1"/>
-          <p:cNvSpPr>
-            <a:spLocks noGrp="1"/>
-          </p:cNvSpPr>
-          <p:nvPr>
-            <p:ph idx="1"/>
-          </p:nvPr>
-        </p:nvSpPr>
-        <p:spPr/>
-        <p:txBody>
-          <a:bodyPr/>
-          <a:lstStyle/>
-          <a:p>
-            <a:endParaRPr lang="de-CH"/>
-          </a:p>
-        </p:txBody>
-      </p:sp>
-      <p:sp>
-        <p:nvSpPr>
-          <p:cNvPr id="3" name="Titel 2"/>
-          <p:cNvSpPr>
-            <a:spLocks noGrp="1"/>
-          </p:cNvSpPr>
-          <p:nvPr>
-            <p:ph type="title"/>
-          </p:nvPr>
-        </p:nvSpPr>
-        <p:spPr/>
-        <p:txBody>
-          <a:bodyPr/>
-          <a:lstStyle/>
-          <a:p>
-            <a:r>
-              <a:rPr lang="de-CH" dirty="0" smtClean="0"/>
-              <a:t>User Interface</a:t>
-            </a:r>
-            <a:endParaRPr lang="de-CH" dirty="0"/>
-          </a:p>
-        </p:txBody>
-      </p:sp>
-    </p:spTree>
-    <p:extLst>
-      <p:ext uri="{BB962C8B-B14F-4D97-AF65-F5344CB8AC3E}">
-        <p14:creationId xmlns:p14="http://schemas.microsoft.com/office/powerpoint/2010/main" val="966300946"/>
-      </p:ext>
-    </p:extLst>
-  </p:cSld>
-  <p:clrMapOvr>
-    <a:masterClrMapping/>
-  </p:clrMapOvr>
-  <p:transition/>
-</p:sld>
-</file>
-
 <file path=ppt/slides/slide15.xml><?xml version="1.0" encoding="utf-8"?>
 <p:sld xmlns:a="http://schemas.openxmlformats.org/drawingml/2006/main" xmlns:r="http://schemas.openxmlformats.org/officeDocument/2006/relationships" xmlns:p="http://schemas.openxmlformats.org/presentationml/2006/main">
   <p:cSld>
@@ -37208,7 +37275,7 @@
           <a:p>
             <a:r>
               <a:rPr lang="de-CH" dirty="0" smtClean="0"/>
-              <a:t>Systemtest</a:t>
+              <a:t>User Interface</a:t>
             </a:r>
             <a:endParaRPr lang="de-CH" dirty="0"/>
           </a:p>
@@ -37217,7 +37284,7 @@
     </p:spTree>
     <p:extLst>
       <p:ext uri="{BB962C8B-B14F-4D97-AF65-F5344CB8AC3E}">
-        <p14:creationId xmlns:p14="http://schemas.microsoft.com/office/powerpoint/2010/main" val="2835939076"/>
+        <p14:creationId xmlns:p14="http://schemas.microsoft.com/office/powerpoint/2010/main" val="966300946"/>
       </p:ext>
     </p:extLst>
   </p:cSld>
@@ -37225,6 +37292,13 @@
     <a:masterClrMapping/>
   </p:clrMapOvr>
   <p:transition/>
+  <p:timing>
+    <p:tnLst>
+      <p:par>
+        <p:cTn id="1" dur="indefinite" restart="never" nodeType="tmRoot"/>
+      </p:par>
+    </p:tnLst>
+  </p:timing>
 </p:sld>
 </file>
 
@@ -37281,6 +37355,79 @@
           <a:p>
             <a:r>
               <a:rPr lang="de-CH" dirty="0" smtClean="0"/>
+              <a:t>Systemtest</a:t>
+            </a:r>
+            <a:endParaRPr lang="de-CH" dirty="0"/>
+          </a:p>
+        </p:txBody>
+      </p:sp>
+    </p:spTree>
+    <p:extLst>
+      <p:ext uri="{BB962C8B-B14F-4D97-AF65-F5344CB8AC3E}">
+        <p14:creationId xmlns:p14="http://schemas.microsoft.com/office/powerpoint/2010/main" val="2835939076"/>
+      </p:ext>
+    </p:extLst>
+  </p:cSld>
+  <p:clrMapOvr>
+    <a:masterClrMapping/>
+  </p:clrMapOvr>
+  <p:transition/>
+</p:sld>
+</file>
+
+<file path=ppt/slides/slide17.xml><?xml version="1.0" encoding="utf-8"?>
+<p:sld xmlns:a="http://schemas.openxmlformats.org/drawingml/2006/main" xmlns:r="http://schemas.openxmlformats.org/officeDocument/2006/relationships" xmlns:p="http://schemas.openxmlformats.org/presentationml/2006/main">
+  <p:cSld>
+    <p:spTree>
+      <p:nvGrpSpPr>
+        <p:cNvPr id="1" name=""/>
+        <p:cNvGrpSpPr/>
+        <p:nvPr/>
+      </p:nvGrpSpPr>
+      <p:grpSpPr>
+        <a:xfrm>
+          <a:off x="0" y="0"/>
+          <a:ext cx="0" cy="0"/>
+          <a:chOff x="0" y="0"/>
+          <a:chExt cx="0" cy="0"/>
+        </a:xfrm>
+      </p:grpSpPr>
+      <p:sp>
+        <p:nvSpPr>
+          <p:cNvPr id="2" name="Inhaltsplatzhalter 1"/>
+          <p:cNvSpPr>
+            <a:spLocks noGrp="1"/>
+          </p:cNvSpPr>
+          <p:nvPr>
+            <p:ph idx="1"/>
+          </p:nvPr>
+        </p:nvSpPr>
+        <p:spPr/>
+        <p:txBody>
+          <a:bodyPr/>
+          <a:lstStyle/>
+          <a:p>
+            <a:endParaRPr lang="de-CH"/>
+          </a:p>
+        </p:txBody>
+      </p:sp>
+      <p:sp>
+        <p:nvSpPr>
+          <p:cNvPr id="3" name="Titel 2"/>
+          <p:cNvSpPr>
+            <a:spLocks noGrp="1"/>
+          </p:cNvSpPr>
+          <p:nvPr>
+            <p:ph type="title"/>
+          </p:nvPr>
+        </p:nvSpPr>
+        <p:spPr/>
+        <p:txBody>
+          <a:bodyPr/>
+          <a:lstStyle/>
+          <a:p>
+            <a:r>
+              <a:rPr lang="de-CH" dirty="0" smtClean="0"/>
               <a:t>Unit Tests</a:t>
             </a:r>
             <a:endParaRPr lang="de-CH" dirty="0"/>
@@ -37301,7 +37448,7 @@
 </p:sld>
 </file>
 
-<file path=ppt/slides/slide17.xml><?xml version="1.0" encoding="utf-8"?>
+<file path=ppt/slides/slide18.xml><?xml version="1.0" encoding="utf-8"?>
 <p:sld xmlns:a="http://schemas.openxmlformats.org/drawingml/2006/main" xmlns:r="http://schemas.openxmlformats.org/officeDocument/2006/relationships" xmlns:p="http://schemas.openxmlformats.org/presentationml/2006/main">
   <p:cSld>
     <p:spTree>
@@ -37412,7 +37559,6 @@
               <a:rPr lang="de-CH" sz="3000" dirty="0" smtClean="0"/>
               <a:t>Ziele, Risiken, Funktionalität</a:t>
             </a:r>
-            <a:endParaRPr lang="de-CH" sz="3000" dirty="0" smtClean="0"/>
           </a:p>
           <a:p>
             <a:r>
@@ -37499,6 +37645,59 @@
           </a:p>
         </p:txBody>
       </p:sp>
+      <p:pic>
+        <p:nvPicPr>
+          <p:cNvPr id="2051" name="Picture 3" descr="C:\Users\Lukas Elmer\AppData\Local\Microsoft\Windows\Temporary Internet Files\Content.IE5\E2GAV9V0\MP900409575[1].jpg"/>
+          <p:cNvPicPr>
+            <a:picLocks noChangeAspect="1" noChangeArrowheads="1"/>
+          </p:cNvPicPr>
+          <p:nvPr/>
+        </p:nvPicPr>
+        <p:blipFill>
+          <a:blip r:embed="rId2" cstate="print">
+            <a:extLst>
+              <a:ext uri="{28A0092B-C50C-407E-A947-70E740481C1C}">
+                <a14:useLocalDpi xmlns:a14="http://schemas.microsoft.com/office/drawing/2010/main" val="0"/>
+              </a:ext>
+            </a:extLst>
+          </a:blip>
+          <a:srcRect/>
+          <a:stretch>
+            <a:fillRect/>
+          </a:stretch>
+        </p:blipFill>
+        <p:spPr bwMode="auto">
+          <a:xfrm>
+            <a:off x="7236295" y="4581128"/>
+            <a:ext cx="1620279" cy="1620279"/>
+          </a:xfrm>
+          <a:prstGeom prst="roundRect">
+            <a:avLst>
+              <a:gd name="adj" fmla="val 8594"/>
+            </a:avLst>
+          </a:prstGeom>
+          <a:solidFill>
+            <a:srgbClr val="FFFFFF">
+              <a:shade val="85000"/>
+            </a:srgbClr>
+          </a:solidFill>
+          <a:ln>
+            <a:noFill/>
+          </a:ln>
+          <a:effectLst>
+            <a:reflection blurRad="12700" stA="38000" endPos="28000" dist="5000" dir="5400000" sy="-100000" algn="bl" rotWithShape="0"/>
+          </a:effectLst>
+          <a:extLst>
+            <a:ext uri="{909E8E84-426E-40DD-AFC4-6F175D3DCCD1}">
+              <a14:hiddenFill xmlns:a14="http://schemas.microsoft.com/office/drawing/2010/main">
+                <a:solidFill>
+                  <a:srgbClr val="FFFFFF"/>
+                </a:solidFill>
+              </a14:hiddenFill>
+            </a:ext>
+          </a:extLst>
+        </p:spPr>
+      </p:pic>
     </p:spTree>
     <p:extLst>
       <p:ext uri="{BB962C8B-B14F-4D97-AF65-F5344CB8AC3E}">
@@ -37560,22 +37759,25 @@
           <a:p>
             <a:r>
               <a:rPr lang="de-CH" dirty="0" smtClean="0"/>
-              <a:t>Machbarkeit testen</a:t>
-            </a:r>
-          </a:p>
-          <a:p>
-            <a:endParaRPr lang="de-CH" dirty="0"/>
-          </a:p>
-          <a:p>
-            <a:pPr marL="109728" indent="0">
-              <a:buNone/>
-            </a:pPr>
+              <a:t>Machbarkeit </a:t>
+            </a:r>
+            <a:r>
+              <a:rPr lang="de-CH" dirty="0" smtClean="0"/>
+              <a:t>beweisen</a:t>
+            </a:r>
             <a:endParaRPr lang="de-CH" dirty="0" smtClean="0"/>
           </a:p>
           <a:p>
-            <a:endParaRPr lang="de-CH" dirty="0" smtClean="0"/>
-          </a:p>
-          <a:p>
+            <a:r>
+              <a:rPr lang="de-CH" dirty="0" smtClean="0"/>
+              <a:t>Vorbereitung Konstruktionsphase</a:t>
+            </a:r>
+          </a:p>
+          <a:p>
+            <a:r>
+              <a:rPr lang="de-CH" dirty="0" smtClean="0"/>
+              <a:t>Evaluation Werkzeuge / Bibliotheken</a:t>
+            </a:r>
             <a:endParaRPr lang="de-CH" dirty="0"/>
           </a:p>
         </p:txBody>
@@ -37603,6 +37805,52 @@
           </a:p>
         </p:txBody>
       </p:sp>
+      <p:pic>
+        <p:nvPicPr>
+          <p:cNvPr id="3075" name="Picture 3" descr="C:\Users\Lukas Elmer\AppData\Local\Microsoft\Windows\Temporary Internet Files\Content.IE5\E2GAV9V0\MP900433179[1].jpg"/>
+          <p:cNvPicPr>
+            <a:picLocks noChangeAspect="1" noChangeArrowheads="1"/>
+          </p:cNvPicPr>
+          <p:nvPr/>
+        </p:nvPicPr>
+        <p:blipFill>
+          <a:blip r:embed="rId2" cstate="print">
+            <a:extLst>
+              <a:ext uri="{28A0092B-C50C-407E-A947-70E740481C1C}">
+                <a14:useLocalDpi xmlns:a14="http://schemas.microsoft.com/office/drawing/2010/main" val="0"/>
+              </a:ext>
+            </a:extLst>
+          </a:blip>
+          <a:srcRect/>
+          <a:stretch>
+            <a:fillRect/>
+          </a:stretch>
+        </p:blipFill>
+        <p:spPr bwMode="auto">
+          <a:xfrm>
+            <a:off x="6588224" y="4851085"/>
+            <a:ext cx="2466964" cy="1851447"/>
+          </a:xfrm>
+          <a:prstGeom prst="rect">
+            <a:avLst/>
+          </a:prstGeom>
+          <a:ln>
+            <a:noFill/>
+          </a:ln>
+          <a:effectLst>
+            <a:softEdge rad="112500"/>
+          </a:effectLst>
+          <a:extLst>
+            <a:ext uri="{909E8E84-426E-40DD-AFC4-6F175D3DCCD1}">
+              <a14:hiddenFill xmlns:a14="http://schemas.microsoft.com/office/drawing/2010/main">
+                <a:solidFill>
+                  <a:srgbClr val="FFFFFF"/>
+                </a:solidFill>
+              </a14:hiddenFill>
+            </a:ext>
+          </a:extLst>
+        </p:spPr>
+      </p:pic>
     </p:spTree>
     <p:extLst>
       <p:ext uri="{BB962C8B-B14F-4D97-AF65-F5344CB8AC3E}">
@@ -37657,31 +37905,64 @@
           <a:lstStyle/>
           <a:p>
             <a:r>
+              <a:rPr lang="de-CH" dirty="0"/>
+              <a:t>Technologieunterschied Client / </a:t>
+            </a:r>
+            <a:r>
               <a:rPr lang="de-CH" dirty="0" smtClean="0"/>
-              <a:t>Unterbruch während Übertragung eines Zeiteintrag</a:t>
-            </a:r>
+              <a:t>Server</a:t>
+            </a:r>
+            <a:endParaRPr lang="de-CH" dirty="0" smtClean="0"/>
           </a:p>
           <a:p>
             <a:r>
               <a:rPr lang="de-CH" dirty="0" smtClean="0"/>
-              <a:t>JSON </a:t>
-            </a:r>
-            <a:r>
-              <a:rPr lang="de-CH" dirty="0" err="1" smtClean="0"/>
-              <a:t>Serialisierung</a:t>
+              <a:t>Keine globale ID, solange nicht auf Server</a:t>
+            </a:r>
+          </a:p>
+          <a:p>
+            <a:r>
+              <a:rPr lang="de-CH" dirty="0" smtClean="0"/>
+              <a:t>Unsichere Datenübertragung</a:t>
+            </a:r>
+          </a:p>
+          <a:p>
+            <a:pPr lvl="1"/>
+            <a:r>
+              <a:rPr lang="de-CH" dirty="0" smtClean="0"/>
+              <a:t>Informationsasymmetrie</a:t>
             </a:r>
             <a:endParaRPr lang="de-CH" dirty="0" smtClean="0"/>
           </a:p>
           <a:p>
+            <a:pPr lvl="1"/>
             <a:r>
               <a:rPr lang="de-CH" dirty="0" smtClean="0"/>
               <a:t>Dateninkonsistenz</a:t>
             </a:r>
           </a:p>
           <a:p>
+            <a:pPr lvl="1"/>
+            <a:r>
+              <a:rPr lang="de-CH" dirty="0" smtClean="0"/>
+              <a:t>Datenverlust</a:t>
+            </a:r>
+          </a:p>
+          <a:p>
+            <a:pPr lvl="1"/>
+            <a:r>
+              <a:rPr lang="de-CH" dirty="0" smtClean="0">
+                <a:sym typeface="Wingdings" pitchFamily="2" charset="2"/>
+              </a:rPr>
+              <a:t> Protokoll</a:t>
+            </a:r>
             <a:endParaRPr lang="de-CH" dirty="0" smtClean="0"/>
           </a:p>
           <a:p>
+            <a:r>
+              <a:rPr lang="de-CH" dirty="0" smtClean="0"/>
+              <a:t>Konzentration Stundeneintrag</a:t>
+            </a:r>
             <a:endParaRPr lang="de-CH" dirty="0" smtClean="0"/>
           </a:p>
           <a:p>
@@ -37712,6 +37993,59 @@
           </a:p>
         </p:txBody>
       </p:sp>
+      <p:pic>
+        <p:nvPicPr>
+          <p:cNvPr id="4100" name="Picture 4" descr="C:\Users\Lukas Elmer\AppData\Local\Microsoft\Windows\Temporary Internet Files\Content.IE5\E2GAV9V0\MP900401007[1].jpg"/>
+          <p:cNvPicPr>
+            <a:picLocks noChangeAspect="1" noChangeArrowheads="1"/>
+          </p:cNvPicPr>
+          <p:nvPr/>
+        </p:nvPicPr>
+        <p:blipFill>
+          <a:blip r:embed="rId2" cstate="print">
+            <a:extLst>
+              <a:ext uri="{28A0092B-C50C-407E-A947-70E740481C1C}">
+                <a14:useLocalDpi xmlns:a14="http://schemas.microsoft.com/office/drawing/2010/main" val="0"/>
+              </a:ext>
+            </a:extLst>
+          </a:blip>
+          <a:srcRect/>
+          <a:stretch>
+            <a:fillRect/>
+          </a:stretch>
+        </p:blipFill>
+        <p:spPr bwMode="auto">
+          <a:xfrm>
+            <a:off x="7806506" y="4651140"/>
+            <a:ext cx="1073180" cy="1608984"/>
+          </a:xfrm>
+          <a:prstGeom prst="roundRect">
+            <a:avLst>
+              <a:gd name="adj" fmla="val 8594"/>
+            </a:avLst>
+          </a:prstGeom>
+          <a:solidFill>
+            <a:srgbClr val="FFFFFF">
+              <a:shade val="85000"/>
+            </a:srgbClr>
+          </a:solidFill>
+          <a:ln>
+            <a:noFill/>
+          </a:ln>
+          <a:effectLst>
+            <a:reflection blurRad="12700" stA="38000" endPos="28000" dist="5000" dir="5400000" sy="-100000" algn="bl" rotWithShape="0"/>
+          </a:effectLst>
+          <a:extLst>
+            <a:ext uri="{909E8E84-426E-40DD-AFC4-6F175D3DCCD1}">
+              <a14:hiddenFill xmlns:a14="http://schemas.microsoft.com/office/drawing/2010/main">
+                <a:solidFill>
+                  <a:srgbClr val="FFFFFF"/>
+                </a:solidFill>
+              </a14:hiddenFill>
+            </a:ext>
+          </a:extLst>
+        </p:spPr>
+      </p:pic>
     </p:spTree>
     <p:extLst>
       <p:ext uri="{BB962C8B-B14F-4D97-AF65-F5344CB8AC3E}">
@@ -37912,31 +38246,101 @@
           <a:p>
             <a:r>
               <a:rPr lang="de-CH" dirty="0"/>
-              <a:t>Übertragung eines Zeiteintrags</a:t>
-            </a:r>
-          </a:p>
-          <a:p>
+              <a:t>Simples, funktionsfähiges </a:t>
+            </a:r>
+            <a:r>
+              <a:rPr lang="de-CH" dirty="0" smtClean="0"/>
+              <a:t>GUI</a:t>
+            </a:r>
+            <a:endParaRPr lang="de-CH" dirty="0" smtClean="0"/>
+          </a:p>
+          <a:p>
+            <a:r>
+              <a:rPr lang="de-CH" dirty="0" smtClean="0"/>
+              <a:t>Stundeneintrag erfassen und übertragen</a:t>
+            </a:r>
+          </a:p>
+          <a:p>
+            <a:r>
+              <a:rPr lang="de-CH" dirty="0" smtClean="0"/>
+              <a:t>CRUD Stundeneintrag auf Server</a:t>
+            </a:r>
+            <a:endParaRPr lang="de-CH" dirty="0" smtClean="0"/>
+          </a:p>
+          <a:p>
+            <a:r>
+              <a:rPr lang="de-CH" dirty="0" smtClean="0"/>
+              <a:t>Unit Tests (Server und Client)</a:t>
+            </a:r>
+          </a:p>
+          <a:p>
+            <a:r>
+              <a:rPr lang="de-CH" dirty="0" smtClean="0"/>
+              <a:t>Über </a:t>
+            </a:r>
             <a:r>
               <a:rPr lang="de-CH" dirty="0"/>
-              <a:t>Simples, funktionsfähiges GUI</a:t>
-            </a:r>
-          </a:p>
-          <a:p>
-            <a:r>
-              <a:rPr lang="de-CH" dirty="0"/>
-              <a:t>Anzeigen Zeiteinträge in Datenbank</a:t>
-            </a:r>
-          </a:p>
-          <a:p>
-            <a:r>
-              <a:rPr lang="de-CH" dirty="0"/>
-              <a:t>CRUD Zeiteintrag auf Server</a:t>
-            </a:r>
-          </a:p>
-          <a:p>
-            <a:pPr marL="109728" indent="0">
-              <a:buNone/>
-            </a:pPr>
+              <a:t>alle </a:t>
+            </a:r>
+            <a:r>
+              <a:rPr lang="de-CH" dirty="0" err="1" smtClean="0"/>
+              <a:t>Layers</a:t>
+            </a:r>
+            <a:r>
+              <a:rPr lang="de-CH" dirty="0" smtClean="0"/>
+              <a:t> und Tiers</a:t>
+            </a:r>
+            <a:endParaRPr lang="de-CH" dirty="0"/>
+          </a:p>
+          <a:p>
+            <a:pPr lvl="1"/>
+            <a:r>
+              <a:rPr lang="de-CH" dirty="0" err="1" smtClean="0"/>
+              <a:t>Android</a:t>
+            </a:r>
+            <a:r>
+              <a:rPr lang="de-CH" dirty="0" smtClean="0"/>
+              <a:t> GUI </a:t>
+            </a:r>
+            <a:r>
+              <a:rPr lang="de-CH" dirty="0" smtClean="0">
+                <a:sym typeface="Wingdings" pitchFamily="2" charset="2"/>
+              </a:rPr>
+              <a:t> …  </a:t>
+            </a:r>
+            <a:r>
+              <a:rPr lang="de-CH" dirty="0" err="1" smtClean="0">
+                <a:sym typeface="Wingdings" pitchFamily="2" charset="2"/>
+              </a:rPr>
+              <a:t>Android</a:t>
+            </a:r>
+            <a:r>
+              <a:rPr lang="de-CH" dirty="0" smtClean="0">
+                <a:sym typeface="Wingdings" pitchFamily="2" charset="2"/>
+              </a:rPr>
+              <a:t> DB  Netz-</a:t>
+            </a:r>
+          </a:p>
+          <a:p>
+            <a:pPr lvl="1"/>
+            <a:r>
+              <a:rPr lang="de-CH" dirty="0" smtClean="0">
+                <a:sym typeface="Wingdings" pitchFamily="2" charset="2"/>
+              </a:rPr>
+              <a:t>werk  Server DB </a:t>
+            </a:r>
+            <a:r>
+              <a:rPr lang="de-CH" dirty="0">
+                <a:sym typeface="Wingdings" pitchFamily="2" charset="2"/>
+              </a:rPr>
+              <a:t> … </a:t>
+            </a:r>
+            <a:r>
+              <a:rPr lang="de-CH" dirty="0" smtClean="0">
+                <a:sym typeface="Wingdings" pitchFamily="2" charset="2"/>
+              </a:rPr>
+              <a:t> Server GUI</a:t>
+            </a:r>
             <a:endParaRPr lang="de-CH" dirty="0"/>
           </a:p>
         </p:txBody>
@@ -37964,6 +38368,59 @@
           </a:p>
         </p:txBody>
       </p:sp>
+      <p:pic>
+        <p:nvPicPr>
+          <p:cNvPr id="5123" name="Picture 3" descr="C:\Users\Lukas Elmer\AppData\Local\Microsoft\Windows\Temporary Internet Files\Content.IE5\E2GAV9V0\MP900439313[1].jpg"/>
+          <p:cNvPicPr>
+            <a:picLocks noChangeAspect="1" noChangeArrowheads="1"/>
+          </p:cNvPicPr>
+          <p:nvPr/>
+        </p:nvPicPr>
+        <p:blipFill>
+          <a:blip r:embed="rId2" cstate="print">
+            <a:extLst>
+              <a:ext uri="{28A0092B-C50C-407E-A947-70E740481C1C}">
+                <a14:useLocalDpi xmlns:a14="http://schemas.microsoft.com/office/drawing/2010/main" val="0"/>
+              </a:ext>
+            </a:extLst>
+          </a:blip>
+          <a:srcRect/>
+          <a:stretch>
+            <a:fillRect/>
+          </a:stretch>
+        </p:blipFill>
+        <p:spPr bwMode="auto">
+          <a:xfrm>
+            <a:off x="6588224" y="4827316"/>
+            <a:ext cx="2328317" cy="1552211"/>
+          </a:xfrm>
+          <a:prstGeom prst="roundRect">
+            <a:avLst>
+              <a:gd name="adj" fmla="val 8594"/>
+            </a:avLst>
+          </a:prstGeom>
+          <a:solidFill>
+            <a:srgbClr val="FFFFFF">
+              <a:shade val="85000"/>
+            </a:srgbClr>
+          </a:solidFill>
+          <a:ln>
+            <a:noFill/>
+          </a:ln>
+          <a:effectLst>
+            <a:reflection blurRad="12700" stA="38000" endPos="28000" dist="5000" dir="5400000" sy="-100000" algn="bl" rotWithShape="0"/>
+          </a:effectLst>
+          <a:extLst>
+            <a:ext uri="{909E8E84-426E-40DD-AFC4-6F175D3DCCD1}">
+              <a14:hiddenFill xmlns:a14="http://schemas.microsoft.com/office/drawing/2010/main">
+                <a:solidFill>
+                  <a:srgbClr val="FFFFFF"/>
+                </a:solidFill>
+              </a14:hiddenFill>
+            </a:ext>
+          </a:extLst>
+        </p:spPr>
+      </p:pic>
     </p:spTree>
     <p:extLst>
       <p:ext uri="{BB962C8B-B14F-4D97-AF65-F5344CB8AC3E}">
@@ -38025,114 +38482,6 @@
           </a:p>
         </p:txBody>
       </p:sp>
-      <p:grpSp>
-        <p:nvGrpSpPr>
-          <p:cNvPr id="4" name="Gruppieren 3"/>
-          <p:cNvGrpSpPr/>
-          <p:nvPr/>
-        </p:nvGrpSpPr>
-        <p:grpSpPr>
-          <a:xfrm>
-            <a:off x="3712840" y="1325457"/>
-            <a:ext cx="4392488" cy="5040560"/>
-            <a:chOff x="0" y="0"/>
-            <a:chExt cx="4295775" cy="5161894"/>
-          </a:xfrm>
-        </p:grpSpPr>
-        <p:pic>
-          <p:nvPicPr>
-            <p:cNvPr id="5" name="Grafik 4"/>
-            <p:cNvPicPr>
-              <a:picLocks noChangeAspect="1"/>
-            </p:cNvPicPr>
-            <p:nvPr/>
-          </p:nvPicPr>
-          <p:blipFill>
-            <a:blip r:embed="rId2">
-              <a:extLst>
-                <a:ext uri="{28A0092B-C50C-407E-A947-70E740481C1C}">
-                  <a14:useLocalDpi xmlns:a14="http://schemas.microsoft.com/office/drawing/2010/main" val="0"/>
-                </a:ext>
-              </a:extLst>
-            </a:blip>
-            <a:stretch>
-              <a:fillRect/>
-            </a:stretch>
-          </p:blipFill>
-          <p:spPr>
-            <a:xfrm>
-              <a:off x="0" y="0"/>
-              <a:ext cx="4295553" cy="4933507"/>
-            </a:xfrm>
-            <a:prstGeom prst="rect">
-              <a:avLst/>
-            </a:prstGeom>
-          </p:spPr>
-        </p:pic>
-        <p:sp>
-          <p:nvSpPr>
-            <p:cNvPr id="6" name="Textfeld 33"/>
-            <p:cNvSpPr txBox="1"/>
-            <p:nvPr/>
-          </p:nvSpPr>
-          <p:spPr>
-            <a:xfrm>
-              <a:off x="0" y="4986653"/>
-              <a:ext cx="4295775" cy="175241"/>
-            </a:xfrm>
-            <a:prstGeom prst="rect">
-              <a:avLst/>
-            </a:prstGeom>
-            <a:solidFill>
-              <a:prstClr val="white"/>
-            </a:solidFill>
-            <a:ln>
-              <a:noFill/>
-            </a:ln>
-            <a:effectLst/>
-          </p:spPr>
-          <p:txBody>
-            <a:bodyPr rot="0" spcFirstLastPara="0" vert="horz" wrap="square" lIns="0" tIns="0" rIns="0" bIns="0" numCol="1" spcCol="0" rtlCol="0" fromWordArt="0" anchor="t" anchorCtr="0" forceAA="0" compatLnSpc="1">
-              <a:prstTxWarp prst="textNoShape">
-                <a:avLst/>
-              </a:prstTxWarp>
-              <a:spAutoFit/>
-            </a:bodyPr>
-            <a:lstStyle/>
-            <a:p>
-              <a:pPr>
-                <a:spcAft>
-                  <a:spcPts val="400"/>
-                </a:spcAft>
-              </a:pPr>
-              <a:r>
-                <a:rPr lang="de-CH" sz="800" b="1" u="sng">
-                  <a:solidFill>
-                    <a:srgbClr val="365F91"/>
-                  </a:solidFill>
-                  <a:effectLst/>
-                  <a:latin typeface="Calibri"/>
-                  <a:ea typeface="Times New Roman"/>
-                  <a:cs typeface="Times New Roman"/>
-                </a:rPr>
-                <a:t>Abbildung </a:t>
-              </a:r>
-              <a:r>
-                <a:rPr lang="de-CH" sz="800" b="1">
-                  <a:solidFill>
-                    <a:srgbClr val="365F91"/>
-                  </a:solidFill>
-                  <a:effectLst/>
-                  <a:latin typeface="Calibri"/>
-                  <a:ea typeface="Times New Roman"/>
-                  <a:cs typeface="Times New Roman"/>
-                </a:rPr>
-                <a:t>1 - Architekturübersicht</a:t>
-              </a:r>
-            </a:p>
-          </p:txBody>
-        </p:sp>
-      </p:grpSp>
       <p:sp>
         <p:nvSpPr>
           <p:cNvPr id="7" name="Inhaltsplatzhalter 1"/>
@@ -38146,36 +38495,57 @@
         <p:spPr>
           <a:xfrm>
             <a:off x="323528" y="1772816"/>
-            <a:ext cx="3672408" cy="1961411"/>
+            <a:ext cx="6048672" cy="3744416"/>
           </a:xfrm>
         </p:spPr>
         <p:txBody>
           <a:bodyPr>
-            <a:normAutofit fontScale="92500"/>
+            <a:normAutofit lnSpcReduction="10000"/>
           </a:bodyPr>
           <a:lstStyle/>
           <a:p>
             <a:r>
+              <a:rPr lang="fr-CH" dirty="0" smtClean="0"/>
+              <a:t>Server</a:t>
+            </a:r>
+          </a:p>
+          <a:p>
+            <a:pPr lvl="1"/>
+            <a:r>
+              <a:rPr lang="fr-CH" dirty="0" smtClean="0"/>
+              <a:t>Apache </a:t>
+            </a:r>
+            <a:r>
               <a:rPr lang="en-US" dirty="0" smtClean="0"/>
               <a:t>Webserver</a:t>
             </a:r>
-            <a:r>
-              <a:rPr lang="de-CH" dirty="0"/>
-              <a:t> </a:t>
-            </a:r>
+            <a:endParaRPr lang="fr-CH" dirty="0" smtClean="0"/>
+          </a:p>
+          <a:p>
+            <a:pPr lvl="1"/>
             <a:r>
               <a:rPr lang="fr-CH" dirty="0" smtClean="0"/>
-              <a:t>(Apache)</a:t>
-            </a:r>
-          </a:p>
-          <a:p>
-            <a:r>
-              <a:rPr lang="fr-CH" dirty="0" err="1" smtClean="0"/>
-              <a:t>Database</a:t>
-            </a:r>
+              <a:t>MySQL DB</a:t>
+            </a:r>
+          </a:p>
+          <a:p>
             <a:r>
               <a:rPr lang="fr-CH" dirty="0" smtClean="0"/>
-              <a:t> in MySQL</a:t>
+              <a:t>PC Client</a:t>
+            </a:r>
+          </a:p>
+          <a:p>
+            <a:pPr lvl="1"/>
+            <a:r>
+              <a:rPr lang="fr-CH" dirty="0" smtClean="0"/>
+              <a:t>HTTP</a:t>
+            </a:r>
+          </a:p>
+          <a:p>
+            <a:pPr lvl="1"/>
+            <a:r>
+              <a:rPr lang="fr-CH" dirty="0" smtClean="0"/>
+              <a:t>Browser (XHTML, CSS, JS)</a:t>
             </a:r>
           </a:p>
           <a:p>
@@ -38185,20 +38555,92 @@
             </a:r>
             <a:r>
               <a:rPr lang="fr-CH" dirty="0" smtClean="0"/>
-              <a:t> mit </a:t>
-            </a:r>
+              <a:t> Client</a:t>
+            </a:r>
+          </a:p>
+          <a:p>
+            <a:pPr lvl="1"/>
+            <a:r>
+              <a:rPr lang="fr-CH" dirty="0" smtClean="0"/>
+              <a:t>HTTP</a:t>
+            </a:r>
+          </a:p>
+          <a:p>
+            <a:pPr lvl="1"/>
             <a:r>
               <a:rPr lang="fr-CH" dirty="0" err="1" smtClean="0"/>
-              <a:t>lokalem</a:t>
+              <a:t>SQLite</a:t>
             </a:r>
             <a:r>
               <a:rPr lang="fr-CH" dirty="0" smtClean="0"/>
-              <a:t> Cache</a:t>
-            </a:r>
-            <a:endParaRPr lang="de-CH" dirty="0"/>
-          </a:p>
-        </p:txBody>
-      </p:sp>
+              <a:t> DB</a:t>
+            </a:r>
+            <a:endParaRPr lang="fr-CH" dirty="0" smtClean="0"/>
+          </a:p>
+        </p:txBody>
+      </p:sp>
+      <p:pic>
+        <p:nvPicPr>
+          <p:cNvPr id="6146" name="Picture 2"/>
+          <p:cNvPicPr>
+            <a:picLocks noChangeAspect="1" noChangeArrowheads="1"/>
+          </p:cNvPicPr>
+          <p:nvPr/>
+        </p:nvPicPr>
+        <p:blipFill rotWithShape="1">
+          <a:blip r:embed="rId2">
+            <a:extLst>
+              <a:ext uri="{28A0092B-C50C-407E-A947-70E740481C1C}">
+                <a14:useLocalDpi xmlns:a14="http://schemas.microsoft.com/office/drawing/2010/main" val="0"/>
+              </a:ext>
+            </a:extLst>
+          </a:blip>
+          <a:srcRect r="8659"/>
+          <a:stretch/>
+        </p:blipFill>
+        <p:spPr bwMode="auto">
+          <a:xfrm>
+            <a:off x="5148064" y="1190873"/>
+            <a:ext cx="3867919" cy="4605139"/>
+          </a:xfrm>
+          <a:prstGeom prst="rect">
+            <a:avLst/>
+          </a:prstGeom>
+          <a:noFill/>
+          <a:ln>
+            <a:noFill/>
+          </a:ln>
+          <a:effectLst/>
+          <a:extLst>
+            <a:ext uri="{909E8E84-426E-40DD-AFC4-6F175D3DCCD1}">
+              <a14:hiddenFill xmlns:a14="http://schemas.microsoft.com/office/drawing/2010/main">
+                <a:solidFill>
+                  <a:schemeClr val="accent1"/>
+                </a:solidFill>
+              </a14:hiddenFill>
+            </a:ext>
+            <a:ext uri="{91240B29-F687-4F45-9708-019B960494DF}">
+              <a14:hiddenLine xmlns:a14="http://schemas.microsoft.com/office/drawing/2010/main" w="9525">
+                <a:solidFill>
+                  <a:schemeClr val="tx1"/>
+                </a:solidFill>
+                <a:miter lim="800000"/>
+                <a:headEnd/>
+                <a:tailEnd/>
+              </a14:hiddenLine>
+            </a:ext>
+            <a:ext uri="{AF507438-7753-43E0-B8FC-AC1667EBCBE1}">
+              <a14:hiddenEffects xmlns:a14="http://schemas.microsoft.com/office/drawing/2010/main">
+                <a:effectLst>
+                  <a:outerShdw dist="35921" dir="2700000" algn="ctr" rotWithShape="0">
+                    <a:schemeClr val="bg2"/>
+                  </a:outerShdw>
+                </a:effectLst>
+              </a14:hiddenEffects>
+            </a:ext>
+          </a:extLst>
+        </p:spPr>
+      </p:pic>
     </p:spTree>
     <p:extLst>
       <p:ext uri="{BB962C8B-B14F-4D97-AF65-F5344CB8AC3E}">
@@ -38273,8 +38715,13 @@
             </a:r>
             <a:r>
               <a:rPr lang="de-CH" dirty="0" smtClean="0"/>
-              <a:t> Version 2.2</a:t>
-            </a:r>
+              <a:t> Version </a:t>
+            </a:r>
+            <a:r>
+              <a:rPr lang="de-CH" dirty="0" smtClean="0"/>
+              <a:t>2.1</a:t>
+            </a:r>
+            <a:endParaRPr lang="de-CH" dirty="0" smtClean="0"/>
           </a:p>
           <a:p>
             <a:pPr lvl="1"/>
@@ -38291,7 +38738,15 @@
           <a:p>
             <a:r>
               <a:rPr lang="de-CH" dirty="0" smtClean="0"/>
-              <a:t>Server: Linux mit Apache</a:t>
+              <a:t>Server: </a:t>
+            </a:r>
+            <a:r>
+              <a:rPr lang="de-CH" dirty="0" smtClean="0"/>
+              <a:t>Linux mit </a:t>
+            </a:r>
+            <a:r>
+              <a:rPr lang="de-CH" dirty="0" smtClean="0"/>
+              <a:t>Apache</a:t>
             </a:r>
           </a:p>
           <a:p>

--- a/doc/05_Design/praesentation.pptx
+++ b/doc/05_Design/praesentation.pptx
@@ -37134,13 +37134,13 @@
       </p:grpSpPr>
       <p:pic>
         <p:nvPicPr>
-          <p:cNvPr id="2050" name="Picture 2"/>
+          <p:cNvPr id="9219" name="Picture 3"/>
           <p:cNvPicPr>
             <a:picLocks noChangeAspect="1" noChangeArrowheads="1"/>
           </p:cNvPicPr>
           <p:nvPr/>
         </p:nvPicPr>
-        <p:blipFill>
+        <p:blipFill rotWithShape="1">
           <a:blip r:embed="rId2">
             <a:extLst>
               <a:ext uri="{28A0092B-C50C-407E-A947-70E740481C1C}">
@@ -37148,15 +37148,13 @@
               </a:ext>
             </a:extLst>
           </a:blip>
-          <a:srcRect/>
-          <a:stretch>
-            <a:fillRect/>
-          </a:stretch>
+          <a:srcRect l="2556" t="4711" r="1372" b="2895"/>
+          <a:stretch/>
         </p:blipFill>
         <p:spPr bwMode="auto">
           <a:xfrm>
-            <a:off x="84584" y="117379"/>
-            <a:ext cx="7056784" cy="6692092"/>
+            <a:off x="1259632" y="1052736"/>
+            <a:ext cx="7489254" cy="5826110"/>
           </a:xfrm>
           <a:prstGeom prst="rect">
             <a:avLst/>
@@ -37166,11 +37164,39 @@
             <a:noFill/>
           </a:ln>
           <a:effectLst/>
+          <a:extLst>
+            <a:ext uri="{909E8E84-426E-40DD-AFC4-6F175D3DCCD1}">
+              <a14:hiddenFill xmlns:a14="http://schemas.microsoft.com/office/drawing/2010/main">
+                <a:solidFill>
+                  <a:schemeClr val="accent1"/>
+                </a:solidFill>
+              </a14:hiddenFill>
+            </a:ext>
+            <a:ext uri="{91240B29-F687-4F45-9708-019B960494DF}">
+              <a14:hiddenLine xmlns:a14="http://schemas.microsoft.com/office/drawing/2010/main" w="9525">
+                <a:solidFill>
+                  <a:schemeClr val="tx1"/>
+                </a:solidFill>
+                <a:miter lim="800000"/>
+                <a:headEnd/>
+                <a:tailEnd/>
+              </a14:hiddenLine>
+            </a:ext>
+            <a:ext uri="{AF507438-7753-43E0-B8FC-AC1667EBCBE1}">
+              <a14:hiddenEffects xmlns:a14="http://schemas.microsoft.com/office/drawing/2010/main">
+                <a:effectLst>
+                  <a:outerShdw dist="35921" dir="2700000" algn="ctr" rotWithShape="0">
+                    <a:schemeClr val="bg2"/>
+                  </a:outerShdw>
+                </a:effectLst>
+              </a14:hiddenEffects>
+            </a:ext>
+          </a:extLst>
         </p:spPr>
       </p:pic>
       <p:sp>
         <p:nvSpPr>
-          <p:cNvPr id="3" name="Titel 2"/>
+          <p:cNvPr id="4" name="Titel 3"/>
           <p:cNvSpPr>
             <a:spLocks noGrp="1"/>
           </p:cNvSpPr>
@@ -37178,24 +37204,20 @@
             <p:ph type="title"/>
           </p:nvPr>
         </p:nvSpPr>
-        <p:spPr>
-          <a:xfrm>
-            <a:off x="6020072" y="836712"/>
-            <a:ext cx="2242592" cy="1930226"/>
-          </a:xfrm>
-          <a:solidFill>
-            <a:schemeClr val="bg1"/>
-          </a:solidFill>
-        </p:spPr>
+        <p:spPr/>
         <p:txBody>
           <a:bodyPr>
-            <a:normAutofit fontScale="90000"/>
+            <a:normAutofit/>
           </a:bodyPr>
           <a:lstStyle/>
           <a:p>
             <a:r>
+              <a:rPr lang="de-CH" dirty="0"/>
+              <a:t>Problemdomain </a:t>
+            </a:r>
+            <a:r>
               <a:rPr lang="de-CH" dirty="0" smtClean="0"/>
-              <a:t>Problemdomain Server</a:t>
+              <a:t>Server</a:t>
             </a:r>
             <a:endParaRPr lang="de-CH" dirty="0"/>
           </a:p>
@@ -37372,6 +37394,13 @@
     <a:masterClrMapping/>
   </p:clrMapOvr>
   <p:transition/>
+  <p:timing>
+    <p:tnLst>
+      <p:par>
+        <p:cTn id="1" dur="indefinite" restart="never" nodeType="tmRoot"/>
+      </p:par>
+    </p:tnLst>
+  </p:timing>
 </p:sld>
 </file>
 

--- a/doc/05_Design/praesentation.pptx
+++ b/doc/05_Design/praesentation.pptx
@@ -5,7 +5,7 @@
     <p:sldMasterId id="2147483660" r:id="rId1"/>
   </p:sldMasterIdLst>
   <p:notesMasterIdLst>
-    <p:notesMasterId r:id="rId20"/>
+    <p:notesMasterId r:id="rId26"/>
   </p:notesMasterIdLst>
   <p:sldIdLst>
     <p:sldId id="256" r:id="rId2"/>
@@ -20,12 +20,18 @@
     <p:sldId id="265" r:id="rId11"/>
     <p:sldId id="273" r:id="rId12"/>
     <p:sldId id="267" r:id="rId13"/>
-    <p:sldId id="266" r:id="rId14"/>
-    <p:sldId id="268" r:id="rId15"/>
-    <p:sldId id="274" r:id="rId16"/>
-    <p:sldId id="270" r:id="rId17"/>
-    <p:sldId id="271" r:id="rId18"/>
-    <p:sldId id="272" r:id="rId19"/>
+    <p:sldId id="275" r:id="rId14"/>
+    <p:sldId id="266" r:id="rId15"/>
+    <p:sldId id="268" r:id="rId16"/>
+    <p:sldId id="274" r:id="rId17"/>
+    <p:sldId id="270" r:id="rId18"/>
+    <p:sldId id="271" r:id="rId19"/>
+    <p:sldId id="272" r:id="rId20"/>
+    <p:sldId id="276" r:id="rId21"/>
+    <p:sldId id="277" r:id="rId22"/>
+    <p:sldId id="278" r:id="rId23"/>
+    <p:sldId id="279" r:id="rId24"/>
+    <p:sldId id="280" r:id="rId25"/>
   </p:sldIdLst>
   <p:sldSz cx="9144000" cy="6858000" type="screen4x3"/>
   <p:notesSz cx="6858000" cy="9144000"/>
@@ -741,7 +747,7 @@
           <a:p>
             <a:fld id="{B897FE81-6B21-41EA-A3E2-976A199E5936}" type="slidenum">
               <a:rPr lang="de-CH" smtClean="0"/>
-              <a:t>13</a:t>
+              <a:t>14</a:t>
             </a:fld>
             <a:endParaRPr lang="de-CH"/>
           </a:p>
@@ -829,7 +835,7 @@
           <a:p>
             <a:fld id="{B897FE81-6B21-41EA-A3E2-976A199E5936}" type="slidenum">
               <a:rPr lang="de-CH" smtClean="0"/>
-              <a:t>14</a:t>
+              <a:t>15</a:t>
             </a:fld>
             <a:endParaRPr lang="de-CH"/>
           </a:p>
@@ -917,7 +923,7 @@
           <a:p>
             <a:fld id="{B897FE81-6B21-41EA-A3E2-976A199E5936}" type="slidenum">
               <a:rPr lang="de-CH" smtClean="0"/>
-              <a:t>16</a:t>
+              <a:t>17</a:t>
             </a:fld>
             <a:endParaRPr lang="de-CH"/>
           </a:p>
@@ -1026,7 +1032,7 @@
           <a:p>
             <a:fld id="{B897FE81-6B21-41EA-A3E2-976A199E5936}" type="slidenum">
               <a:rPr lang="de-CH" smtClean="0"/>
-              <a:t>17</a:t>
+              <a:t>18</a:t>
             </a:fld>
             <a:endParaRPr lang="de-CH"/>
           </a:p>
@@ -6170,11 +6176,7 @@
           <a:p>
             <a:r>
               <a:rPr lang="de-CH" dirty="0" smtClean="0"/>
-              <a:t>Problemdomain </a:t>
-            </a:r>
-            <a:r>
-              <a:rPr lang="de-CH" dirty="0" err="1" smtClean="0"/>
-              <a:t>Android</a:t>
+              <a:t>Domainmodel </a:t>
             </a:r>
             <a:endParaRPr lang="de-CH" dirty="0"/>
           </a:p>
@@ -6183,6 +6185,133 @@
       <p:pic>
         <p:nvPicPr>
           <p:cNvPr id="1026" name="Picture 2"/>
+          <p:cNvPicPr>
+            <a:picLocks noChangeAspect="1" noChangeArrowheads="1"/>
+          </p:cNvPicPr>
+          <p:nvPr/>
+        </p:nvPicPr>
+        <p:blipFill rotWithShape="1">
+          <a:blip r:embed="rId2">
+            <a:extLst>
+              <a:ext uri="{28A0092B-C50C-407E-A947-70E740481C1C}">
+                <a14:useLocalDpi xmlns:a14="http://schemas.microsoft.com/office/drawing/2010/main" val="0"/>
+              </a:ext>
+            </a:extLst>
+          </a:blip>
+          <a:srcRect l="1049" t="5859" r="934" b="2093"/>
+          <a:stretch/>
+        </p:blipFill>
+        <p:spPr bwMode="auto">
+          <a:xfrm>
+            <a:off x="217240" y="1484784"/>
+            <a:ext cx="8477250" cy="4410075"/>
+          </a:xfrm>
+          <a:prstGeom prst="rect">
+            <a:avLst/>
+          </a:prstGeom>
+          <a:noFill/>
+          <a:ln>
+            <a:noFill/>
+          </a:ln>
+          <a:effectLst/>
+          <a:extLst>
+            <a:ext uri="{909E8E84-426E-40DD-AFC4-6F175D3DCCD1}">
+              <a14:hiddenFill xmlns:a14="http://schemas.microsoft.com/office/drawing/2010/main">
+                <a:solidFill>
+                  <a:schemeClr val="accent1"/>
+                </a:solidFill>
+              </a14:hiddenFill>
+            </a:ext>
+            <a:ext uri="{91240B29-F687-4F45-9708-019B960494DF}">
+              <a14:hiddenLine xmlns:a14="http://schemas.microsoft.com/office/drawing/2010/main" w="9525">
+                <a:solidFill>
+                  <a:schemeClr val="tx1"/>
+                </a:solidFill>
+                <a:miter lim="800000"/>
+                <a:headEnd/>
+                <a:tailEnd/>
+              </a14:hiddenLine>
+            </a:ext>
+            <a:ext uri="{AF507438-7753-43E0-B8FC-AC1667EBCBE1}">
+              <a14:hiddenEffects xmlns:a14="http://schemas.microsoft.com/office/drawing/2010/main">
+                <a:effectLst>
+                  <a:outerShdw dist="35921" dir="2700000" algn="ctr" rotWithShape="0">
+                    <a:schemeClr val="bg2"/>
+                  </a:outerShdw>
+                </a:effectLst>
+              </a14:hiddenEffects>
+            </a:ext>
+          </a:extLst>
+        </p:spPr>
+      </p:pic>
+    </p:spTree>
+    <p:extLst>
+      <p:ext uri="{BB962C8B-B14F-4D97-AF65-F5344CB8AC3E}">
+        <p14:creationId xmlns:p14="http://schemas.microsoft.com/office/powerpoint/2010/main" val="536663286"/>
+      </p:ext>
+    </p:extLst>
+  </p:cSld>
+  <p:clrMapOvr>
+    <a:masterClrMapping/>
+  </p:clrMapOvr>
+  <p:transition/>
+  <p:timing>
+    <p:tnLst>
+      <p:par>
+        <p:cTn id="1" dur="indefinite" restart="never" nodeType="tmRoot"/>
+      </p:par>
+    </p:tnLst>
+  </p:timing>
+</p:sld>
+</file>
+
+<file path=ppt/slides/slide14.xml><?xml version="1.0" encoding="utf-8"?>
+<p:sld xmlns:a="http://schemas.openxmlformats.org/drawingml/2006/main" xmlns:r="http://schemas.openxmlformats.org/officeDocument/2006/relationships" xmlns:p="http://schemas.openxmlformats.org/presentationml/2006/main">
+  <p:cSld>
+    <p:spTree>
+      <p:nvGrpSpPr>
+        <p:cNvPr id="1" name=""/>
+        <p:cNvGrpSpPr/>
+        <p:nvPr/>
+      </p:nvGrpSpPr>
+      <p:grpSpPr>
+        <a:xfrm>
+          <a:off x="0" y="0"/>
+          <a:ext cx="0" cy="0"/>
+          <a:chOff x="0" y="0"/>
+          <a:chExt cx="0" cy="0"/>
+        </a:xfrm>
+      </p:grpSpPr>
+      <p:sp>
+        <p:nvSpPr>
+          <p:cNvPr id="3" name="Titel 2"/>
+          <p:cNvSpPr>
+            <a:spLocks noGrp="1"/>
+          </p:cNvSpPr>
+          <p:nvPr>
+            <p:ph type="title"/>
+          </p:nvPr>
+        </p:nvSpPr>
+        <p:spPr/>
+        <p:txBody>
+          <a:bodyPr/>
+          <a:lstStyle/>
+          <a:p>
+            <a:r>
+              <a:rPr lang="de-CH" dirty="0" smtClean="0"/>
+              <a:t>Problemdomain </a:t>
+            </a:r>
+            <a:r>
+              <a:rPr lang="de-CH" dirty="0" err="1" smtClean="0"/>
+              <a:t>Android</a:t>
+            </a:r>
+            <a:endParaRPr lang="de-CH" dirty="0"/>
+          </a:p>
+        </p:txBody>
+      </p:sp>
+      <p:pic>
+        <p:nvPicPr>
+          <p:cNvPr id="2050" name="Picture 2"/>
           <p:cNvPicPr>
             <a:picLocks noChangeAspect="1" noChangeArrowheads="1"/>
           </p:cNvPicPr>
@@ -6196,13 +6325,13 @@
               </a:ext>
             </a:extLst>
           </a:blip>
-          <a:srcRect l="1990" t="5599" r="2216" b="1521"/>
+          <a:srcRect l="1404" t="8010" r="1227" b="2981"/>
           <a:stretch/>
         </p:blipFill>
         <p:spPr bwMode="auto">
           <a:xfrm>
-            <a:off x="809624" y="1428750"/>
-            <a:ext cx="7886701" cy="5200650"/>
+            <a:off x="405061" y="1844824"/>
+            <a:ext cx="8171998" cy="3666356"/>
           </a:xfrm>
           <a:prstGeom prst="rect">
             <a:avLst/>
@@ -6263,7 +6392,7 @@
 </p:sld>
 </file>
 
-<file path=ppt/slides/slide14.xml><?xml version="1.0" encoding="utf-8"?>
+<file path=ppt/slides/slide15.xml><?xml version="1.0" encoding="utf-8"?>
 <p:sld xmlns:a="http://schemas.openxmlformats.org/drawingml/2006/main" xmlns:r="http://schemas.openxmlformats.org/officeDocument/2006/relationships" xmlns:p="http://schemas.openxmlformats.org/presentationml/2006/main">
   <p:cSld>
     <p:spTree>
@@ -6280,9 +6409,38 @@
           <a:chExt cx="0" cy="0"/>
         </a:xfrm>
       </p:grpSpPr>
+      <p:sp>
+        <p:nvSpPr>
+          <p:cNvPr id="4" name="Titel 3"/>
+          <p:cNvSpPr>
+            <a:spLocks noGrp="1"/>
+          </p:cNvSpPr>
+          <p:nvPr>
+            <p:ph type="title"/>
+          </p:nvPr>
+        </p:nvSpPr>
+        <p:spPr/>
+        <p:txBody>
+          <a:bodyPr>
+            <a:normAutofit/>
+          </a:bodyPr>
+          <a:lstStyle/>
+          <a:p>
+            <a:r>
+              <a:rPr lang="de-CH" dirty="0"/>
+              <a:t>Problemdomain </a:t>
+            </a:r>
+            <a:r>
+              <a:rPr lang="de-CH" dirty="0" smtClean="0"/>
+              <a:t>Server</a:t>
+            </a:r>
+            <a:endParaRPr lang="de-CH" dirty="0"/>
+          </a:p>
+        </p:txBody>
+      </p:sp>
       <p:pic>
         <p:nvPicPr>
-          <p:cNvPr id="9219" name="Picture 3"/>
+          <p:cNvPr id="3075" name="Picture 3"/>
           <p:cNvPicPr>
             <a:picLocks noChangeAspect="1" noChangeArrowheads="1"/>
           </p:cNvPicPr>
@@ -6296,13 +6454,13 @@
               </a:ext>
             </a:extLst>
           </a:blip>
-          <a:srcRect l="2556" t="4711" r="1372" b="2895"/>
+          <a:srcRect l="2012" t="3941" r="1147" b="1307"/>
           <a:stretch/>
         </p:blipFill>
         <p:spPr bwMode="auto">
           <a:xfrm>
-            <a:off x="1259632" y="1052736"/>
-            <a:ext cx="7489254" cy="5826110"/>
+            <a:off x="2042964" y="1071811"/>
+            <a:ext cx="6048375" cy="5524500"/>
           </a:xfrm>
           <a:prstGeom prst="rect">
             <a:avLst/>
@@ -6342,35 +6500,6 @@
           </a:extLst>
         </p:spPr>
       </p:pic>
-      <p:sp>
-        <p:nvSpPr>
-          <p:cNvPr id="4" name="Titel 3"/>
-          <p:cNvSpPr>
-            <a:spLocks noGrp="1"/>
-          </p:cNvSpPr>
-          <p:nvPr>
-            <p:ph type="title"/>
-          </p:nvPr>
-        </p:nvSpPr>
-        <p:spPr/>
-        <p:txBody>
-          <a:bodyPr>
-            <a:normAutofit/>
-          </a:bodyPr>
-          <a:lstStyle/>
-          <a:p>
-            <a:r>
-              <a:rPr lang="de-CH" dirty="0"/>
-              <a:t>Problemdomain </a:t>
-            </a:r>
-            <a:r>
-              <a:rPr lang="de-CH" dirty="0" smtClean="0"/>
-              <a:t>Server</a:t>
-            </a:r>
-            <a:endParaRPr lang="de-CH" dirty="0"/>
-          </a:p>
-        </p:txBody>
-      </p:sp>
     </p:spTree>
     <p:extLst>
       <p:ext uri="{BB962C8B-B14F-4D97-AF65-F5344CB8AC3E}">
@@ -6392,83 +6521,6 @@
 </p:sld>
 </file>
 
-<file path=ppt/slides/slide15.xml><?xml version="1.0" encoding="utf-8"?>
-<p:sld xmlns:a="http://schemas.openxmlformats.org/drawingml/2006/main" xmlns:r="http://schemas.openxmlformats.org/officeDocument/2006/relationships" xmlns:p="http://schemas.openxmlformats.org/presentationml/2006/main">
-  <p:cSld>
-    <p:spTree>
-      <p:nvGrpSpPr>
-        <p:cNvPr id="1" name=""/>
-        <p:cNvGrpSpPr/>
-        <p:nvPr/>
-      </p:nvGrpSpPr>
-      <p:grpSpPr>
-        <a:xfrm>
-          <a:off x="0" y="0"/>
-          <a:ext cx="0" cy="0"/>
-          <a:chOff x="0" y="0"/>
-          <a:chExt cx="0" cy="0"/>
-        </a:xfrm>
-      </p:grpSpPr>
-      <p:sp>
-        <p:nvSpPr>
-          <p:cNvPr id="2" name="Inhaltsplatzhalter 1"/>
-          <p:cNvSpPr>
-            <a:spLocks noGrp="1"/>
-          </p:cNvSpPr>
-          <p:nvPr>
-            <p:ph idx="1"/>
-          </p:nvPr>
-        </p:nvSpPr>
-        <p:spPr/>
-        <p:txBody>
-          <a:bodyPr/>
-          <a:lstStyle/>
-          <a:p>
-            <a:r>
-              <a:rPr lang="de-CH" dirty="0" smtClean="0"/>
-              <a:t>Wichtig</a:t>
-            </a:r>
-            <a:endParaRPr lang="de-CH" dirty="0"/>
-          </a:p>
-        </p:txBody>
-      </p:sp>
-      <p:sp>
-        <p:nvSpPr>
-          <p:cNvPr id="3" name="Titel 2"/>
-          <p:cNvSpPr>
-            <a:spLocks noGrp="1"/>
-          </p:cNvSpPr>
-          <p:nvPr>
-            <p:ph type="title"/>
-          </p:nvPr>
-        </p:nvSpPr>
-        <p:spPr/>
-        <p:txBody>
-          <a:bodyPr/>
-          <a:lstStyle/>
-          <a:p>
-            <a:r>
-              <a:rPr lang="de-CH" dirty="0" smtClean="0"/>
-              <a:t>Tests</a:t>
-            </a:r>
-            <a:endParaRPr lang="de-CH" dirty="0"/>
-          </a:p>
-        </p:txBody>
-      </p:sp>
-    </p:spTree>
-    <p:extLst>
-      <p:ext uri="{BB962C8B-B14F-4D97-AF65-F5344CB8AC3E}">
-        <p14:creationId xmlns:p14="http://schemas.microsoft.com/office/powerpoint/2010/main" val="3182682271"/>
-      </p:ext>
-    </p:extLst>
-  </p:cSld>
-  <p:clrMapOvr>
-    <a:masterClrMapping/>
-  </p:clrMapOvr>
-  <p:transition/>
-</p:sld>
-</file>
-
 <file path=ppt/slides/slide16.xml><?xml version="1.0" encoding="utf-8"?>
 <p:sld xmlns:a="http://schemas.openxmlformats.org/drawingml/2006/main" xmlns:r="http://schemas.openxmlformats.org/officeDocument/2006/relationships" xmlns:p="http://schemas.openxmlformats.org/presentationml/2006/main">
   <p:cSld>
@@ -6501,7 +6553,11 @@
           <a:bodyPr/>
           <a:lstStyle/>
           <a:p>
-            <a:endParaRPr lang="de-CH"/>
+            <a:r>
+              <a:rPr lang="de-CH" dirty="0" smtClean="0"/>
+              <a:t>Wichtig</a:t>
+            </a:r>
+            <a:endParaRPr lang="de-CH" dirty="0"/>
           </a:p>
         </p:txBody>
       </p:sp>
@@ -6522,7 +6578,7 @@
           <a:p>
             <a:r>
               <a:rPr lang="de-CH" dirty="0" smtClean="0"/>
-              <a:t>Systemtest</a:t>
+              <a:t>Tests</a:t>
             </a:r>
             <a:endParaRPr lang="de-CH" dirty="0"/>
           </a:p>
@@ -6531,7 +6587,7 @@
     </p:spTree>
     <p:extLst>
       <p:ext uri="{BB962C8B-B14F-4D97-AF65-F5344CB8AC3E}">
-        <p14:creationId xmlns:p14="http://schemas.microsoft.com/office/powerpoint/2010/main" val="2835939076"/>
+        <p14:creationId xmlns:p14="http://schemas.microsoft.com/office/powerpoint/2010/main" val="3182682271"/>
       </p:ext>
     </p:extLst>
   </p:cSld>
@@ -6602,7 +6658,7 @@
           <a:p>
             <a:r>
               <a:rPr lang="de-CH" dirty="0" smtClean="0"/>
-              <a:t>Unit Tests</a:t>
+              <a:t>Systemtest</a:t>
             </a:r>
             <a:endParaRPr lang="de-CH" dirty="0"/>
           </a:p>
@@ -6611,7 +6667,7 @@
     </p:spTree>
     <p:extLst>
       <p:ext uri="{BB962C8B-B14F-4D97-AF65-F5344CB8AC3E}">
-        <p14:creationId xmlns:p14="http://schemas.microsoft.com/office/powerpoint/2010/main" val="755503688"/>
+        <p14:creationId xmlns:p14="http://schemas.microsoft.com/office/powerpoint/2010/main" val="2835939076"/>
       </p:ext>
     </p:extLst>
   </p:cSld>
@@ -6682,12 +6738,387 @@
           <a:p>
             <a:r>
               <a:rPr lang="de-CH" dirty="0" smtClean="0"/>
+              <a:t>Unit Tests</a:t>
+            </a:r>
+            <a:endParaRPr lang="de-CH" dirty="0"/>
+          </a:p>
+        </p:txBody>
+      </p:sp>
+    </p:spTree>
+    <p:extLst>
+      <p:ext uri="{BB962C8B-B14F-4D97-AF65-F5344CB8AC3E}">
+        <p14:creationId xmlns:p14="http://schemas.microsoft.com/office/powerpoint/2010/main" val="755503688"/>
+      </p:ext>
+    </p:extLst>
+  </p:cSld>
+  <p:clrMapOvr>
+    <a:masterClrMapping/>
+  </p:clrMapOvr>
+  <p:transition/>
+  <p:timing>
+    <p:tnLst>
+      <p:par>
+        <p:cTn id="1" dur="indefinite" restart="never" nodeType="tmRoot"/>
+      </p:par>
+    </p:tnLst>
+  </p:timing>
+</p:sld>
+</file>
+
+<file path=ppt/slides/slide19.xml><?xml version="1.0" encoding="utf-8"?>
+<p:sld xmlns:a="http://schemas.openxmlformats.org/drawingml/2006/main" xmlns:r="http://schemas.openxmlformats.org/officeDocument/2006/relationships" xmlns:p="http://schemas.openxmlformats.org/presentationml/2006/main">
+  <p:cSld>
+    <p:spTree>
+      <p:nvGrpSpPr>
+        <p:cNvPr id="1" name=""/>
+        <p:cNvGrpSpPr/>
+        <p:nvPr/>
+      </p:nvGrpSpPr>
+      <p:grpSpPr>
+        <a:xfrm>
+          <a:off x="0" y="0"/>
+          <a:ext cx="0" cy="0"/>
+          <a:chOff x="0" y="0"/>
+          <a:chExt cx="0" cy="0"/>
+        </a:xfrm>
+      </p:grpSpPr>
+      <p:sp>
+        <p:nvSpPr>
+          <p:cNvPr id="3" name="Titel 2"/>
+          <p:cNvSpPr>
+            <a:spLocks noGrp="1"/>
+          </p:cNvSpPr>
+          <p:nvPr>
+            <p:ph type="title"/>
+          </p:nvPr>
+        </p:nvSpPr>
+        <p:spPr/>
+        <p:txBody>
+          <a:bodyPr/>
+          <a:lstStyle/>
+          <a:p>
+            <a:r>
+              <a:rPr lang="de-CH" dirty="0" smtClean="0"/>
               <a:t>Live-Demo</a:t>
             </a:r>
             <a:endParaRPr lang="de-CH" dirty="0"/>
           </a:p>
         </p:txBody>
       </p:sp>
+      <p:grpSp>
+        <p:nvGrpSpPr>
+          <p:cNvPr id="7" name="Gruppieren 6"/>
+          <p:cNvGrpSpPr/>
+          <p:nvPr/>
+        </p:nvGrpSpPr>
+        <p:grpSpPr>
+          <a:xfrm>
+            <a:off x="599406" y="1549112"/>
+            <a:ext cx="2233575" cy="4222969"/>
+            <a:chOff x="599406" y="1549112"/>
+            <a:chExt cx="2233575" cy="4222969"/>
+          </a:xfrm>
+        </p:grpSpPr>
+        <p:pic>
+          <p:nvPicPr>
+            <p:cNvPr id="8196" name="Picture 4"/>
+            <p:cNvPicPr>
+              <a:picLocks noChangeAspect="1" noChangeArrowheads="1"/>
+            </p:cNvPicPr>
+            <p:nvPr/>
+          </p:nvPicPr>
+          <p:blipFill>
+            <a:blip r:embed="rId2">
+              <a:extLst>
+                <a:ext uri="{28A0092B-C50C-407E-A947-70E740481C1C}">
+                  <a14:useLocalDpi xmlns:a14="http://schemas.microsoft.com/office/drawing/2010/main" val="0"/>
+                </a:ext>
+              </a:extLst>
+            </a:blip>
+            <a:srcRect/>
+            <a:stretch>
+              <a:fillRect/>
+            </a:stretch>
+          </p:blipFill>
+          <p:spPr bwMode="auto">
+            <a:xfrm>
+              <a:off x="611560" y="2107185"/>
+              <a:ext cx="2221421" cy="3664896"/>
+            </a:xfrm>
+            <a:prstGeom prst="rect">
+              <a:avLst/>
+            </a:prstGeom>
+            <a:ln>
+              <a:noFill/>
+            </a:ln>
+            <a:effectLst>
+              <a:outerShdw blurRad="190500" algn="tl" rotWithShape="0">
+                <a:srgbClr val="000000">
+                  <a:alpha val="70000"/>
+                </a:srgbClr>
+              </a:outerShdw>
+            </a:effectLst>
+            <a:extLst>
+              <a:ext uri="{909E8E84-426E-40DD-AFC4-6F175D3DCCD1}">
+                <a14:hiddenFill xmlns:a14="http://schemas.microsoft.com/office/drawing/2010/main">
+                  <a:solidFill>
+                    <a:schemeClr val="accent1"/>
+                  </a:solidFill>
+                </a14:hiddenFill>
+              </a:ext>
+              <a:ext uri="{91240B29-F687-4F45-9708-019B960494DF}">
+                <a14:hiddenLine xmlns:a14="http://schemas.microsoft.com/office/drawing/2010/main" w="9525">
+                  <a:solidFill>
+                    <a:schemeClr val="tx1"/>
+                  </a:solidFill>
+                  <a:miter lim="800000"/>
+                  <a:headEnd/>
+                  <a:tailEnd/>
+                </a14:hiddenLine>
+              </a:ext>
+              <a:ext uri="{AF507438-7753-43E0-B8FC-AC1667EBCBE1}">
+                <a14:hiddenEffects xmlns:a14="http://schemas.microsoft.com/office/drawing/2010/main">
+                  <a:effectLst>
+                    <a:outerShdw dist="35921" dir="2700000" algn="ctr" rotWithShape="0">
+                      <a:schemeClr val="bg2"/>
+                    </a:outerShdw>
+                  </a:effectLst>
+                </a14:hiddenEffects>
+              </a:ext>
+            </a:extLst>
+          </p:spPr>
+        </p:pic>
+        <p:sp>
+          <p:nvSpPr>
+            <p:cNvPr id="6" name="Textfeld 5"/>
+            <p:cNvSpPr txBox="1"/>
+            <p:nvPr/>
+          </p:nvSpPr>
+          <p:spPr>
+            <a:xfrm>
+              <a:off x="599406" y="1549112"/>
+              <a:ext cx="1547218" cy="369332"/>
+            </a:xfrm>
+            <a:prstGeom prst="rect">
+              <a:avLst/>
+            </a:prstGeom>
+            <a:noFill/>
+          </p:spPr>
+          <p:txBody>
+            <a:bodyPr wrap="none" rtlCol="0">
+              <a:spAutoFit/>
+            </a:bodyPr>
+            <a:lstStyle/>
+            <a:p>
+              <a:r>
+                <a:rPr lang="de-CH" b="1" dirty="0" err="1" smtClean="0"/>
+                <a:t>Android</a:t>
+              </a:r>
+              <a:r>
+                <a:rPr lang="de-CH" b="1" dirty="0" smtClean="0"/>
+                <a:t> GUI</a:t>
+              </a:r>
+              <a:endParaRPr lang="de-CH" b="1" dirty="0"/>
+            </a:p>
+          </p:txBody>
+        </p:sp>
+      </p:grpSp>
+      <p:grpSp>
+        <p:nvGrpSpPr>
+          <p:cNvPr id="8" name="Gruppieren 7"/>
+          <p:cNvGrpSpPr/>
+          <p:nvPr/>
+        </p:nvGrpSpPr>
+        <p:grpSpPr>
+          <a:xfrm>
+            <a:off x="3635896" y="1204892"/>
+            <a:ext cx="5127426" cy="5027113"/>
+            <a:chOff x="3635896" y="1204892"/>
+            <a:chExt cx="5127426" cy="5027113"/>
+          </a:xfrm>
+        </p:grpSpPr>
+        <p:grpSp>
+          <p:nvGrpSpPr>
+            <p:cNvPr id="5" name="Gruppieren 4"/>
+            <p:cNvGrpSpPr/>
+            <p:nvPr/>
+          </p:nvGrpSpPr>
+          <p:grpSpPr>
+            <a:xfrm>
+              <a:off x="3722762" y="1733778"/>
+              <a:ext cx="5040560" cy="4498227"/>
+              <a:chOff x="3779912" y="1400403"/>
+              <a:chExt cx="5040560" cy="4498227"/>
+            </a:xfrm>
+          </p:grpSpPr>
+          <p:pic>
+            <p:nvPicPr>
+              <p:cNvPr id="8199" name="Picture 7"/>
+              <p:cNvPicPr>
+                <a:picLocks noChangeAspect="1" noChangeArrowheads="1"/>
+              </p:cNvPicPr>
+              <p:nvPr/>
+            </p:nvPicPr>
+            <p:blipFill>
+              <a:blip r:embed="rId3">
+                <a:extLst>
+                  <a:ext uri="{28A0092B-C50C-407E-A947-70E740481C1C}">
+                    <a14:useLocalDpi xmlns:a14="http://schemas.microsoft.com/office/drawing/2010/main" val="0"/>
+                  </a:ext>
+                </a:extLst>
+              </a:blip>
+              <a:srcRect/>
+              <a:stretch>
+                <a:fillRect/>
+              </a:stretch>
+            </p:blipFill>
+            <p:spPr bwMode="auto">
+              <a:xfrm>
+                <a:off x="3779912" y="1556792"/>
+                <a:ext cx="5040560" cy="4341838"/>
+              </a:xfrm>
+              <a:prstGeom prst="rect">
+                <a:avLst/>
+              </a:prstGeom>
+              <a:noFill/>
+              <a:ln>
+                <a:noFill/>
+              </a:ln>
+              <a:effectLst/>
+              <a:extLst>
+                <a:ext uri="{909E8E84-426E-40DD-AFC4-6F175D3DCCD1}">
+                  <a14:hiddenFill xmlns:a14="http://schemas.microsoft.com/office/drawing/2010/main">
+                    <a:solidFill>
+                      <a:schemeClr val="accent1"/>
+                    </a:solidFill>
+                  </a14:hiddenFill>
+                </a:ext>
+                <a:ext uri="{91240B29-F687-4F45-9708-019B960494DF}">
+                  <a14:hiddenLine xmlns:a14="http://schemas.microsoft.com/office/drawing/2010/main" w="9525">
+                    <a:solidFill>
+                      <a:schemeClr val="tx1"/>
+                    </a:solidFill>
+                    <a:miter lim="800000"/>
+                    <a:headEnd/>
+                    <a:tailEnd/>
+                  </a14:hiddenLine>
+                </a:ext>
+                <a:ext uri="{AF507438-7753-43E0-B8FC-AC1667EBCBE1}">
+                  <a14:hiddenEffects xmlns:a14="http://schemas.microsoft.com/office/drawing/2010/main">
+                    <a:effectLst>
+                      <a:outerShdw dist="35921" dir="2700000" algn="ctr" rotWithShape="0">
+                        <a:schemeClr val="bg2"/>
+                      </a:outerShdw>
+                    </a:effectLst>
+                  </a14:hiddenEffects>
+                </a:ext>
+              </a:extLst>
+            </p:spPr>
+          </p:pic>
+          <p:pic>
+            <p:nvPicPr>
+              <p:cNvPr id="8200" name="Picture 8"/>
+              <p:cNvPicPr>
+                <a:picLocks noChangeAspect="1" noChangeArrowheads="1"/>
+              </p:cNvPicPr>
+              <p:nvPr/>
+            </p:nvPicPr>
+            <p:blipFill>
+              <a:blip r:embed="rId4">
+                <a:extLst>
+                  <a:ext uri="{28A0092B-C50C-407E-A947-70E740481C1C}">
+                    <a14:useLocalDpi xmlns:a14="http://schemas.microsoft.com/office/drawing/2010/main" val="0"/>
+                  </a:ext>
+                </a:extLst>
+              </a:blip>
+              <a:srcRect/>
+              <a:stretch>
+                <a:fillRect/>
+              </a:stretch>
+            </p:blipFill>
+            <p:spPr bwMode="auto">
+              <a:xfrm>
+                <a:off x="3779912" y="1400403"/>
+                <a:ext cx="1224136" cy="164352"/>
+              </a:xfrm>
+              <a:prstGeom prst="rect">
+                <a:avLst/>
+              </a:prstGeom>
+              <a:noFill/>
+              <a:ln>
+                <a:noFill/>
+              </a:ln>
+              <a:effectLst/>
+              <a:extLst>
+                <a:ext uri="{909E8E84-426E-40DD-AFC4-6F175D3DCCD1}">
+                  <a14:hiddenFill xmlns:a14="http://schemas.microsoft.com/office/drawing/2010/main">
+                    <a:solidFill>
+                      <a:schemeClr val="accent1"/>
+                    </a:solidFill>
+                  </a14:hiddenFill>
+                </a:ext>
+                <a:ext uri="{91240B29-F687-4F45-9708-019B960494DF}">
+                  <a14:hiddenLine xmlns:a14="http://schemas.microsoft.com/office/drawing/2010/main" w="9525">
+                    <a:solidFill>
+                      <a:schemeClr val="tx1"/>
+                    </a:solidFill>
+                    <a:miter lim="800000"/>
+                    <a:headEnd/>
+                    <a:tailEnd/>
+                  </a14:hiddenLine>
+                </a:ext>
+                <a:ext uri="{AF507438-7753-43E0-B8FC-AC1667EBCBE1}">
+                  <a14:hiddenEffects xmlns:a14="http://schemas.microsoft.com/office/drawing/2010/main">
+                    <a:effectLst>
+                      <a:outerShdw dist="35921" dir="2700000" algn="ctr" rotWithShape="0">
+                        <a:schemeClr val="bg2"/>
+                      </a:outerShdw>
+                    </a:effectLst>
+                  </a14:hiddenEffects>
+                </a:ext>
+              </a:extLst>
+            </p:spPr>
+          </p:pic>
+        </p:grpSp>
+        <p:sp>
+          <p:nvSpPr>
+            <p:cNvPr id="14" name="Textfeld 13"/>
+            <p:cNvSpPr txBox="1"/>
+            <p:nvPr/>
+          </p:nvSpPr>
+          <p:spPr>
+            <a:xfrm>
+              <a:off x="3635896" y="1204892"/>
+              <a:ext cx="3744416" cy="369332"/>
+            </a:xfrm>
+            <a:prstGeom prst="rect">
+              <a:avLst/>
+            </a:prstGeom>
+            <a:noFill/>
+          </p:spPr>
+          <p:txBody>
+            <a:bodyPr wrap="square" rtlCol="0">
+              <a:spAutoFit/>
+            </a:bodyPr>
+            <a:lstStyle/>
+            <a:p>
+              <a:r>
+                <a:rPr lang="de-CH" b="1" dirty="0" smtClean="0"/>
+                <a:t>Anzeige </a:t>
+              </a:r>
+              <a:r>
+                <a:rPr lang="de-CH" b="1" dirty="0" err="1" smtClean="0"/>
+                <a:t>TimeEntries</a:t>
+              </a:r>
+              <a:r>
+                <a:rPr lang="de-CH" b="1" dirty="0" smtClean="0"/>
+                <a:t> auf Server </a:t>
+              </a:r>
+              <a:endParaRPr lang="de-CH" b="1" dirty="0"/>
+            </a:p>
+          </p:txBody>
+        </p:sp>
+      </p:grpSp>
     </p:spTree>
     <p:extLst>
       <p:ext uri="{BB962C8B-B14F-4D97-AF65-F5344CB8AC3E}">
@@ -6776,14 +7207,12 @@
               <a:rPr lang="de-CH" sz="2600" dirty="0" smtClean="0"/>
               <a:t>Problemdomains</a:t>
             </a:r>
-            <a:endParaRPr lang="de-CH" sz="2600" dirty="0" smtClean="0"/>
           </a:p>
           <a:p>
             <a:r>
               <a:rPr lang="de-CH" sz="3000" dirty="0" smtClean="0"/>
               <a:t>Tests</a:t>
             </a:r>
-            <a:endParaRPr lang="de-CH" sz="3000" dirty="0" smtClean="0"/>
           </a:p>
           <a:p>
             <a:r>
@@ -6877,6 +7306,797 @@
     <p:extLst>
       <p:ext uri="{BB962C8B-B14F-4D97-AF65-F5344CB8AC3E}">
         <p14:creationId xmlns:p14="http://schemas.microsoft.com/office/powerpoint/2010/main" val="3627624472"/>
+      </p:ext>
+    </p:extLst>
+  </p:cSld>
+  <p:clrMapOvr>
+    <a:masterClrMapping/>
+  </p:clrMapOvr>
+  <p:transition/>
+  <p:timing>
+    <p:tnLst>
+      <p:par>
+        <p:cTn id="1" dur="indefinite" restart="never" nodeType="tmRoot"/>
+      </p:par>
+    </p:tnLst>
+  </p:timing>
+</p:sld>
+</file>
+
+<file path=ppt/slides/slide20.xml><?xml version="1.0" encoding="utf-8"?>
+<p:sld xmlns:a="http://schemas.openxmlformats.org/drawingml/2006/main" xmlns:r="http://schemas.openxmlformats.org/officeDocument/2006/relationships" xmlns:p="http://schemas.openxmlformats.org/presentationml/2006/main">
+  <p:cSld>
+    <p:spTree>
+      <p:nvGrpSpPr>
+        <p:cNvPr id="1" name=""/>
+        <p:cNvGrpSpPr/>
+        <p:nvPr/>
+      </p:nvGrpSpPr>
+      <p:grpSpPr>
+        <a:xfrm>
+          <a:off x="0" y="0"/>
+          <a:ext cx="0" cy="0"/>
+          <a:chOff x="0" y="0"/>
+          <a:chExt cx="0" cy="0"/>
+        </a:xfrm>
+      </p:grpSpPr>
+      <p:sp>
+        <p:nvSpPr>
+          <p:cNvPr id="2" name="Inhaltsplatzhalter 1"/>
+          <p:cNvSpPr>
+            <a:spLocks noGrp="1"/>
+          </p:cNvSpPr>
+          <p:nvPr>
+            <p:ph idx="1"/>
+          </p:nvPr>
+        </p:nvSpPr>
+        <p:spPr/>
+        <p:txBody>
+          <a:bodyPr/>
+          <a:lstStyle/>
+          <a:p>
+            <a:r>
+              <a:rPr lang="de-CH" dirty="0" smtClean="0"/>
+              <a:t>Keine neuen Risiken (Risikomanagement)</a:t>
+            </a:r>
+          </a:p>
+          <a:p>
+            <a:r>
+              <a:rPr lang="de-CH" dirty="0" smtClean="0"/>
+              <a:t>3 Risiken bisher bereinigt</a:t>
+            </a:r>
+          </a:p>
+          <a:p>
+            <a:r>
+              <a:rPr lang="de-CH" dirty="0" smtClean="0"/>
+              <a:t>Bisherige totale Arbeitszeit: 433 Stunden</a:t>
+            </a:r>
+          </a:p>
+          <a:p>
+            <a:r>
+              <a:rPr lang="de-CH" dirty="0" smtClean="0"/>
+              <a:t>Meilenstein 3 «Ende Elaboration» abgeschlossen</a:t>
+            </a:r>
+          </a:p>
+          <a:p>
+            <a:r>
+              <a:rPr lang="de-CH" dirty="0" smtClean="0"/>
+              <a:t>Version 0.1 ausgeliefert</a:t>
+            </a:r>
+          </a:p>
+          <a:p>
+            <a:r>
+              <a:rPr lang="de-CH" dirty="0" err="1" smtClean="0"/>
+              <a:t>Construction</a:t>
+            </a:r>
+            <a:r>
+              <a:rPr lang="de-CH" dirty="0" smtClean="0"/>
+              <a:t> Phase ausgearbeitet</a:t>
+            </a:r>
+          </a:p>
+          <a:p>
+            <a:endParaRPr lang="de-CH" dirty="0" smtClean="0"/>
+          </a:p>
+          <a:p>
+            <a:endParaRPr lang="de-CH" dirty="0" smtClean="0"/>
+          </a:p>
+          <a:p>
+            <a:endParaRPr lang="de-CH" dirty="0"/>
+          </a:p>
+        </p:txBody>
+      </p:sp>
+      <p:sp>
+        <p:nvSpPr>
+          <p:cNvPr id="3" name="Titel 2"/>
+          <p:cNvSpPr>
+            <a:spLocks noGrp="1"/>
+          </p:cNvSpPr>
+          <p:nvPr>
+            <p:ph type="title"/>
+          </p:nvPr>
+        </p:nvSpPr>
+        <p:spPr/>
+        <p:txBody>
+          <a:bodyPr/>
+          <a:lstStyle/>
+          <a:p>
+            <a:r>
+              <a:rPr lang="de-CH" dirty="0" smtClean="0"/>
+              <a:t>Projektstand</a:t>
+            </a:r>
+            <a:endParaRPr lang="de-CH" dirty="0"/>
+          </a:p>
+        </p:txBody>
+      </p:sp>
+      <p:pic>
+        <p:nvPicPr>
+          <p:cNvPr id="4099" name="Picture 3" descr="C:\Users\schefe\AppData\Local\Microsoft\Windows\Temporary Internet Files\Content.IE5\5MBT18M7\MP900438377[1].jpg"/>
+          <p:cNvPicPr>
+            <a:picLocks noChangeAspect="1" noChangeArrowheads="1"/>
+          </p:cNvPicPr>
+          <p:nvPr/>
+        </p:nvPicPr>
+        <p:blipFill>
+          <a:blip r:embed="rId2" cstate="print">
+            <a:extLst>
+              <a:ext uri="{28A0092B-C50C-407E-A947-70E740481C1C}">
+                <a14:useLocalDpi xmlns:a14="http://schemas.microsoft.com/office/drawing/2010/main" val="0"/>
+              </a:ext>
+            </a:extLst>
+          </a:blip>
+          <a:srcRect/>
+          <a:stretch>
+            <a:fillRect/>
+          </a:stretch>
+        </p:blipFill>
+        <p:spPr bwMode="auto">
+          <a:xfrm>
+            <a:off x="7164288" y="4149080"/>
+            <a:ext cx="1520454" cy="2025986"/>
+          </a:xfrm>
+          <a:prstGeom prst="roundRect">
+            <a:avLst>
+              <a:gd name="adj" fmla="val 8594"/>
+            </a:avLst>
+          </a:prstGeom>
+          <a:solidFill>
+            <a:srgbClr val="FFFFFF">
+              <a:shade val="85000"/>
+            </a:srgbClr>
+          </a:solidFill>
+          <a:ln>
+            <a:noFill/>
+          </a:ln>
+          <a:effectLst>
+            <a:reflection blurRad="12700" stA="38000" endPos="28000" dist="5000" dir="5400000" sy="-100000" algn="bl" rotWithShape="0"/>
+          </a:effectLst>
+          <a:extLst>
+            <a:ext uri="{909E8E84-426E-40DD-AFC4-6F175D3DCCD1}">
+              <a14:hiddenFill xmlns:a14="http://schemas.microsoft.com/office/drawing/2010/main">
+                <a:solidFill>
+                  <a:srgbClr val="FFFFFF"/>
+                </a:solidFill>
+              </a14:hiddenFill>
+            </a:ext>
+          </a:extLst>
+        </p:spPr>
+      </p:pic>
+    </p:spTree>
+    <p:extLst>
+      <p:ext uri="{BB962C8B-B14F-4D97-AF65-F5344CB8AC3E}">
+        <p14:creationId xmlns:p14="http://schemas.microsoft.com/office/powerpoint/2010/main" val="148297732"/>
+      </p:ext>
+    </p:extLst>
+  </p:cSld>
+  <p:clrMapOvr>
+    <a:masterClrMapping/>
+  </p:clrMapOvr>
+  <p:transition/>
+  <p:timing>
+    <p:tnLst>
+      <p:par>
+        <p:cTn id="1" dur="indefinite" restart="never" nodeType="tmRoot"/>
+      </p:par>
+    </p:tnLst>
+  </p:timing>
+</p:sld>
+</file>
+
+<file path=ppt/slides/slide21.xml><?xml version="1.0" encoding="utf-8"?>
+<p:sld xmlns:a="http://schemas.openxmlformats.org/drawingml/2006/main" xmlns:r="http://schemas.openxmlformats.org/officeDocument/2006/relationships" xmlns:p="http://schemas.openxmlformats.org/presentationml/2006/main">
+  <p:cSld>
+    <p:spTree>
+      <p:nvGrpSpPr>
+        <p:cNvPr id="1" name=""/>
+        <p:cNvGrpSpPr/>
+        <p:nvPr/>
+      </p:nvGrpSpPr>
+      <p:grpSpPr>
+        <a:xfrm>
+          <a:off x="0" y="0"/>
+          <a:ext cx="0" cy="0"/>
+          <a:chOff x="0" y="0"/>
+          <a:chExt cx="0" cy="0"/>
+        </a:xfrm>
+      </p:grpSpPr>
+      <p:sp>
+        <p:nvSpPr>
+          <p:cNvPr id="3" name="Titel 2"/>
+          <p:cNvSpPr>
+            <a:spLocks noGrp="1"/>
+          </p:cNvSpPr>
+          <p:nvPr>
+            <p:ph type="title"/>
+          </p:nvPr>
+        </p:nvSpPr>
+        <p:spPr/>
+        <p:txBody>
+          <a:bodyPr/>
+          <a:lstStyle/>
+          <a:p>
+            <a:r>
+              <a:rPr lang="de-CH" dirty="0" smtClean="0"/>
+              <a:t>Gantt-Diagramm</a:t>
+            </a:r>
+            <a:endParaRPr lang="de-CH" dirty="0"/>
+          </a:p>
+        </p:txBody>
+      </p:sp>
+      <p:pic>
+        <p:nvPicPr>
+          <p:cNvPr id="7170" name="Picture 2">
+            <a:hlinkClick r:id="rId2"/>
+          </p:cNvPr>
+          <p:cNvPicPr>
+            <a:picLocks noChangeAspect="1" noChangeArrowheads="1"/>
+          </p:cNvPicPr>
+          <p:nvPr/>
+        </p:nvPicPr>
+        <p:blipFill>
+          <a:blip r:embed="rId3">
+            <a:extLst>
+              <a:ext uri="{28A0092B-C50C-407E-A947-70E740481C1C}">
+                <a14:useLocalDpi xmlns:a14="http://schemas.microsoft.com/office/drawing/2010/main" val="0"/>
+              </a:ext>
+            </a:extLst>
+          </a:blip>
+          <a:srcRect/>
+          <a:stretch>
+            <a:fillRect/>
+          </a:stretch>
+        </p:blipFill>
+        <p:spPr bwMode="auto">
+          <a:xfrm>
+            <a:off x="7288113" y="5934422"/>
+            <a:ext cx="1621929" cy="751493"/>
+          </a:xfrm>
+          <a:prstGeom prst="rect">
+            <a:avLst/>
+          </a:prstGeom>
+          <a:noFill/>
+          <a:ln>
+            <a:noFill/>
+          </a:ln>
+          <a:effectLst/>
+          <a:extLst>
+            <a:ext uri="{909E8E84-426E-40DD-AFC4-6F175D3DCCD1}">
+              <a14:hiddenFill xmlns:a14="http://schemas.microsoft.com/office/drawing/2010/main">
+                <a:solidFill>
+                  <a:schemeClr val="accent1"/>
+                </a:solidFill>
+              </a14:hiddenFill>
+            </a:ext>
+            <a:ext uri="{91240B29-F687-4F45-9708-019B960494DF}">
+              <a14:hiddenLine xmlns:a14="http://schemas.microsoft.com/office/drawing/2010/main" w="9525">
+                <a:solidFill>
+                  <a:schemeClr val="tx1"/>
+                </a:solidFill>
+                <a:miter lim="800000"/>
+                <a:headEnd/>
+                <a:tailEnd/>
+              </a14:hiddenLine>
+            </a:ext>
+            <a:ext uri="{AF507438-7753-43E0-B8FC-AC1667EBCBE1}">
+              <a14:hiddenEffects xmlns:a14="http://schemas.microsoft.com/office/drawing/2010/main">
+                <a:effectLst>
+                  <a:outerShdw dist="35921" dir="2700000" algn="ctr" rotWithShape="0">
+                    <a:schemeClr val="bg2"/>
+                  </a:outerShdw>
+                </a:effectLst>
+              </a14:hiddenEffects>
+            </a:ext>
+          </a:extLst>
+        </p:spPr>
+      </p:pic>
+      <p:pic>
+        <p:nvPicPr>
+          <p:cNvPr id="7171" name="Picture 3"/>
+          <p:cNvPicPr>
+            <a:picLocks noChangeAspect="1" noChangeArrowheads="1"/>
+          </p:cNvPicPr>
+          <p:nvPr/>
+        </p:nvPicPr>
+        <p:blipFill>
+          <a:blip r:embed="rId4">
+            <a:extLst>
+              <a:ext uri="{28A0092B-C50C-407E-A947-70E740481C1C}">
+                <a14:useLocalDpi xmlns:a14="http://schemas.microsoft.com/office/drawing/2010/main" val="0"/>
+              </a:ext>
+            </a:extLst>
+          </a:blip>
+          <a:srcRect/>
+          <a:stretch>
+            <a:fillRect/>
+          </a:stretch>
+        </p:blipFill>
+        <p:spPr bwMode="auto">
+          <a:xfrm>
+            <a:off x="1403648" y="1186086"/>
+            <a:ext cx="5864126" cy="4933719"/>
+          </a:xfrm>
+          <a:prstGeom prst="rect">
+            <a:avLst/>
+          </a:prstGeom>
+          <a:noFill/>
+          <a:ln>
+            <a:noFill/>
+          </a:ln>
+          <a:effectLst/>
+          <a:extLst>
+            <a:ext uri="{909E8E84-426E-40DD-AFC4-6F175D3DCCD1}">
+              <a14:hiddenFill xmlns:a14="http://schemas.microsoft.com/office/drawing/2010/main">
+                <a:solidFill>
+                  <a:schemeClr val="accent1"/>
+                </a:solidFill>
+              </a14:hiddenFill>
+            </a:ext>
+            <a:ext uri="{91240B29-F687-4F45-9708-019B960494DF}">
+              <a14:hiddenLine xmlns:a14="http://schemas.microsoft.com/office/drawing/2010/main" w="9525">
+                <a:solidFill>
+                  <a:schemeClr val="tx1"/>
+                </a:solidFill>
+                <a:miter lim="800000"/>
+                <a:headEnd/>
+                <a:tailEnd/>
+              </a14:hiddenLine>
+            </a:ext>
+            <a:ext uri="{AF507438-7753-43E0-B8FC-AC1667EBCBE1}">
+              <a14:hiddenEffects xmlns:a14="http://schemas.microsoft.com/office/drawing/2010/main">
+                <a:effectLst>
+                  <a:outerShdw dist="35921" dir="2700000" algn="ctr" rotWithShape="0">
+                    <a:schemeClr val="bg2"/>
+                  </a:outerShdw>
+                </a:effectLst>
+              </a14:hiddenEffects>
+            </a:ext>
+          </a:extLst>
+        </p:spPr>
+      </p:pic>
+    </p:spTree>
+    <p:extLst>
+      <p:ext uri="{BB962C8B-B14F-4D97-AF65-F5344CB8AC3E}">
+        <p14:creationId xmlns:p14="http://schemas.microsoft.com/office/powerpoint/2010/main" val="3576834774"/>
+      </p:ext>
+    </p:extLst>
+  </p:cSld>
+  <p:clrMapOvr>
+    <a:masterClrMapping/>
+  </p:clrMapOvr>
+  <p:transition/>
+  <p:timing>
+    <p:tnLst>
+      <p:par>
+        <p:cTn id="1" dur="indefinite" restart="never" nodeType="tmRoot"/>
+      </p:par>
+    </p:tnLst>
+  </p:timing>
+</p:sld>
+</file>
+
+<file path=ppt/slides/slide22.xml><?xml version="1.0" encoding="utf-8"?>
+<p:sld xmlns:a="http://schemas.openxmlformats.org/drawingml/2006/main" xmlns:r="http://schemas.openxmlformats.org/officeDocument/2006/relationships" xmlns:p="http://schemas.openxmlformats.org/presentationml/2006/main">
+  <p:cSld>
+    <p:spTree>
+      <p:nvGrpSpPr>
+        <p:cNvPr id="1" name=""/>
+        <p:cNvGrpSpPr/>
+        <p:nvPr/>
+      </p:nvGrpSpPr>
+      <p:grpSpPr>
+        <a:xfrm>
+          <a:off x="0" y="0"/>
+          <a:ext cx="0" cy="0"/>
+          <a:chOff x="0" y="0"/>
+          <a:chExt cx="0" cy="0"/>
+        </a:xfrm>
+      </p:grpSpPr>
+      <p:sp>
+        <p:nvSpPr>
+          <p:cNvPr id="2" name="Inhaltsplatzhalter 1"/>
+          <p:cNvSpPr>
+            <a:spLocks noGrp="1"/>
+          </p:cNvSpPr>
+          <p:nvPr>
+            <p:ph idx="1"/>
+          </p:nvPr>
+        </p:nvSpPr>
+        <p:spPr/>
+        <p:txBody>
+          <a:bodyPr/>
+          <a:lstStyle/>
+          <a:p>
+            <a:endParaRPr lang="de-CH"/>
+          </a:p>
+        </p:txBody>
+      </p:sp>
+      <p:sp>
+        <p:nvSpPr>
+          <p:cNvPr id="3" name="Titel 2"/>
+          <p:cNvSpPr>
+            <a:spLocks noGrp="1"/>
+          </p:cNvSpPr>
+          <p:nvPr>
+            <p:ph type="title"/>
+          </p:nvPr>
+        </p:nvSpPr>
+        <p:spPr/>
+        <p:txBody>
+          <a:bodyPr/>
+          <a:lstStyle/>
+          <a:p>
+            <a:r>
+              <a:rPr lang="de-CH" dirty="0" smtClean="0"/>
+              <a:t>Auswertung Zeiterfassung</a:t>
+            </a:r>
+            <a:endParaRPr lang="de-CH" dirty="0"/>
+          </a:p>
+        </p:txBody>
+      </p:sp>
+    </p:spTree>
+    <p:extLst>
+      <p:ext uri="{BB962C8B-B14F-4D97-AF65-F5344CB8AC3E}">
+        <p14:creationId xmlns:p14="http://schemas.microsoft.com/office/powerpoint/2010/main" val="3261160706"/>
+      </p:ext>
+    </p:extLst>
+  </p:cSld>
+  <p:clrMapOvr>
+    <a:masterClrMapping/>
+  </p:clrMapOvr>
+  <p:transition/>
+  <p:timing>
+    <p:tnLst>
+      <p:par>
+        <p:cTn id="1" dur="indefinite" restart="never" nodeType="tmRoot"/>
+      </p:par>
+    </p:tnLst>
+  </p:timing>
+</p:sld>
+</file>
+
+<file path=ppt/slides/slide23.xml><?xml version="1.0" encoding="utf-8"?>
+<p:sld xmlns:a="http://schemas.openxmlformats.org/drawingml/2006/main" xmlns:r="http://schemas.openxmlformats.org/officeDocument/2006/relationships" xmlns:p="http://schemas.openxmlformats.org/presentationml/2006/main">
+  <p:cSld>
+    <p:spTree>
+      <p:nvGrpSpPr>
+        <p:cNvPr id="1" name=""/>
+        <p:cNvGrpSpPr/>
+        <p:nvPr/>
+      </p:nvGrpSpPr>
+      <p:grpSpPr>
+        <a:xfrm>
+          <a:off x="0" y="0"/>
+          <a:ext cx="0" cy="0"/>
+          <a:chOff x="0" y="0"/>
+          <a:chExt cx="0" cy="0"/>
+        </a:xfrm>
+      </p:grpSpPr>
+      <p:sp>
+        <p:nvSpPr>
+          <p:cNvPr id="3" name="Titel 2"/>
+          <p:cNvSpPr>
+            <a:spLocks noGrp="1"/>
+          </p:cNvSpPr>
+          <p:nvPr>
+            <p:ph type="title"/>
+          </p:nvPr>
+        </p:nvSpPr>
+        <p:spPr/>
+        <p:txBody>
+          <a:bodyPr/>
+          <a:lstStyle/>
+          <a:p>
+            <a:r>
+              <a:rPr lang="de-CH" dirty="0" smtClean="0"/>
+              <a:t>Exkurs Risikomanagement</a:t>
+            </a:r>
+            <a:endParaRPr lang="de-CH" dirty="0"/>
+          </a:p>
+        </p:txBody>
+      </p:sp>
+      <p:pic>
+        <p:nvPicPr>
+          <p:cNvPr id="6146" name="Picture 2">
+            <a:hlinkClick r:id="rId2"/>
+          </p:cNvPr>
+          <p:cNvPicPr>
+            <a:picLocks noChangeAspect="1" noChangeArrowheads="1"/>
+          </p:cNvPicPr>
+          <p:nvPr/>
+        </p:nvPicPr>
+        <p:blipFill>
+          <a:blip r:embed="rId3">
+            <a:extLst>
+              <a:ext uri="{28A0092B-C50C-407E-A947-70E740481C1C}">
+                <a14:useLocalDpi xmlns:a14="http://schemas.microsoft.com/office/drawing/2010/main" val="0"/>
+              </a:ext>
+            </a:extLst>
+          </a:blip>
+          <a:srcRect/>
+          <a:stretch>
+            <a:fillRect/>
+          </a:stretch>
+        </p:blipFill>
+        <p:spPr bwMode="auto">
+          <a:xfrm>
+            <a:off x="6516216" y="4221088"/>
+            <a:ext cx="2088232" cy="2088232"/>
+          </a:xfrm>
+          <a:prstGeom prst="roundRect">
+            <a:avLst>
+              <a:gd name="adj" fmla="val 8594"/>
+            </a:avLst>
+          </a:prstGeom>
+          <a:solidFill>
+            <a:srgbClr val="FFFFFF">
+              <a:shade val="85000"/>
+            </a:srgbClr>
+          </a:solidFill>
+          <a:ln>
+            <a:noFill/>
+          </a:ln>
+          <a:effectLst>
+            <a:reflection blurRad="12700" stA="38000" endPos="28000" dist="5000" dir="5400000" sy="-100000" algn="bl" rotWithShape="0"/>
+          </a:effectLst>
+          <a:extLst>
+            <a:ext uri="{909E8E84-426E-40DD-AFC4-6F175D3DCCD1}">
+              <a14:hiddenFill xmlns:a14="http://schemas.microsoft.com/office/drawing/2010/main">
+                <a:solidFill>
+                  <a:schemeClr val="accent1"/>
+                </a:solidFill>
+              </a14:hiddenFill>
+            </a:ext>
+            <a:ext uri="{91240B29-F687-4F45-9708-019B960494DF}">
+              <a14:hiddenLine xmlns:a14="http://schemas.microsoft.com/office/drawing/2010/main" w="9525">
+                <a:solidFill>
+                  <a:schemeClr val="tx1"/>
+                </a:solidFill>
+                <a:miter lim="800000"/>
+                <a:headEnd/>
+                <a:tailEnd/>
+              </a14:hiddenLine>
+            </a:ext>
+            <a:ext uri="{AF507438-7753-43E0-B8FC-AC1667EBCBE1}">
+              <a14:hiddenEffects xmlns:a14="http://schemas.microsoft.com/office/drawing/2010/main">
+                <a:effectLst>
+                  <a:outerShdw dist="35921" dir="2700000" algn="ctr" rotWithShape="0">
+                    <a:schemeClr val="bg2"/>
+                  </a:outerShdw>
+                </a:effectLst>
+              </a14:hiddenEffects>
+            </a:ext>
+          </a:extLst>
+        </p:spPr>
+      </p:pic>
+      <p:sp>
+        <p:nvSpPr>
+          <p:cNvPr id="4" name="Inhaltsplatzhalter 3"/>
+          <p:cNvSpPr>
+            <a:spLocks noGrp="1"/>
+          </p:cNvSpPr>
+          <p:nvPr>
+            <p:ph idx="1"/>
+          </p:nvPr>
+        </p:nvSpPr>
+        <p:spPr/>
+        <p:txBody>
+          <a:bodyPr/>
+          <a:lstStyle/>
+          <a:p>
+            <a:r>
+              <a:rPr lang="de-CH" dirty="0" smtClean="0"/>
+              <a:t>Anzahl Risiken: 		 6</a:t>
+            </a:r>
+          </a:p>
+          <a:p>
+            <a:r>
+              <a:rPr lang="de-CH" dirty="0" smtClean="0"/>
+              <a:t>Einkalkulierte Zeit: 		 ~13 Stunden</a:t>
+            </a:r>
+          </a:p>
+          <a:p>
+            <a:r>
+              <a:rPr lang="de-CH" dirty="0" smtClean="0"/>
+              <a:t>Bisher bereinigte Risiken: 3</a:t>
+            </a:r>
+          </a:p>
+          <a:p>
+            <a:endParaRPr lang="de-CH" dirty="0" smtClean="0"/>
+          </a:p>
+          <a:p>
+            <a:r>
+              <a:rPr lang="de-CH" dirty="0" smtClean="0"/>
+              <a:t>Bereinigte Risiken in Elaboration Phase:</a:t>
+            </a:r>
+          </a:p>
+          <a:p>
+            <a:pPr lvl="1"/>
+            <a:r>
+              <a:rPr lang="de-CH" dirty="0" smtClean="0"/>
+              <a:t>Übertragungsprobleme Mobile </a:t>
+            </a:r>
+            <a:r>
+              <a:rPr lang="de-CH" dirty="0" smtClean="0">
+                <a:sym typeface="Wingdings" pitchFamily="2" charset="2"/>
+              </a:rPr>
+              <a:t> Server</a:t>
+            </a:r>
+            <a:r>
+              <a:rPr lang="de-CH" dirty="0" smtClean="0"/>
+              <a:t>  </a:t>
+            </a:r>
+            <a:endParaRPr lang="de-CH" dirty="0"/>
+          </a:p>
+        </p:txBody>
+      </p:sp>
+    </p:spTree>
+    <p:extLst>
+      <p:ext uri="{BB962C8B-B14F-4D97-AF65-F5344CB8AC3E}">
+        <p14:creationId xmlns:p14="http://schemas.microsoft.com/office/powerpoint/2010/main" val="1793667745"/>
+      </p:ext>
+    </p:extLst>
+  </p:cSld>
+  <p:clrMapOvr>
+    <a:masterClrMapping/>
+  </p:clrMapOvr>
+  <p:transition/>
+  <p:timing>
+    <p:tnLst>
+      <p:par>
+        <p:cTn id="1" dur="indefinite" restart="never" nodeType="tmRoot"/>
+      </p:par>
+    </p:tnLst>
+  </p:timing>
+</p:sld>
+</file>
+
+<file path=ppt/slides/slide24.xml><?xml version="1.0" encoding="utf-8"?>
+<p:sld xmlns:a="http://schemas.openxmlformats.org/drawingml/2006/main" xmlns:r="http://schemas.openxmlformats.org/officeDocument/2006/relationships" xmlns:p="http://schemas.openxmlformats.org/presentationml/2006/main">
+  <p:cSld>
+    <p:spTree>
+      <p:nvGrpSpPr>
+        <p:cNvPr id="1" name=""/>
+        <p:cNvGrpSpPr/>
+        <p:nvPr/>
+      </p:nvGrpSpPr>
+      <p:grpSpPr>
+        <a:xfrm>
+          <a:off x="0" y="0"/>
+          <a:ext cx="0" cy="0"/>
+          <a:chOff x="0" y="0"/>
+          <a:chExt cx="0" cy="0"/>
+        </a:xfrm>
+      </p:grpSpPr>
+      <p:sp>
+        <p:nvSpPr>
+          <p:cNvPr id="2" name="Inhaltsplatzhalter 1"/>
+          <p:cNvSpPr>
+            <a:spLocks noGrp="1"/>
+          </p:cNvSpPr>
+          <p:nvPr>
+            <p:ph idx="1"/>
+          </p:nvPr>
+        </p:nvSpPr>
+        <p:spPr>
+          <a:xfrm>
+            <a:off x="1331640" y="2132856"/>
+            <a:ext cx="3672408" cy="1440160"/>
+          </a:xfrm>
+        </p:spPr>
+        <p:txBody>
+          <a:bodyPr/>
+          <a:lstStyle/>
+          <a:p>
+            <a:pPr marL="109728" indent="0">
+              <a:buNone/>
+            </a:pPr>
+            <a:r>
+              <a:rPr lang="de-CH" dirty="0" smtClean="0"/>
+              <a:t>Vielen Dank für Ihre Aufmerksamkeit!</a:t>
+            </a:r>
+            <a:endParaRPr lang="de-CH" dirty="0"/>
+          </a:p>
+        </p:txBody>
+      </p:sp>
+      <p:sp>
+        <p:nvSpPr>
+          <p:cNvPr id="3" name="Titel 2"/>
+          <p:cNvSpPr>
+            <a:spLocks noGrp="1"/>
+          </p:cNvSpPr>
+          <p:nvPr>
+            <p:ph type="title"/>
+          </p:nvPr>
+        </p:nvSpPr>
+        <p:spPr/>
+        <p:txBody>
+          <a:bodyPr/>
+          <a:lstStyle/>
+          <a:p>
+            <a:r>
+              <a:rPr lang="de-CH" dirty="0" smtClean="0"/>
+              <a:t>Fragen ???</a:t>
+            </a:r>
+            <a:endParaRPr lang="de-CH" dirty="0"/>
+          </a:p>
+        </p:txBody>
+      </p:sp>
+      <p:pic>
+        <p:nvPicPr>
+          <p:cNvPr id="5122" name="Picture 2" descr="C:\Users\schefe\AppData\Local\Microsoft\Windows\Temporary Internet Files\Content.IE5\PFEG0HII\MP900315598[1].jpg"/>
+          <p:cNvPicPr>
+            <a:picLocks noChangeAspect="1" noChangeArrowheads="1"/>
+          </p:cNvPicPr>
+          <p:nvPr/>
+        </p:nvPicPr>
+        <p:blipFill>
+          <a:blip r:embed="rId2">
+            <a:extLst>
+              <a:ext uri="{28A0092B-C50C-407E-A947-70E740481C1C}">
+                <a14:useLocalDpi xmlns:a14="http://schemas.microsoft.com/office/drawing/2010/main" val="0"/>
+              </a:ext>
+            </a:extLst>
+          </a:blip>
+          <a:srcRect/>
+          <a:stretch>
+            <a:fillRect/>
+          </a:stretch>
+        </p:blipFill>
+        <p:spPr bwMode="auto">
+          <a:xfrm>
+            <a:off x="4860032" y="2924944"/>
+            <a:ext cx="2547196" cy="1817000"/>
+          </a:xfrm>
+          <a:prstGeom prst="roundRect">
+            <a:avLst>
+              <a:gd name="adj" fmla="val 8594"/>
+            </a:avLst>
+          </a:prstGeom>
+          <a:solidFill>
+            <a:srgbClr val="FFFFFF">
+              <a:shade val="85000"/>
+            </a:srgbClr>
+          </a:solidFill>
+          <a:ln>
+            <a:noFill/>
+          </a:ln>
+          <a:effectLst>
+            <a:reflection blurRad="12700" stA="38000" endPos="28000" dist="5000" dir="5400000" sy="-100000" algn="bl" rotWithShape="0"/>
+          </a:effectLst>
+          <a:extLst>
+            <a:ext uri="{909E8E84-426E-40DD-AFC4-6F175D3DCCD1}">
+              <a14:hiddenFill xmlns:a14="http://schemas.microsoft.com/office/drawing/2010/main">
+                <a:solidFill>
+                  <a:srgbClr val="FFFFFF"/>
+                </a:solidFill>
+              </a14:hiddenFill>
+            </a:ext>
+          </a:extLst>
+        </p:spPr>
+      </p:pic>
+    </p:spTree>
+    <p:extLst>
+      <p:ext uri="{BB962C8B-B14F-4D97-AF65-F5344CB8AC3E}">
+        <p14:creationId xmlns:p14="http://schemas.microsoft.com/office/powerpoint/2010/main" val="4262147464"/>
       </p:ext>
     </p:extLst>
   </p:cSld>

--- a/doc/05_Design/praesentation.pptx
+++ b/doc/05_Design/praesentation.pptx
@@ -5,7 +5,7 @@
     <p:sldMasterId id="2147483660" r:id="rId1"/>
   </p:sldMasterIdLst>
   <p:notesMasterIdLst>
-    <p:notesMasterId r:id="rId26"/>
+    <p:notesMasterId r:id="rId27"/>
   </p:notesMasterIdLst>
   <p:sldIdLst>
     <p:sldId id="256" r:id="rId2"/>
@@ -19,19 +19,20 @@
     <p:sldId id="264" r:id="rId10"/>
     <p:sldId id="265" r:id="rId11"/>
     <p:sldId id="273" r:id="rId12"/>
-    <p:sldId id="267" r:id="rId13"/>
-    <p:sldId id="275" r:id="rId14"/>
-    <p:sldId id="266" r:id="rId15"/>
-    <p:sldId id="268" r:id="rId16"/>
-    <p:sldId id="274" r:id="rId17"/>
-    <p:sldId id="270" r:id="rId18"/>
-    <p:sldId id="271" r:id="rId19"/>
-    <p:sldId id="272" r:id="rId20"/>
-    <p:sldId id="276" r:id="rId21"/>
-    <p:sldId id="277" r:id="rId22"/>
-    <p:sldId id="278" r:id="rId23"/>
-    <p:sldId id="279" r:id="rId24"/>
-    <p:sldId id="280" r:id="rId25"/>
+    <p:sldId id="281" r:id="rId13"/>
+    <p:sldId id="267" r:id="rId14"/>
+    <p:sldId id="275" r:id="rId15"/>
+    <p:sldId id="266" r:id="rId16"/>
+    <p:sldId id="268" r:id="rId17"/>
+    <p:sldId id="274" r:id="rId18"/>
+    <p:sldId id="270" r:id="rId19"/>
+    <p:sldId id="271" r:id="rId20"/>
+    <p:sldId id="272" r:id="rId21"/>
+    <p:sldId id="276" r:id="rId22"/>
+    <p:sldId id="277" r:id="rId23"/>
+    <p:sldId id="278" r:id="rId24"/>
+    <p:sldId id="279" r:id="rId25"/>
+    <p:sldId id="280" r:id="rId26"/>
   </p:sldIdLst>
   <p:sldSz cx="9144000" cy="6858000" type="screen4x3"/>
   <p:notesSz cx="6858000" cy="9144000"/>
@@ -747,7 +748,7 @@
           <a:p>
             <a:fld id="{B897FE81-6B21-41EA-A3E2-976A199E5936}" type="slidenum">
               <a:rPr lang="de-CH" smtClean="0"/>
-              <a:t>14</a:t>
+              <a:t>15</a:t>
             </a:fld>
             <a:endParaRPr lang="de-CH"/>
           </a:p>
@@ -835,7 +836,7 @@
           <a:p>
             <a:fld id="{B897FE81-6B21-41EA-A3E2-976A199E5936}" type="slidenum">
               <a:rPr lang="de-CH" smtClean="0"/>
-              <a:t>15</a:t>
+              <a:t>16</a:t>
             </a:fld>
             <a:endParaRPr lang="de-CH"/>
           </a:p>
@@ -923,7 +924,7 @@
           <a:p>
             <a:fld id="{B897FE81-6B21-41EA-A3E2-976A199E5936}" type="slidenum">
               <a:rPr lang="de-CH" smtClean="0"/>
-              <a:t>17</a:t>
+              <a:t>18</a:t>
             </a:fld>
             <a:endParaRPr lang="de-CH"/>
           </a:p>
@@ -1032,7 +1033,7 @@
           <a:p>
             <a:fld id="{B897FE81-6B21-41EA-A3E2-976A199E5936}" type="slidenum">
               <a:rPr lang="de-CH" smtClean="0"/>
-              <a:t>18</a:t>
+              <a:t>19</a:t>
             </a:fld>
             <a:endParaRPr lang="de-CH"/>
           </a:p>
@@ -5863,6 +5864,45 @@
           <a:lstStyle/>
           <a:p>
             <a:r>
+              <a:rPr lang="de-CH" dirty="0" err="1" smtClean="0"/>
+              <a:t>Rails</a:t>
+            </a:r>
+            <a:endParaRPr lang="de-CH" dirty="0" smtClean="0"/>
+          </a:p>
+          <a:p>
+            <a:pPr lvl="1"/>
+            <a:r>
+              <a:rPr lang="de-CH" dirty="0" err="1" smtClean="0"/>
+              <a:t>Convention</a:t>
+            </a:r>
+            <a:r>
+              <a:rPr lang="de-CH" dirty="0" smtClean="0"/>
+              <a:t> </a:t>
+            </a:r>
+            <a:r>
+              <a:rPr lang="de-CH" dirty="0" err="1"/>
+              <a:t>over</a:t>
+            </a:r>
+            <a:r>
+              <a:rPr lang="de-CH" dirty="0"/>
+              <a:t> </a:t>
+            </a:r>
+            <a:r>
+              <a:rPr lang="de-CH" dirty="0" err="1"/>
+              <a:t>configuration</a:t>
+            </a:r>
+            <a:endParaRPr lang="de-CH" dirty="0"/>
+          </a:p>
+          <a:p>
+            <a:pPr lvl="1"/>
+            <a:r>
+              <a:rPr lang="de-CH" dirty="0"/>
+              <a:t>Applikation zu klein, um aufzuteilen</a:t>
+            </a:r>
+            <a:endParaRPr lang="de-CH" dirty="0" smtClean="0"/>
+          </a:p>
+          <a:p>
+            <a:r>
               <a:rPr lang="de-CH" dirty="0" smtClean="0"/>
               <a:t>Konzentration </a:t>
             </a:r>
@@ -5870,7 +5910,7 @@
               <a:rPr lang="de-CH" dirty="0" err="1" smtClean="0"/>
               <a:t>Android</a:t>
             </a:r>
-            <a:endParaRPr lang="de-CH" dirty="0"/>
+            <a:endParaRPr lang="de-CH" dirty="0" smtClean="0"/>
           </a:p>
           <a:p>
             <a:r>
@@ -5879,36 +5919,18 @@
             </a:r>
           </a:p>
           <a:p>
-            <a:pPr lvl="1"/>
             <a:r>
               <a:rPr lang="de-CH" dirty="0" smtClean="0"/>
-              <a:t>Schwache Kopplung</a:t>
-            </a:r>
-          </a:p>
-          <a:p>
-            <a:pPr lvl="1"/>
-            <a:r>
-              <a:rPr lang="de-CH" dirty="0" smtClean="0"/>
-              <a:t>Aufteilbar</a:t>
-            </a:r>
-          </a:p>
-          <a:p>
-            <a:pPr lvl="1"/>
-            <a:r>
-              <a:rPr lang="de-CH" dirty="0" smtClean="0"/>
-              <a:t>Einzeln </a:t>
+              <a:t>Auf der nächsten Folie: Umsetzung </a:t>
             </a:r>
             <a:r>
               <a:rPr lang="de-CH" dirty="0" err="1" smtClean="0"/>
-              <a:t>Testbar</a:t>
+              <a:t>Android</a:t>
             </a:r>
             <a:endParaRPr lang="de-CH" dirty="0" smtClean="0"/>
           </a:p>
           <a:p>
-            <a:r>
-              <a:rPr lang="de-CH" dirty="0" smtClean="0"/>
-              <a:t>Realisierung</a:t>
-            </a:r>
+            <a:endParaRPr lang="de-CH" dirty="0" smtClean="0"/>
           </a:p>
           <a:p>
             <a:endParaRPr lang="de-CH" dirty="0" smtClean="0"/>
@@ -5978,7 +6000,7 @@
       </p:grpSpPr>
       <p:pic>
         <p:nvPicPr>
-          <p:cNvPr id="8195" name="Picture 3"/>
+          <p:cNvPr id="1026" name="Picture 2"/>
           <p:cNvPicPr>
             <a:picLocks noChangeAspect="1" noChangeArrowheads="1"/>
           </p:cNvPicPr>
@@ -5992,13 +6014,13 @@
               </a:ext>
             </a:extLst>
           </a:blip>
-          <a:srcRect l="1724" t="3134" r="1311" b="1404"/>
+          <a:srcRect l="2451" t="2673" r="1836" b="1761"/>
           <a:stretch/>
         </p:blipFill>
         <p:spPr bwMode="auto">
           <a:xfrm>
-            <a:off x="899592" y="-7400"/>
-            <a:ext cx="7704855" cy="6926280"/>
+            <a:off x="36511" y="327546"/>
+            <a:ext cx="9144001" cy="10112991"/>
           </a:xfrm>
           <a:prstGeom prst="rect">
             <a:avLst/>
@@ -6076,6 +6098,106 @@
           <a:chExt cx="0" cy="0"/>
         </a:xfrm>
       </p:grpSpPr>
+      <p:pic>
+        <p:nvPicPr>
+          <p:cNvPr id="4" name="Picture 2"/>
+          <p:cNvPicPr>
+            <a:picLocks noChangeAspect="1" noChangeArrowheads="1"/>
+          </p:cNvPicPr>
+          <p:nvPr/>
+        </p:nvPicPr>
+        <p:blipFill rotWithShape="1">
+          <a:blip r:embed="rId2">
+            <a:extLst>
+              <a:ext uri="{28A0092B-C50C-407E-A947-70E740481C1C}">
+                <a14:useLocalDpi xmlns:a14="http://schemas.microsoft.com/office/drawing/2010/main" val="0"/>
+              </a:ext>
+            </a:extLst>
+          </a:blip>
+          <a:srcRect l="2451" t="2673" r="1836" b="1761"/>
+          <a:stretch/>
+        </p:blipFill>
+        <p:spPr bwMode="auto">
+          <a:xfrm>
+            <a:off x="35496" y="-3915816"/>
+            <a:ext cx="9144001" cy="10112991"/>
+          </a:xfrm>
+          <a:prstGeom prst="rect">
+            <a:avLst/>
+          </a:prstGeom>
+          <a:noFill/>
+          <a:ln>
+            <a:noFill/>
+          </a:ln>
+          <a:effectLst/>
+          <a:extLst>
+            <a:ext uri="{909E8E84-426E-40DD-AFC4-6F175D3DCCD1}">
+              <a14:hiddenFill xmlns:a14="http://schemas.microsoft.com/office/drawing/2010/main">
+                <a:solidFill>
+                  <a:schemeClr val="accent1"/>
+                </a:solidFill>
+              </a14:hiddenFill>
+            </a:ext>
+            <a:ext uri="{91240B29-F687-4F45-9708-019B960494DF}">
+              <a14:hiddenLine xmlns:a14="http://schemas.microsoft.com/office/drawing/2010/main" w="9525">
+                <a:solidFill>
+                  <a:schemeClr val="tx1"/>
+                </a:solidFill>
+                <a:miter lim="800000"/>
+                <a:headEnd/>
+                <a:tailEnd/>
+              </a14:hiddenLine>
+            </a:ext>
+            <a:ext uri="{AF507438-7753-43E0-B8FC-AC1667EBCBE1}">
+              <a14:hiddenEffects xmlns:a14="http://schemas.microsoft.com/office/drawing/2010/main">
+                <a:effectLst>
+                  <a:outerShdw dist="35921" dir="2700000" algn="ctr" rotWithShape="0">
+                    <a:schemeClr val="bg2"/>
+                  </a:outerShdw>
+                </a:effectLst>
+              </a14:hiddenEffects>
+            </a:ext>
+          </a:extLst>
+        </p:spPr>
+      </p:pic>
+    </p:spTree>
+    <p:extLst>
+      <p:ext uri="{BB962C8B-B14F-4D97-AF65-F5344CB8AC3E}">
+        <p14:creationId xmlns:p14="http://schemas.microsoft.com/office/powerpoint/2010/main" val="1314904802"/>
+      </p:ext>
+    </p:extLst>
+  </p:cSld>
+  <p:clrMapOvr>
+    <a:masterClrMapping/>
+  </p:clrMapOvr>
+  <p:transition/>
+  <p:timing>
+    <p:tnLst>
+      <p:par>
+        <p:cTn id="1" dur="indefinite" restart="never" nodeType="tmRoot"/>
+      </p:par>
+    </p:tnLst>
+  </p:timing>
+</p:sld>
+</file>
+
+<file path=ppt/slides/slide13.xml><?xml version="1.0" encoding="utf-8"?>
+<p:sld xmlns:a="http://schemas.openxmlformats.org/drawingml/2006/main" xmlns:r="http://schemas.openxmlformats.org/officeDocument/2006/relationships" xmlns:p="http://schemas.openxmlformats.org/presentationml/2006/main">
+  <p:cSld>
+    <p:spTree>
+      <p:nvGrpSpPr>
+        <p:cNvPr id="1" name=""/>
+        <p:cNvGrpSpPr/>
+        <p:nvPr/>
+      </p:nvGrpSpPr>
+      <p:grpSpPr>
+        <a:xfrm>
+          <a:off x="0" y="0"/>
+          <a:ext cx="0" cy="0"/>
+          <a:chOff x="0" y="0"/>
+          <a:chExt cx="0" cy="0"/>
+        </a:xfrm>
+      </p:grpSpPr>
       <p:sp>
         <p:nvSpPr>
           <p:cNvPr id="2" name="Inhaltsplatzhalter 1"/>
@@ -6093,7 +6215,97 @@
           <a:p>
             <a:r>
               <a:rPr lang="de-CH" dirty="0" smtClean="0"/>
-              <a:t>Frameworks!!</a:t>
+              <a:t>Schichtenarchitektur</a:t>
+            </a:r>
+          </a:p>
+          <a:p>
+            <a:pPr lvl="1"/>
+            <a:r>
+              <a:rPr lang="de-CH" dirty="0" smtClean="0"/>
+              <a:t>Schwache Kopplung</a:t>
+            </a:r>
+          </a:p>
+          <a:p>
+            <a:pPr lvl="1"/>
+            <a:r>
+              <a:rPr lang="de-CH" dirty="0" smtClean="0"/>
+              <a:t>Hohe Kohäsion in Paketen</a:t>
+            </a:r>
+          </a:p>
+          <a:p>
+            <a:pPr lvl="1"/>
+            <a:r>
+              <a:rPr lang="de-CH" dirty="0" smtClean="0"/>
+              <a:t>Aufteilbar</a:t>
+            </a:r>
+            <a:endParaRPr lang="de-CH" dirty="0"/>
+          </a:p>
+          <a:p>
+            <a:pPr lvl="1"/>
+            <a:r>
+              <a:rPr lang="de-CH" dirty="0"/>
+              <a:t>Einzeln t</a:t>
+            </a:r>
+            <a:r>
+              <a:rPr lang="de-CH" dirty="0" smtClean="0"/>
+              <a:t>estbar</a:t>
+            </a:r>
+          </a:p>
+          <a:p>
+            <a:r>
+              <a:rPr lang="de-CH" dirty="0" smtClean="0"/>
+              <a:t>Tests im gleichen Paket</a:t>
+            </a:r>
+          </a:p>
+          <a:p>
+            <a:pPr lvl="1"/>
+            <a:r>
+              <a:rPr lang="de-CH" dirty="0" smtClean="0"/>
+              <a:t>Auch friendly / protected kann getestet werden</a:t>
+            </a:r>
+          </a:p>
+          <a:p>
+            <a:r>
+              <a:rPr lang="de-CH" dirty="0" smtClean="0"/>
+              <a:t>Frameworks</a:t>
+            </a:r>
+          </a:p>
+          <a:p>
+            <a:pPr lvl="1"/>
+            <a:r>
+              <a:rPr lang="de-CH" dirty="0" err="1" smtClean="0"/>
+              <a:t>ORMLite</a:t>
+            </a:r>
+            <a:r>
+              <a:rPr lang="de-CH" dirty="0" smtClean="0"/>
+              <a:t> (OR Mapper für </a:t>
+            </a:r>
+            <a:r>
+              <a:rPr lang="de-CH" dirty="0" err="1" smtClean="0"/>
+              <a:t>SQLite</a:t>
+            </a:r>
+            <a:r>
+              <a:rPr lang="de-CH" dirty="0" smtClean="0"/>
+              <a:t> DB)</a:t>
+            </a:r>
+          </a:p>
+          <a:p>
+            <a:pPr lvl="1"/>
+            <a:r>
+              <a:rPr lang="de-CH" dirty="0" err="1" smtClean="0"/>
+              <a:t>Robotium</a:t>
+            </a:r>
+            <a:r>
+              <a:rPr lang="de-CH" dirty="0" smtClean="0"/>
+              <a:t> (</a:t>
+            </a:r>
+            <a:r>
+              <a:rPr lang="de-CH" dirty="0" err="1" smtClean="0"/>
+              <a:t>Testing</a:t>
+            </a:r>
+            <a:r>
+              <a:rPr lang="de-CH" dirty="0" smtClean="0"/>
+              <a:t> Framework)</a:t>
             </a:r>
           </a:p>
         </p:txBody>
@@ -6142,7 +6354,7 @@
 </p:sld>
 </file>
 
-<file path=ppt/slides/slide13.xml><?xml version="1.0" encoding="utf-8"?>
+<file path=ppt/slides/slide14.xml><?xml version="1.0" encoding="utf-8"?>
 <p:sld xmlns:a="http://schemas.openxmlformats.org/drawingml/2006/main" xmlns:r="http://schemas.openxmlformats.org/officeDocument/2006/relationships" xmlns:p="http://schemas.openxmlformats.org/presentationml/2006/main">
   <p:cSld>
     <p:spTree>
@@ -6265,7 +6477,7 @@
 </p:sld>
 </file>
 
-<file path=ppt/slides/slide14.xml><?xml version="1.0" encoding="utf-8"?>
+<file path=ppt/slides/slide15.xml><?xml version="1.0" encoding="utf-8"?>
 <p:sld xmlns:a="http://schemas.openxmlformats.org/drawingml/2006/main" xmlns:r="http://schemas.openxmlformats.org/officeDocument/2006/relationships" xmlns:p="http://schemas.openxmlformats.org/presentationml/2006/main">
   <p:cSld>
     <p:spTree>
@@ -6392,7 +6604,7 @@
 </p:sld>
 </file>
 
-<file path=ppt/slides/slide15.xml><?xml version="1.0" encoding="utf-8"?>
+<file path=ppt/slides/slide16.xml><?xml version="1.0" encoding="utf-8"?>
 <p:sld xmlns:a="http://schemas.openxmlformats.org/drawingml/2006/main" xmlns:r="http://schemas.openxmlformats.org/officeDocument/2006/relationships" xmlns:p="http://schemas.openxmlformats.org/presentationml/2006/main">
   <p:cSld>
     <p:spTree>
@@ -6521,90 +6733,6 @@
 </p:sld>
 </file>
 
-<file path=ppt/slides/slide16.xml><?xml version="1.0" encoding="utf-8"?>
-<p:sld xmlns:a="http://schemas.openxmlformats.org/drawingml/2006/main" xmlns:r="http://schemas.openxmlformats.org/officeDocument/2006/relationships" xmlns:p="http://schemas.openxmlformats.org/presentationml/2006/main">
-  <p:cSld>
-    <p:spTree>
-      <p:nvGrpSpPr>
-        <p:cNvPr id="1" name=""/>
-        <p:cNvGrpSpPr/>
-        <p:nvPr/>
-      </p:nvGrpSpPr>
-      <p:grpSpPr>
-        <a:xfrm>
-          <a:off x="0" y="0"/>
-          <a:ext cx="0" cy="0"/>
-          <a:chOff x="0" y="0"/>
-          <a:chExt cx="0" cy="0"/>
-        </a:xfrm>
-      </p:grpSpPr>
-      <p:sp>
-        <p:nvSpPr>
-          <p:cNvPr id="2" name="Inhaltsplatzhalter 1"/>
-          <p:cNvSpPr>
-            <a:spLocks noGrp="1"/>
-          </p:cNvSpPr>
-          <p:nvPr>
-            <p:ph idx="1"/>
-          </p:nvPr>
-        </p:nvSpPr>
-        <p:spPr/>
-        <p:txBody>
-          <a:bodyPr/>
-          <a:lstStyle/>
-          <a:p>
-            <a:r>
-              <a:rPr lang="de-CH" dirty="0" smtClean="0"/>
-              <a:t>Wichtig</a:t>
-            </a:r>
-            <a:endParaRPr lang="de-CH" dirty="0"/>
-          </a:p>
-        </p:txBody>
-      </p:sp>
-      <p:sp>
-        <p:nvSpPr>
-          <p:cNvPr id="3" name="Titel 2"/>
-          <p:cNvSpPr>
-            <a:spLocks noGrp="1"/>
-          </p:cNvSpPr>
-          <p:nvPr>
-            <p:ph type="title"/>
-          </p:nvPr>
-        </p:nvSpPr>
-        <p:spPr/>
-        <p:txBody>
-          <a:bodyPr/>
-          <a:lstStyle/>
-          <a:p>
-            <a:r>
-              <a:rPr lang="de-CH" dirty="0" smtClean="0"/>
-              <a:t>Tests</a:t>
-            </a:r>
-            <a:endParaRPr lang="de-CH" dirty="0"/>
-          </a:p>
-        </p:txBody>
-      </p:sp>
-    </p:spTree>
-    <p:extLst>
-      <p:ext uri="{BB962C8B-B14F-4D97-AF65-F5344CB8AC3E}">
-        <p14:creationId xmlns:p14="http://schemas.microsoft.com/office/powerpoint/2010/main" val="3182682271"/>
-      </p:ext>
-    </p:extLst>
-  </p:cSld>
-  <p:clrMapOvr>
-    <a:masterClrMapping/>
-  </p:clrMapOvr>
-  <p:transition/>
-  <p:timing>
-    <p:tnLst>
-      <p:par>
-        <p:cTn id="1" dur="indefinite" restart="never" nodeType="tmRoot"/>
-      </p:par>
-    </p:tnLst>
-  </p:timing>
-</p:sld>
-</file>
-
 <file path=ppt/slides/slide17.xml><?xml version="1.0" encoding="utf-8"?>
 <p:sld xmlns:a="http://schemas.openxmlformats.org/drawingml/2006/main" xmlns:r="http://schemas.openxmlformats.org/officeDocument/2006/relationships" xmlns:p="http://schemas.openxmlformats.org/presentationml/2006/main">
   <p:cSld>
@@ -6637,7 +6765,11 @@
           <a:bodyPr/>
           <a:lstStyle/>
           <a:p>
-            <a:endParaRPr lang="de-CH"/>
+            <a:r>
+              <a:rPr lang="de-CH" dirty="0" smtClean="0"/>
+              <a:t>Wichtig</a:t>
+            </a:r>
+            <a:endParaRPr lang="de-CH" dirty="0"/>
           </a:p>
         </p:txBody>
       </p:sp>
@@ -6658,7 +6790,7 @@
           <a:p>
             <a:r>
               <a:rPr lang="de-CH" dirty="0" smtClean="0"/>
-              <a:t>Systemtest</a:t>
+              <a:t>Tests</a:t>
             </a:r>
             <a:endParaRPr lang="de-CH" dirty="0"/>
           </a:p>
@@ -6667,7 +6799,7 @@
     </p:spTree>
     <p:extLst>
       <p:ext uri="{BB962C8B-B14F-4D97-AF65-F5344CB8AC3E}">
-        <p14:creationId xmlns:p14="http://schemas.microsoft.com/office/powerpoint/2010/main" val="2835939076"/>
+        <p14:creationId xmlns:p14="http://schemas.microsoft.com/office/powerpoint/2010/main" val="3182682271"/>
       </p:ext>
     </p:extLst>
   </p:cSld>
@@ -6738,6 +6870,86 @@
           <a:p>
             <a:r>
               <a:rPr lang="de-CH" dirty="0" smtClean="0"/>
+              <a:t>Systemtest</a:t>
+            </a:r>
+            <a:endParaRPr lang="de-CH" dirty="0"/>
+          </a:p>
+        </p:txBody>
+      </p:sp>
+    </p:spTree>
+    <p:extLst>
+      <p:ext uri="{BB962C8B-B14F-4D97-AF65-F5344CB8AC3E}">
+        <p14:creationId xmlns:p14="http://schemas.microsoft.com/office/powerpoint/2010/main" val="2835939076"/>
+      </p:ext>
+    </p:extLst>
+  </p:cSld>
+  <p:clrMapOvr>
+    <a:masterClrMapping/>
+  </p:clrMapOvr>
+  <p:transition/>
+  <p:timing>
+    <p:tnLst>
+      <p:par>
+        <p:cTn id="1" dur="indefinite" restart="never" nodeType="tmRoot"/>
+      </p:par>
+    </p:tnLst>
+  </p:timing>
+</p:sld>
+</file>
+
+<file path=ppt/slides/slide19.xml><?xml version="1.0" encoding="utf-8"?>
+<p:sld xmlns:a="http://schemas.openxmlformats.org/drawingml/2006/main" xmlns:r="http://schemas.openxmlformats.org/officeDocument/2006/relationships" xmlns:p="http://schemas.openxmlformats.org/presentationml/2006/main">
+  <p:cSld>
+    <p:spTree>
+      <p:nvGrpSpPr>
+        <p:cNvPr id="1" name=""/>
+        <p:cNvGrpSpPr/>
+        <p:nvPr/>
+      </p:nvGrpSpPr>
+      <p:grpSpPr>
+        <a:xfrm>
+          <a:off x="0" y="0"/>
+          <a:ext cx="0" cy="0"/>
+          <a:chOff x="0" y="0"/>
+          <a:chExt cx="0" cy="0"/>
+        </a:xfrm>
+      </p:grpSpPr>
+      <p:sp>
+        <p:nvSpPr>
+          <p:cNvPr id="2" name="Inhaltsplatzhalter 1"/>
+          <p:cNvSpPr>
+            <a:spLocks noGrp="1"/>
+          </p:cNvSpPr>
+          <p:nvPr>
+            <p:ph idx="1"/>
+          </p:nvPr>
+        </p:nvSpPr>
+        <p:spPr/>
+        <p:txBody>
+          <a:bodyPr/>
+          <a:lstStyle/>
+          <a:p>
+            <a:endParaRPr lang="de-CH"/>
+          </a:p>
+        </p:txBody>
+      </p:sp>
+      <p:sp>
+        <p:nvSpPr>
+          <p:cNvPr id="3" name="Titel 2"/>
+          <p:cNvSpPr>
+            <a:spLocks noGrp="1"/>
+          </p:cNvSpPr>
+          <p:nvPr>
+            <p:ph type="title"/>
+          </p:nvPr>
+        </p:nvSpPr>
+        <p:spPr/>
+        <p:txBody>
+          <a:bodyPr/>
+          <a:lstStyle/>
+          <a:p>
+            <a:r>
+              <a:rPr lang="de-CH" dirty="0" smtClean="0"/>
               <a:t>Unit Tests</a:t>
             </a:r>
             <a:endParaRPr lang="de-CH" dirty="0"/>
@@ -6765,7 +6977,190 @@
 </p:sld>
 </file>
 
-<file path=ppt/slides/slide19.xml><?xml version="1.0" encoding="utf-8"?>
+<file path=ppt/slides/slide2.xml><?xml version="1.0" encoding="utf-8"?>
+<p:sld xmlns:a="http://schemas.openxmlformats.org/drawingml/2006/main" xmlns:r="http://schemas.openxmlformats.org/officeDocument/2006/relationships" xmlns:p="http://schemas.openxmlformats.org/presentationml/2006/main">
+  <p:cSld>
+    <p:spTree>
+      <p:nvGrpSpPr>
+        <p:cNvPr id="1" name=""/>
+        <p:cNvGrpSpPr/>
+        <p:nvPr/>
+      </p:nvGrpSpPr>
+      <p:grpSpPr>
+        <a:xfrm>
+          <a:off x="0" y="0"/>
+          <a:ext cx="0" cy="0"/>
+          <a:chOff x="0" y="0"/>
+          <a:chExt cx="0" cy="0"/>
+        </a:xfrm>
+      </p:grpSpPr>
+      <p:sp>
+        <p:nvSpPr>
+          <p:cNvPr id="3" name="Inhaltsplatzhalter 2"/>
+          <p:cNvSpPr>
+            <a:spLocks noGrp="1"/>
+          </p:cNvSpPr>
+          <p:nvPr>
+            <p:ph idx="1"/>
+          </p:nvPr>
+        </p:nvSpPr>
+        <p:spPr/>
+        <p:txBody>
+          <a:bodyPr>
+            <a:normAutofit/>
+          </a:bodyPr>
+          <a:lstStyle/>
+          <a:p>
+            <a:r>
+              <a:rPr lang="de-CH" sz="3000" dirty="0" smtClean="0"/>
+              <a:t>Ziele, Risiken, Funktionalität</a:t>
+            </a:r>
+          </a:p>
+          <a:p>
+            <a:r>
+              <a:rPr lang="de-CH" sz="3000" dirty="0" smtClean="0"/>
+              <a:t>Architektur</a:t>
+            </a:r>
+            <a:endParaRPr lang="de-CH" sz="2600" dirty="0" smtClean="0"/>
+          </a:p>
+          <a:p>
+            <a:pPr lvl="1"/>
+            <a:r>
+              <a:rPr lang="de-CH" sz="2600" dirty="0" smtClean="0"/>
+              <a:t>Packages (</a:t>
+            </a:r>
+            <a:r>
+              <a:rPr lang="de-CH" sz="2600" dirty="0" err="1" smtClean="0"/>
+              <a:t>Layers</a:t>
+            </a:r>
+            <a:r>
+              <a:rPr lang="de-CH" sz="2600" dirty="0" smtClean="0"/>
+              <a:t>, Tiers)</a:t>
+            </a:r>
+          </a:p>
+          <a:p>
+            <a:pPr lvl="1"/>
+            <a:r>
+              <a:rPr lang="de-CH" sz="2600" dirty="0" smtClean="0"/>
+              <a:t>Problemdomains</a:t>
+            </a:r>
+          </a:p>
+          <a:p>
+            <a:r>
+              <a:rPr lang="de-CH" sz="3000" dirty="0" smtClean="0"/>
+              <a:t>Tests</a:t>
+            </a:r>
+          </a:p>
+          <a:p>
+            <a:r>
+              <a:rPr lang="de-CH" sz="3000" dirty="0" smtClean="0"/>
+              <a:t>Live-Demo</a:t>
+            </a:r>
+          </a:p>
+          <a:p>
+            <a:r>
+              <a:rPr lang="de-CH" sz="3000" dirty="0" smtClean="0"/>
+              <a:t>Projektstand</a:t>
+            </a:r>
+            <a:endParaRPr lang="de-CH" sz="3000" dirty="0"/>
+          </a:p>
+          <a:p>
+            <a:endParaRPr lang="de-CH" dirty="0" smtClean="0"/>
+          </a:p>
+        </p:txBody>
+      </p:sp>
+      <p:sp>
+        <p:nvSpPr>
+          <p:cNvPr id="2" name="Titel 1"/>
+          <p:cNvSpPr>
+            <a:spLocks noGrp="1"/>
+          </p:cNvSpPr>
+          <p:nvPr>
+            <p:ph type="title"/>
+          </p:nvPr>
+        </p:nvSpPr>
+        <p:spPr/>
+        <p:txBody>
+          <a:bodyPr>
+            <a:normAutofit/>
+          </a:bodyPr>
+          <a:lstStyle/>
+          <a:p>
+            <a:r>
+              <a:rPr lang="de-CH" dirty="0" smtClean="0"/>
+              <a:t>Inhalt</a:t>
+            </a:r>
+            <a:endParaRPr lang="de-CH" dirty="0"/>
+          </a:p>
+        </p:txBody>
+      </p:sp>
+      <p:pic>
+        <p:nvPicPr>
+          <p:cNvPr id="2051" name="Picture 3" descr="C:\Users\Lukas Elmer\AppData\Local\Microsoft\Windows\Temporary Internet Files\Content.IE5\E2GAV9V0\MP900409575[1].jpg"/>
+          <p:cNvPicPr>
+            <a:picLocks noChangeAspect="1" noChangeArrowheads="1"/>
+          </p:cNvPicPr>
+          <p:nvPr/>
+        </p:nvPicPr>
+        <p:blipFill>
+          <a:blip r:embed="rId2" cstate="print">
+            <a:extLst>
+              <a:ext uri="{28A0092B-C50C-407E-A947-70E740481C1C}">
+                <a14:useLocalDpi xmlns:a14="http://schemas.microsoft.com/office/drawing/2010/main" val="0"/>
+              </a:ext>
+            </a:extLst>
+          </a:blip>
+          <a:srcRect/>
+          <a:stretch>
+            <a:fillRect/>
+          </a:stretch>
+        </p:blipFill>
+        <p:spPr bwMode="auto">
+          <a:xfrm>
+            <a:off x="7236295" y="4581128"/>
+            <a:ext cx="1620279" cy="1620279"/>
+          </a:xfrm>
+          <a:prstGeom prst="roundRect">
+            <a:avLst>
+              <a:gd name="adj" fmla="val 8594"/>
+            </a:avLst>
+          </a:prstGeom>
+          <a:solidFill>
+            <a:srgbClr val="FFFFFF">
+              <a:shade val="85000"/>
+            </a:srgbClr>
+          </a:solidFill>
+          <a:ln>
+            <a:noFill/>
+          </a:ln>
+          <a:effectLst>
+            <a:reflection blurRad="12700" stA="38000" endPos="28000" dist="5000" dir="5400000" sy="-100000" algn="bl" rotWithShape="0"/>
+          </a:effectLst>
+          <a:extLst/>
+        </p:spPr>
+      </p:pic>
+    </p:spTree>
+    <p:extLst>
+      <p:ext uri="{BB962C8B-B14F-4D97-AF65-F5344CB8AC3E}">
+        <p14:creationId xmlns:p14="http://schemas.microsoft.com/office/powerpoint/2010/main" val="3627624472"/>
+      </p:ext>
+    </p:extLst>
+  </p:cSld>
+  <p:clrMapOvr>
+    <a:masterClrMapping/>
+  </p:clrMapOvr>
+  <p:transition/>
+  <p:timing>
+    <p:tnLst>
+      <p:par>
+        <p:cTn id="1" dur="indefinite" restart="never" nodeType="tmRoot"/>
+      </p:par>
+    </p:tnLst>
+  </p:timing>
+</p:sld>
+</file>
+
+<file path=ppt/slides/slide20.xml><?xml version="1.0" encoding="utf-8"?>
 <p:sld xmlns:a="http://schemas.openxmlformats.org/drawingml/2006/main" xmlns:r="http://schemas.openxmlformats.org/officeDocument/2006/relationships" xmlns:p="http://schemas.openxmlformats.org/presentationml/2006/main">
   <p:cSld>
     <p:spTree>
@@ -6875,15 +7270,6 @@
                   <a:headEnd/>
                   <a:tailEnd/>
                 </a14:hiddenLine>
-              </a:ext>
-              <a:ext uri="{AF507438-7753-43E0-B8FC-AC1667EBCBE1}">
-                <a14:hiddenEffects xmlns:a14="http://schemas.microsoft.com/office/drawing/2010/main">
-                  <a:effectLst>
-                    <a:outerShdw dist="35921" dir="2700000" algn="ctr" rotWithShape="0">
-                      <a:schemeClr val="bg2"/>
-                    </a:outerShdw>
-                  </a:effectLst>
-                </a14:hiddenEffects>
               </a:ext>
             </a:extLst>
           </p:spPr>
@@ -7140,190 +7526,7 @@
 </p:sld>
 </file>
 
-<file path=ppt/slides/slide2.xml><?xml version="1.0" encoding="utf-8"?>
-<p:sld xmlns:a="http://schemas.openxmlformats.org/drawingml/2006/main" xmlns:r="http://schemas.openxmlformats.org/officeDocument/2006/relationships" xmlns:p="http://schemas.openxmlformats.org/presentationml/2006/main">
-  <p:cSld>
-    <p:spTree>
-      <p:nvGrpSpPr>
-        <p:cNvPr id="1" name=""/>
-        <p:cNvGrpSpPr/>
-        <p:nvPr/>
-      </p:nvGrpSpPr>
-      <p:grpSpPr>
-        <a:xfrm>
-          <a:off x="0" y="0"/>
-          <a:ext cx="0" cy="0"/>
-          <a:chOff x="0" y="0"/>
-          <a:chExt cx="0" cy="0"/>
-        </a:xfrm>
-      </p:grpSpPr>
-      <p:sp>
-        <p:nvSpPr>
-          <p:cNvPr id="3" name="Inhaltsplatzhalter 2"/>
-          <p:cNvSpPr>
-            <a:spLocks noGrp="1"/>
-          </p:cNvSpPr>
-          <p:nvPr>
-            <p:ph idx="1"/>
-          </p:nvPr>
-        </p:nvSpPr>
-        <p:spPr/>
-        <p:txBody>
-          <a:bodyPr>
-            <a:normAutofit/>
-          </a:bodyPr>
-          <a:lstStyle/>
-          <a:p>
-            <a:r>
-              <a:rPr lang="de-CH" sz="3000" dirty="0" smtClean="0"/>
-              <a:t>Ziele, Risiken, Funktionalität</a:t>
-            </a:r>
-          </a:p>
-          <a:p>
-            <a:r>
-              <a:rPr lang="de-CH" sz="3000" dirty="0" smtClean="0"/>
-              <a:t>Architektur</a:t>
-            </a:r>
-            <a:endParaRPr lang="de-CH" sz="2600" dirty="0" smtClean="0"/>
-          </a:p>
-          <a:p>
-            <a:pPr lvl="1"/>
-            <a:r>
-              <a:rPr lang="de-CH" sz="2600" dirty="0" smtClean="0"/>
-              <a:t>Packages (</a:t>
-            </a:r>
-            <a:r>
-              <a:rPr lang="de-CH" sz="2600" dirty="0" err="1" smtClean="0"/>
-              <a:t>Layers</a:t>
-            </a:r>
-            <a:r>
-              <a:rPr lang="de-CH" sz="2600" dirty="0" smtClean="0"/>
-              <a:t>, Tiers)</a:t>
-            </a:r>
-          </a:p>
-          <a:p>
-            <a:pPr lvl="1"/>
-            <a:r>
-              <a:rPr lang="de-CH" sz="2600" dirty="0" smtClean="0"/>
-              <a:t>Problemdomains</a:t>
-            </a:r>
-          </a:p>
-          <a:p>
-            <a:r>
-              <a:rPr lang="de-CH" sz="3000" dirty="0" smtClean="0"/>
-              <a:t>Tests</a:t>
-            </a:r>
-          </a:p>
-          <a:p>
-            <a:r>
-              <a:rPr lang="de-CH" sz="3000" dirty="0" smtClean="0"/>
-              <a:t>Live-Demo</a:t>
-            </a:r>
-          </a:p>
-          <a:p>
-            <a:r>
-              <a:rPr lang="de-CH" sz="3000" dirty="0" smtClean="0"/>
-              <a:t>Projektstand</a:t>
-            </a:r>
-            <a:endParaRPr lang="de-CH" sz="3000" dirty="0"/>
-          </a:p>
-          <a:p>
-            <a:endParaRPr lang="de-CH" dirty="0" smtClean="0"/>
-          </a:p>
-        </p:txBody>
-      </p:sp>
-      <p:sp>
-        <p:nvSpPr>
-          <p:cNvPr id="2" name="Titel 1"/>
-          <p:cNvSpPr>
-            <a:spLocks noGrp="1"/>
-          </p:cNvSpPr>
-          <p:nvPr>
-            <p:ph type="title"/>
-          </p:nvPr>
-        </p:nvSpPr>
-        <p:spPr/>
-        <p:txBody>
-          <a:bodyPr>
-            <a:normAutofit/>
-          </a:bodyPr>
-          <a:lstStyle/>
-          <a:p>
-            <a:r>
-              <a:rPr lang="de-CH" dirty="0" smtClean="0"/>
-              <a:t>Inhalt</a:t>
-            </a:r>
-            <a:endParaRPr lang="de-CH" dirty="0"/>
-          </a:p>
-        </p:txBody>
-      </p:sp>
-      <p:pic>
-        <p:nvPicPr>
-          <p:cNvPr id="2051" name="Picture 3" descr="C:\Users\Lukas Elmer\AppData\Local\Microsoft\Windows\Temporary Internet Files\Content.IE5\E2GAV9V0\MP900409575[1].jpg"/>
-          <p:cNvPicPr>
-            <a:picLocks noChangeAspect="1" noChangeArrowheads="1"/>
-          </p:cNvPicPr>
-          <p:nvPr/>
-        </p:nvPicPr>
-        <p:blipFill>
-          <a:blip r:embed="rId2" cstate="print">
-            <a:extLst>
-              <a:ext uri="{28A0092B-C50C-407E-A947-70E740481C1C}">
-                <a14:useLocalDpi xmlns:a14="http://schemas.microsoft.com/office/drawing/2010/main" val="0"/>
-              </a:ext>
-            </a:extLst>
-          </a:blip>
-          <a:srcRect/>
-          <a:stretch>
-            <a:fillRect/>
-          </a:stretch>
-        </p:blipFill>
-        <p:spPr bwMode="auto">
-          <a:xfrm>
-            <a:off x="7236295" y="4581128"/>
-            <a:ext cx="1620279" cy="1620279"/>
-          </a:xfrm>
-          <a:prstGeom prst="roundRect">
-            <a:avLst>
-              <a:gd name="adj" fmla="val 8594"/>
-            </a:avLst>
-          </a:prstGeom>
-          <a:solidFill>
-            <a:srgbClr val="FFFFFF">
-              <a:shade val="85000"/>
-            </a:srgbClr>
-          </a:solidFill>
-          <a:ln>
-            <a:noFill/>
-          </a:ln>
-          <a:effectLst>
-            <a:reflection blurRad="12700" stA="38000" endPos="28000" dist="5000" dir="5400000" sy="-100000" algn="bl" rotWithShape="0"/>
-          </a:effectLst>
-          <a:extLst/>
-        </p:spPr>
-      </p:pic>
-    </p:spTree>
-    <p:extLst>
-      <p:ext uri="{BB962C8B-B14F-4D97-AF65-F5344CB8AC3E}">
-        <p14:creationId xmlns:p14="http://schemas.microsoft.com/office/powerpoint/2010/main" val="3627624472"/>
-      </p:ext>
-    </p:extLst>
-  </p:cSld>
-  <p:clrMapOvr>
-    <a:masterClrMapping/>
-  </p:clrMapOvr>
-  <p:transition/>
-  <p:timing>
-    <p:tnLst>
-      <p:par>
-        <p:cTn id="1" dur="indefinite" restart="never" nodeType="tmRoot"/>
-      </p:par>
-    </p:tnLst>
-  </p:timing>
-</p:sld>
-</file>
-
-<file path=ppt/slides/slide20.xml><?xml version="1.0" encoding="utf-8"?>
+<file path=ppt/slides/slide21.xml><?xml version="1.0" encoding="utf-8"?>
 <p:sld xmlns:a="http://schemas.openxmlformats.org/drawingml/2006/main" xmlns:r="http://schemas.openxmlformats.org/officeDocument/2006/relationships" xmlns:p="http://schemas.openxmlformats.org/presentationml/2006/main">
   <p:cSld>
     <p:spTree>
@@ -7470,15 +7673,7 @@
           <a:effectLst>
             <a:reflection blurRad="12700" stA="38000" endPos="28000" dist="5000" dir="5400000" sy="-100000" algn="bl" rotWithShape="0"/>
           </a:effectLst>
-          <a:extLst>
-            <a:ext uri="{909E8E84-426E-40DD-AFC4-6F175D3DCCD1}">
-              <a14:hiddenFill xmlns:a14="http://schemas.microsoft.com/office/drawing/2010/main">
-                <a:solidFill>
-                  <a:srgbClr val="FFFFFF"/>
-                </a:solidFill>
-              </a14:hiddenFill>
-            </a:ext>
-          </a:extLst>
+          <a:extLst/>
         </p:spPr>
       </p:pic>
     </p:spTree>
@@ -7502,7 +7697,7 @@
 </p:sld>
 </file>
 
-<file path=ppt/slides/slide21.xml><?xml version="1.0" encoding="utf-8"?>
+<file path=ppt/slides/slide22.xml><?xml version="1.0" encoding="utf-8"?>
 <p:sld xmlns:a="http://schemas.openxmlformats.org/drawingml/2006/main" xmlns:r="http://schemas.openxmlformats.org/officeDocument/2006/relationships" xmlns:p="http://schemas.openxmlformats.org/presentationml/2006/main">
   <p:cSld>
     <p:spTree>
@@ -7693,7 +7888,7 @@
 </p:sld>
 </file>
 
-<file path=ppt/slides/slide22.xml><?xml version="1.0" encoding="utf-8"?>
+<file path=ppt/slides/slide23.xml><?xml version="1.0" encoding="utf-8"?>
 <p:sld xmlns:a="http://schemas.openxmlformats.org/drawingml/2006/main" xmlns:r="http://schemas.openxmlformats.org/officeDocument/2006/relationships" xmlns:p="http://schemas.openxmlformats.org/presentationml/2006/main">
   <p:cSld>
     <p:spTree>
@@ -7773,7 +7968,7 @@
 </p:sld>
 </file>
 
-<file path=ppt/slides/slide23.xml><?xml version="1.0" encoding="utf-8"?>
+<file path=ppt/slides/slide24.xml><?xml version="1.0" encoding="utf-8"?>
 <p:sld xmlns:a="http://schemas.openxmlformats.org/drawingml/2006/main" xmlns:r="http://schemas.openxmlformats.org/officeDocument/2006/relationships" xmlns:p="http://schemas.openxmlformats.org/presentationml/2006/main">
   <p:cSld>
     <p:spTree>
@@ -7858,13 +8053,6 @@
             <a:reflection blurRad="12700" stA="38000" endPos="28000" dist="5000" dir="5400000" sy="-100000" algn="bl" rotWithShape="0"/>
           </a:effectLst>
           <a:extLst>
-            <a:ext uri="{909E8E84-426E-40DD-AFC4-6F175D3DCCD1}">
-              <a14:hiddenFill xmlns:a14="http://schemas.microsoft.com/office/drawing/2010/main">
-                <a:solidFill>
-                  <a:schemeClr val="accent1"/>
-                </a:solidFill>
-              </a14:hiddenFill>
-            </a:ext>
             <a:ext uri="{91240B29-F687-4F45-9708-019B960494DF}">
               <a14:hiddenLine xmlns:a14="http://schemas.microsoft.com/office/drawing/2010/main" w="9525">
                 <a:solidFill>
@@ -7969,7 +8157,7 @@
 </p:sld>
 </file>
 
-<file path=ppt/slides/slide24.xml><?xml version="1.0" encoding="utf-8"?>
+<file path=ppt/slides/slide25.xml><?xml version="1.0" encoding="utf-8"?>
 <p:sld xmlns:a="http://schemas.openxmlformats.org/drawingml/2006/main" xmlns:r="http://schemas.openxmlformats.org/officeDocument/2006/relationships" xmlns:p="http://schemas.openxmlformats.org/presentationml/2006/main">
   <p:cSld>
     <p:spTree>
@@ -8082,15 +8270,7 @@
           <a:effectLst>
             <a:reflection blurRad="12700" stA="38000" endPos="28000" dist="5000" dir="5400000" sy="-100000" algn="bl" rotWithShape="0"/>
           </a:effectLst>
-          <a:extLst>
-            <a:ext uri="{909E8E84-426E-40DD-AFC4-6F175D3DCCD1}">
-              <a14:hiddenFill xmlns:a14="http://schemas.microsoft.com/office/drawing/2010/main">
-                <a:solidFill>
-                  <a:srgbClr val="FFFFFF"/>
-                </a:solidFill>
-              </a14:hiddenFill>
-            </a:ext>
-          </a:extLst>
+          <a:extLst/>
         </p:spPr>
       </p:pic>
     </p:spTree>

--- a/doc/05_Design/praesentation.pptx
+++ b/doc/05_Design/praesentation.pptx
@@ -5,7 +5,7 @@
     <p:sldMasterId id="2147483660" r:id="rId1"/>
   </p:sldMasterIdLst>
   <p:notesMasterIdLst>
-    <p:notesMasterId r:id="rId27"/>
+    <p:notesMasterId r:id="rId28"/>
   </p:notesMasterIdLst>
   <p:sldIdLst>
     <p:sldId id="256" r:id="rId2"/>
@@ -14,25 +14,26 @@
     <p:sldId id="259" r:id="rId5"/>
     <p:sldId id="263" r:id="rId6"/>
     <p:sldId id="262" r:id="rId7"/>
-    <p:sldId id="260" r:id="rId8"/>
-    <p:sldId id="261" r:id="rId9"/>
-    <p:sldId id="264" r:id="rId10"/>
-    <p:sldId id="265" r:id="rId11"/>
-    <p:sldId id="273" r:id="rId12"/>
-    <p:sldId id="281" r:id="rId13"/>
-    <p:sldId id="267" r:id="rId14"/>
-    <p:sldId id="275" r:id="rId15"/>
-    <p:sldId id="266" r:id="rId16"/>
-    <p:sldId id="268" r:id="rId17"/>
-    <p:sldId id="274" r:id="rId18"/>
-    <p:sldId id="270" r:id="rId19"/>
-    <p:sldId id="271" r:id="rId20"/>
-    <p:sldId id="272" r:id="rId21"/>
-    <p:sldId id="276" r:id="rId22"/>
-    <p:sldId id="277" r:id="rId23"/>
-    <p:sldId id="278" r:id="rId24"/>
-    <p:sldId id="279" r:id="rId25"/>
-    <p:sldId id="280" r:id="rId26"/>
+    <p:sldId id="282" r:id="rId8"/>
+    <p:sldId id="260" r:id="rId9"/>
+    <p:sldId id="261" r:id="rId10"/>
+    <p:sldId id="264" r:id="rId11"/>
+    <p:sldId id="265" r:id="rId12"/>
+    <p:sldId id="273" r:id="rId13"/>
+    <p:sldId id="281" r:id="rId14"/>
+    <p:sldId id="267" r:id="rId15"/>
+    <p:sldId id="275" r:id="rId16"/>
+    <p:sldId id="266" r:id="rId17"/>
+    <p:sldId id="268" r:id="rId18"/>
+    <p:sldId id="274" r:id="rId19"/>
+    <p:sldId id="270" r:id="rId20"/>
+    <p:sldId id="271" r:id="rId21"/>
+    <p:sldId id="272" r:id="rId22"/>
+    <p:sldId id="276" r:id="rId23"/>
+    <p:sldId id="277" r:id="rId24"/>
+    <p:sldId id="278" r:id="rId25"/>
+    <p:sldId id="279" r:id="rId26"/>
+    <p:sldId id="280" r:id="rId27"/>
   </p:sldIdLst>
   <p:sldSz cx="9144000" cy="6858000" type="screen4x3"/>
   <p:notesSz cx="6858000" cy="9144000"/>
@@ -528,6 +529,94 @@
           <a:bodyPr/>
           <a:lstStyle/>
           <a:p>
+            <a:r>
+              <a:rPr lang="de-CH" dirty="0" smtClean="0"/>
+              <a:t>Christina</a:t>
+            </a:r>
+            <a:endParaRPr lang="de-CH" dirty="0"/>
+          </a:p>
+        </p:txBody>
+      </p:sp>
+      <p:sp>
+        <p:nvSpPr>
+          <p:cNvPr id="4" name="Foliennummernplatzhalter 3"/>
+          <p:cNvSpPr>
+            <a:spLocks noGrp="1"/>
+          </p:cNvSpPr>
+          <p:nvPr>
+            <p:ph type="sldNum" sz="quarter" idx="10"/>
+          </p:nvPr>
+        </p:nvSpPr>
+        <p:spPr/>
+        <p:txBody>
+          <a:bodyPr/>
+          <a:lstStyle/>
+          <a:p>
+            <a:fld id="{B897FE81-6B21-41EA-A3E2-976A199E5936}" type="slidenum">
+              <a:rPr lang="de-CH" smtClean="0"/>
+              <a:t>2</a:t>
+            </a:fld>
+            <a:endParaRPr lang="de-CH"/>
+          </a:p>
+        </p:txBody>
+      </p:sp>
+    </p:spTree>
+    <p:extLst>
+      <p:ext uri="{BB962C8B-B14F-4D97-AF65-F5344CB8AC3E}">
+        <p14:creationId xmlns:p14="http://schemas.microsoft.com/office/powerpoint/2010/main" val="2276129432"/>
+      </p:ext>
+    </p:extLst>
+  </p:cSld>
+  <p:clrMapOvr>
+    <a:masterClrMapping/>
+  </p:clrMapOvr>
+</p:notes>
+</file>
+
+<file path=ppt/notesSlides/notesSlide10.xml><?xml version="1.0" encoding="utf-8"?>
+<p:notes xmlns:a="http://schemas.openxmlformats.org/drawingml/2006/main" xmlns:r="http://schemas.openxmlformats.org/officeDocument/2006/relationships" xmlns:p="http://schemas.openxmlformats.org/presentationml/2006/main">
+  <p:cSld>
+    <p:spTree>
+      <p:nvGrpSpPr>
+        <p:cNvPr id="1" name=""/>
+        <p:cNvGrpSpPr/>
+        <p:nvPr/>
+      </p:nvGrpSpPr>
+      <p:grpSpPr>
+        <a:xfrm>
+          <a:off x="0" y="0"/>
+          <a:ext cx="0" cy="0"/>
+          <a:chOff x="0" y="0"/>
+          <a:chExt cx="0" cy="0"/>
+        </a:xfrm>
+      </p:grpSpPr>
+      <p:sp>
+        <p:nvSpPr>
+          <p:cNvPr id="2" name="Folienbildplatzhalter 1"/>
+          <p:cNvSpPr>
+            <a:spLocks noGrp="1" noRot="1" noChangeAspect="1"/>
+          </p:cNvSpPr>
+          <p:nvPr>
+            <p:ph type="sldImg"/>
+          </p:nvPr>
+        </p:nvSpPr>
+        <p:spPr/>
+      </p:sp>
+      <p:sp>
+        <p:nvSpPr>
+          <p:cNvPr id="3" name="Notizenplatzhalter 2"/>
+          <p:cNvSpPr>
+            <a:spLocks noGrp="1"/>
+          </p:cNvSpPr>
+          <p:nvPr>
+            <p:ph type="body" idx="1"/>
+          </p:nvPr>
+        </p:nvSpPr>
+        <p:spPr/>
+        <p:txBody>
+          <a:bodyPr/>
+          <a:lstStyle/>
+          <a:p>
             <a:pPr marL="0" marR="0" indent="0" algn="l" defTabSz="914400" rtl="0" eaLnBrk="1" fontAlgn="auto" latinLnBrk="0" hangingPunct="1">
               <a:lnSpc>
                 <a:spcPct val="100000"/>
@@ -546,11 +635,13 @@
               <a:defRPr/>
             </a:pPr>
             <a:r>
+              <a:rPr lang="de-CH" dirty="0" err="1" smtClean="0"/>
+              <a:t>Digi</a:t>
+            </a:r>
+            <a:r>
               <a:rPr lang="de-CH" dirty="0" smtClean="0"/>
-              <a:t>Remo</a:t>
-            </a:r>
-          </a:p>
-          <a:p>
+              <a:t>?</a:t>
+            </a:r>
             <a:endParaRPr lang="de-CH" dirty="0"/>
           </a:p>
         </p:txBody>
@@ -572,7 +663,7 @@
           <a:p>
             <a:fld id="{B897FE81-6B21-41EA-A3E2-976A199E5936}" type="slidenum">
               <a:rPr lang="de-CH" smtClean="0"/>
-              <a:t>5</a:t>
+              <a:t>20</a:t>
             </a:fld>
             <a:endParaRPr lang="de-CH"/>
           </a:p>
@@ -581,7 +672,179 @@
     </p:spTree>
     <p:extLst>
       <p:ext uri="{BB962C8B-B14F-4D97-AF65-F5344CB8AC3E}">
-        <p14:creationId xmlns:p14="http://schemas.microsoft.com/office/powerpoint/2010/main" val="1769296887"/>
+        <p14:creationId xmlns:p14="http://schemas.microsoft.com/office/powerpoint/2010/main" val="4168059491"/>
+      </p:ext>
+    </p:extLst>
+  </p:cSld>
+  <p:clrMapOvr>
+    <a:masterClrMapping/>
+  </p:clrMapOvr>
+</p:notes>
+</file>
+
+<file path=ppt/notesSlides/notesSlide11.xml><?xml version="1.0" encoding="utf-8"?>
+<p:notes xmlns:a="http://schemas.openxmlformats.org/drawingml/2006/main" xmlns:r="http://schemas.openxmlformats.org/officeDocument/2006/relationships" xmlns:p="http://schemas.openxmlformats.org/presentationml/2006/main">
+  <p:cSld>
+    <p:spTree>
+      <p:nvGrpSpPr>
+        <p:cNvPr id="1" name=""/>
+        <p:cNvGrpSpPr/>
+        <p:nvPr/>
+      </p:nvGrpSpPr>
+      <p:grpSpPr>
+        <a:xfrm>
+          <a:off x="0" y="0"/>
+          <a:ext cx="0" cy="0"/>
+          <a:chOff x="0" y="0"/>
+          <a:chExt cx="0" cy="0"/>
+        </a:xfrm>
+      </p:grpSpPr>
+      <p:sp>
+        <p:nvSpPr>
+          <p:cNvPr id="2" name="Folienbildplatzhalter 1"/>
+          <p:cNvSpPr>
+            <a:spLocks noGrp="1" noRot="1" noChangeAspect="1"/>
+          </p:cNvSpPr>
+          <p:nvPr>
+            <p:ph type="sldImg"/>
+          </p:nvPr>
+        </p:nvSpPr>
+        <p:spPr/>
+      </p:sp>
+      <p:sp>
+        <p:nvSpPr>
+          <p:cNvPr id="3" name="Notizenplatzhalter 2"/>
+          <p:cNvSpPr>
+            <a:spLocks noGrp="1"/>
+          </p:cNvSpPr>
+          <p:nvPr>
+            <p:ph type="body" idx="1"/>
+          </p:nvPr>
+        </p:nvSpPr>
+        <p:spPr/>
+        <p:txBody>
+          <a:bodyPr/>
+          <a:lstStyle/>
+          <a:p>
+            <a:endParaRPr lang="de-CH" dirty="0"/>
+          </a:p>
+        </p:txBody>
+      </p:sp>
+      <p:sp>
+        <p:nvSpPr>
+          <p:cNvPr id="4" name="Foliennummernplatzhalter 3"/>
+          <p:cNvSpPr>
+            <a:spLocks noGrp="1"/>
+          </p:cNvSpPr>
+          <p:nvPr>
+            <p:ph type="sldNum" sz="quarter" idx="10"/>
+          </p:nvPr>
+        </p:nvSpPr>
+        <p:spPr/>
+        <p:txBody>
+          <a:bodyPr/>
+          <a:lstStyle/>
+          <a:p>
+            <a:fld id="{B897FE81-6B21-41EA-A3E2-976A199E5936}" type="slidenum">
+              <a:rPr lang="de-CH" smtClean="0"/>
+              <a:t>22</a:t>
+            </a:fld>
+            <a:endParaRPr lang="de-CH"/>
+          </a:p>
+        </p:txBody>
+      </p:sp>
+    </p:spTree>
+    <p:extLst>
+      <p:ext uri="{BB962C8B-B14F-4D97-AF65-F5344CB8AC3E}">
+        <p14:creationId xmlns:p14="http://schemas.microsoft.com/office/powerpoint/2010/main" val="773231806"/>
+      </p:ext>
+    </p:extLst>
+  </p:cSld>
+  <p:clrMapOvr>
+    <a:masterClrMapping/>
+  </p:clrMapOvr>
+</p:notes>
+</file>
+
+<file path=ppt/notesSlides/notesSlide12.xml><?xml version="1.0" encoding="utf-8"?>
+<p:notes xmlns:a="http://schemas.openxmlformats.org/drawingml/2006/main" xmlns:r="http://schemas.openxmlformats.org/officeDocument/2006/relationships" xmlns:p="http://schemas.openxmlformats.org/presentationml/2006/main">
+  <p:cSld>
+    <p:spTree>
+      <p:nvGrpSpPr>
+        <p:cNvPr id="1" name=""/>
+        <p:cNvGrpSpPr/>
+        <p:nvPr/>
+      </p:nvGrpSpPr>
+      <p:grpSpPr>
+        <a:xfrm>
+          <a:off x="0" y="0"/>
+          <a:ext cx="0" cy="0"/>
+          <a:chOff x="0" y="0"/>
+          <a:chExt cx="0" cy="0"/>
+        </a:xfrm>
+      </p:grpSpPr>
+      <p:sp>
+        <p:nvSpPr>
+          <p:cNvPr id="2" name="Folienbildplatzhalter 1"/>
+          <p:cNvSpPr>
+            <a:spLocks noGrp="1" noRot="1" noChangeAspect="1"/>
+          </p:cNvSpPr>
+          <p:nvPr>
+            <p:ph type="sldImg"/>
+          </p:nvPr>
+        </p:nvSpPr>
+        <p:spPr/>
+      </p:sp>
+      <p:sp>
+        <p:nvSpPr>
+          <p:cNvPr id="3" name="Notizenplatzhalter 2"/>
+          <p:cNvSpPr>
+            <a:spLocks noGrp="1"/>
+          </p:cNvSpPr>
+          <p:nvPr>
+            <p:ph type="body" idx="1"/>
+          </p:nvPr>
+        </p:nvSpPr>
+        <p:spPr/>
+        <p:txBody>
+          <a:bodyPr/>
+          <a:lstStyle/>
+          <a:p>
+            <a:r>
+              <a:rPr lang="de-CH" dirty="0" smtClean="0"/>
+              <a:t>Remo</a:t>
+            </a:r>
+            <a:endParaRPr lang="de-CH" dirty="0"/>
+          </a:p>
+        </p:txBody>
+      </p:sp>
+      <p:sp>
+        <p:nvSpPr>
+          <p:cNvPr id="4" name="Foliennummernplatzhalter 3"/>
+          <p:cNvSpPr>
+            <a:spLocks noGrp="1"/>
+          </p:cNvSpPr>
+          <p:nvPr>
+            <p:ph type="sldNum" sz="quarter" idx="10"/>
+          </p:nvPr>
+        </p:nvSpPr>
+        <p:spPr/>
+        <p:txBody>
+          <a:bodyPr/>
+          <a:lstStyle/>
+          <a:p>
+            <a:fld id="{B897FE81-6B21-41EA-A3E2-976A199E5936}" type="slidenum">
+              <a:rPr lang="de-CH" smtClean="0"/>
+              <a:t>25</a:t>
+            </a:fld>
+            <a:endParaRPr lang="de-CH"/>
+          </a:p>
+        </p:txBody>
+      </p:sp>
+    </p:spTree>
+    <p:extLst>
+      <p:ext uri="{BB962C8B-B14F-4D97-AF65-F5344CB8AC3E}">
+        <p14:creationId xmlns:p14="http://schemas.microsoft.com/office/powerpoint/2010/main" val="3091367744"/>
       </p:ext>
     </p:extLst>
   </p:cSld>
@@ -635,10 +898,29 @@
           <a:bodyPr/>
           <a:lstStyle/>
           <a:p>
+            <a:pPr marL="0" marR="0" indent="0" algn="l" defTabSz="914400" rtl="0" eaLnBrk="1" fontAlgn="auto" latinLnBrk="0" hangingPunct="1">
+              <a:lnSpc>
+                <a:spcPct val="100000"/>
+              </a:lnSpc>
+              <a:spcBef>
+                <a:spcPts val="0"/>
+              </a:spcBef>
+              <a:spcAft>
+                <a:spcPts val="0"/>
+              </a:spcAft>
+              <a:buClrTx/>
+              <a:buSzTx/>
+              <a:buFontTx/>
+              <a:buNone/>
+              <a:tabLst/>
+              <a:defRPr/>
+            </a:pPr>
             <a:r>
               <a:rPr lang="de-CH" dirty="0" smtClean="0"/>
-              <a:t>Remo</a:t>
-            </a:r>
+              <a:t>Christina</a:t>
+            </a:r>
+          </a:p>
+          <a:p>
             <a:endParaRPr lang="de-CH" dirty="0"/>
           </a:p>
         </p:txBody>
@@ -660,7 +942,7 @@
           <a:p>
             <a:fld id="{B897FE81-6B21-41EA-A3E2-976A199E5936}" type="slidenum">
               <a:rPr lang="de-CH" smtClean="0"/>
-              <a:t>6</a:t>
+              <a:t>3</a:t>
             </a:fld>
             <a:endParaRPr lang="de-CH"/>
           </a:p>
@@ -669,7 +951,7 @@
     </p:spTree>
     <p:extLst>
       <p:ext uri="{BB962C8B-B14F-4D97-AF65-F5344CB8AC3E}">
-        <p14:creationId xmlns:p14="http://schemas.microsoft.com/office/powerpoint/2010/main" val="1010838828"/>
+        <p14:creationId xmlns:p14="http://schemas.microsoft.com/office/powerpoint/2010/main" val="2650583565"/>
       </p:ext>
     </p:extLst>
   </p:cSld>
@@ -723,10 +1005,29 @@
           <a:bodyPr/>
           <a:lstStyle/>
           <a:p>
+            <a:pPr marL="0" marR="0" indent="0" algn="l" defTabSz="914400" rtl="0" eaLnBrk="1" fontAlgn="auto" latinLnBrk="0" hangingPunct="1">
+              <a:lnSpc>
+                <a:spcPct val="100000"/>
+              </a:lnSpc>
+              <a:spcBef>
+                <a:spcPts val="0"/>
+              </a:spcBef>
+              <a:spcAft>
+                <a:spcPts val="0"/>
+              </a:spcAft>
+              <a:buClrTx/>
+              <a:buSzTx/>
+              <a:buFontTx/>
+              <a:buNone/>
+              <a:tabLst/>
+              <a:defRPr/>
+            </a:pPr>
             <a:r>
               <a:rPr lang="de-CH" dirty="0" smtClean="0"/>
-              <a:t>Delia</a:t>
-            </a:r>
+              <a:t>Christina</a:t>
+            </a:r>
+          </a:p>
+          <a:p>
             <a:endParaRPr lang="de-CH" dirty="0"/>
           </a:p>
         </p:txBody>
@@ -748,7 +1049,7 @@
           <a:p>
             <a:fld id="{B897FE81-6B21-41EA-A3E2-976A199E5936}" type="slidenum">
               <a:rPr lang="de-CH" smtClean="0"/>
-              <a:t>15</a:t>
+              <a:t>4</a:t>
             </a:fld>
             <a:endParaRPr lang="de-CH"/>
           </a:p>
@@ -757,7 +1058,7 @@
     </p:spTree>
     <p:extLst>
       <p:ext uri="{BB962C8B-B14F-4D97-AF65-F5344CB8AC3E}">
-        <p14:creationId xmlns:p14="http://schemas.microsoft.com/office/powerpoint/2010/main" val="3967320737"/>
+        <p14:creationId xmlns:p14="http://schemas.microsoft.com/office/powerpoint/2010/main" val="993504281"/>
       </p:ext>
     </p:extLst>
   </p:cSld>
@@ -811,10 +1112,29 @@
           <a:bodyPr/>
           <a:lstStyle/>
           <a:p>
-            <a:r>
-              <a:rPr lang="de-CH" dirty="0" err="1" smtClean="0"/>
-              <a:t>Digi</a:t>
-            </a:r>
+            <a:pPr marL="0" marR="0" indent="0" algn="l" defTabSz="914400" rtl="0" eaLnBrk="1" fontAlgn="auto" latinLnBrk="0" hangingPunct="1">
+              <a:lnSpc>
+                <a:spcPct val="100000"/>
+              </a:lnSpc>
+              <a:spcBef>
+                <a:spcPts val="0"/>
+              </a:spcBef>
+              <a:spcAft>
+                <a:spcPts val="0"/>
+              </a:spcAft>
+              <a:buClrTx/>
+              <a:buSzTx/>
+              <a:buFontTx/>
+              <a:buNone/>
+              <a:tabLst/>
+              <a:defRPr/>
+            </a:pPr>
+            <a:r>
+              <a:rPr lang="de-CH" dirty="0" smtClean="0"/>
+              <a:t>Remo</a:t>
+            </a:r>
+          </a:p>
+          <a:p>
             <a:endParaRPr lang="de-CH" dirty="0"/>
           </a:p>
         </p:txBody>
@@ -836,7 +1156,7 @@
           <a:p>
             <a:fld id="{B897FE81-6B21-41EA-A3E2-976A199E5936}" type="slidenum">
               <a:rPr lang="de-CH" smtClean="0"/>
-              <a:t>16</a:t>
+              <a:t>5</a:t>
             </a:fld>
             <a:endParaRPr lang="de-CH"/>
           </a:p>
@@ -845,7 +1165,7 @@
     </p:spTree>
     <p:extLst>
       <p:ext uri="{BB962C8B-B14F-4D97-AF65-F5344CB8AC3E}">
-        <p14:creationId xmlns:p14="http://schemas.microsoft.com/office/powerpoint/2010/main" val="2750101932"/>
+        <p14:creationId xmlns:p14="http://schemas.microsoft.com/office/powerpoint/2010/main" val="1769296887"/>
       </p:ext>
     </p:extLst>
   </p:cSld>
@@ -901,7 +1221,7 @@
           <a:p>
             <a:r>
               <a:rPr lang="de-CH" dirty="0" smtClean="0"/>
-              <a:t>Christina</a:t>
+              <a:t>Remo</a:t>
             </a:r>
             <a:endParaRPr lang="de-CH" dirty="0"/>
           </a:p>
@@ -924,7 +1244,7 @@
           <a:p>
             <a:fld id="{B897FE81-6B21-41EA-A3E2-976A199E5936}" type="slidenum">
               <a:rPr lang="de-CH" smtClean="0"/>
-              <a:t>18</a:t>
+              <a:t>6</a:t>
             </a:fld>
             <a:endParaRPr lang="de-CH"/>
           </a:p>
@@ -933,7 +1253,7 @@
     </p:spTree>
     <p:extLst>
       <p:ext uri="{BB962C8B-B14F-4D97-AF65-F5344CB8AC3E}">
-        <p14:creationId xmlns:p14="http://schemas.microsoft.com/office/powerpoint/2010/main" val="1461697811"/>
+        <p14:creationId xmlns:p14="http://schemas.microsoft.com/office/powerpoint/2010/main" val="1010838828"/>
       </p:ext>
     </p:extLst>
   </p:cSld>
@@ -1005,12 +1325,274 @@
               <a:defRPr/>
             </a:pPr>
             <a:r>
+              <a:rPr lang="de-CH" dirty="0" smtClean="0"/>
+              <a:t>Remo</a:t>
+            </a:r>
+          </a:p>
+          <a:p>
+            <a:endParaRPr lang="de-CH" dirty="0"/>
+          </a:p>
+        </p:txBody>
+      </p:sp>
+      <p:sp>
+        <p:nvSpPr>
+          <p:cNvPr id="4" name="Foliennummernplatzhalter 3"/>
+          <p:cNvSpPr>
+            <a:spLocks noGrp="1"/>
+          </p:cNvSpPr>
+          <p:nvPr>
+            <p:ph type="sldNum" sz="quarter" idx="10"/>
+          </p:nvPr>
+        </p:nvSpPr>
+        <p:spPr/>
+        <p:txBody>
+          <a:bodyPr/>
+          <a:lstStyle/>
+          <a:p>
+            <a:fld id="{B897FE81-6B21-41EA-A3E2-976A199E5936}" type="slidenum">
+              <a:rPr lang="de-CH" smtClean="0"/>
+              <a:t>7</a:t>
+            </a:fld>
+            <a:endParaRPr lang="de-CH"/>
+          </a:p>
+        </p:txBody>
+      </p:sp>
+    </p:spTree>
+    <p:extLst>
+      <p:ext uri="{BB962C8B-B14F-4D97-AF65-F5344CB8AC3E}">
+        <p14:creationId xmlns:p14="http://schemas.microsoft.com/office/powerpoint/2010/main" val="4190317722"/>
+      </p:ext>
+    </p:extLst>
+  </p:cSld>
+  <p:clrMapOvr>
+    <a:masterClrMapping/>
+  </p:clrMapOvr>
+</p:notes>
+</file>
+
+<file path=ppt/notesSlides/notesSlide7.xml><?xml version="1.0" encoding="utf-8"?>
+<p:notes xmlns:a="http://schemas.openxmlformats.org/drawingml/2006/main" xmlns:r="http://schemas.openxmlformats.org/officeDocument/2006/relationships" xmlns:p="http://schemas.openxmlformats.org/presentationml/2006/main">
+  <p:cSld>
+    <p:spTree>
+      <p:nvGrpSpPr>
+        <p:cNvPr id="1" name=""/>
+        <p:cNvGrpSpPr/>
+        <p:nvPr/>
+      </p:nvGrpSpPr>
+      <p:grpSpPr>
+        <a:xfrm>
+          <a:off x="0" y="0"/>
+          <a:ext cx="0" cy="0"/>
+          <a:chOff x="0" y="0"/>
+          <a:chExt cx="0" cy="0"/>
+        </a:xfrm>
+      </p:grpSpPr>
+      <p:sp>
+        <p:nvSpPr>
+          <p:cNvPr id="2" name="Folienbildplatzhalter 1"/>
+          <p:cNvSpPr>
+            <a:spLocks noGrp="1" noRot="1" noChangeAspect="1"/>
+          </p:cNvSpPr>
+          <p:nvPr>
+            <p:ph type="sldImg"/>
+          </p:nvPr>
+        </p:nvSpPr>
+        <p:spPr/>
+      </p:sp>
+      <p:sp>
+        <p:nvSpPr>
+          <p:cNvPr id="3" name="Notizenplatzhalter 2"/>
+          <p:cNvSpPr>
+            <a:spLocks noGrp="1"/>
+          </p:cNvSpPr>
+          <p:nvPr>
+            <p:ph type="body" idx="1"/>
+          </p:nvPr>
+        </p:nvSpPr>
+        <p:spPr/>
+        <p:txBody>
+          <a:bodyPr/>
+          <a:lstStyle/>
+          <a:p>
+            <a:r>
+              <a:rPr lang="de-CH" dirty="0" smtClean="0"/>
+              <a:t>Delia</a:t>
+            </a:r>
+            <a:endParaRPr lang="de-CH" dirty="0"/>
+          </a:p>
+        </p:txBody>
+      </p:sp>
+      <p:sp>
+        <p:nvSpPr>
+          <p:cNvPr id="4" name="Foliennummernplatzhalter 3"/>
+          <p:cNvSpPr>
+            <a:spLocks noGrp="1"/>
+          </p:cNvSpPr>
+          <p:nvPr>
+            <p:ph type="sldNum" sz="quarter" idx="10"/>
+          </p:nvPr>
+        </p:nvSpPr>
+        <p:spPr/>
+        <p:txBody>
+          <a:bodyPr/>
+          <a:lstStyle/>
+          <a:p>
+            <a:fld id="{B897FE81-6B21-41EA-A3E2-976A199E5936}" type="slidenum">
+              <a:rPr lang="de-CH" smtClean="0"/>
+              <a:t>16</a:t>
+            </a:fld>
+            <a:endParaRPr lang="de-CH"/>
+          </a:p>
+        </p:txBody>
+      </p:sp>
+    </p:spTree>
+    <p:extLst>
+      <p:ext uri="{BB962C8B-B14F-4D97-AF65-F5344CB8AC3E}">
+        <p14:creationId xmlns:p14="http://schemas.microsoft.com/office/powerpoint/2010/main" val="3967320737"/>
+      </p:ext>
+    </p:extLst>
+  </p:cSld>
+  <p:clrMapOvr>
+    <a:masterClrMapping/>
+  </p:clrMapOvr>
+</p:notes>
+</file>
+
+<file path=ppt/notesSlides/notesSlide8.xml><?xml version="1.0" encoding="utf-8"?>
+<p:notes xmlns:a="http://schemas.openxmlformats.org/drawingml/2006/main" xmlns:r="http://schemas.openxmlformats.org/officeDocument/2006/relationships" xmlns:p="http://schemas.openxmlformats.org/presentationml/2006/main">
+  <p:cSld>
+    <p:spTree>
+      <p:nvGrpSpPr>
+        <p:cNvPr id="1" name=""/>
+        <p:cNvGrpSpPr/>
+        <p:nvPr/>
+      </p:nvGrpSpPr>
+      <p:grpSpPr>
+        <a:xfrm>
+          <a:off x="0" y="0"/>
+          <a:ext cx="0" cy="0"/>
+          <a:chOff x="0" y="0"/>
+          <a:chExt cx="0" cy="0"/>
+        </a:xfrm>
+      </p:grpSpPr>
+      <p:sp>
+        <p:nvSpPr>
+          <p:cNvPr id="2" name="Folienbildplatzhalter 1"/>
+          <p:cNvSpPr>
+            <a:spLocks noGrp="1" noRot="1" noChangeAspect="1"/>
+          </p:cNvSpPr>
+          <p:nvPr>
+            <p:ph type="sldImg"/>
+          </p:nvPr>
+        </p:nvSpPr>
+        <p:spPr/>
+      </p:sp>
+      <p:sp>
+        <p:nvSpPr>
+          <p:cNvPr id="3" name="Notizenplatzhalter 2"/>
+          <p:cNvSpPr>
+            <a:spLocks noGrp="1"/>
+          </p:cNvSpPr>
+          <p:nvPr>
+            <p:ph type="body" idx="1"/>
+          </p:nvPr>
+        </p:nvSpPr>
+        <p:spPr/>
+        <p:txBody>
+          <a:bodyPr/>
+          <a:lstStyle/>
+          <a:p>
+            <a:r>
               <a:rPr lang="de-CH" dirty="0" err="1" smtClean="0"/>
               <a:t>Digi</a:t>
             </a:r>
+            <a:endParaRPr lang="de-CH" dirty="0"/>
+          </a:p>
+        </p:txBody>
+      </p:sp>
+      <p:sp>
+        <p:nvSpPr>
+          <p:cNvPr id="4" name="Foliennummernplatzhalter 3"/>
+          <p:cNvSpPr>
+            <a:spLocks noGrp="1"/>
+          </p:cNvSpPr>
+          <p:nvPr>
+            <p:ph type="sldNum" sz="quarter" idx="10"/>
+          </p:nvPr>
+        </p:nvSpPr>
+        <p:spPr/>
+        <p:txBody>
+          <a:bodyPr/>
+          <a:lstStyle/>
+          <a:p>
+            <a:fld id="{B897FE81-6B21-41EA-A3E2-976A199E5936}" type="slidenum">
+              <a:rPr lang="de-CH" smtClean="0"/>
+              <a:t>17</a:t>
+            </a:fld>
+            <a:endParaRPr lang="de-CH"/>
+          </a:p>
+        </p:txBody>
+      </p:sp>
+    </p:spTree>
+    <p:extLst>
+      <p:ext uri="{BB962C8B-B14F-4D97-AF65-F5344CB8AC3E}">
+        <p14:creationId xmlns:p14="http://schemas.microsoft.com/office/powerpoint/2010/main" val="2750101932"/>
+      </p:ext>
+    </p:extLst>
+  </p:cSld>
+  <p:clrMapOvr>
+    <a:masterClrMapping/>
+  </p:clrMapOvr>
+</p:notes>
+</file>
+
+<file path=ppt/notesSlides/notesSlide9.xml><?xml version="1.0" encoding="utf-8"?>
+<p:notes xmlns:a="http://schemas.openxmlformats.org/drawingml/2006/main" xmlns:r="http://schemas.openxmlformats.org/officeDocument/2006/relationships" xmlns:p="http://schemas.openxmlformats.org/presentationml/2006/main">
+  <p:cSld>
+    <p:spTree>
+      <p:nvGrpSpPr>
+        <p:cNvPr id="1" name=""/>
+        <p:cNvGrpSpPr/>
+        <p:nvPr/>
+      </p:nvGrpSpPr>
+      <p:grpSpPr>
+        <a:xfrm>
+          <a:off x="0" y="0"/>
+          <a:ext cx="0" cy="0"/>
+          <a:chOff x="0" y="0"/>
+          <a:chExt cx="0" cy="0"/>
+        </a:xfrm>
+      </p:grpSpPr>
+      <p:sp>
+        <p:nvSpPr>
+          <p:cNvPr id="2" name="Folienbildplatzhalter 1"/>
+          <p:cNvSpPr>
+            <a:spLocks noGrp="1" noRot="1" noChangeAspect="1"/>
+          </p:cNvSpPr>
+          <p:nvPr>
+            <p:ph type="sldImg"/>
+          </p:nvPr>
+        </p:nvSpPr>
+        <p:spPr/>
+      </p:sp>
+      <p:sp>
+        <p:nvSpPr>
+          <p:cNvPr id="3" name="Notizenplatzhalter 2"/>
+          <p:cNvSpPr>
+            <a:spLocks noGrp="1"/>
+          </p:cNvSpPr>
+          <p:nvPr>
+            <p:ph type="body" idx="1"/>
+          </p:nvPr>
+        </p:nvSpPr>
+        <p:spPr/>
+        <p:txBody>
+          <a:bodyPr/>
+          <a:lstStyle/>
+          <a:p>
             <a:r>
               <a:rPr lang="de-CH" dirty="0" smtClean="0"/>
-              <a:t>?</a:t>
+              <a:t>Christina</a:t>
             </a:r>
             <a:endParaRPr lang="de-CH" dirty="0"/>
           </a:p>
@@ -1042,7 +1624,7 @@
     </p:spTree>
     <p:extLst>
       <p:ext uri="{BB962C8B-B14F-4D97-AF65-F5344CB8AC3E}">
-        <p14:creationId xmlns:p14="http://schemas.microsoft.com/office/powerpoint/2010/main" val="4168059491"/>
+        <p14:creationId xmlns:p14="http://schemas.microsoft.com/office/powerpoint/2010/main" val="1461697811"/>
       </p:ext>
     </p:extLst>
   </p:cSld>
@@ -5858,6 +6440,200 @@
             <p:ph idx="1"/>
           </p:nvPr>
         </p:nvSpPr>
+        <p:spPr>
+          <a:xfrm>
+            <a:off x="457200" y="1481329"/>
+            <a:ext cx="7355160" cy="2379719"/>
+          </a:xfrm>
+        </p:spPr>
+        <p:txBody>
+          <a:bodyPr/>
+          <a:lstStyle/>
+          <a:p>
+            <a:r>
+              <a:rPr lang="de-CH" dirty="0" smtClean="0"/>
+              <a:t>Protokoll HTTP 1.1</a:t>
+            </a:r>
+          </a:p>
+          <a:p>
+            <a:r>
+              <a:rPr lang="de-CH" dirty="0" smtClean="0"/>
+              <a:t>Client: </a:t>
+            </a:r>
+            <a:r>
+              <a:rPr lang="de-CH" dirty="0" err="1" smtClean="0"/>
+              <a:t>Android</a:t>
+            </a:r>
+            <a:r>
+              <a:rPr lang="de-CH" dirty="0" smtClean="0"/>
+              <a:t> Version 2.1</a:t>
+            </a:r>
+          </a:p>
+          <a:p>
+            <a:pPr lvl="1"/>
+            <a:r>
+              <a:rPr lang="de-CH" dirty="0" smtClean="0"/>
+              <a:t>Anwendung: </a:t>
+            </a:r>
+            <a:r>
+              <a:rPr lang="de-CH" dirty="0" err="1" smtClean="0"/>
+              <a:t>mrt.apk</a:t>
+            </a:r>
+            <a:endParaRPr lang="de-CH" dirty="0" smtClean="0"/>
+          </a:p>
+          <a:p>
+            <a:r>
+              <a:rPr lang="de-CH" dirty="0" smtClean="0"/>
+              <a:t>Server: Linux mit Apache</a:t>
+            </a:r>
+          </a:p>
+          <a:p>
+            <a:pPr lvl="1"/>
+            <a:r>
+              <a:rPr lang="de-CH" dirty="0" smtClean="0"/>
+              <a:t>Anwendung: </a:t>
+            </a:r>
+            <a:r>
+              <a:rPr lang="de-CH" dirty="0" err="1" smtClean="0"/>
+              <a:t>rails_app</a:t>
+            </a:r>
+            <a:endParaRPr lang="de-CH" dirty="0" smtClean="0"/>
+          </a:p>
+        </p:txBody>
+      </p:sp>
+      <p:sp>
+        <p:nvSpPr>
+          <p:cNvPr id="3" name="Titel 2"/>
+          <p:cNvSpPr>
+            <a:spLocks noGrp="1"/>
+          </p:cNvSpPr>
+          <p:nvPr>
+            <p:ph type="title"/>
+          </p:nvPr>
+        </p:nvSpPr>
+        <p:spPr/>
+        <p:txBody>
+          <a:bodyPr/>
+          <a:lstStyle/>
+          <a:p>
+            <a:r>
+              <a:rPr lang="de-CH" dirty="0" smtClean="0"/>
+              <a:t>Tiers</a:t>
+            </a:r>
+            <a:endParaRPr lang="de-CH" dirty="0"/>
+          </a:p>
+        </p:txBody>
+      </p:sp>
+      <p:pic>
+        <p:nvPicPr>
+          <p:cNvPr id="2050" name="Picture 2"/>
+          <p:cNvPicPr>
+            <a:picLocks noChangeAspect="1" noChangeArrowheads="1"/>
+          </p:cNvPicPr>
+          <p:nvPr/>
+        </p:nvPicPr>
+        <p:blipFill rotWithShape="1">
+          <a:blip r:embed="rId2">
+            <a:extLst>
+              <a:ext uri="{28A0092B-C50C-407E-A947-70E740481C1C}">
+                <a14:useLocalDpi xmlns:a14="http://schemas.microsoft.com/office/drawing/2010/main" val="0"/>
+              </a:ext>
+            </a:extLst>
+          </a:blip>
+          <a:srcRect l="3271" t="13618" r="2708" b="8228"/>
+          <a:stretch/>
+        </p:blipFill>
+        <p:spPr bwMode="auto">
+          <a:xfrm>
+            <a:off x="1835696" y="4149080"/>
+            <a:ext cx="5973098" cy="1824120"/>
+          </a:xfrm>
+          <a:prstGeom prst="rect">
+            <a:avLst/>
+          </a:prstGeom>
+          <a:noFill/>
+          <a:ln>
+            <a:noFill/>
+          </a:ln>
+          <a:effectLst/>
+          <a:extLst>
+            <a:ext uri="{909E8E84-426E-40DD-AFC4-6F175D3DCCD1}">
+              <a14:hiddenFill xmlns:a14="http://schemas.microsoft.com/office/drawing/2010/main">
+                <a:solidFill>
+                  <a:schemeClr val="accent1"/>
+                </a:solidFill>
+              </a14:hiddenFill>
+            </a:ext>
+            <a:ext uri="{91240B29-F687-4F45-9708-019B960494DF}">
+              <a14:hiddenLine xmlns:a14="http://schemas.microsoft.com/office/drawing/2010/main" w="9525">
+                <a:solidFill>
+                  <a:schemeClr val="tx1"/>
+                </a:solidFill>
+                <a:miter lim="800000"/>
+                <a:headEnd/>
+                <a:tailEnd/>
+              </a14:hiddenLine>
+            </a:ext>
+            <a:ext uri="{AF507438-7753-43E0-B8FC-AC1667EBCBE1}">
+              <a14:hiddenEffects xmlns:a14="http://schemas.microsoft.com/office/drawing/2010/main">
+                <a:effectLst>
+                  <a:outerShdw dist="35921" dir="2700000" algn="ctr" rotWithShape="0">
+                    <a:schemeClr val="bg2"/>
+                  </a:outerShdw>
+                </a:effectLst>
+              </a14:hiddenEffects>
+            </a:ext>
+          </a:extLst>
+        </p:spPr>
+      </p:pic>
+    </p:spTree>
+    <p:extLst>
+      <p:ext uri="{BB962C8B-B14F-4D97-AF65-F5344CB8AC3E}">
+        <p14:creationId xmlns:p14="http://schemas.microsoft.com/office/powerpoint/2010/main" val="3379927354"/>
+      </p:ext>
+    </p:extLst>
+  </p:cSld>
+  <p:clrMapOvr>
+    <a:masterClrMapping/>
+  </p:clrMapOvr>
+  <p:transition/>
+  <p:timing>
+    <p:tnLst>
+      <p:par>
+        <p:cTn id="1" dur="indefinite" restart="never" nodeType="tmRoot"/>
+      </p:par>
+    </p:tnLst>
+  </p:timing>
+</p:sld>
+</file>
+
+<file path=ppt/slides/slide11.xml><?xml version="1.0" encoding="utf-8"?>
+<p:sld xmlns:a="http://schemas.openxmlformats.org/drawingml/2006/main" xmlns:r="http://schemas.openxmlformats.org/officeDocument/2006/relationships" xmlns:p="http://schemas.openxmlformats.org/presentationml/2006/main">
+  <p:cSld>
+    <p:spTree>
+      <p:nvGrpSpPr>
+        <p:cNvPr id="1" name=""/>
+        <p:cNvGrpSpPr/>
+        <p:nvPr/>
+      </p:nvGrpSpPr>
+      <p:grpSpPr>
+        <a:xfrm>
+          <a:off x="0" y="0"/>
+          <a:ext cx="0" cy="0"/>
+          <a:chOff x="0" y="0"/>
+          <a:chExt cx="0" cy="0"/>
+        </a:xfrm>
+      </p:grpSpPr>
+      <p:sp>
+        <p:nvSpPr>
+          <p:cNvPr id="2" name="Inhaltsplatzhalter 1"/>
+          <p:cNvSpPr>
+            <a:spLocks noGrp="1"/>
+          </p:cNvSpPr>
+          <p:nvPr>
+            <p:ph idx="1"/>
+          </p:nvPr>
+        </p:nvSpPr>
         <p:spPr/>
         <p:txBody>
           <a:bodyPr/>
@@ -5981,7 +6757,7 @@
 </p:sld>
 </file>
 
-<file path=ppt/slides/slide11.xml><?xml version="1.0" encoding="utf-8"?>
+<file path=ppt/slides/slide12.xml><?xml version="1.0" encoding="utf-8"?>
 <p:sld xmlns:a="http://schemas.openxmlformats.org/drawingml/2006/main" xmlns:r="http://schemas.openxmlformats.org/officeDocument/2006/relationships" xmlns:p="http://schemas.openxmlformats.org/presentationml/2006/main">
   <p:cSld>
     <p:spTree>
@@ -6081,7 +6857,7 @@
 </p:sld>
 </file>
 
-<file path=ppt/slides/slide12.xml><?xml version="1.0" encoding="utf-8"?>
+<file path=ppt/slides/slide13.xml><?xml version="1.0" encoding="utf-8"?>
 <p:sld xmlns:a="http://schemas.openxmlformats.org/drawingml/2006/main" xmlns:r="http://schemas.openxmlformats.org/officeDocument/2006/relationships" xmlns:p="http://schemas.openxmlformats.org/presentationml/2006/main">
   <p:cSld>
     <p:spTree>
@@ -6181,7 +6957,7 @@
 </p:sld>
 </file>
 
-<file path=ppt/slides/slide13.xml><?xml version="1.0" encoding="utf-8"?>
+<file path=ppt/slides/slide14.xml><?xml version="1.0" encoding="utf-8"?>
 <p:sld xmlns:a="http://schemas.openxmlformats.org/drawingml/2006/main" xmlns:r="http://schemas.openxmlformats.org/officeDocument/2006/relationships" xmlns:p="http://schemas.openxmlformats.org/presentationml/2006/main">
   <p:cSld>
     <p:spTree>
@@ -6354,7 +7130,7 @@
 </p:sld>
 </file>
 
-<file path=ppt/slides/slide14.xml><?xml version="1.0" encoding="utf-8"?>
+<file path=ppt/slides/slide15.xml><?xml version="1.0" encoding="utf-8"?>
 <p:sld xmlns:a="http://schemas.openxmlformats.org/drawingml/2006/main" xmlns:r="http://schemas.openxmlformats.org/officeDocument/2006/relationships" xmlns:p="http://schemas.openxmlformats.org/presentationml/2006/main">
   <p:cSld>
     <p:spTree>
@@ -6477,7 +7253,7 @@
 </p:sld>
 </file>
 
-<file path=ppt/slides/slide15.xml><?xml version="1.0" encoding="utf-8"?>
+<file path=ppt/slides/slide16.xml><?xml version="1.0" encoding="utf-8"?>
 <p:sld xmlns:a="http://schemas.openxmlformats.org/drawingml/2006/main" xmlns:r="http://schemas.openxmlformats.org/officeDocument/2006/relationships" xmlns:p="http://schemas.openxmlformats.org/presentationml/2006/main">
   <p:cSld>
     <p:spTree>
@@ -6604,7 +7380,7 @@
 </p:sld>
 </file>
 
-<file path=ppt/slides/slide16.xml><?xml version="1.0" encoding="utf-8"?>
+<file path=ppt/slides/slide17.xml><?xml version="1.0" encoding="utf-8"?>
 <p:sld xmlns:a="http://schemas.openxmlformats.org/drawingml/2006/main" xmlns:r="http://schemas.openxmlformats.org/officeDocument/2006/relationships" xmlns:p="http://schemas.openxmlformats.org/presentationml/2006/main">
   <p:cSld>
     <p:spTree>
@@ -6671,8 +7447,8 @@
         </p:blipFill>
         <p:spPr bwMode="auto">
           <a:xfrm>
-            <a:off x="2042964" y="1071811"/>
-            <a:ext cx="6048375" cy="5524500"/>
+            <a:off x="1115616" y="260649"/>
+            <a:ext cx="7410616" cy="6768751"/>
           </a:xfrm>
           <a:prstGeom prst="rect">
             <a:avLst/>
@@ -6722,95 +7498,94 @@
   <p:clrMapOvr>
     <a:masterClrMapping/>
   </p:clrMapOvr>
-  <p:transition/>
+  <mc:AlternateContent xmlns:mc="http://schemas.openxmlformats.org/markup-compatibility/2006">
+    <mc:Choice xmlns:p14="http://schemas.microsoft.com/office/powerpoint/2010/main" Requires="p14">
+      <p:transition p14:dur="0"/>
+    </mc:Choice>
+    <mc:Fallback>
+      <p:transition/>
+    </mc:Fallback>
+  </mc:AlternateContent>
   <p:timing>
     <p:tnLst>
       <p:par>
-        <p:cTn id="1" dur="indefinite" restart="never" nodeType="tmRoot"/>
-      </p:par>
-    </p:tnLst>
-  </p:timing>
-</p:sld>
-</file>
-
-<file path=ppt/slides/slide17.xml><?xml version="1.0" encoding="utf-8"?>
-<p:sld xmlns:a="http://schemas.openxmlformats.org/drawingml/2006/main" xmlns:r="http://schemas.openxmlformats.org/officeDocument/2006/relationships" xmlns:p="http://schemas.openxmlformats.org/presentationml/2006/main">
-  <p:cSld>
-    <p:spTree>
-      <p:nvGrpSpPr>
-        <p:cNvPr id="1" name=""/>
-        <p:cNvGrpSpPr/>
-        <p:nvPr/>
-      </p:nvGrpSpPr>
-      <p:grpSpPr>
-        <a:xfrm>
-          <a:off x="0" y="0"/>
-          <a:ext cx="0" cy="0"/>
-          <a:chOff x="0" y="0"/>
-          <a:chExt cx="0" cy="0"/>
-        </a:xfrm>
-      </p:grpSpPr>
-      <p:sp>
-        <p:nvSpPr>
-          <p:cNvPr id="2" name="Inhaltsplatzhalter 1"/>
-          <p:cNvSpPr>
-            <a:spLocks noGrp="1"/>
-          </p:cNvSpPr>
-          <p:nvPr>
-            <p:ph idx="1"/>
-          </p:nvPr>
-        </p:nvSpPr>
-        <p:spPr/>
-        <p:txBody>
-          <a:bodyPr/>
-          <a:lstStyle/>
-          <a:p>
-            <a:r>
-              <a:rPr lang="de-CH" dirty="0" smtClean="0"/>
-              <a:t>Wichtig</a:t>
-            </a:r>
-            <a:endParaRPr lang="de-CH" dirty="0"/>
-          </a:p>
-        </p:txBody>
-      </p:sp>
-      <p:sp>
-        <p:nvSpPr>
-          <p:cNvPr id="3" name="Titel 2"/>
-          <p:cNvSpPr>
-            <a:spLocks noGrp="1"/>
-          </p:cNvSpPr>
-          <p:nvPr>
-            <p:ph type="title"/>
-          </p:nvPr>
-        </p:nvSpPr>
-        <p:spPr/>
-        <p:txBody>
-          <a:bodyPr/>
-          <a:lstStyle/>
-          <a:p>
-            <a:r>
-              <a:rPr lang="de-CH" dirty="0" smtClean="0"/>
-              <a:t>Tests</a:t>
-            </a:r>
-            <a:endParaRPr lang="de-CH" dirty="0"/>
-          </a:p>
-        </p:txBody>
-      </p:sp>
-    </p:spTree>
-    <p:extLst>
-      <p:ext uri="{BB962C8B-B14F-4D97-AF65-F5344CB8AC3E}">
-        <p14:creationId xmlns:p14="http://schemas.microsoft.com/office/powerpoint/2010/main" val="3182682271"/>
-      </p:ext>
-    </p:extLst>
-  </p:cSld>
-  <p:clrMapOvr>
-    <a:masterClrMapping/>
-  </p:clrMapOvr>
-  <p:transition/>
-  <p:timing>
-    <p:tnLst>
-      <p:par>
-        <p:cTn id="1" dur="indefinite" restart="never" nodeType="tmRoot"/>
+        <p:cTn id="1" dur="indefinite" restart="never" nodeType="tmRoot">
+          <p:childTnLst>
+            <p:seq concurrent="1" nextAc="seek">
+              <p:cTn id="2" dur="indefinite" nodeType="mainSeq">
+                <p:childTnLst>
+                  <p:par>
+                    <p:cTn id="3" fill="hold">
+                      <p:stCondLst>
+                        <p:cond delay="indefinite"/>
+                      </p:stCondLst>
+                      <p:childTnLst>
+                        <p:par>
+                          <p:cTn id="4" fill="hold">
+                            <p:stCondLst>
+                              <p:cond delay="0"/>
+                            </p:stCondLst>
+                            <p:childTnLst>
+                              <p:par>
+                                <p:cTn id="5" presetID="10" presetClass="entr" presetSubtype="0" fill="hold" nodeType="clickEffect">
+                                  <p:stCondLst>
+                                    <p:cond delay="0"/>
+                                  </p:stCondLst>
+                                  <p:childTnLst>
+                                    <p:set>
+                                      <p:cBhvr>
+                                        <p:cTn id="6" dur="1" fill="hold">
+                                          <p:stCondLst>
+                                            <p:cond delay="0"/>
+                                          </p:stCondLst>
+                                        </p:cTn>
+                                        <p:tgtEl>
+                                          <p:spTgt spid="3075"/>
+                                        </p:tgtEl>
+                                        <p:attrNameLst>
+                                          <p:attrName>style.visibility</p:attrName>
+                                        </p:attrNameLst>
+                                      </p:cBhvr>
+                                      <p:to>
+                                        <p:strVal val="visible"/>
+                                      </p:to>
+                                    </p:set>
+                                    <p:animEffect transition="in" filter="fade">
+                                      <p:cBhvr>
+                                        <p:cTn id="7" dur="500"/>
+                                        <p:tgtEl>
+                                          <p:spTgt spid="3075"/>
+                                        </p:tgtEl>
+                                      </p:cBhvr>
+                                    </p:animEffect>
+                                  </p:childTnLst>
+                                </p:cTn>
+                              </p:par>
+                            </p:childTnLst>
+                          </p:cTn>
+                        </p:par>
+                      </p:childTnLst>
+                    </p:cTn>
+                  </p:par>
+                </p:childTnLst>
+              </p:cTn>
+              <p:prevCondLst>
+                <p:cond evt="onPrev" delay="0">
+                  <p:tgtEl>
+                    <p:sldTgt/>
+                  </p:tgtEl>
+                </p:cond>
+              </p:prevCondLst>
+              <p:nextCondLst>
+                <p:cond evt="onNext" delay="0">
+                  <p:tgtEl>
+                    <p:sldTgt/>
+                  </p:tgtEl>
+                </p:cond>
+              </p:nextCondLst>
+            </p:seq>
+          </p:childTnLst>
+        </p:cTn>
       </p:par>
     </p:tnLst>
   </p:timing>
@@ -6849,7 +7624,89 @@
           <a:bodyPr/>
           <a:lstStyle/>
           <a:p>
-            <a:endParaRPr lang="de-CH"/>
+            <a:r>
+              <a:rPr lang="de-CH" dirty="0" smtClean="0"/>
+              <a:t>Wichtig, weil…</a:t>
+            </a:r>
+          </a:p>
+          <a:p>
+            <a:pPr lvl="1"/>
+            <a:r>
+              <a:rPr lang="de-CH" dirty="0" smtClean="0"/>
+              <a:t>Qualitätssicherung</a:t>
+            </a:r>
+          </a:p>
+          <a:p>
+            <a:pPr lvl="1"/>
+            <a:r>
+              <a:rPr lang="de-CH" dirty="0" err="1" smtClean="0"/>
+              <a:t>Don’t</a:t>
+            </a:r>
+            <a:r>
+              <a:rPr lang="de-CH" dirty="0" smtClean="0"/>
+              <a:t> break </a:t>
+            </a:r>
+            <a:r>
+              <a:rPr lang="de-CH" dirty="0" err="1" smtClean="0"/>
+              <a:t>the</a:t>
+            </a:r>
+            <a:r>
+              <a:rPr lang="de-CH" dirty="0" smtClean="0"/>
+              <a:t> </a:t>
+            </a:r>
+            <a:r>
+              <a:rPr lang="de-CH" dirty="0" err="1" smtClean="0"/>
+              <a:t>trunk</a:t>
+            </a:r>
+            <a:endParaRPr lang="de-CH" dirty="0" smtClean="0"/>
+          </a:p>
+          <a:p>
+            <a:pPr lvl="1"/>
+            <a:r>
+              <a:rPr lang="de-CH" dirty="0" smtClean="0"/>
+              <a:t>Zustand kann jederzeit getestet werden</a:t>
+            </a:r>
+          </a:p>
+          <a:p>
+            <a:r>
+              <a:rPr lang="de-CH" dirty="0" smtClean="0"/>
+              <a:t>Unit Tests</a:t>
+            </a:r>
+          </a:p>
+          <a:p>
+            <a:pPr lvl="1"/>
+            <a:r>
+              <a:rPr lang="de-CH" dirty="0" smtClean="0"/>
+              <a:t>Einzelne Komponenten testen</a:t>
+            </a:r>
+          </a:p>
+          <a:p>
+            <a:pPr lvl="1"/>
+            <a:r>
+              <a:rPr lang="de-CH" dirty="0" smtClean="0"/>
+              <a:t>Mock Objects</a:t>
+            </a:r>
+          </a:p>
+          <a:p>
+            <a:r>
+              <a:rPr lang="de-CH" dirty="0" smtClean="0"/>
+              <a:t>System Tests</a:t>
+            </a:r>
+          </a:p>
+          <a:p>
+            <a:pPr lvl="1"/>
+            <a:r>
+              <a:rPr lang="de-CH" dirty="0" smtClean="0"/>
+              <a:t>Ziele erreicht?</a:t>
+            </a:r>
+          </a:p>
+          <a:p>
+            <a:pPr lvl="1"/>
+            <a:r>
+              <a:rPr lang="de-CH" dirty="0" smtClean="0"/>
+              <a:t>Interaktion mit Menschen</a:t>
+            </a:r>
+            <a:endParaRPr lang="de-CH" dirty="0"/>
           </a:p>
         </p:txBody>
       </p:sp>
@@ -6870,7 +7727,7 @@
           <a:p>
             <a:r>
               <a:rPr lang="de-CH" dirty="0" smtClean="0"/>
-              <a:t>Systemtest</a:t>
+              <a:t>Tests</a:t>
             </a:r>
             <a:endParaRPr lang="de-CH" dirty="0"/>
           </a:p>
@@ -6879,7 +7736,7 @@
     </p:spTree>
     <p:extLst>
       <p:ext uri="{BB962C8B-B14F-4D97-AF65-F5344CB8AC3E}">
-        <p14:creationId xmlns:p14="http://schemas.microsoft.com/office/powerpoint/2010/main" val="2835939076"/>
+        <p14:creationId xmlns:p14="http://schemas.microsoft.com/office/powerpoint/2010/main" val="3182682271"/>
       </p:ext>
     </p:extLst>
   </p:cSld>
@@ -6950,7 +7807,7 @@
           <a:p>
             <a:r>
               <a:rPr lang="de-CH" dirty="0" smtClean="0"/>
-              <a:t>Unit Tests</a:t>
+              <a:t>Systemtest</a:t>
             </a:r>
             <a:endParaRPr lang="de-CH" dirty="0"/>
           </a:p>
@@ -6959,7 +7816,7 @@
     </p:spTree>
     <p:extLst>
       <p:ext uri="{BB962C8B-B14F-4D97-AF65-F5344CB8AC3E}">
-        <p14:creationId xmlns:p14="http://schemas.microsoft.com/office/powerpoint/2010/main" val="755503688"/>
+        <p14:creationId xmlns:p14="http://schemas.microsoft.com/office/powerpoint/2010/main" val="2835939076"/>
       </p:ext>
     </p:extLst>
   </p:cSld>
@@ -7103,7 +7960,7 @@
           <p:nvPr/>
         </p:nvPicPr>
         <p:blipFill>
-          <a:blip r:embed="rId2" cstate="print">
+          <a:blip r:embed="rId3" cstate="print">
             <a:extLst>
               <a:ext uri="{28A0092B-C50C-407E-A947-70E740481C1C}">
                 <a14:useLocalDpi xmlns:a14="http://schemas.microsoft.com/office/drawing/2010/main" val="0"/>
@@ -7179,6 +8036,86 @@
       </p:grpSpPr>
       <p:sp>
         <p:nvSpPr>
+          <p:cNvPr id="2" name="Inhaltsplatzhalter 1"/>
+          <p:cNvSpPr>
+            <a:spLocks noGrp="1"/>
+          </p:cNvSpPr>
+          <p:nvPr>
+            <p:ph idx="1"/>
+          </p:nvPr>
+        </p:nvSpPr>
+        <p:spPr/>
+        <p:txBody>
+          <a:bodyPr/>
+          <a:lstStyle/>
+          <a:p>
+            <a:endParaRPr lang="de-CH"/>
+          </a:p>
+        </p:txBody>
+      </p:sp>
+      <p:sp>
+        <p:nvSpPr>
+          <p:cNvPr id="3" name="Titel 2"/>
+          <p:cNvSpPr>
+            <a:spLocks noGrp="1"/>
+          </p:cNvSpPr>
+          <p:nvPr>
+            <p:ph type="title"/>
+          </p:nvPr>
+        </p:nvSpPr>
+        <p:spPr/>
+        <p:txBody>
+          <a:bodyPr/>
+          <a:lstStyle/>
+          <a:p>
+            <a:r>
+              <a:rPr lang="de-CH" dirty="0" smtClean="0"/>
+              <a:t>Unit Tests</a:t>
+            </a:r>
+            <a:endParaRPr lang="de-CH" dirty="0"/>
+          </a:p>
+        </p:txBody>
+      </p:sp>
+    </p:spTree>
+    <p:extLst>
+      <p:ext uri="{BB962C8B-B14F-4D97-AF65-F5344CB8AC3E}">
+        <p14:creationId xmlns:p14="http://schemas.microsoft.com/office/powerpoint/2010/main" val="755503688"/>
+      </p:ext>
+    </p:extLst>
+  </p:cSld>
+  <p:clrMapOvr>
+    <a:masterClrMapping/>
+  </p:clrMapOvr>
+  <p:transition/>
+  <p:timing>
+    <p:tnLst>
+      <p:par>
+        <p:cTn id="1" dur="indefinite" restart="never" nodeType="tmRoot"/>
+      </p:par>
+    </p:tnLst>
+  </p:timing>
+</p:sld>
+</file>
+
+<file path=ppt/slides/slide21.xml><?xml version="1.0" encoding="utf-8"?>
+<p:sld xmlns:a="http://schemas.openxmlformats.org/drawingml/2006/main" xmlns:r="http://schemas.openxmlformats.org/officeDocument/2006/relationships" xmlns:p="http://schemas.openxmlformats.org/presentationml/2006/main">
+  <p:cSld>
+    <p:spTree>
+      <p:nvGrpSpPr>
+        <p:cNvPr id="1" name=""/>
+        <p:cNvGrpSpPr/>
+        <p:nvPr/>
+      </p:nvGrpSpPr>
+      <p:grpSpPr>
+        <a:xfrm>
+          <a:off x="0" y="0"/>
+          <a:ext cx="0" cy="0"/>
+          <a:chOff x="0" y="0"/>
+          <a:chExt cx="0" cy="0"/>
+        </a:xfrm>
+      </p:grpSpPr>
+      <p:sp>
+        <p:nvSpPr>
           <p:cNvPr id="3" name="Titel 2"/>
           <p:cNvSpPr>
             <a:spLocks noGrp="1"/>
@@ -7208,7 +8145,7 @@
         </p:nvGrpSpPr>
         <p:grpSpPr>
           <a:xfrm>
-            <a:off x="599406" y="1549112"/>
+            <a:off x="323528" y="1549112"/>
             <a:ext cx="2233575" cy="4222969"/>
             <a:chOff x="599406" y="1549112"/>
             <a:chExt cx="2233575" cy="4222969"/>
@@ -7475,7 +8412,7 @@
           <p:spPr>
             <a:xfrm>
               <a:off x="3635896" y="1204892"/>
-              <a:ext cx="3744416" cy="369332"/>
+              <a:ext cx="5127426" cy="369332"/>
             </a:xfrm>
             <a:prstGeom prst="rect">
               <a:avLst/>
@@ -7493,12 +8430,12 @@
                 <a:t>Anzeige </a:t>
               </a:r>
               <a:r>
-                <a:rPr lang="de-CH" b="1" dirty="0" err="1" smtClean="0"/>
-                <a:t>TimeEntries</a:t>
+                <a:rPr lang="de-CH" b="1" dirty="0" smtClean="0"/>
+                <a:t>Stundeneinträge auf </a:t>
               </a:r>
               <a:r>
                 <a:rPr lang="de-CH" b="1" dirty="0" smtClean="0"/>
-                <a:t> auf Server </a:t>
+                <a:t>Server </a:t>
               </a:r>
               <a:endParaRPr lang="de-CH" b="1" dirty="0"/>
             </a:p>
@@ -7526,7 +8463,7 @@
 </p:sld>
 </file>
 
-<file path=ppt/slides/slide21.xml><?xml version="1.0" encoding="utf-8"?>
+<file path=ppt/slides/slide22.xml><?xml version="1.0" encoding="utf-8"?>
 <p:sld xmlns:a="http://schemas.openxmlformats.org/drawingml/2006/main" xmlns:r="http://schemas.openxmlformats.org/officeDocument/2006/relationships" xmlns:p="http://schemas.openxmlformats.org/presentationml/2006/main">
   <p:cSld>
     <p:spTree>
@@ -7578,14 +8515,16 @@
           <a:p>
             <a:r>
               <a:rPr lang="de-CH" dirty="0" smtClean="0"/>
-              <a:t>Meilenstein 3 «Ende Elaboration» abgeschlossen</a:t>
-            </a:r>
+              <a:t>MS3 Elaboration heute abgeschlossen</a:t>
+            </a:r>
+            <a:endParaRPr lang="de-CH" dirty="0" smtClean="0"/>
           </a:p>
           <a:p>
             <a:r>
               <a:rPr lang="de-CH" dirty="0" smtClean="0"/>
-              <a:t>Version 0.1 ausgeliefert</a:t>
-            </a:r>
+              <a:t>Release V0.1 erstellt</a:t>
+            </a:r>
+            <a:endParaRPr lang="de-CH" dirty="0" smtClean="0"/>
           </a:p>
           <a:p>
             <a:r>
@@ -7594,8 +8533,19 @@
             </a:r>
             <a:r>
               <a:rPr lang="de-CH" dirty="0" smtClean="0"/>
-              <a:t> Phase ausgearbeitet</a:t>
-            </a:r>
+              <a:t> Phase </a:t>
+            </a:r>
+            <a:r>
+              <a:rPr lang="de-CH" dirty="0" smtClean="0"/>
+              <a:t>geplant</a:t>
+            </a:r>
+          </a:p>
+          <a:p>
+            <a:r>
+              <a:rPr lang="de-CH" dirty="0" smtClean="0"/>
+              <a:t>Code Review</a:t>
+            </a:r>
+            <a:endParaRPr lang="de-CH" dirty="0" smtClean="0"/>
           </a:p>
           <a:p>
             <a:endParaRPr lang="de-CH" dirty="0" smtClean="0"/>
@@ -7640,7 +8590,7 @@
           <p:nvPr/>
         </p:nvPicPr>
         <p:blipFill>
-          <a:blip r:embed="rId2" cstate="print">
+          <a:blip r:embed="rId3" cstate="print">
             <a:extLst>
               <a:ext uri="{28A0092B-C50C-407E-A947-70E740481C1C}">
                 <a14:useLocalDpi xmlns:a14="http://schemas.microsoft.com/office/drawing/2010/main" val="0"/>
@@ -7697,7 +8647,7 @@
 </p:sld>
 </file>
 
-<file path=ppt/slides/slide22.xml><?xml version="1.0" encoding="utf-8"?>
+<file path=ppt/slides/slide23.xml><?xml version="1.0" encoding="utf-8"?>
 <p:sld xmlns:a="http://schemas.openxmlformats.org/drawingml/2006/main" xmlns:r="http://schemas.openxmlformats.org/officeDocument/2006/relationships" xmlns:p="http://schemas.openxmlformats.org/presentationml/2006/main">
   <p:cSld>
     <p:spTree>
@@ -7714,29 +8664,6 @@
           <a:chExt cx="0" cy="0"/>
         </a:xfrm>
       </p:grpSpPr>
-      <p:sp>
-        <p:nvSpPr>
-          <p:cNvPr id="3" name="Titel 2"/>
-          <p:cNvSpPr>
-            <a:spLocks noGrp="1"/>
-          </p:cNvSpPr>
-          <p:nvPr>
-            <p:ph type="title"/>
-          </p:nvPr>
-        </p:nvSpPr>
-        <p:spPr/>
-        <p:txBody>
-          <a:bodyPr/>
-          <a:lstStyle/>
-          <a:p>
-            <a:r>
-              <a:rPr lang="de-CH" dirty="0" smtClean="0"/>
-              <a:t>Gantt-Diagramm</a:t>
-            </a:r>
-            <a:endParaRPr lang="de-CH" dirty="0"/>
-          </a:p>
-        </p:txBody>
-      </p:sp>
       <p:pic>
         <p:nvPicPr>
           <p:cNvPr id="7170" name="Picture 2">
@@ -7826,8 +8753,8 @@
         </p:blipFill>
         <p:spPr bwMode="auto">
           <a:xfrm>
-            <a:off x="1403648" y="1186086"/>
-            <a:ext cx="5864126" cy="4933719"/>
+            <a:off x="1475656" y="667321"/>
+            <a:ext cx="6408712" cy="5391901"/>
           </a:xfrm>
           <a:prstGeom prst="rect">
             <a:avLst/>
@@ -7888,7 +8815,7 @@
 </p:sld>
 </file>
 
-<file path=ppt/slides/slide23.xml><?xml version="1.0" encoding="utf-8"?>
+<file path=ppt/slides/slide24.xml><?xml version="1.0" encoding="utf-8"?>
 <p:sld xmlns:a="http://schemas.openxmlformats.org/drawingml/2006/main" xmlns:r="http://schemas.openxmlformats.org/officeDocument/2006/relationships" xmlns:p="http://schemas.openxmlformats.org/presentationml/2006/main">
   <p:cSld>
     <p:spTree>
@@ -7968,7 +8895,7 @@
 </p:sld>
 </file>
 
-<file path=ppt/slides/slide24.xml><?xml version="1.0" encoding="utf-8"?>
+<file path=ppt/slides/slide25.xml><?xml version="1.0" encoding="utf-8"?>
 <p:sld xmlns:a="http://schemas.openxmlformats.org/drawingml/2006/main" xmlns:r="http://schemas.openxmlformats.org/officeDocument/2006/relationships" xmlns:p="http://schemas.openxmlformats.org/presentationml/2006/main">
   <p:cSld>
     <p:spTree>
@@ -8002,7 +8929,7 @@
           <a:p>
             <a:r>
               <a:rPr lang="de-CH" dirty="0" smtClean="0"/>
-              <a:t>Exkurs Risikomanagement</a:t>
+              <a:t>Risikomanagement</a:t>
             </a:r>
             <a:endParaRPr lang="de-CH" dirty="0"/>
           </a:p>
@@ -8011,7 +8938,7 @@
       <p:pic>
         <p:nvPicPr>
           <p:cNvPr id="6146" name="Picture 2">
-            <a:hlinkClick r:id="rId2"/>
+            <a:hlinkClick r:id="rId3"/>
           </p:cNvPr>
           <p:cNvPicPr>
             <a:picLocks noChangeAspect="1" noChangeArrowheads="1"/>
@@ -8019,7 +8946,7 @@
           <p:nvPr/>
         </p:nvPicPr>
         <p:blipFill>
-          <a:blip r:embed="rId3">
+          <a:blip r:embed="rId4">
             <a:extLst>
               <a:ext uri="{28A0092B-C50C-407E-A947-70E740481C1C}">
                 <a14:useLocalDpi xmlns:a14="http://schemas.microsoft.com/office/drawing/2010/main" val="0"/>
@@ -8090,37 +9017,80 @@
           <a:bodyPr/>
           <a:lstStyle/>
           <a:p>
+            <a:pPr>
+              <a:tabLst>
+                <a:tab pos="4749800" algn="l"/>
+              </a:tabLst>
+            </a:pPr>
             <a:r>
               <a:rPr lang="de-CH" dirty="0" smtClean="0"/>
-              <a:t>Anzahl Risiken: 		 6</a:t>
-            </a:r>
-          </a:p>
-          <a:p>
+              <a:t>Anzahl </a:t>
+            </a:r>
             <a:r>
               <a:rPr lang="de-CH" dirty="0" smtClean="0"/>
-              <a:t>Einkalkulierte Zeit: 		 ~13 Stunden</a:t>
-            </a:r>
-          </a:p>
-          <a:p>
+              <a:t>Risiken:	6</a:t>
+            </a:r>
+            <a:endParaRPr lang="de-CH" dirty="0" smtClean="0"/>
+          </a:p>
+          <a:p>
+            <a:pPr>
+              <a:tabLst>
+                <a:tab pos="4749800" algn="l"/>
+              </a:tabLst>
+            </a:pPr>
             <a:r>
               <a:rPr lang="de-CH" dirty="0" smtClean="0"/>
-              <a:t>Bisher bereinigte Risiken: 3</a:t>
-            </a:r>
-          </a:p>
-          <a:p>
+              <a:t>Verbleibende Reserve:	~</a:t>
+            </a:r>
+            <a:r>
+              <a:rPr lang="de-CH" dirty="0" smtClean="0"/>
+              <a:t>13 Stunden</a:t>
+            </a:r>
+          </a:p>
+          <a:p>
+            <a:pPr>
+              <a:tabLst>
+                <a:tab pos="4749800" algn="l"/>
+              </a:tabLst>
+            </a:pPr>
+            <a:r>
+              <a:rPr lang="de-CH" dirty="0" smtClean="0"/>
+              <a:t>Bereinigte Risiken:	3</a:t>
+            </a:r>
             <a:endParaRPr lang="de-CH" dirty="0" smtClean="0"/>
           </a:p>
           <a:p>
+            <a:pPr>
+              <a:tabLst>
+                <a:tab pos="4749800" algn="l"/>
+              </a:tabLst>
+            </a:pPr>
+            <a:endParaRPr lang="de-CH" dirty="0" smtClean="0"/>
+          </a:p>
+          <a:p>
+            <a:pPr>
+              <a:tabLst>
+                <a:tab pos="4749800" algn="l"/>
+              </a:tabLst>
+            </a:pPr>
             <a:r>
               <a:rPr lang="de-CH" dirty="0" smtClean="0"/>
-              <a:t>Bereinigte Risiken in Elaboration Phase:</a:t>
-            </a:r>
-          </a:p>
-          <a:p>
-            <a:pPr lvl="1"/>
+              <a:t>Bereinigtes Risiko in </a:t>
+            </a:r>
             <a:r>
               <a:rPr lang="de-CH" dirty="0" smtClean="0"/>
-              <a:t>Übertragungsprobleme Mobile </a:t>
+              <a:t>Elaboration Phase:</a:t>
+            </a:r>
+          </a:p>
+          <a:p>
+            <a:pPr lvl="1">
+              <a:tabLst>
+                <a:tab pos="4749800" algn="l"/>
+              </a:tabLst>
+            </a:pPr>
+            <a:r>
+              <a:rPr lang="de-CH" dirty="0" smtClean="0"/>
+              <a:t>Übertragung Mobile </a:t>
             </a:r>
             <a:r>
               <a:rPr lang="de-CH" dirty="0" smtClean="0">
@@ -8157,7 +9127,7 @@
 </p:sld>
 </file>
 
-<file path=ppt/slides/slide25.xml><?xml version="1.0" encoding="utf-8"?>
+<file path=ppt/slides/slide26.xml><?xml version="1.0" encoding="utf-8"?>
 <p:sld xmlns:a="http://schemas.openxmlformats.org/drawingml/2006/main" xmlns:r="http://schemas.openxmlformats.org/officeDocument/2006/relationships" xmlns:p="http://schemas.openxmlformats.org/presentationml/2006/main">
   <p:cSld>
     <p:spTree>
@@ -8222,7 +9192,7 @@
           <a:p>
             <a:r>
               <a:rPr lang="de-CH" dirty="0" smtClean="0"/>
-              <a:t>Fragen ???</a:t>
+              <a:t>Fragen</a:t>
             </a:r>
             <a:endParaRPr lang="de-CH" dirty="0"/>
           </a:p>
@@ -8384,7 +9354,7 @@
           <p:nvPr/>
         </p:nvPicPr>
         <p:blipFill>
-          <a:blip r:embed="rId2" cstate="print">
+          <a:blip r:embed="rId3" cstate="print">
             <a:extLst>
               <a:ext uri="{28A0092B-C50C-407E-A947-70E740481C1C}">
                 <a14:useLocalDpi xmlns:a14="http://schemas.microsoft.com/office/drawing/2010/main" val="0"/>
@@ -8569,7 +9539,7 @@
           <p:nvPr/>
         </p:nvPicPr>
         <p:blipFill>
-          <a:blip r:embed="rId2" cstate="print">
+          <a:blip r:embed="rId3" cstate="print">
             <a:extLst>
               <a:ext uri="{28A0092B-C50C-407E-A947-70E740481C1C}">
                 <a14:useLocalDpi xmlns:a14="http://schemas.microsoft.com/office/drawing/2010/main" val="0"/>
@@ -8662,8 +9632,8 @@
         </p:blipFill>
         <p:spPr bwMode="auto">
           <a:xfrm>
-            <a:off x="539552" y="418330"/>
-            <a:ext cx="7705725" cy="6115051"/>
+            <a:off x="539552" y="19016"/>
+            <a:ext cx="8208912" cy="6514366"/>
           </a:xfrm>
           <a:prstGeom prst="rect">
             <a:avLst/>
@@ -8731,8 +9701,8 @@
         </p:blipFill>
         <p:spPr bwMode="auto">
           <a:xfrm>
-            <a:off x="1115616" y="251814"/>
-            <a:ext cx="6686551" cy="6286501"/>
+            <a:off x="220580" y="260648"/>
+            <a:ext cx="8712968" cy="8191680"/>
           </a:xfrm>
           <a:prstGeom prst="rect">
             <a:avLst/>
@@ -8770,6 +9740,80 @@
 </file>
 
 <file path=ppt/slides/slide7.xml><?xml version="1.0" encoding="utf-8"?>
+<p:sld xmlns:a="http://schemas.openxmlformats.org/drawingml/2006/main" xmlns:r="http://schemas.openxmlformats.org/officeDocument/2006/relationships" xmlns:p="http://schemas.openxmlformats.org/presentationml/2006/main">
+  <p:cSld>
+    <p:spTree>
+      <p:nvGrpSpPr>
+        <p:cNvPr id="1" name=""/>
+        <p:cNvGrpSpPr/>
+        <p:nvPr/>
+      </p:nvGrpSpPr>
+      <p:grpSpPr>
+        <a:xfrm>
+          <a:off x="0" y="0"/>
+          <a:ext cx="0" cy="0"/>
+          <a:chOff x="0" y="0"/>
+          <a:chExt cx="0" cy="0"/>
+        </a:xfrm>
+      </p:grpSpPr>
+      <p:pic>
+        <p:nvPicPr>
+          <p:cNvPr id="4" name="Grafik 3"/>
+          <p:cNvPicPr/>
+          <p:nvPr/>
+        </p:nvPicPr>
+        <p:blipFill rotWithShape="1">
+          <a:blip r:embed="rId3">
+            <a:extLst>
+              <a:ext uri="{28A0092B-C50C-407E-A947-70E740481C1C}">
+                <a14:useLocalDpi xmlns:a14="http://schemas.microsoft.com/office/drawing/2010/main" val="0"/>
+              </a:ext>
+            </a:extLst>
+          </a:blip>
+          <a:srcRect l="1990" t="2831" r="2279" b="22446"/>
+          <a:stretch/>
+        </p:blipFill>
+        <p:spPr bwMode="auto">
+          <a:xfrm>
+            <a:off x="220062" y="-2259632"/>
+            <a:ext cx="8712968" cy="8191680"/>
+          </a:xfrm>
+          <a:prstGeom prst="rect">
+            <a:avLst/>
+          </a:prstGeom>
+          <a:noFill/>
+          <a:ln>
+            <a:noFill/>
+          </a:ln>
+          <a:extLst>
+            <a:ext uri="{53640926-AAD7-44D8-BBD7-CCE9431645EC}">
+              <a14:shadowObscured xmlns:a14="http://schemas.microsoft.com/office/drawing/2010/main"/>
+            </a:ext>
+          </a:extLst>
+        </p:spPr>
+      </p:pic>
+    </p:spTree>
+    <p:extLst>
+      <p:ext uri="{BB962C8B-B14F-4D97-AF65-F5344CB8AC3E}">
+        <p14:creationId xmlns:p14="http://schemas.microsoft.com/office/powerpoint/2010/main" val="2026873503"/>
+      </p:ext>
+    </p:extLst>
+  </p:cSld>
+  <p:clrMapOvr>
+    <a:masterClrMapping/>
+  </p:clrMapOvr>
+  <p:transition/>
+  <p:timing>
+    <p:tnLst>
+      <p:par>
+        <p:cTn id="1" dur="indefinite" restart="never" nodeType="tmRoot"/>
+      </p:par>
+    </p:tnLst>
+  </p:timing>
+</p:sld>
+</file>
+
+<file path=ppt/slides/slide8.xml><?xml version="1.0" encoding="utf-8"?>
 <p:sld xmlns:a="http://schemas.openxmlformats.org/drawingml/2006/main" xmlns:r="http://schemas.openxmlformats.org/officeDocument/2006/relationships" xmlns:p="http://schemas.openxmlformats.org/presentationml/2006/main">
   <p:cSld>
     <p:spTree>
@@ -8989,7 +10033,7 @@
 </p:sld>
 </file>
 
-<file path=ppt/slides/slide8.xml><?xml version="1.0" encoding="utf-8"?>
+<file path=ppt/slides/slide9.xml><?xml version="1.0" encoding="utf-8"?>
 <p:sld xmlns:a="http://schemas.openxmlformats.org/drawingml/2006/main" xmlns:r="http://schemas.openxmlformats.org/officeDocument/2006/relationships" xmlns:p="http://schemas.openxmlformats.org/presentationml/2006/main">
   <p:cSld>
     <p:spTree>
@@ -9191,171 +10235,6 @@
     <p:extLst>
       <p:ext uri="{BB962C8B-B14F-4D97-AF65-F5344CB8AC3E}">
         <p14:creationId xmlns:p14="http://schemas.microsoft.com/office/powerpoint/2010/main" val="894457348"/>
-      </p:ext>
-    </p:extLst>
-  </p:cSld>
-  <p:clrMapOvr>
-    <a:masterClrMapping/>
-  </p:clrMapOvr>
-  <p:transition/>
-  <p:timing>
-    <p:tnLst>
-      <p:par>
-        <p:cTn id="1" dur="indefinite" restart="never" nodeType="tmRoot"/>
-      </p:par>
-    </p:tnLst>
-  </p:timing>
-</p:sld>
-</file>
-
-<file path=ppt/slides/slide9.xml><?xml version="1.0" encoding="utf-8"?>
-<p:sld xmlns:a="http://schemas.openxmlformats.org/drawingml/2006/main" xmlns:r="http://schemas.openxmlformats.org/officeDocument/2006/relationships" xmlns:p="http://schemas.openxmlformats.org/presentationml/2006/main">
-  <p:cSld>
-    <p:spTree>
-      <p:nvGrpSpPr>
-        <p:cNvPr id="1" name=""/>
-        <p:cNvGrpSpPr/>
-        <p:nvPr/>
-      </p:nvGrpSpPr>
-      <p:grpSpPr>
-        <a:xfrm>
-          <a:off x="0" y="0"/>
-          <a:ext cx="0" cy="0"/>
-          <a:chOff x="0" y="0"/>
-          <a:chExt cx="0" cy="0"/>
-        </a:xfrm>
-      </p:grpSpPr>
-      <p:sp>
-        <p:nvSpPr>
-          <p:cNvPr id="2" name="Inhaltsplatzhalter 1"/>
-          <p:cNvSpPr>
-            <a:spLocks noGrp="1"/>
-          </p:cNvSpPr>
-          <p:nvPr>
-            <p:ph idx="1"/>
-          </p:nvPr>
-        </p:nvSpPr>
-        <p:spPr>
-          <a:xfrm>
-            <a:off x="457200" y="1481329"/>
-            <a:ext cx="7355160" cy="2379719"/>
-          </a:xfrm>
-        </p:spPr>
-        <p:txBody>
-          <a:bodyPr/>
-          <a:lstStyle/>
-          <a:p>
-            <a:r>
-              <a:rPr lang="de-CH" dirty="0" smtClean="0"/>
-              <a:t>Protokoll HTTP 1.1</a:t>
-            </a:r>
-          </a:p>
-          <a:p>
-            <a:r>
-              <a:rPr lang="de-CH" dirty="0" smtClean="0"/>
-              <a:t>Client: </a:t>
-            </a:r>
-            <a:r>
-              <a:rPr lang="de-CH" dirty="0" err="1" smtClean="0"/>
-              <a:t>Android</a:t>
-            </a:r>
-            <a:r>
-              <a:rPr lang="de-CH" dirty="0" smtClean="0"/>
-              <a:t> Version 2.1</a:t>
-            </a:r>
-          </a:p>
-          <a:p>
-            <a:pPr lvl="1"/>
-            <a:r>
-              <a:rPr lang="de-CH" dirty="0" smtClean="0"/>
-              <a:t>Anwendung: </a:t>
-            </a:r>
-            <a:r>
-              <a:rPr lang="de-CH" dirty="0" err="1" smtClean="0"/>
-              <a:t>mrt.apk</a:t>
-            </a:r>
-            <a:endParaRPr lang="de-CH" dirty="0" smtClean="0"/>
-          </a:p>
-          <a:p>
-            <a:r>
-              <a:rPr lang="de-CH" dirty="0" smtClean="0"/>
-              <a:t>Server: Linux mit Apache</a:t>
-            </a:r>
-          </a:p>
-          <a:p>
-            <a:pPr lvl="1"/>
-            <a:r>
-              <a:rPr lang="de-CH" dirty="0" smtClean="0"/>
-              <a:t>Anwendung: </a:t>
-            </a:r>
-            <a:r>
-              <a:rPr lang="de-CH" dirty="0" err="1" smtClean="0"/>
-              <a:t>rails_app</a:t>
-            </a:r>
-            <a:endParaRPr lang="de-CH" dirty="0" smtClean="0"/>
-          </a:p>
-        </p:txBody>
-      </p:sp>
-      <p:sp>
-        <p:nvSpPr>
-          <p:cNvPr id="3" name="Titel 2"/>
-          <p:cNvSpPr>
-            <a:spLocks noGrp="1"/>
-          </p:cNvSpPr>
-          <p:nvPr>
-            <p:ph type="title"/>
-          </p:nvPr>
-        </p:nvSpPr>
-        <p:spPr/>
-        <p:txBody>
-          <a:bodyPr/>
-          <a:lstStyle/>
-          <a:p>
-            <a:r>
-              <a:rPr lang="de-CH" dirty="0" smtClean="0"/>
-              <a:t>Tiers</a:t>
-            </a:r>
-            <a:endParaRPr lang="de-CH" dirty="0"/>
-          </a:p>
-        </p:txBody>
-      </p:sp>
-      <p:pic>
-        <p:nvPicPr>
-          <p:cNvPr id="4" name="Grafik 3"/>
-          <p:cNvPicPr/>
-          <p:nvPr/>
-        </p:nvPicPr>
-        <p:blipFill>
-          <a:blip r:embed="rId2">
-            <a:extLst>
-              <a:ext uri="{28A0092B-C50C-407E-A947-70E740481C1C}">
-                <a14:useLocalDpi xmlns:a14="http://schemas.microsoft.com/office/drawing/2010/main" val="0"/>
-              </a:ext>
-            </a:extLst>
-          </a:blip>
-          <a:srcRect/>
-          <a:stretch>
-            <a:fillRect/>
-          </a:stretch>
-        </p:blipFill>
-        <p:spPr bwMode="auto">
-          <a:xfrm>
-            <a:off x="2123728" y="4149080"/>
-            <a:ext cx="4848225" cy="1776730"/>
-          </a:xfrm>
-          <a:prstGeom prst="rect">
-            <a:avLst/>
-          </a:prstGeom>
-          <a:noFill/>
-          <a:ln>
-            <a:noFill/>
-          </a:ln>
-        </p:spPr>
-      </p:pic>
-    </p:spTree>
-    <p:extLst>
-      <p:ext uri="{BB962C8B-B14F-4D97-AF65-F5344CB8AC3E}">
-        <p14:creationId xmlns:p14="http://schemas.microsoft.com/office/powerpoint/2010/main" val="3379927354"/>
       </p:ext>
     </p:extLst>
   </p:cSld>

--- a/doc/05_Design/praesentation.pptx
+++ b/doc/05_Design/praesentation.pptx
@@ -8497,32 +8497,32 @@
           <a:p>
             <a:r>
               <a:rPr lang="de-CH" dirty="0" smtClean="0"/>
-              <a:t>Keine neuen Risiken (Risikomanagement)</a:t>
-            </a:r>
-          </a:p>
-          <a:p>
+              <a:t>Bisherige </a:t>
+            </a:r>
             <a:r>
               <a:rPr lang="de-CH" dirty="0" smtClean="0"/>
-              <a:t>3 Risiken bisher bereinigt</a:t>
-            </a:r>
-          </a:p>
-          <a:p>
+              <a:t>totale Arbeitszeit: 433 </a:t>
+            </a:r>
             <a:r>
               <a:rPr lang="de-CH" dirty="0" smtClean="0"/>
-              <a:t>Bisherige totale Arbeitszeit: 433 Stunden</a:t>
-            </a:r>
-          </a:p>
-          <a:p>
+              <a:t>Stunden</a:t>
+            </a:r>
+          </a:p>
+          <a:p>
+            <a:r>
+              <a:rPr lang="de-CH" dirty="0"/>
+              <a:t>Release V0.1 </a:t>
+            </a:r>
             <a:r>
               <a:rPr lang="de-CH" dirty="0" smtClean="0"/>
-              <a:t>MS3 Elaboration heute abgeschlossen</a:t>
+              <a:t>erstellt</a:t>
             </a:r>
             <a:endParaRPr lang="de-CH" dirty="0" smtClean="0"/>
           </a:p>
           <a:p>
             <a:r>
               <a:rPr lang="de-CH" dirty="0" smtClean="0"/>
-              <a:t>Release V0.1 erstellt</a:t>
+              <a:t>MS3 Elaboration wird heute abgeschlossen</a:t>
             </a:r>
             <a:endParaRPr lang="de-CH" dirty="0" smtClean="0"/>
           </a:p>
@@ -8533,7 +8533,11 @@
             </a:r>
             <a:r>
               <a:rPr lang="de-CH" dirty="0" smtClean="0"/>
-              <a:t> Phase </a:t>
+              <a:t> </a:t>
+            </a:r>
+            <a:r>
+              <a:rPr lang="de-CH" dirty="0" smtClean="0"/>
+              <a:t>Phase </a:t>
             </a:r>
             <a:r>
               <a:rPr lang="de-CH" dirty="0" smtClean="0"/>
@@ -8543,7 +8547,7 @@
           <a:p>
             <a:r>
               <a:rPr lang="de-CH" dirty="0" smtClean="0"/>
-              <a:t>Code Review</a:t>
+              <a:t>Code Review gemacht</a:t>
             </a:r>
             <a:endParaRPr lang="de-CH" dirty="0" smtClean="0"/>
           </a:p>
@@ -8604,8 +8608,8 @@
         </p:blipFill>
         <p:spPr bwMode="auto">
           <a:xfrm>
-            <a:off x="7164288" y="4149080"/>
-            <a:ext cx="1520454" cy="2025986"/>
+            <a:off x="5724128" y="24723"/>
+            <a:ext cx="1088406" cy="1450287"/>
           </a:xfrm>
           <a:prstGeom prst="roundRect">
             <a:avLst>
@@ -8624,6 +8628,70 @@
             <a:reflection blurRad="12700" stA="38000" endPos="28000" dist="5000" dir="5400000" sy="-100000" algn="bl" rotWithShape="0"/>
           </a:effectLst>
           <a:extLst/>
+        </p:spPr>
+      </p:pic>
+      <p:pic>
+        <p:nvPicPr>
+          <p:cNvPr id="3074" name="Picture 2"/>
+          <p:cNvPicPr>
+            <a:picLocks noChangeAspect="1" noChangeArrowheads="1"/>
+          </p:cNvPicPr>
+          <p:nvPr/>
+        </p:nvPicPr>
+        <p:blipFill>
+          <a:blip r:embed="rId4">
+            <a:extLst>
+              <a:ext uri="{28A0092B-C50C-407E-A947-70E740481C1C}">
+                <a14:useLocalDpi xmlns:a14="http://schemas.microsoft.com/office/drawing/2010/main" val="0"/>
+              </a:ext>
+            </a:extLst>
+          </a:blip>
+          <a:srcRect/>
+          <a:stretch>
+            <a:fillRect/>
+          </a:stretch>
+        </p:blipFill>
+        <p:spPr bwMode="auto">
+          <a:xfrm>
+            <a:off x="130119" y="4437112"/>
+            <a:ext cx="8899982" cy="1560618"/>
+          </a:xfrm>
+          <a:prstGeom prst="rect">
+            <a:avLst/>
+          </a:prstGeom>
+          <a:noFill/>
+          <a:ln>
+            <a:noFill/>
+          </a:ln>
+          <a:effectLst/>
+          <a:extLst>
+            <a:ext uri="{909E8E84-426E-40DD-AFC4-6F175D3DCCD1}">
+              <a14:hiddenFill xmlns:a14="http://schemas.microsoft.com/office/drawing/2010/main">
+                <a:solidFill>
+                  <a:schemeClr val="accent1"/>
+                </a:solidFill>
+              </a14:hiddenFill>
+            </a:ext>
+            <a:ext uri="{91240B29-F687-4F45-9708-019B960494DF}">
+              <a14:hiddenLine xmlns:a14="http://schemas.microsoft.com/office/drawing/2010/main" w="9525">
+                <a:solidFill>
+                  <a:schemeClr val="tx1"/>
+                </a:solidFill>
+                <a:miter lim="800000"/>
+                <a:headEnd/>
+                <a:tailEnd/>
+              </a14:hiddenLine>
+            </a:ext>
+            <a:ext uri="{AF507438-7753-43E0-B8FC-AC1667EBCBE1}">
+              <a14:hiddenEffects xmlns:a14="http://schemas.microsoft.com/office/drawing/2010/main">
+                <a:effectLst>
+                  <a:outerShdw dist="35921" dir="2700000" algn="ctr" rotWithShape="0">
+                    <a:schemeClr val="bg2"/>
+                  </a:outerShdw>
+                </a:effectLst>
+              </a14:hiddenEffects>
+            </a:ext>
+          </a:extLst>
         </p:spPr>
       </p:pic>
     </p:spTree>

--- a/doc/05_Design/praesentation.pptx
+++ b/doc/05_Design/praesentation.pptx
@@ -8632,7 +8632,7 @@
       </p:pic>
       <p:pic>
         <p:nvPicPr>
-          <p:cNvPr id="3074" name="Picture 2"/>
+          <p:cNvPr id="3075" name="Picture 3"/>
           <p:cNvPicPr>
             <a:picLocks noChangeAspect="1" noChangeArrowheads="1"/>
           </p:cNvPicPr>
@@ -8653,8 +8653,8 @@
         </p:blipFill>
         <p:spPr bwMode="auto">
           <a:xfrm>
-            <a:off x="130119" y="4437112"/>
-            <a:ext cx="8899982" cy="1560618"/>
+            <a:off x="251520" y="4149080"/>
+            <a:ext cx="8713862" cy="1501788"/>
           </a:xfrm>
           <a:prstGeom prst="rect">
             <a:avLst/>

--- a/doc/05_Design/praesentation.pptx
+++ b/doc/05_Design/praesentation.pptx
@@ -5,7 +5,7 @@
     <p:sldMasterId id="2147483660" r:id="rId1"/>
   </p:sldMasterIdLst>
   <p:notesMasterIdLst>
-    <p:notesMasterId r:id="rId28"/>
+    <p:notesMasterId r:id="rId37"/>
   </p:notesMasterIdLst>
   <p:sldIdLst>
     <p:sldId id="256" r:id="rId2"/>
@@ -25,15 +25,24 @@
     <p:sldId id="275" r:id="rId16"/>
     <p:sldId id="266" r:id="rId17"/>
     <p:sldId id="268" r:id="rId18"/>
-    <p:sldId id="274" r:id="rId19"/>
-    <p:sldId id="270" r:id="rId20"/>
+    <p:sldId id="289" r:id="rId19"/>
+    <p:sldId id="274" r:id="rId20"/>
     <p:sldId id="271" r:id="rId21"/>
-    <p:sldId id="272" r:id="rId22"/>
-    <p:sldId id="276" r:id="rId23"/>
-    <p:sldId id="277" r:id="rId24"/>
-    <p:sldId id="278" r:id="rId25"/>
-    <p:sldId id="279" r:id="rId26"/>
-    <p:sldId id="280" r:id="rId27"/>
+    <p:sldId id="290" r:id="rId22"/>
+    <p:sldId id="291" r:id="rId23"/>
+    <p:sldId id="293" r:id="rId24"/>
+    <p:sldId id="292" r:id="rId25"/>
+    <p:sldId id="288" r:id="rId26"/>
+    <p:sldId id="285" r:id="rId27"/>
+    <p:sldId id="286" r:id="rId28"/>
+    <p:sldId id="287" r:id="rId29"/>
+    <p:sldId id="276" r:id="rId30"/>
+    <p:sldId id="277" r:id="rId31"/>
+    <p:sldId id="278" r:id="rId32"/>
+    <p:sldId id="279" r:id="rId33"/>
+    <p:sldId id="283" r:id="rId34"/>
+    <p:sldId id="280" r:id="rId35"/>
+    <p:sldId id="272" r:id="rId36"/>
   </p:sldIdLst>
   <p:sldSz cx="9144000" cy="6858000" type="screen4x3"/>
   <p:notesSz cx="6858000" cy="9144000"/>
@@ -663,7 +672,7 @@
           <a:p>
             <a:fld id="{B897FE81-6B21-41EA-A3E2-976A199E5936}" type="slidenum">
               <a:rPr lang="de-CH" smtClean="0"/>
-              <a:t>20</a:t>
+              <a:t>21</a:t>
             </a:fld>
             <a:endParaRPr lang="de-CH"/>
           </a:p>
@@ -726,6 +735,31 @@
           <a:bodyPr/>
           <a:lstStyle/>
           <a:p>
+            <a:pPr marL="0" marR="0" indent="0" algn="l" defTabSz="914400" rtl="0" eaLnBrk="1" fontAlgn="auto" latinLnBrk="0" hangingPunct="1">
+              <a:lnSpc>
+                <a:spcPct val="100000"/>
+              </a:lnSpc>
+              <a:spcBef>
+                <a:spcPts val="0"/>
+              </a:spcBef>
+              <a:spcAft>
+                <a:spcPts val="0"/>
+              </a:spcAft>
+              <a:buClrTx/>
+              <a:buSzTx/>
+              <a:buFontTx/>
+              <a:buNone/>
+              <a:tabLst/>
+              <a:defRPr/>
+            </a:pPr>
+            <a:r>
+              <a:rPr lang="de-CH" dirty="0" err="1" smtClean="0"/>
+              <a:t>Digi</a:t>
+            </a:r>
+            <a:r>
+              <a:rPr lang="de-CH" dirty="0" smtClean="0"/>
+              <a:t>?</a:t>
+            </a:r>
             <a:endParaRPr lang="de-CH" dirty="0"/>
           </a:p>
         </p:txBody>
@@ -756,7 +790,7 @@
     </p:spTree>
     <p:extLst>
       <p:ext uri="{BB962C8B-B14F-4D97-AF65-F5344CB8AC3E}">
-        <p14:creationId xmlns:p14="http://schemas.microsoft.com/office/powerpoint/2010/main" val="773231806"/>
+        <p14:creationId xmlns:p14="http://schemas.microsoft.com/office/powerpoint/2010/main" val="4168059491"/>
       </p:ext>
     </p:extLst>
   </p:cSld>
@@ -810,6 +844,90 @@
           <a:bodyPr/>
           <a:lstStyle/>
           <a:p>
+            <a:endParaRPr lang="de-CH" dirty="0"/>
+          </a:p>
+        </p:txBody>
+      </p:sp>
+      <p:sp>
+        <p:nvSpPr>
+          <p:cNvPr id="4" name="Foliennummernplatzhalter 3"/>
+          <p:cNvSpPr>
+            <a:spLocks noGrp="1"/>
+          </p:cNvSpPr>
+          <p:nvPr>
+            <p:ph type="sldNum" sz="quarter" idx="10"/>
+          </p:nvPr>
+        </p:nvSpPr>
+        <p:spPr/>
+        <p:txBody>
+          <a:bodyPr/>
+          <a:lstStyle/>
+          <a:p>
+            <a:fld id="{B897FE81-6B21-41EA-A3E2-976A199E5936}" type="slidenum">
+              <a:rPr lang="de-CH" smtClean="0"/>
+              <a:t>29</a:t>
+            </a:fld>
+            <a:endParaRPr lang="de-CH"/>
+          </a:p>
+        </p:txBody>
+      </p:sp>
+    </p:spTree>
+    <p:extLst>
+      <p:ext uri="{BB962C8B-B14F-4D97-AF65-F5344CB8AC3E}">
+        <p14:creationId xmlns:p14="http://schemas.microsoft.com/office/powerpoint/2010/main" val="773231806"/>
+      </p:ext>
+    </p:extLst>
+  </p:cSld>
+  <p:clrMapOvr>
+    <a:masterClrMapping/>
+  </p:clrMapOvr>
+</p:notes>
+</file>
+
+<file path=ppt/notesSlides/notesSlide13.xml><?xml version="1.0" encoding="utf-8"?>
+<p:notes xmlns:a="http://schemas.openxmlformats.org/drawingml/2006/main" xmlns:r="http://schemas.openxmlformats.org/officeDocument/2006/relationships" xmlns:p="http://schemas.openxmlformats.org/presentationml/2006/main">
+  <p:cSld>
+    <p:spTree>
+      <p:nvGrpSpPr>
+        <p:cNvPr id="1" name=""/>
+        <p:cNvGrpSpPr/>
+        <p:nvPr/>
+      </p:nvGrpSpPr>
+      <p:grpSpPr>
+        <a:xfrm>
+          <a:off x="0" y="0"/>
+          <a:ext cx="0" cy="0"/>
+          <a:chOff x="0" y="0"/>
+          <a:chExt cx="0" cy="0"/>
+        </a:xfrm>
+      </p:grpSpPr>
+      <p:sp>
+        <p:nvSpPr>
+          <p:cNvPr id="2" name="Folienbildplatzhalter 1"/>
+          <p:cNvSpPr>
+            <a:spLocks noGrp="1" noRot="1" noChangeAspect="1"/>
+          </p:cNvSpPr>
+          <p:nvPr>
+            <p:ph type="sldImg"/>
+          </p:nvPr>
+        </p:nvSpPr>
+        <p:spPr/>
+      </p:sp>
+      <p:sp>
+        <p:nvSpPr>
+          <p:cNvPr id="3" name="Notizenplatzhalter 2"/>
+          <p:cNvSpPr>
+            <a:spLocks noGrp="1"/>
+          </p:cNvSpPr>
+          <p:nvPr>
+            <p:ph type="body" idx="1"/>
+          </p:nvPr>
+        </p:nvSpPr>
+        <p:spPr/>
+        <p:txBody>
+          <a:bodyPr/>
+          <a:lstStyle/>
+          <a:p>
             <a:r>
               <a:rPr lang="de-CH" dirty="0" smtClean="0"/>
               <a:t>Remo</a:t>
@@ -835,7 +953,7 @@
           <a:p>
             <a:fld id="{B897FE81-6B21-41EA-A3E2-976A199E5936}" type="slidenum">
               <a:rPr lang="de-CH" smtClean="0"/>
-              <a:t>25</a:t>
+              <a:t>32</a:t>
             </a:fld>
             <a:endParaRPr lang="de-CH"/>
           </a:p>
@@ -1590,9 +1708,30 @@
           <a:bodyPr/>
           <a:lstStyle/>
           <a:p>
+            <a:pPr marL="0" marR="0" indent="0" algn="l" defTabSz="914400" rtl="0" eaLnBrk="1" fontAlgn="auto" latinLnBrk="0" hangingPunct="1">
+              <a:lnSpc>
+                <a:spcPct val="100000"/>
+              </a:lnSpc>
+              <a:spcBef>
+                <a:spcPts val="0"/>
+              </a:spcBef>
+              <a:spcAft>
+                <a:spcPts val="0"/>
+              </a:spcAft>
+              <a:buClrTx/>
+              <a:buSzTx/>
+              <a:buFontTx/>
+              <a:buNone/>
+              <a:tabLst/>
+              <a:defRPr/>
+            </a:pPr>
+            <a:r>
+              <a:rPr lang="de-CH" dirty="0" err="1" smtClean="0"/>
+              <a:t>Digi</a:t>
+            </a:r>
             <a:r>
               <a:rPr lang="de-CH" dirty="0" smtClean="0"/>
-              <a:t>Christina</a:t>
+              <a:t>?</a:t>
             </a:r>
             <a:endParaRPr lang="de-CH" dirty="0"/>
           </a:p>
@@ -1615,7 +1754,7 @@
           <a:p>
             <a:fld id="{B897FE81-6B21-41EA-A3E2-976A199E5936}" type="slidenum">
               <a:rPr lang="de-CH" smtClean="0"/>
-              <a:t>19</a:t>
+              <a:t>20</a:t>
             </a:fld>
             <a:endParaRPr lang="de-CH"/>
           </a:p>
@@ -1624,7 +1763,7 @@
     </p:spTree>
     <p:extLst>
       <p:ext uri="{BB962C8B-B14F-4D97-AF65-F5344CB8AC3E}">
-        <p14:creationId xmlns:p14="http://schemas.microsoft.com/office/powerpoint/2010/main" val="1461697811"/>
+        <p14:creationId xmlns:p14="http://schemas.microsoft.com/office/powerpoint/2010/main" val="4168059491"/>
       </p:ext>
     </p:extLst>
   </p:cSld>
@@ -6729,8 +6868,12 @@
           <a:lstStyle/>
           <a:p>
             <a:r>
+              <a:rPr lang="de-CH" dirty="0" err="1" smtClean="0"/>
+              <a:t>Layers</a:t>
+            </a:r>
+            <a:r>
               <a:rPr lang="de-CH" dirty="0" smtClean="0"/>
-              <a:t>Packages</a:t>
+              <a:t> / Packages</a:t>
             </a:r>
             <a:endParaRPr lang="de-CH" dirty="0"/>
           </a:p>
@@ -7299,7 +7442,7 @@
       </p:sp>
       <p:pic>
         <p:nvPicPr>
-          <p:cNvPr id="2050" name="Picture 2"/>
+          <p:cNvPr id="1026" name="Picture 2"/>
           <p:cNvPicPr>
             <a:picLocks noChangeAspect="1" noChangeArrowheads="1"/>
           </p:cNvPicPr>
@@ -7313,13 +7456,13 @@
               </a:ext>
             </a:extLst>
           </a:blip>
-          <a:srcRect l="1404" t="8010" r="1227" b="2981"/>
+          <a:srcRect l="2072" t="5129" r="14261" b="41941"/>
           <a:stretch/>
         </p:blipFill>
         <p:spPr bwMode="auto">
           <a:xfrm>
-            <a:off x="405061" y="1844824"/>
-            <a:ext cx="8171998" cy="3666356"/>
+            <a:off x="182576" y="1412776"/>
+            <a:ext cx="8811283" cy="3888432"/>
           </a:xfrm>
           <a:prstGeom prst="rect">
             <a:avLst/>
@@ -7426,29 +7569,74 @@
           </a:p>
         </p:txBody>
       </p:sp>
+    </p:spTree>
+    <p:extLst>
+      <p:ext uri="{BB962C8B-B14F-4D97-AF65-F5344CB8AC3E}">
+        <p14:creationId xmlns:p14="http://schemas.microsoft.com/office/powerpoint/2010/main" val="3846578893"/>
+      </p:ext>
+    </p:extLst>
+  </p:cSld>
+  <p:clrMapOvr>
+    <a:masterClrMapping/>
+  </p:clrMapOvr>
+  <mc:AlternateContent xmlns:mc="http://schemas.openxmlformats.org/markup-compatibility/2006" xmlns:p14="http://schemas.microsoft.com/office/powerpoint/2010/main">
+    <mc:Choice Requires="p14">
+      <p:transition p14:dur="0"/>
+    </mc:Choice>
+    <mc:Fallback xmlns="">
+      <p:transition/>
+    </mc:Fallback>
+  </mc:AlternateContent>
+  <p:timing>
+    <p:tnLst>
+      <p:par>
+        <p:cTn id="1" dur="indefinite" restart="never" nodeType="tmRoot"/>
+      </p:par>
+    </p:tnLst>
+  </p:timing>
+</p:sld>
+</file>
+
+<file path=ppt/slides/slide18.xml><?xml version="1.0" encoding="utf-8"?>
+<p:sld xmlns:a="http://schemas.openxmlformats.org/drawingml/2006/main" xmlns:r="http://schemas.openxmlformats.org/officeDocument/2006/relationships" xmlns:p="http://schemas.openxmlformats.org/presentationml/2006/main">
+  <p:cSld>
+    <p:spTree>
+      <p:nvGrpSpPr>
+        <p:cNvPr id="1" name=""/>
+        <p:cNvGrpSpPr/>
+        <p:nvPr/>
+      </p:nvGrpSpPr>
+      <p:grpSpPr>
+        <a:xfrm>
+          <a:off x="0" y="0"/>
+          <a:ext cx="0" cy="0"/>
+          <a:chOff x="0" y="0"/>
+          <a:chExt cx="0" cy="0"/>
+        </a:xfrm>
+      </p:grpSpPr>
       <p:pic>
         <p:nvPicPr>
-          <p:cNvPr id="3075" name="Picture 3"/>
+          <p:cNvPr id="4" name="Picture 2"/>
           <p:cNvPicPr>
             <a:picLocks noChangeAspect="1" noChangeArrowheads="1"/>
           </p:cNvPicPr>
           <p:nvPr/>
         </p:nvPicPr>
         <p:blipFill rotWithShape="1">
-          <a:blip r:embed="rId3">
+          <a:blip r:embed="rId2">
             <a:extLst>
               <a:ext uri="{28A0092B-C50C-407E-A947-70E740481C1C}">
                 <a14:useLocalDpi xmlns:a14="http://schemas.microsoft.com/office/drawing/2010/main" val="0"/>
               </a:ext>
             </a:extLst>
           </a:blip>
-          <a:srcRect l="2012" t="3941" r="1147" b="1307"/>
+          <a:srcRect l="1685" t="2867" r="18535" b="18745"/>
           <a:stretch/>
         </p:blipFill>
         <p:spPr bwMode="auto">
           <a:xfrm>
-            <a:off x="1115616" y="260649"/>
-            <a:ext cx="7410616" cy="6768751"/>
+            <a:off x="1475656" y="37330"/>
+            <a:ext cx="6729526" cy="6908602"/>
           </a:xfrm>
           <a:prstGeom prst="rect">
             <a:avLst/>
@@ -7491,252 +7679,7 @@
     </p:spTree>
     <p:extLst>
       <p:ext uri="{BB962C8B-B14F-4D97-AF65-F5344CB8AC3E}">
-        <p14:creationId xmlns:p14="http://schemas.microsoft.com/office/powerpoint/2010/main" val="3846578893"/>
-      </p:ext>
-    </p:extLst>
-  </p:cSld>
-  <p:clrMapOvr>
-    <a:masterClrMapping/>
-  </p:clrMapOvr>
-  <mc:AlternateContent xmlns:mc="http://schemas.openxmlformats.org/markup-compatibility/2006">
-    <mc:Choice xmlns:p14="http://schemas.microsoft.com/office/powerpoint/2010/main" Requires="p14">
-      <p:transition p14:dur="0"/>
-    </mc:Choice>
-    <mc:Fallback>
-      <p:transition/>
-    </mc:Fallback>
-  </mc:AlternateContent>
-  <p:timing>
-    <p:tnLst>
-      <p:par>
-        <p:cTn id="1" dur="indefinite" restart="never" nodeType="tmRoot">
-          <p:childTnLst>
-            <p:seq concurrent="1" nextAc="seek">
-              <p:cTn id="2" dur="indefinite" nodeType="mainSeq">
-                <p:childTnLst>
-                  <p:par>
-                    <p:cTn id="3" fill="hold">
-                      <p:stCondLst>
-                        <p:cond delay="indefinite"/>
-                      </p:stCondLst>
-                      <p:childTnLst>
-                        <p:par>
-                          <p:cTn id="4" fill="hold">
-                            <p:stCondLst>
-                              <p:cond delay="0"/>
-                            </p:stCondLst>
-                            <p:childTnLst>
-                              <p:par>
-                                <p:cTn id="5" presetID="10" presetClass="entr" presetSubtype="0" fill="hold" nodeType="clickEffect">
-                                  <p:stCondLst>
-                                    <p:cond delay="0"/>
-                                  </p:stCondLst>
-                                  <p:childTnLst>
-                                    <p:set>
-                                      <p:cBhvr>
-                                        <p:cTn id="6" dur="1" fill="hold">
-                                          <p:stCondLst>
-                                            <p:cond delay="0"/>
-                                          </p:stCondLst>
-                                        </p:cTn>
-                                        <p:tgtEl>
-                                          <p:spTgt spid="3075"/>
-                                        </p:tgtEl>
-                                        <p:attrNameLst>
-                                          <p:attrName>style.visibility</p:attrName>
-                                        </p:attrNameLst>
-                                      </p:cBhvr>
-                                      <p:to>
-                                        <p:strVal val="visible"/>
-                                      </p:to>
-                                    </p:set>
-                                    <p:animEffect transition="in" filter="fade">
-                                      <p:cBhvr>
-                                        <p:cTn id="7" dur="500"/>
-                                        <p:tgtEl>
-                                          <p:spTgt spid="3075"/>
-                                        </p:tgtEl>
-                                      </p:cBhvr>
-                                    </p:animEffect>
-                                  </p:childTnLst>
-                                </p:cTn>
-                              </p:par>
-                            </p:childTnLst>
-                          </p:cTn>
-                        </p:par>
-                      </p:childTnLst>
-                    </p:cTn>
-                  </p:par>
-                </p:childTnLst>
-              </p:cTn>
-              <p:prevCondLst>
-                <p:cond evt="onPrev" delay="0">
-                  <p:tgtEl>
-                    <p:sldTgt/>
-                  </p:tgtEl>
-                </p:cond>
-              </p:prevCondLst>
-              <p:nextCondLst>
-                <p:cond evt="onNext" delay="0">
-                  <p:tgtEl>
-                    <p:sldTgt/>
-                  </p:tgtEl>
-                </p:cond>
-              </p:nextCondLst>
-            </p:seq>
-          </p:childTnLst>
-        </p:cTn>
-      </p:par>
-    </p:tnLst>
-  </p:timing>
-</p:sld>
-</file>
-
-<file path=ppt/slides/slide18.xml><?xml version="1.0" encoding="utf-8"?>
-<p:sld xmlns:a="http://schemas.openxmlformats.org/drawingml/2006/main" xmlns:r="http://schemas.openxmlformats.org/officeDocument/2006/relationships" xmlns:p="http://schemas.openxmlformats.org/presentationml/2006/main">
-  <p:cSld>
-    <p:spTree>
-      <p:nvGrpSpPr>
-        <p:cNvPr id="1" name=""/>
-        <p:cNvGrpSpPr/>
-        <p:nvPr/>
-      </p:nvGrpSpPr>
-      <p:grpSpPr>
-        <a:xfrm>
-          <a:off x="0" y="0"/>
-          <a:ext cx="0" cy="0"/>
-          <a:chOff x="0" y="0"/>
-          <a:chExt cx="0" cy="0"/>
-        </a:xfrm>
-      </p:grpSpPr>
-      <p:sp>
-        <p:nvSpPr>
-          <p:cNvPr id="2" name="Inhaltsplatzhalter 1"/>
-          <p:cNvSpPr>
-            <a:spLocks noGrp="1"/>
-          </p:cNvSpPr>
-          <p:nvPr>
-            <p:ph idx="1"/>
-          </p:nvPr>
-        </p:nvSpPr>
-        <p:spPr/>
-        <p:txBody>
-          <a:bodyPr/>
-          <a:lstStyle/>
-          <a:p>
-            <a:r>
-              <a:rPr lang="de-CH" dirty="0" smtClean="0"/>
-              <a:t>Wichtig, weil…</a:t>
-            </a:r>
-          </a:p>
-          <a:p>
-            <a:pPr lvl="1"/>
-            <a:r>
-              <a:rPr lang="de-CH" dirty="0" smtClean="0"/>
-              <a:t>Qualitätssicherung</a:t>
-            </a:r>
-          </a:p>
-          <a:p>
-            <a:pPr lvl="1"/>
-            <a:r>
-              <a:rPr lang="de-CH" dirty="0" err="1" smtClean="0"/>
-              <a:t>Don’t</a:t>
-            </a:r>
-            <a:r>
-              <a:rPr lang="de-CH" dirty="0" smtClean="0"/>
-              <a:t> break </a:t>
-            </a:r>
-            <a:r>
-              <a:rPr lang="de-CH" dirty="0" err="1" smtClean="0"/>
-              <a:t>the</a:t>
-            </a:r>
-            <a:r>
-              <a:rPr lang="de-CH" dirty="0" smtClean="0"/>
-              <a:t> </a:t>
-            </a:r>
-            <a:r>
-              <a:rPr lang="de-CH" dirty="0" err="1" smtClean="0"/>
-              <a:t>trunk</a:t>
-            </a:r>
-            <a:endParaRPr lang="de-CH" dirty="0" smtClean="0"/>
-          </a:p>
-          <a:p>
-            <a:pPr lvl="1"/>
-            <a:r>
-              <a:rPr lang="de-CH" dirty="0" smtClean="0"/>
-              <a:t>Zustand kann jederzeit getestet werden</a:t>
-            </a:r>
-          </a:p>
-          <a:p>
-            <a:r>
-              <a:rPr lang="de-CH" dirty="0" smtClean="0"/>
-              <a:t>Unit Tests</a:t>
-            </a:r>
-          </a:p>
-          <a:p>
-            <a:pPr lvl="1"/>
-            <a:r>
-              <a:rPr lang="de-CH" dirty="0" smtClean="0"/>
-              <a:t>Einzelne Komponenten testen</a:t>
-            </a:r>
-          </a:p>
-          <a:p>
-            <a:pPr lvl="1"/>
-            <a:r>
-              <a:rPr lang="de-CH" dirty="0" smtClean="0"/>
-              <a:t>Mock Objects</a:t>
-            </a:r>
-          </a:p>
-          <a:p>
-            <a:r>
-              <a:rPr lang="de-CH" dirty="0" smtClean="0"/>
-              <a:t>System Tests</a:t>
-            </a:r>
-          </a:p>
-          <a:p>
-            <a:pPr lvl="1"/>
-            <a:r>
-              <a:rPr lang="de-CH" dirty="0" smtClean="0"/>
-              <a:t>Ziele erreicht?</a:t>
-            </a:r>
-          </a:p>
-          <a:p>
-            <a:pPr lvl="1"/>
-            <a:r>
-              <a:rPr lang="de-CH" dirty="0" smtClean="0"/>
-              <a:t>Interaktion mit Menschen</a:t>
-            </a:r>
-            <a:endParaRPr lang="de-CH" dirty="0"/>
-          </a:p>
-        </p:txBody>
-      </p:sp>
-      <p:sp>
-        <p:nvSpPr>
-          <p:cNvPr id="3" name="Titel 2"/>
-          <p:cNvSpPr>
-            <a:spLocks noGrp="1"/>
-          </p:cNvSpPr>
-          <p:nvPr>
-            <p:ph type="title"/>
-          </p:nvPr>
-        </p:nvSpPr>
-        <p:spPr/>
-        <p:txBody>
-          <a:bodyPr/>
-          <a:lstStyle/>
-          <a:p>
-            <a:r>
-              <a:rPr lang="de-CH" dirty="0" smtClean="0"/>
-              <a:t>Tests</a:t>
-            </a:r>
-            <a:endParaRPr lang="de-CH" dirty="0"/>
-          </a:p>
-        </p:txBody>
-      </p:sp>
-    </p:spTree>
-    <p:extLst>
-      <p:ext uri="{BB962C8B-B14F-4D97-AF65-F5344CB8AC3E}">
-        <p14:creationId xmlns:p14="http://schemas.microsoft.com/office/powerpoint/2010/main" val="3182682271"/>
+        <p14:creationId xmlns:p14="http://schemas.microsoft.com/office/powerpoint/2010/main" val="2150393830"/>
       </p:ext>
     </p:extLst>
   </p:cSld>
@@ -7786,7 +7729,99 @@
           <a:bodyPr/>
           <a:lstStyle/>
           <a:p>
-            <a:endParaRPr lang="de-CH"/>
+            <a:r>
+              <a:rPr lang="de-CH" dirty="0" smtClean="0"/>
+              <a:t>Wichtig, weil…</a:t>
+            </a:r>
+          </a:p>
+          <a:p>
+            <a:pPr lvl="1"/>
+            <a:r>
+              <a:rPr lang="de-CH" dirty="0" smtClean="0"/>
+              <a:t>Qualitätssicherung</a:t>
+            </a:r>
+          </a:p>
+          <a:p>
+            <a:pPr lvl="1"/>
+            <a:r>
+              <a:rPr lang="de-CH" dirty="0" err="1" smtClean="0"/>
+              <a:t>Don’t</a:t>
+            </a:r>
+            <a:r>
+              <a:rPr lang="de-CH" dirty="0" smtClean="0"/>
+              <a:t> break </a:t>
+            </a:r>
+            <a:r>
+              <a:rPr lang="de-CH" dirty="0" err="1" smtClean="0"/>
+              <a:t>the</a:t>
+            </a:r>
+            <a:r>
+              <a:rPr lang="de-CH" dirty="0" smtClean="0"/>
+              <a:t> </a:t>
+            </a:r>
+            <a:r>
+              <a:rPr lang="de-CH" dirty="0" err="1" smtClean="0"/>
+              <a:t>trunk</a:t>
+            </a:r>
+            <a:r>
+              <a:rPr lang="de-CH" dirty="0" smtClean="0"/>
+              <a:t> </a:t>
+            </a:r>
+            <a:r>
+              <a:rPr lang="de-CH" dirty="0" smtClean="0">
+                <a:sym typeface="Wingdings" pitchFamily="2" charset="2"/>
+              </a:rPr>
+              <a:t> Garantie</a:t>
+            </a:r>
+            <a:endParaRPr lang="de-CH" dirty="0" smtClean="0"/>
+          </a:p>
+          <a:p>
+            <a:pPr lvl="1"/>
+            <a:r>
+              <a:rPr lang="de-CH" dirty="0" smtClean="0"/>
+              <a:t>Zustand kann jederzeit getestet werden</a:t>
+            </a:r>
+          </a:p>
+          <a:p>
+            <a:r>
+              <a:rPr lang="de-CH" dirty="0" smtClean="0"/>
+              <a:t>Unit Tests</a:t>
+            </a:r>
+          </a:p>
+          <a:p>
+            <a:pPr lvl="1"/>
+            <a:r>
+              <a:rPr lang="de-CH" dirty="0" smtClean="0"/>
+              <a:t>Einzelne Komponenten testen</a:t>
+            </a:r>
+          </a:p>
+          <a:p>
+            <a:pPr lvl="1"/>
+            <a:r>
+              <a:rPr lang="de-CH" dirty="0" smtClean="0"/>
+              <a:t>Mock Objects</a:t>
+            </a:r>
+          </a:p>
+          <a:p>
+            <a:r>
+              <a:rPr lang="de-CH" dirty="0" smtClean="0"/>
+              <a:t>System Tests</a:t>
+            </a:r>
+          </a:p>
+          <a:p>
+            <a:pPr lvl="1"/>
+            <a:r>
+              <a:rPr lang="de-CH" dirty="0" smtClean="0"/>
+              <a:t>Ziele erreicht?</a:t>
+            </a:r>
+          </a:p>
+          <a:p>
+            <a:pPr lvl="1"/>
+            <a:r>
+              <a:rPr lang="de-CH" dirty="0" smtClean="0"/>
+              <a:t>Interaktion mit Menschen</a:t>
+            </a:r>
+            <a:endParaRPr lang="de-CH" dirty="0"/>
           </a:p>
         </p:txBody>
       </p:sp>
@@ -7807,7 +7842,7 @@
           <a:p>
             <a:r>
               <a:rPr lang="de-CH" dirty="0" smtClean="0"/>
-              <a:t>Systemtest</a:t>
+              <a:t>Tests</a:t>
             </a:r>
             <a:endParaRPr lang="de-CH" dirty="0"/>
           </a:p>
@@ -7816,7 +7851,7 @@
     </p:spTree>
     <p:extLst>
       <p:ext uri="{BB962C8B-B14F-4D97-AF65-F5344CB8AC3E}">
-        <p14:creationId xmlns:p14="http://schemas.microsoft.com/office/powerpoint/2010/main" val="2835939076"/>
+        <p14:creationId xmlns:p14="http://schemas.microsoft.com/office/powerpoint/2010/main" val="3182682271"/>
       </p:ext>
     </p:extLst>
   </p:cSld>
@@ -7864,27 +7899,45 @@
         <p:spPr/>
         <p:txBody>
           <a:bodyPr>
-            <a:normAutofit/>
+            <a:normAutofit lnSpcReduction="10000"/>
           </a:bodyPr>
           <a:lstStyle/>
           <a:p>
             <a:r>
               <a:rPr lang="de-CH" sz="3000" dirty="0" smtClean="0"/>
-              <a:t>Ziele, Risiken, Funktionalität</a:t>
-            </a:r>
+              <a:t>Ziele, </a:t>
+            </a:r>
+            <a:r>
+              <a:rPr lang="de-CH" sz="3000" dirty="0" smtClean="0"/>
+              <a:t>Risiken</a:t>
+            </a:r>
+          </a:p>
+          <a:p>
+            <a:r>
+              <a:rPr lang="de-CH" sz="3000" dirty="0" smtClean="0"/>
+              <a:t>Funktionalität Prototyp</a:t>
+            </a:r>
+            <a:endParaRPr lang="de-CH" sz="3000" dirty="0" smtClean="0"/>
           </a:p>
           <a:p>
             <a:r>
               <a:rPr lang="de-CH" sz="3000" dirty="0" smtClean="0"/>
               <a:t>Architektur</a:t>
             </a:r>
-            <a:endParaRPr lang="de-CH" sz="2600" dirty="0" smtClean="0"/>
+            <a:endParaRPr lang="de-CH" sz="2200" dirty="0" smtClean="0"/>
           </a:p>
           <a:p>
             <a:pPr lvl="1"/>
             <a:r>
               <a:rPr lang="de-CH" sz="2600" dirty="0" smtClean="0"/>
-              <a:t>Packages (</a:t>
+              <a:t>Übersicht</a:t>
+            </a:r>
+          </a:p>
+          <a:p>
+            <a:pPr lvl="1"/>
+            <a:r>
+              <a:rPr lang="de-CH" sz="2600" dirty="0" smtClean="0"/>
+              <a:t>Tiers &amp; </a:t>
             </a:r>
             <a:r>
               <a:rPr lang="de-CH" sz="2600" dirty="0" err="1" smtClean="0"/>
@@ -7892,8 +7945,19 @@
             </a:r>
             <a:r>
               <a:rPr lang="de-CH" sz="2600" dirty="0" smtClean="0"/>
-              <a:t>, Tiers)</a:t>
-            </a:r>
+              <a:t> </a:t>
+            </a:r>
+            <a:r>
+              <a:rPr lang="de-CH" sz="2600" dirty="0" smtClean="0">
+                <a:sym typeface="Wingdings" pitchFamily="2" charset="2"/>
+              </a:rPr>
+              <a:t> </a:t>
+            </a:r>
+            <a:r>
+              <a:rPr lang="de-CH" sz="2600" dirty="0" smtClean="0"/>
+              <a:t>Packages</a:t>
+            </a:r>
+            <a:endParaRPr lang="de-CH" sz="2600" dirty="0" smtClean="0"/>
           </a:p>
           <a:p>
             <a:pPr lvl="1"/>
@@ -7918,6 +7982,12 @@
             <a:r>
               <a:rPr lang="de-CH" sz="3000" dirty="0" smtClean="0"/>
               <a:t>Projektstand</a:t>
+            </a:r>
+          </a:p>
+          <a:p>
+            <a:r>
+              <a:rPr lang="de-CH" sz="3000" dirty="0" smtClean="0"/>
+              <a:t>Zusammenfassung</a:t>
             </a:r>
             <a:endParaRPr lang="de-CH" sz="3000" dirty="0"/>
           </a:p>
@@ -8070,12 +8140,61 @@
           <a:p>
             <a:r>
               <a:rPr lang="de-CH" dirty="0" smtClean="0"/>
-              <a:t>Unit Tests</a:t>
+              <a:t>Unit </a:t>
+            </a:r>
+            <a:r>
+              <a:rPr lang="de-CH" dirty="0" smtClean="0"/>
+              <a:t>Tests </a:t>
+            </a:r>
+            <a:r>
+              <a:rPr lang="de-CH" dirty="0" err="1" smtClean="0"/>
+              <a:t>Android</a:t>
             </a:r>
             <a:endParaRPr lang="de-CH" dirty="0"/>
           </a:p>
         </p:txBody>
       </p:sp>
+      <p:pic>
+        <p:nvPicPr>
+          <p:cNvPr id="4" name="Picture 2" descr="E:\hsr\se2p_svn.elmermx.ch\doc\06_Tests\JUnit.png"/>
+          <p:cNvPicPr>
+            <a:picLocks noChangeAspect="1" noChangeArrowheads="1"/>
+          </p:cNvPicPr>
+          <p:nvPr/>
+        </p:nvPicPr>
+        <p:blipFill>
+          <a:blip r:embed="rId3">
+            <a:extLst>
+              <a:ext uri="{28A0092B-C50C-407E-A947-70E740481C1C}">
+                <a14:useLocalDpi xmlns:a14="http://schemas.microsoft.com/office/drawing/2010/main" val="0"/>
+              </a:ext>
+            </a:extLst>
+          </a:blip>
+          <a:srcRect/>
+          <a:stretch>
+            <a:fillRect/>
+          </a:stretch>
+        </p:blipFill>
+        <p:spPr bwMode="auto">
+          <a:xfrm>
+            <a:off x="911224" y="1340768"/>
+            <a:ext cx="7496175" cy="4981575"/>
+          </a:xfrm>
+          <a:prstGeom prst="rect">
+            <a:avLst/>
+          </a:prstGeom>
+          <a:noFill/>
+          <a:extLst>
+            <a:ext uri="{909E8E84-426E-40DD-AFC4-6F175D3DCCD1}">
+              <a14:hiddenFill xmlns:a14="http://schemas.microsoft.com/office/drawing/2010/main">
+                <a:solidFill>
+                  <a:srgbClr val="FFFFFF"/>
+                </a:solidFill>
+              </a14:hiddenFill>
+            </a:ext>
+          </a:extLst>
+        </p:spPr>
+      </p:pic>
     </p:spTree>
     <p:extLst>
       <p:ext uri="{BB962C8B-B14F-4D97-AF65-F5344CB8AC3E}">
@@ -8131,7 +8250,2051 @@
           <a:p>
             <a:r>
               <a:rPr lang="de-CH" dirty="0" smtClean="0"/>
-              <a:t>Live-Demo</a:t>
+              <a:t>Unit </a:t>
+            </a:r>
+            <a:r>
+              <a:rPr lang="de-CH" dirty="0" smtClean="0"/>
+              <a:t>Tests </a:t>
+            </a:r>
+            <a:r>
+              <a:rPr lang="de-CH" dirty="0" err="1" smtClean="0"/>
+              <a:t>Rails</a:t>
+            </a:r>
+            <a:endParaRPr lang="de-CH" dirty="0"/>
+          </a:p>
+        </p:txBody>
+      </p:sp>
+      <p:pic>
+        <p:nvPicPr>
+          <p:cNvPr id="4098" name="Picture 2"/>
+          <p:cNvPicPr>
+            <a:picLocks noChangeAspect="1" noChangeArrowheads="1"/>
+          </p:cNvPicPr>
+          <p:nvPr/>
+        </p:nvPicPr>
+        <p:blipFill rotWithShape="1">
+          <a:blip r:embed="rId3">
+            <a:extLst>
+              <a:ext uri="{28A0092B-C50C-407E-A947-70E740481C1C}">
+                <a14:useLocalDpi xmlns:a14="http://schemas.microsoft.com/office/drawing/2010/main" val="0"/>
+              </a:ext>
+            </a:extLst>
+          </a:blip>
+          <a:srcRect t="-1" b="3551"/>
+          <a:stretch/>
+        </p:blipFill>
+        <p:spPr bwMode="auto">
+          <a:xfrm>
+            <a:off x="323528" y="2276872"/>
+            <a:ext cx="8652911" cy="2232247"/>
+          </a:xfrm>
+          <a:prstGeom prst="rect">
+            <a:avLst/>
+          </a:prstGeom>
+          <a:noFill/>
+          <a:ln>
+            <a:noFill/>
+          </a:ln>
+          <a:effectLst/>
+          <a:extLst>
+            <a:ext uri="{909E8E84-426E-40DD-AFC4-6F175D3DCCD1}">
+              <a14:hiddenFill xmlns:a14="http://schemas.microsoft.com/office/drawing/2010/main">
+                <a:solidFill>
+                  <a:schemeClr val="accent1"/>
+                </a:solidFill>
+              </a14:hiddenFill>
+            </a:ext>
+            <a:ext uri="{91240B29-F687-4F45-9708-019B960494DF}">
+              <a14:hiddenLine xmlns:a14="http://schemas.microsoft.com/office/drawing/2010/main" w="9525">
+                <a:solidFill>
+                  <a:schemeClr val="tx1"/>
+                </a:solidFill>
+                <a:miter lim="800000"/>
+                <a:headEnd/>
+                <a:tailEnd/>
+              </a14:hiddenLine>
+            </a:ext>
+            <a:ext uri="{AF507438-7753-43E0-B8FC-AC1667EBCBE1}">
+              <a14:hiddenEffects xmlns:a14="http://schemas.microsoft.com/office/drawing/2010/main">
+                <a:effectLst>
+                  <a:outerShdw dist="35921" dir="2700000" algn="ctr" rotWithShape="0">
+                    <a:schemeClr val="bg2"/>
+                  </a:outerShdw>
+                </a:effectLst>
+              </a14:hiddenEffects>
+            </a:ext>
+          </a:extLst>
+        </p:spPr>
+      </p:pic>
+    </p:spTree>
+    <p:extLst>
+      <p:ext uri="{BB962C8B-B14F-4D97-AF65-F5344CB8AC3E}">
+        <p14:creationId xmlns:p14="http://schemas.microsoft.com/office/powerpoint/2010/main" val="406795989"/>
+      </p:ext>
+    </p:extLst>
+  </p:cSld>
+  <p:clrMapOvr>
+    <a:masterClrMapping/>
+  </p:clrMapOvr>
+  <p:transition/>
+  <p:timing>
+    <p:tnLst>
+      <p:par>
+        <p:cTn id="1" dur="indefinite" restart="never" nodeType="tmRoot"/>
+      </p:par>
+    </p:tnLst>
+  </p:timing>
+</p:sld>
+</file>
+
+<file path=ppt/slides/slide22.xml><?xml version="1.0" encoding="utf-8"?>
+<p:sld xmlns:a="http://schemas.openxmlformats.org/drawingml/2006/main" xmlns:r="http://schemas.openxmlformats.org/officeDocument/2006/relationships" xmlns:p="http://schemas.openxmlformats.org/presentationml/2006/main">
+  <p:cSld>
+    <p:spTree>
+      <p:nvGrpSpPr>
+        <p:cNvPr id="1" name=""/>
+        <p:cNvGrpSpPr/>
+        <p:nvPr/>
+      </p:nvGrpSpPr>
+      <p:grpSpPr>
+        <a:xfrm>
+          <a:off x="0" y="0"/>
+          <a:ext cx="0" cy="0"/>
+          <a:chOff x="0" y="0"/>
+          <a:chExt cx="0" cy="0"/>
+        </a:xfrm>
+      </p:grpSpPr>
+      <p:sp>
+        <p:nvSpPr>
+          <p:cNvPr id="3" name="Titel 2"/>
+          <p:cNvSpPr>
+            <a:spLocks noGrp="1"/>
+          </p:cNvSpPr>
+          <p:nvPr>
+            <p:ph type="title"/>
+          </p:nvPr>
+        </p:nvSpPr>
+        <p:spPr/>
+        <p:txBody>
+          <a:bodyPr/>
+          <a:lstStyle/>
+          <a:p>
+            <a:r>
+              <a:rPr lang="de-CH" dirty="0" smtClean="0"/>
+              <a:t>Unit </a:t>
+            </a:r>
+            <a:r>
+              <a:rPr lang="de-CH" dirty="0" smtClean="0"/>
+              <a:t>Tests </a:t>
+            </a:r>
+            <a:r>
+              <a:rPr lang="de-CH" dirty="0" err="1" smtClean="0"/>
+              <a:t>Rails</a:t>
+            </a:r>
+            <a:endParaRPr lang="de-CH" dirty="0"/>
+          </a:p>
+        </p:txBody>
+      </p:sp>
+      <p:pic>
+        <p:nvPicPr>
+          <p:cNvPr id="4098" name="Picture 2"/>
+          <p:cNvPicPr>
+            <a:picLocks noChangeAspect="1" noChangeArrowheads="1"/>
+          </p:cNvPicPr>
+          <p:nvPr/>
+        </p:nvPicPr>
+        <p:blipFill rotWithShape="1">
+          <a:blip r:embed="rId3">
+            <a:extLst>
+              <a:ext uri="{28A0092B-C50C-407E-A947-70E740481C1C}">
+                <a14:useLocalDpi xmlns:a14="http://schemas.microsoft.com/office/drawing/2010/main" val="0"/>
+              </a:ext>
+            </a:extLst>
+          </a:blip>
+          <a:srcRect t="-1" b="3551"/>
+          <a:stretch/>
+        </p:blipFill>
+        <p:spPr bwMode="auto">
+          <a:xfrm>
+            <a:off x="323525" y="1168285"/>
+            <a:ext cx="8652911" cy="2232247"/>
+          </a:xfrm>
+          <a:prstGeom prst="rect">
+            <a:avLst/>
+          </a:prstGeom>
+          <a:noFill/>
+          <a:ln>
+            <a:noFill/>
+          </a:ln>
+          <a:effectLst/>
+          <a:extLst>
+            <a:ext uri="{909E8E84-426E-40DD-AFC4-6F175D3DCCD1}">
+              <a14:hiddenFill xmlns:a14="http://schemas.microsoft.com/office/drawing/2010/main">
+                <a:solidFill>
+                  <a:schemeClr val="accent1"/>
+                </a:solidFill>
+              </a14:hiddenFill>
+            </a:ext>
+            <a:ext uri="{91240B29-F687-4F45-9708-019B960494DF}">
+              <a14:hiddenLine xmlns:a14="http://schemas.microsoft.com/office/drawing/2010/main" w="9525">
+                <a:solidFill>
+                  <a:schemeClr val="tx1"/>
+                </a:solidFill>
+                <a:miter lim="800000"/>
+                <a:headEnd/>
+                <a:tailEnd/>
+              </a14:hiddenLine>
+            </a:ext>
+            <a:ext uri="{AF507438-7753-43E0-B8FC-AC1667EBCBE1}">
+              <a14:hiddenEffects xmlns:a14="http://schemas.microsoft.com/office/drawing/2010/main">
+                <a:effectLst>
+                  <a:outerShdw dist="35921" dir="2700000" algn="ctr" rotWithShape="0">
+                    <a:schemeClr val="bg2"/>
+                  </a:outerShdw>
+                </a:effectLst>
+              </a14:hiddenEffects>
+            </a:ext>
+          </a:extLst>
+        </p:spPr>
+      </p:pic>
+      <p:pic>
+        <p:nvPicPr>
+          <p:cNvPr id="5122" name="Picture 2" descr="E:\hsr\se2p_svn.elmermx.ch\doc\06_Tests\coverage.png"/>
+          <p:cNvPicPr>
+            <a:picLocks noChangeAspect="1" noChangeArrowheads="1"/>
+          </p:cNvPicPr>
+          <p:nvPr/>
+        </p:nvPicPr>
+        <p:blipFill>
+          <a:blip r:embed="rId4">
+            <a:extLst>
+              <a:ext uri="{28A0092B-C50C-407E-A947-70E740481C1C}">
+                <a14:useLocalDpi xmlns:a14="http://schemas.microsoft.com/office/drawing/2010/main" val="0"/>
+              </a:ext>
+            </a:extLst>
+          </a:blip>
+          <a:srcRect/>
+          <a:stretch>
+            <a:fillRect/>
+          </a:stretch>
+        </p:blipFill>
+        <p:spPr bwMode="auto">
+          <a:xfrm>
+            <a:off x="1251674" y="3557208"/>
+            <a:ext cx="6796614" cy="3097924"/>
+          </a:xfrm>
+          <a:prstGeom prst="rect">
+            <a:avLst/>
+          </a:prstGeom>
+          <a:noFill/>
+          <a:extLst>
+            <a:ext uri="{909E8E84-426E-40DD-AFC4-6F175D3DCCD1}">
+              <a14:hiddenFill xmlns:a14="http://schemas.microsoft.com/office/drawing/2010/main">
+                <a:solidFill>
+                  <a:srgbClr val="FFFFFF"/>
+                </a:solidFill>
+              </a14:hiddenFill>
+            </a:ext>
+          </a:extLst>
+        </p:spPr>
+      </p:pic>
+    </p:spTree>
+    <p:extLst>
+      <p:ext uri="{BB962C8B-B14F-4D97-AF65-F5344CB8AC3E}">
+        <p14:creationId xmlns:p14="http://schemas.microsoft.com/office/powerpoint/2010/main" val="1700037442"/>
+      </p:ext>
+    </p:extLst>
+  </p:cSld>
+  <p:clrMapOvr>
+    <a:masterClrMapping/>
+  </p:clrMapOvr>
+  <p:transition/>
+  <p:timing>
+    <p:tnLst>
+      <p:par>
+        <p:cTn id="1" dur="indefinite" restart="never" nodeType="tmRoot"/>
+      </p:par>
+    </p:tnLst>
+  </p:timing>
+</p:sld>
+</file>
+
+<file path=ppt/slides/slide23.xml><?xml version="1.0" encoding="utf-8"?>
+<p:sld xmlns:a="http://schemas.openxmlformats.org/drawingml/2006/main" xmlns:r="http://schemas.openxmlformats.org/officeDocument/2006/relationships" xmlns:p="http://schemas.openxmlformats.org/presentationml/2006/main">
+  <p:cSld>
+    <p:spTree>
+      <p:nvGrpSpPr>
+        <p:cNvPr id="1" name=""/>
+        <p:cNvGrpSpPr/>
+        <p:nvPr/>
+      </p:nvGrpSpPr>
+      <p:grpSpPr>
+        <a:xfrm>
+          <a:off x="0" y="0"/>
+          <a:ext cx="0" cy="0"/>
+          <a:chOff x="0" y="0"/>
+          <a:chExt cx="0" cy="0"/>
+        </a:xfrm>
+      </p:grpSpPr>
+      <p:pic>
+        <p:nvPicPr>
+          <p:cNvPr id="8194" name="Picture 2"/>
+          <p:cNvPicPr>
+            <a:picLocks noChangeAspect="1" noChangeArrowheads="1"/>
+          </p:cNvPicPr>
+          <p:nvPr/>
+        </p:nvPicPr>
+        <p:blipFill>
+          <a:blip r:embed="rId2">
+            <a:extLst>
+              <a:ext uri="{28A0092B-C50C-407E-A947-70E740481C1C}">
+                <a14:useLocalDpi xmlns:a14="http://schemas.microsoft.com/office/drawing/2010/main" val="0"/>
+              </a:ext>
+            </a:extLst>
+          </a:blip>
+          <a:srcRect/>
+          <a:stretch>
+            <a:fillRect/>
+          </a:stretch>
+        </p:blipFill>
+        <p:spPr bwMode="auto">
+          <a:xfrm>
+            <a:off x="414338" y="1340768"/>
+            <a:ext cx="8315325" cy="4133850"/>
+          </a:xfrm>
+          <a:prstGeom prst="rect">
+            <a:avLst/>
+          </a:prstGeom>
+          <a:noFill/>
+          <a:ln>
+            <a:noFill/>
+          </a:ln>
+          <a:effectLst/>
+          <a:extLst>
+            <a:ext uri="{909E8E84-426E-40DD-AFC4-6F175D3DCCD1}">
+              <a14:hiddenFill xmlns:a14="http://schemas.microsoft.com/office/drawing/2010/main">
+                <a:solidFill>
+                  <a:schemeClr val="accent1"/>
+                </a:solidFill>
+              </a14:hiddenFill>
+            </a:ext>
+            <a:ext uri="{91240B29-F687-4F45-9708-019B960494DF}">
+              <a14:hiddenLine xmlns:a14="http://schemas.microsoft.com/office/drawing/2010/main" w="9525">
+                <a:solidFill>
+                  <a:schemeClr val="tx1"/>
+                </a:solidFill>
+                <a:miter lim="800000"/>
+                <a:headEnd/>
+                <a:tailEnd/>
+              </a14:hiddenLine>
+            </a:ext>
+            <a:ext uri="{AF507438-7753-43E0-B8FC-AC1667EBCBE1}">
+              <a14:hiddenEffects xmlns:a14="http://schemas.microsoft.com/office/drawing/2010/main">
+                <a:effectLst>
+                  <a:outerShdw dist="35921" dir="2700000" algn="ctr" rotWithShape="0">
+                    <a:schemeClr val="bg2"/>
+                  </a:outerShdw>
+                </a:effectLst>
+              </a14:hiddenEffects>
+            </a:ext>
+          </a:extLst>
+        </p:spPr>
+      </p:pic>
+      <p:sp>
+        <p:nvSpPr>
+          <p:cNvPr id="5" name="Titel 2"/>
+          <p:cNvSpPr>
+            <a:spLocks noGrp="1"/>
+          </p:cNvSpPr>
+          <p:nvPr>
+            <p:ph type="title"/>
+          </p:nvPr>
+        </p:nvSpPr>
+        <p:spPr>
+          <a:xfrm>
+            <a:off x="457200" y="274638"/>
+            <a:ext cx="8229600" cy="1143000"/>
+          </a:xfrm>
+        </p:spPr>
+        <p:txBody>
+          <a:bodyPr/>
+          <a:lstStyle/>
+          <a:p>
+            <a:r>
+              <a:rPr lang="de-CH" dirty="0" smtClean="0"/>
+              <a:t>Systemtest</a:t>
+            </a:r>
+            <a:endParaRPr lang="de-CH" dirty="0"/>
+          </a:p>
+        </p:txBody>
+      </p:sp>
+    </p:spTree>
+    <p:extLst>
+      <p:ext uri="{BB962C8B-B14F-4D97-AF65-F5344CB8AC3E}">
+        <p14:creationId xmlns:p14="http://schemas.microsoft.com/office/powerpoint/2010/main" val="2308971439"/>
+      </p:ext>
+    </p:extLst>
+  </p:cSld>
+  <p:clrMapOvr>
+    <a:masterClrMapping/>
+  </p:clrMapOvr>
+  <p:transition/>
+  <p:timing>
+    <p:tnLst>
+      <p:par>
+        <p:cTn id="1" dur="indefinite" restart="never" nodeType="tmRoot"/>
+      </p:par>
+    </p:tnLst>
+  </p:timing>
+</p:sld>
+</file>
+
+<file path=ppt/slides/slide24.xml><?xml version="1.0" encoding="utf-8"?>
+<p:sld xmlns:a="http://schemas.openxmlformats.org/drawingml/2006/main" xmlns:r="http://schemas.openxmlformats.org/officeDocument/2006/relationships" xmlns:p="http://schemas.openxmlformats.org/presentationml/2006/main">
+  <p:cSld>
+    <p:spTree>
+      <p:nvGrpSpPr>
+        <p:cNvPr id="1" name=""/>
+        <p:cNvGrpSpPr/>
+        <p:nvPr/>
+      </p:nvGrpSpPr>
+      <p:grpSpPr>
+        <a:xfrm>
+          <a:off x="0" y="0"/>
+          <a:ext cx="0" cy="0"/>
+          <a:chOff x="0" y="0"/>
+          <a:chExt cx="0" cy="0"/>
+        </a:xfrm>
+      </p:grpSpPr>
+      <p:pic>
+        <p:nvPicPr>
+          <p:cNvPr id="5" name="Picture 3"/>
+          <p:cNvPicPr>
+            <a:picLocks noChangeAspect="1" noChangeArrowheads="1"/>
+          </p:cNvPicPr>
+          <p:nvPr/>
+        </p:nvPicPr>
+        <p:blipFill>
+          <a:blip r:embed="rId2">
+            <a:extLst>
+              <a:ext uri="{28A0092B-C50C-407E-A947-70E740481C1C}">
+                <a14:useLocalDpi xmlns:a14="http://schemas.microsoft.com/office/drawing/2010/main" val="0"/>
+              </a:ext>
+            </a:extLst>
+          </a:blip>
+          <a:srcRect/>
+          <a:stretch>
+            <a:fillRect/>
+          </a:stretch>
+        </p:blipFill>
+        <p:spPr bwMode="auto">
+          <a:xfrm>
+            <a:off x="400050" y="33338"/>
+            <a:ext cx="8343900" cy="6791325"/>
+          </a:xfrm>
+          <a:prstGeom prst="rect">
+            <a:avLst/>
+          </a:prstGeom>
+          <a:noFill/>
+          <a:ln>
+            <a:noFill/>
+          </a:ln>
+          <a:effectLst/>
+          <a:extLst>
+            <a:ext uri="{909E8E84-426E-40DD-AFC4-6F175D3DCCD1}">
+              <a14:hiddenFill xmlns:a14="http://schemas.microsoft.com/office/drawing/2010/main">
+                <a:solidFill>
+                  <a:schemeClr val="accent1"/>
+                </a:solidFill>
+              </a14:hiddenFill>
+            </a:ext>
+            <a:ext uri="{91240B29-F687-4F45-9708-019B960494DF}">
+              <a14:hiddenLine xmlns:a14="http://schemas.microsoft.com/office/drawing/2010/main" w="9525">
+                <a:solidFill>
+                  <a:schemeClr val="tx1"/>
+                </a:solidFill>
+                <a:miter lim="800000"/>
+                <a:headEnd/>
+                <a:tailEnd/>
+              </a14:hiddenLine>
+            </a:ext>
+            <a:ext uri="{AF507438-7753-43E0-B8FC-AC1667EBCBE1}">
+              <a14:hiddenEffects xmlns:a14="http://schemas.microsoft.com/office/drawing/2010/main">
+                <a:effectLst>
+                  <a:outerShdw dist="35921" dir="2700000" algn="ctr" rotWithShape="0">
+                    <a:schemeClr val="bg2"/>
+                  </a:outerShdw>
+                </a:effectLst>
+              </a14:hiddenEffects>
+            </a:ext>
+          </a:extLst>
+        </p:spPr>
+      </p:pic>
+    </p:spTree>
+    <p:extLst>
+      <p:ext uri="{BB962C8B-B14F-4D97-AF65-F5344CB8AC3E}">
+        <p14:creationId xmlns:p14="http://schemas.microsoft.com/office/powerpoint/2010/main" val="4088732283"/>
+      </p:ext>
+    </p:extLst>
+  </p:cSld>
+  <p:clrMapOvr>
+    <a:masterClrMapping/>
+  </p:clrMapOvr>
+  <p:transition/>
+  <p:timing>
+    <p:tnLst>
+      <p:par>
+        <p:cTn id="1" dur="indefinite" restart="never" nodeType="tmRoot"/>
+      </p:par>
+    </p:tnLst>
+  </p:timing>
+</p:sld>
+</file>
+
+<file path=ppt/slides/slide25.xml><?xml version="1.0" encoding="utf-8"?>
+<p:sld xmlns:a="http://schemas.openxmlformats.org/drawingml/2006/main" xmlns:r="http://schemas.openxmlformats.org/officeDocument/2006/relationships" xmlns:p="http://schemas.openxmlformats.org/presentationml/2006/main">
+  <p:cSld>
+    <p:spTree>
+      <p:nvGrpSpPr>
+        <p:cNvPr id="1" name=""/>
+        <p:cNvGrpSpPr/>
+        <p:nvPr/>
+      </p:nvGrpSpPr>
+      <p:grpSpPr>
+        <a:xfrm>
+          <a:off x="0" y="0"/>
+          <a:ext cx="0" cy="0"/>
+          <a:chOff x="0" y="0"/>
+          <a:chExt cx="0" cy="0"/>
+        </a:xfrm>
+      </p:grpSpPr>
+      <p:sp>
+        <p:nvSpPr>
+          <p:cNvPr id="2" name="Inhaltsplatzhalter 1"/>
+          <p:cNvSpPr>
+            <a:spLocks noGrp="1"/>
+          </p:cNvSpPr>
+          <p:nvPr>
+            <p:ph idx="1"/>
+          </p:nvPr>
+        </p:nvSpPr>
+        <p:spPr/>
+        <p:txBody>
+          <a:bodyPr/>
+          <a:lstStyle/>
+          <a:p>
+            <a:r>
+              <a:rPr lang="de-CH" dirty="0" smtClean="0"/>
+              <a:t>Programm starten</a:t>
+            </a:r>
+          </a:p>
+          <a:p>
+            <a:r>
+              <a:rPr lang="de-CH" dirty="0" smtClean="0"/>
+              <a:t>3 Stundeneinträge erstellen (</a:t>
+            </a:r>
+            <a:r>
+              <a:rPr lang="de-CH" dirty="0" err="1" smtClean="0"/>
+              <a:t>Android</a:t>
+            </a:r>
+            <a:r>
+              <a:rPr lang="de-CH" dirty="0" smtClean="0"/>
+              <a:t>)</a:t>
+            </a:r>
+          </a:p>
+          <a:p>
+            <a:pPr lvl="1"/>
+            <a:r>
+              <a:rPr lang="de-CH" dirty="0" smtClean="0"/>
+              <a:t>2 mit Beschreibung</a:t>
+            </a:r>
+          </a:p>
+          <a:p>
+            <a:pPr lvl="1"/>
+            <a:r>
+              <a:rPr lang="de-CH" dirty="0" smtClean="0"/>
+              <a:t>1 ohne Beschreibung</a:t>
+            </a:r>
+          </a:p>
+          <a:p>
+            <a:r>
+              <a:rPr lang="de-CH" dirty="0" smtClean="0"/>
+              <a:t>Übermitteln an Server</a:t>
+            </a:r>
+          </a:p>
+          <a:p>
+            <a:r>
+              <a:rPr lang="de-CH" dirty="0" smtClean="0"/>
+              <a:t>Anzeige auf Server</a:t>
+            </a:r>
+          </a:p>
+          <a:p>
+            <a:endParaRPr lang="de-CH" dirty="0"/>
+          </a:p>
+          <a:p>
+            <a:r>
+              <a:rPr lang="de-CH" dirty="0" smtClean="0"/>
+              <a:t>2 Stundeneinträge erstellen (</a:t>
+            </a:r>
+            <a:r>
+              <a:rPr lang="de-CH" dirty="0" err="1" smtClean="0"/>
+              <a:t>Android</a:t>
+            </a:r>
+            <a:r>
+              <a:rPr lang="de-CH" dirty="0" smtClean="0"/>
+              <a:t>)</a:t>
+            </a:r>
+          </a:p>
+          <a:p>
+            <a:r>
+              <a:rPr lang="de-CH" dirty="0" smtClean="0"/>
+              <a:t>Fehlgeschlagene Übermittlung simulieren</a:t>
+            </a:r>
+          </a:p>
+        </p:txBody>
+      </p:sp>
+      <p:sp>
+        <p:nvSpPr>
+          <p:cNvPr id="3" name="Titel 2"/>
+          <p:cNvSpPr>
+            <a:spLocks noGrp="1"/>
+          </p:cNvSpPr>
+          <p:nvPr>
+            <p:ph type="title"/>
+          </p:nvPr>
+        </p:nvSpPr>
+        <p:spPr/>
+        <p:txBody>
+          <a:bodyPr/>
+          <a:lstStyle/>
+          <a:p>
+            <a:r>
+              <a:rPr lang="de-CH" dirty="0" smtClean="0"/>
+              <a:t>Live Demo Ablauf</a:t>
+            </a:r>
+            <a:endParaRPr lang="de-CH" dirty="0"/>
+          </a:p>
+        </p:txBody>
+      </p:sp>
+    </p:spTree>
+    <p:extLst>
+      <p:ext uri="{BB962C8B-B14F-4D97-AF65-F5344CB8AC3E}">
+        <p14:creationId xmlns:p14="http://schemas.microsoft.com/office/powerpoint/2010/main" val="880347889"/>
+      </p:ext>
+    </p:extLst>
+  </p:cSld>
+  <p:clrMapOvr>
+    <a:masterClrMapping/>
+  </p:clrMapOvr>
+  <p:transition/>
+  <p:timing>
+    <p:tnLst>
+      <p:par>
+        <p:cTn id="1" dur="indefinite" restart="never" nodeType="tmRoot"/>
+      </p:par>
+    </p:tnLst>
+  </p:timing>
+</p:sld>
+</file>
+
+<file path=ppt/slides/slide26.xml><?xml version="1.0" encoding="utf-8"?>
+<p:sld xmlns:a="http://schemas.openxmlformats.org/drawingml/2006/main" xmlns:r="http://schemas.openxmlformats.org/officeDocument/2006/relationships" xmlns:p="http://schemas.openxmlformats.org/presentationml/2006/main">
+  <p:cSld>
+    <p:spTree>
+      <p:nvGrpSpPr>
+        <p:cNvPr id="1" name=""/>
+        <p:cNvGrpSpPr/>
+        <p:nvPr/>
+      </p:nvGrpSpPr>
+      <p:grpSpPr>
+        <a:xfrm>
+          <a:off x="0" y="0"/>
+          <a:ext cx="0" cy="0"/>
+          <a:chOff x="0" y="0"/>
+          <a:chExt cx="0" cy="0"/>
+        </a:xfrm>
+      </p:grpSpPr>
+      <p:pic>
+        <p:nvPicPr>
+          <p:cNvPr id="1026" name="Picture 2"/>
+          <p:cNvPicPr>
+            <a:picLocks noChangeAspect="1" noChangeArrowheads="1"/>
+          </p:cNvPicPr>
+          <p:nvPr/>
+        </p:nvPicPr>
+        <p:blipFill rotWithShape="1">
+          <a:blip r:embed="rId2">
+            <a:extLst>
+              <a:ext uri="{28A0092B-C50C-407E-A947-70E740481C1C}">
+                <a14:useLocalDpi xmlns:a14="http://schemas.microsoft.com/office/drawing/2010/main" val="0"/>
+              </a:ext>
+            </a:extLst>
+          </a:blip>
+          <a:srcRect l="2451" t="2673" r="1836" b="1761"/>
+          <a:stretch/>
+        </p:blipFill>
+        <p:spPr bwMode="auto">
+          <a:xfrm>
+            <a:off x="36511" y="327546"/>
+            <a:ext cx="9144001" cy="10112991"/>
+          </a:xfrm>
+          <a:prstGeom prst="rect">
+            <a:avLst/>
+          </a:prstGeom>
+          <a:noFill/>
+          <a:ln>
+            <a:noFill/>
+          </a:ln>
+          <a:effectLst/>
+          <a:extLst>
+            <a:ext uri="{909E8E84-426E-40DD-AFC4-6F175D3DCCD1}">
+              <a14:hiddenFill xmlns:a14="http://schemas.microsoft.com/office/drawing/2010/main">
+                <a:solidFill>
+                  <a:schemeClr val="accent1"/>
+                </a:solidFill>
+              </a14:hiddenFill>
+            </a:ext>
+            <a:ext uri="{91240B29-F687-4F45-9708-019B960494DF}">
+              <a14:hiddenLine xmlns:a14="http://schemas.microsoft.com/office/drawing/2010/main" w="9525">
+                <a:solidFill>
+                  <a:schemeClr val="tx1"/>
+                </a:solidFill>
+                <a:miter lim="800000"/>
+                <a:headEnd/>
+                <a:tailEnd/>
+              </a14:hiddenLine>
+            </a:ext>
+            <a:ext uri="{AF507438-7753-43E0-B8FC-AC1667EBCBE1}">
+              <a14:hiddenEffects xmlns:a14="http://schemas.microsoft.com/office/drawing/2010/main">
+                <a:effectLst>
+                  <a:outerShdw dist="35921" dir="2700000" algn="ctr" rotWithShape="0">
+                    <a:schemeClr val="bg2"/>
+                  </a:outerShdw>
+                </a:effectLst>
+              </a14:hiddenEffects>
+            </a:ext>
+          </a:extLst>
+        </p:spPr>
+      </p:pic>
+    </p:spTree>
+    <p:extLst>
+      <p:ext uri="{BB962C8B-B14F-4D97-AF65-F5344CB8AC3E}">
+        <p14:creationId xmlns:p14="http://schemas.microsoft.com/office/powerpoint/2010/main" val="856491057"/>
+      </p:ext>
+    </p:extLst>
+  </p:cSld>
+  <p:clrMapOvr>
+    <a:masterClrMapping/>
+  </p:clrMapOvr>
+  <p:transition/>
+  <p:timing>
+    <p:tnLst>
+      <p:par>
+        <p:cTn id="1" dur="indefinite" restart="never" nodeType="tmRoot"/>
+      </p:par>
+    </p:tnLst>
+  </p:timing>
+</p:sld>
+</file>
+
+<file path=ppt/slides/slide27.xml><?xml version="1.0" encoding="utf-8"?>
+<p:sld xmlns:a="http://schemas.openxmlformats.org/drawingml/2006/main" xmlns:r="http://schemas.openxmlformats.org/officeDocument/2006/relationships" xmlns:p="http://schemas.openxmlformats.org/presentationml/2006/main">
+  <p:cSld>
+    <p:spTree>
+      <p:nvGrpSpPr>
+        <p:cNvPr id="1" name=""/>
+        <p:cNvGrpSpPr/>
+        <p:nvPr/>
+      </p:nvGrpSpPr>
+      <p:grpSpPr>
+        <a:xfrm>
+          <a:off x="0" y="0"/>
+          <a:ext cx="0" cy="0"/>
+          <a:chOff x="0" y="0"/>
+          <a:chExt cx="0" cy="0"/>
+        </a:xfrm>
+      </p:grpSpPr>
+      <p:pic>
+        <p:nvPicPr>
+          <p:cNvPr id="4" name="Picture 2"/>
+          <p:cNvPicPr>
+            <a:picLocks noChangeAspect="1" noChangeArrowheads="1"/>
+          </p:cNvPicPr>
+          <p:nvPr/>
+        </p:nvPicPr>
+        <p:blipFill rotWithShape="1">
+          <a:blip r:embed="rId2">
+            <a:extLst>
+              <a:ext uri="{28A0092B-C50C-407E-A947-70E740481C1C}">
+                <a14:useLocalDpi xmlns:a14="http://schemas.microsoft.com/office/drawing/2010/main" val="0"/>
+              </a:ext>
+            </a:extLst>
+          </a:blip>
+          <a:srcRect l="2451" t="2673" r="1836" b="1761"/>
+          <a:stretch/>
+        </p:blipFill>
+        <p:spPr bwMode="auto">
+          <a:xfrm>
+            <a:off x="35496" y="-3915816"/>
+            <a:ext cx="9144001" cy="10112991"/>
+          </a:xfrm>
+          <a:prstGeom prst="rect">
+            <a:avLst/>
+          </a:prstGeom>
+          <a:noFill/>
+          <a:ln>
+            <a:noFill/>
+          </a:ln>
+          <a:effectLst/>
+          <a:extLst>
+            <a:ext uri="{909E8E84-426E-40DD-AFC4-6F175D3DCCD1}">
+              <a14:hiddenFill xmlns:a14="http://schemas.microsoft.com/office/drawing/2010/main">
+                <a:solidFill>
+                  <a:schemeClr val="accent1"/>
+                </a:solidFill>
+              </a14:hiddenFill>
+            </a:ext>
+            <a:ext uri="{91240B29-F687-4F45-9708-019B960494DF}">
+              <a14:hiddenLine xmlns:a14="http://schemas.microsoft.com/office/drawing/2010/main" w="9525">
+                <a:solidFill>
+                  <a:schemeClr val="tx1"/>
+                </a:solidFill>
+                <a:miter lim="800000"/>
+                <a:headEnd/>
+                <a:tailEnd/>
+              </a14:hiddenLine>
+            </a:ext>
+            <a:ext uri="{AF507438-7753-43E0-B8FC-AC1667EBCBE1}">
+              <a14:hiddenEffects xmlns:a14="http://schemas.microsoft.com/office/drawing/2010/main">
+                <a:effectLst>
+                  <a:outerShdw dist="35921" dir="2700000" algn="ctr" rotWithShape="0">
+                    <a:schemeClr val="bg2"/>
+                  </a:outerShdw>
+                </a:effectLst>
+              </a14:hiddenEffects>
+            </a:ext>
+          </a:extLst>
+        </p:spPr>
+      </p:pic>
+    </p:spTree>
+    <p:extLst>
+      <p:ext uri="{BB962C8B-B14F-4D97-AF65-F5344CB8AC3E}">
+        <p14:creationId xmlns:p14="http://schemas.microsoft.com/office/powerpoint/2010/main" val="3810735719"/>
+      </p:ext>
+    </p:extLst>
+  </p:cSld>
+  <p:clrMapOvr>
+    <a:masterClrMapping/>
+  </p:clrMapOvr>
+  <p:transition/>
+  <p:timing>
+    <p:tnLst>
+      <p:par>
+        <p:cTn id="1" dur="indefinite" restart="never" nodeType="tmRoot"/>
+      </p:par>
+    </p:tnLst>
+  </p:timing>
+</p:sld>
+</file>
+
+<file path=ppt/slides/slide28.xml><?xml version="1.0" encoding="utf-8"?>
+<p:sld xmlns:a="http://schemas.openxmlformats.org/drawingml/2006/main" xmlns:r="http://schemas.openxmlformats.org/officeDocument/2006/relationships" xmlns:p="http://schemas.openxmlformats.org/presentationml/2006/main">
+  <p:cSld>
+    <p:spTree>
+      <p:nvGrpSpPr>
+        <p:cNvPr id="1" name=""/>
+        <p:cNvGrpSpPr/>
+        <p:nvPr/>
+      </p:nvGrpSpPr>
+      <p:grpSpPr>
+        <a:xfrm>
+          <a:off x="0" y="0"/>
+          <a:ext cx="0" cy="0"/>
+          <a:chOff x="0" y="0"/>
+          <a:chExt cx="0" cy="0"/>
+        </a:xfrm>
+      </p:grpSpPr>
+      <p:pic>
+        <p:nvPicPr>
+          <p:cNvPr id="2050" name="Picture 2"/>
+          <p:cNvPicPr>
+            <a:picLocks noChangeAspect="1" noChangeArrowheads="1"/>
+          </p:cNvPicPr>
+          <p:nvPr/>
+        </p:nvPicPr>
+        <p:blipFill rotWithShape="1">
+          <a:blip r:embed="rId2">
+            <a:extLst>
+              <a:ext uri="{28A0092B-C50C-407E-A947-70E740481C1C}">
+                <a14:useLocalDpi xmlns:a14="http://schemas.microsoft.com/office/drawing/2010/main" val="0"/>
+              </a:ext>
+            </a:extLst>
+          </a:blip>
+          <a:srcRect l="3271" t="13618" r="2708" b="8228"/>
+          <a:stretch/>
+        </p:blipFill>
+        <p:spPr bwMode="auto">
+          <a:xfrm>
+            <a:off x="323528" y="2132856"/>
+            <a:ext cx="8331007" cy="2544200"/>
+          </a:xfrm>
+          <a:prstGeom prst="rect">
+            <a:avLst/>
+          </a:prstGeom>
+          <a:noFill/>
+          <a:ln>
+            <a:noFill/>
+          </a:ln>
+          <a:effectLst/>
+          <a:extLst>
+            <a:ext uri="{909E8E84-426E-40DD-AFC4-6F175D3DCCD1}">
+              <a14:hiddenFill xmlns:a14="http://schemas.microsoft.com/office/drawing/2010/main">
+                <a:solidFill>
+                  <a:schemeClr val="accent1"/>
+                </a:solidFill>
+              </a14:hiddenFill>
+            </a:ext>
+            <a:ext uri="{91240B29-F687-4F45-9708-019B960494DF}">
+              <a14:hiddenLine xmlns:a14="http://schemas.microsoft.com/office/drawing/2010/main" w="9525">
+                <a:solidFill>
+                  <a:schemeClr val="tx1"/>
+                </a:solidFill>
+                <a:miter lim="800000"/>
+                <a:headEnd/>
+                <a:tailEnd/>
+              </a14:hiddenLine>
+            </a:ext>
+            <a:ext uri="{AF507438-7753-43E0-B8FC-AC1667EBCBE1}">
+              <a14:hiddenEffects xmlns:a14="http://schemas.microsoft.com/office/drawing/2010/main">
+                <a:effectLst>
+                  <a:outerShdw dist="35921" dir="2700000" algn="ctr" rotWithShape="0">
+                    <a:schemeClr val="bg2"/>
+                  </a:outerShdw>
+                </a:effectLst>
+              </a14:hiddenEffects>
+            </a:ext>
+          </a:extLst>
+        </p:spPr>
+      </p:pic>
+    </p:spTree>
+    <p:extLst>
+      <p:ext uri="{BB962C8B-B14F-4D97-AF65-F5344CB8AC3E}">
+        <p14:creationId xmlns:p14="http://schemas.microsoft.com/office/powerpoint/2010/main" val="671132495"/>
+      </p:ext>
+    </p:extLst>
+  </p:cSld>
+  <p:clrMapOvr>
+    <a:masterClrMapping/>
+  </p:clrMapOvr>
+  <p:transition/>
+  <p:timing>
+    <p:tnLst>
+      <p:par>
+        <p:cTn id="1" dur="indefinite" restart="never" nodeType="tmRoot"/>
+      </p:par>
+    </p:tnLst>
+  </p:timing>
+</p:sld>
+</file>
+
+<file path=ppt/slides/slide29.xml><?xml version="1.0" encoding="utf-8"?>
+<p:sld xmlns:a="http://schemas.openxmlformats.org/drawingml/2006/main" xmlns:r="http://schemas.openxmlformats.org/officeDocument/2006/relationships" xmlns:p="http://schemas.openxmlformats.org/presentationml/2006/main">
+  <p:cSld>
+    <p:spTree>
+      <p:nvGrpSpPr>
+        <p:cNvPr id="1" name=""/>
+        <p:cNvGrpSpPr/>
+        <p:nvPr/>
+      </p:nvGrpSpPr>
+      <p:grpSpPr>
+        <a:xfrm>
+          <a:off x="0" y="0"/>
+          <a:ext cx="0" cy="0"/>
+          <a:chOff x="0" y="0"/>
+          <a:chExt cx="0" cy="0"/>
+        </a:xfrm>
+      </p:grpSpPr>
+      <p:sp>
+        <p:nvSpPr>
+          <p:cNvPr id="2" name="Inhaltsplatzhalter 1"/>
+          <p:cNvSpPr>
+            <a:spLocks noGrp="1"/>
+          </p:cNvSpPr>
+          <p:nvPr>
+            <p:ph idx="1"/>
+          </p:nvPr>
+        </p:nvSpPr>
+        <p:spPr/>
+        <p:txBody>
+          <a:bodyPr/>
+          <a:lstStyle/>
+          <a:p>
+            <a:r>
+              <a:rPr lang="de-CH" dirty="0" smtClean="0"/>
+              <a:t>MS3 </a:t>
+            </a:r>
+            <a:r>
+              <a:rPr lang="de-CH" dirty="0" smtClean="0"/>
+              <a:t>Elaboration wird heute abgeschlossen</a:t>
+            </a:r>
+          </a:p>
+          <a:p>
+            <a:r>
+              <a:rPr lang="de-CH" dirty="0" err="1" smtClean="0"/>
+              <a:t>Construction</a:t>
+            </a:r>
+            <a:r>
+              <a:rPr lang="de-CH" dirty="0" smtClean="0"/>
+              <a:t> Phase geplant</a:t>
+            </a:r>
+          </a:p>
+          <a:p>
+            <a:r>
+              <a:rPr lang="de-CH" dirty="0" smtClean="0"/>
+              <a:t>Code Review </a:t>
+            </a:r>
+            <a:r>
+              <a:rPr lang="de-CH" dirty="0" smtClean="0"/>
+              <a:t>gemacht</a:t>
+            </a:r>
+          </a:p>
+          <a:p>
+            <a:r>
+              <a:rPr lang="de-CH" dirty="0"/>
+              <a:t>Release V0.1 </a:t>
+            </a:r>
+            <a:r>
+              <a:rPr lang="de-CH" dirty="0" smtClean="0"/>
+              <a:t>erstellt</a:t>
+            </a:r>
+          </a:p>
+          <a:p>
+            <a:pPr lvl="1"/>
+            <a:r>
+              <a:rPr lang="de-CH" dirty="0" smtClean="0"/>
+              <a:t>Als Tag v0.1 im SVN</a:t>
+            </a:r>
+            <a:endParaRPr lang="de-CH" dirty="0" smtClean="0"/>
+          </a:p>
+          <a:p>
+            <a:endParaRPr lang="de-CH" dirty="0" smtClean="0"/>
+          </a:p>
+          <a:p>
+            <a:endParaRPr lang="de-CH" dirty="0" smtClean="0"/>
+          </a:p>
+          <a:p>
+            <a:endParaRPr lang="de-CH" dirty="0"/>
+          </a:p>
+        </p:txBody>
+      </p:sp>
+      <p:sp>
+        <p:nvSpPr>
+          <p:cNvPr id="3" name="Titel 2"/>
+          <p:cNvSpPr>
+            <a:spLocks noGrp="1"/>
+          </p:cNvSpPr>
+          <p:nvPr>
+            <p:ph type="title"/>
+          </p:nvPr>
+        </p:nvSpPr>
+        <p:spPr/>
+        <p:txBody>
+          <a:bodyPr/>
+          <a:lstStyle/>
+          <a:p>
+            <a:r>
+              <a:rPr lang="de-CH" dirty="0" smtClean="0"/>
+              <a:t>Projektstand</a:t>
+            </a:r>
+            <a:endParaRPr lang="de-CH" dirty="0"/>
+          </a:p>
+        </p:txBody>
+      </p:sp>
+      <p:pic>
+        <p:nvPicPr>
+          <p:cNvPr id="3075" name="Picture 3"/>
+          <p:cNvPicPr>
+            <a:picLocks noChangeAspect="1" noChangeArrowheads="1"/>
+          </p:cNvPicPr>
+          <p:nvPr/>
+        </p:nvPicPr>
+        <p:blipFill>
+          <a:blip r:embed="rId3">
+            <a:extLst>
+              <a:ext uri="{28A0092B-C50C-407E-A947-70E740481C1C}">
+                <a14:useLocalDpi xmlns:a14="http://schemas.microsoft.com/office/drawing/2010/main" val="0"/>
+              </a:ext>
+            </a:extLst>
+          </a:blip>
+          <a:srcRect/>
+          <a:stretch>
+            <a:fillRect/>
+          </a:stretch>
+        </p:blipFill>
+        <p:spPr bwMode="auto">
+          <a:xfrm>
+            <a:off x="251520" y="4149080"/>
+            <a:ext cx="8713862" cy="1501788"/>
+          </a:xfrm>
+          <a:prstGeom prst="rect">
+            <a:avLst/>
+          </a:prstGeom>
+          <a:noFill/>
+          <a:ln>
+            <a:noFill/>
+          </a:ln>
+          <a:effectLst/>
+          <a:extLst>
+            <a:ext uri="{909E8E84-426E-40DD-AFC4-6F175D3DCCD1}">
+              <a14:hiddenFill xmlns:a14="http://schemas.microsoft.com/office/drawing/2010/main">
+                <a:solidFill>
+                  <a:schemeClr val="accent1"/>
+                </a:solidFill>
+              </a14:hiddenFill>
+            </a:ext>
+            <a:ext uri="{91240B29-F687-4F45-9708-019B960494DF}">
+              <a14:hiddenLine xmlns:a14="http://schemas.microsoft.com/office/drawing/2010/main" w="9525">
+                <a:solidFill>
+                  <a:schemeClr val="tx1"/>
+                </a:solidFill>
+                <a:miter lim="800000"/>
+                <a:headEnd/>
+                <a:tailEnd/>
+              </a14:hiddenLine>
+            </a:ext>
+            <a:ext uri="{AF507438-7753-43E0-B8FC-AC1667EBCBE1}">
+              <a14:hiddenEffects xmlns:a14="http://schemas.microsoft.com/office/drawing/2010/main">
+                <a:effectLst>
+                  <a:outerShdw dist="35921" dir="2700000" algn="ctr" rotWithShape="0">
+                    <a:schemeClr val="bg2"/>
+                  </a:outerShdw>
+                </a:effectLst>
+              </a14:hiddenEffects>
+            </a:ext>
+          </a:extLst>
+        </p:spPr>
+      </p:pic>
+    </p:spTree>
+    <p:extLst>
+      <p:ext uri="{BB962C8B-B14F-4D97-AF65-F5344CB8AC3E}">
+        <p14:creationId xmlns:p14="http://schemas.microsoft.com/office/powerpoint/2010/main" val="148297732"/>
+      </p:ext>
+    </p:extLst>
+  </p:cSld>
+  <p:clrMapOvr>
+    <a:masterClrMapping/>
+  </p:clrMapOvr>
+  <p:transition/>
+  <p:timing>
+    <p:tnLst>
+      <p:par>
+        <p:cTn id="1" dur="indefinite" restart="never" nodeType="tmRoot"/>
+      </p:par>
+    </p:tnLst>
+  </p:timing>
+</p:sld>
+</file>
+
+<file path=ppt/slides/slide3.xml><?xml version="1.0" encoding="utf-8"?>
+<p:sld xmlns:a="http://schemas.openxmlformats.org/drawingml/2006/main" xmlns:r="http://schemas.openxmlformats.org/officeDocument/2006/relationships" xmlns:p="http://schemas.openxmlformats.org/presentationml/2006/main">
+  <p:cSld>
+    <p:spTree>
+      <p:nvGrpSpPr>
+        <p:cNvPr id="1" name=""/>
+        <p:cNvGrpSpPr/>
+        <p:nvPr/>
+      </p:nvGrpSpPr>
+      <p:grpSpPr>
+        <a:xfrm>
+          <a:off x="0" y="0"/>
+          <a:ext cx="0" cy="0"/>
+          <a:chOff x="0" y="0"/>
+          <a:chExt cx="0" cy="0"/>
+        </a:xfrm>
+      </p:grpSpPr>
+      <p:sp>
+        <p:nvSpPr>
+          <p:cNvPr id="2" name="Inhaltsplatzhalter 1"/>
+          <p:cNvSpPr>
+            <a:spLocks noGrp="1"/>
+          </p:cNvSpPr>
+          <p:nvPr>
+            <p:ph idx="1"/>
+          </p:nvPr>
+        </p:nvSpPr>
+        <p:spPr/>
+        <p:txBody>
+          <a:bodyPr/>
+          <a:lstStyle/>
+          <a:p>
+            <a:r>
+              <a:rPr lang="de-CH" dirty="0" smtClean="0"/>
+              <a:t>Technische Risiken eliminieren</a:t>
+            </a:r>
+          </a:p>
+          <a:p>
+            <a:r>
+              <a:rPr lang="de-CH" dirty="0" smtClean="0"/>
+              <a:t>Machbarkeit beweisen</a:t>
+            </a:r>
+          </a:p>
+          <a:p>
+            <a:r>
+              <a:rPr lang="de-CH" dirty="0" smtClean="0"/>
+              <a:t>Vorbereitung Konstruktionsphase</a:t>
+            </a:r>
+          </a:p>
+          <a:p>
+            <a:r>
+              <a:rPr lang="de-CH" dirty="0" smtClean="0"/>
+              <a:t>Evaluation Werkzeuge / Bibliotheken</a:t>
+            </a:r>
+            <a:endParaRPr lang="de-CH" dirty="0"/>
+          </a:p>
+        </p:txBody>
+      </p:sp>
+      <p:sp>
+        <p:nvSpPr>
+          <p:cNvPr id="3" name="Titel 2"/>
+          <p:cNvSpPr>
+            <a:spLocks noGrp="1"/>
+          </p:cNvSpPr>
+          <p:nvPr>
+            <p:ph type="title"/>
+          </p:nvPr>
+        </p:nvSpPr>
+        <p:spPr/>
+        <p:txBody>
+          <a:bodyPr/>
+          <a:lstStyle/>
+          <a:p>
+            <a:r>
+              <a:rPr lang="de-CH" dirty="0" smtClean="0"/>
+              <a:t>Ziele</a:t>
+            </a:r>
+            <a:endParaRPr lang="de-CH" dirty="0"/>
+          </a:p>
+        </p:txBody>
+      </p:sp>
+      <p:pic>
+        <p:nvPicPr>
+          <p:cNvPr id="3075" name="Picture 3" descr="C:\Users\Lukas Elmer\AppData\Local\Microsoft\Windows\Temporary Internet Files\Content.IE5\E2GAV9V0\MP900433179[1].jpg"/>
+          <p:cNvPicPr>
+            <a:picLocks noChangeAspect="1" noChangeArrowheads="1"/>
+          </p:cNvPicPr>
+          <p:nvPr/>
+        </p:nvPicPr>
+        <p:blipFill>
+          <a:blip r:embed="rId3" cstate="print">
+            <a:extLst>
+              <a:ext uri="{28A0092B-C50C-407E-A947-70E740481C1C}">
+                <a14:useLocalDpi xmlns:a14="http://schemas.microsoft.com/office/drawing/2010/main" val="0"/>
+              </a:ext>
+            </a:extLst>
+          </a:blip>
+          <a:srcRect/>
+          <a:stretch>
+            <a:fillRect/>
+          </a:stretch>
+        </p:blipFill>
+        <p:spPr bwMode="auto">
+          <a:xfrm>
+            <a:off x="6588224" y="4851085"/>
+            <a:ext cx="2466964" cy="1851447"/>
+          </a:xfrm>
+          <a:prstGeom prst="rect">
+            <a:avLst/>
+          </a:prstGeom>
+          <a:ln>
+            <a:noFill/>
+          </a:ln>
+          <a:effectLst>
+            <a:softEdge rad="112500"/>
+          </a:effectLst>
+          <a:extLst>
+            <a:ext uri="{909E8E84-426E-40DD-AFC4-6F175D3DCCD1}">
+              <a14:hiddenFill xmlns:a14="http://schemas.microsoft.com/office/drawing/2010/main">
+                <a:solidFill>
+                  <a:srgbClr val="FFFFFF"/>
+                </a:solidFill>
+              </a14:hiddenFill>
+            </a:ext>
+          </a:extLst>
+        </p:spPr>
+      </p:pic>
+    </p:spTree>
+    <p:extLst>
+      <p:ext uri="{BB962C8B-B14F-4D97-AF65-F5344CB8AC3E}">
+        <p14:creationId xmlns:p14="http://schemas.microsoft.com/office/powerpoint/2010/main" val="2857039303"/>
+      </p:ext>
+    </p:extLst>
+  </p:cSld>
+  <p:clrMapOvr>
+    <a:masterClrMapping/>
+  </p:clrMapOvr>
+  <p:transition/>
+  <p:timing>
+    <p:tnLst>
+      <p:par>
+        <p:cTn id="1" dur="indefinite" restart="never" nodeType="tmRoot"/>
+      </p:par>
+    </p:tnLst>
+  </p:timing>
+</p:sld>
+</file>
+
+<file path=ppt/slides/slide30.xml><?xml version="1.0" encoding="utf-8"?>
+<p:sld xmlns:a="http://schemas.openxmlformats.org/drawingml/2006/main" xmlns:r="http://schemas.openxmlformats.org/officeDocument/2006/relationships" xmlns:p="http://schemas.openxmlformats.org/presentationml/2006/main">
+  <p:cSld>
+    <p:spTree>
+      <p:nvGrpSpPr>
+        <p:cNvPr id="1" name=""/>
+        <p:cNvGrpSpPr/>
+        <p:nvPr/>
+      </p:nvGrpSpPr>
+      <p:grpSpPr>
+        <a:xfrm>
+          <a:off x="0" y="0"/>
+          <a:ext cx="0" cy="0"/>
+          <a:chOff x="0" y="0"/>
+          <a:chExt cx="0" cy="0"/>
+        </a:xfrm>
+      </p:grpSpPr>
+      <p:pic>
+        <p:nvPicPr>
+          <p:cNvPr id="7170" name="Picture 2">
+            <a:hlinkClick r:id="rId2"/>
+          </p:cNvPr>
+          <p:cNvPicPr>
+            <a:picLocks noChangeAspect="1" noChangeArrowheads="1"/>
+          </p:cNvPicPr>
+          <p:nvPr/>
+        </p:nvPicPr>
+        <p:blipFill>
+          <a:blip r:embed="rId3">
+            <a:extLst>
+              <a:ext uri="{28A0092B-C50C-407E-A947-70E740481C1C}">
+                <a14:useLocalDpi xmlns:a14="http://schemas.microsoft.com/office/drawing/2010/main" val="0"/>
+              </a:ext>
+            </a:extLst>
+          </a:blip>
+          <a:srcRect/>
+          <a:stretch>
+            <a:fillRect/>
+          </a:stretch>
+        </p:blipFill>
+        <p:spPr bwMode="auto">
+          <a:xfrm>
+            <a:off x="7288113" y="5934422"/>
+            <a:ext cx="1621929" cy="751493"/>
+          </a:xfrm>
+          <a:prstGeom prst="rect">
+            <a:avLst/>
+          </a:prstGeom>
+          <a:noFill/>
+          <a:ln>
+            <a:noFill/>
+          </a:ln>
+          <a:effectLst/>
+          <a:extLst>
+            <a:ext uri="{909E8E84-426E-40DD-AFC4-6F175D3DCCD1}">
+              <a14:hiddenFill xmlns:a14="http://schemas.microsoft.com/office/drawing/2010/main">
+                <a:solidFill>
+                  <a:schemeClr val="accent1"/>
+                </a:solidFill>
+              </a14:hiddenFill>
+            </a:ext>
+            <a:ext uri="{91240B29-F687-4F45-9708-019B960494DF}">
+              <a14:hiddenLine xmlns:a14="http://schemas.microsoft.com/office/drawing/2010/main" w="9525">
+                <a:solidFill>
+                  <a:schemeClr val="tx1"/>
+                </a:solidFill>
+                <a:miter lim="800000"/>
+                <a:headEnd/>
+                <a:tailEnd/>
+              </a14:hiddenLine>
+            </a:ext>
+            <a:ext uri="{AF507438-7753-43E0-B8FC-AC1667EBCBE1}">
+              <a14:hiddenEffects xmlns:a14="http://schemas.microsoft.com/office/drawing/2010/main">
+                <a:effectLst>
+                  <a:outerShdw dist="35921" dir="2700000" algn="ctr" rotWithShape="0">
+                    <a:schemeClr val="bg2"/>
+                  </a:outerShdw>
+                </a:effectLst>
+              </a14:hiddenEffects>
+            </a:ext>
+          </a:extLst>
+        </p:spPr>
+      </p:pic>
+      <p:pic>
+        <p:nvPicPr>
+          <p:cNvPr id="7171" name="Picture 3"/>
+          <p:cNvPicPr>
+            <a:picLocks noChangeAspect="1" noChangeArrowheads="1"/>
+          </p:cNvPicPr>
+          <p:nvPr/>
+        </p:nvPicPr>
+        <p:blipFill>
+          <a:blip r:embed="rId4">
+            <a:extLst>
+              <a:ext uri="{28A0092B-C50C-407E-A947-70E740481C1C}">
+                <a14:useLocalDpi xmlns:a14="http://schemas.microsoft.com/office/drawing/2010/main" val="0"/>
+              </a:ext>
+            </a:extLst>
+          </a:blip>
+          <a:srcRect/>
+          <a:stretch>
+            <a:fillRect/>
+          </a:stretch>
+        </p:blipFill>
+        <p:spPr bwMode="auto">
+          <a:xfrm>
+            <a:off x="1475656" y="667321"/>
+            <a:ext cx="6408712" cy="5391901"/>
+          </a:xfrm>
+          <a:prstGeom prst="rect">
+            <a:avLst/>
+          </a:prstGeom>
+          <a:noFill/>
+          <a:ln>
+            <a:noFill/>
+          </a:ln>
+          <a:effectLst/>
+          <a:extLst>
+            <a:ext uri="{909E8E84-426E-40DD-AFC4-6F175D3DCCD1}">
+              <a14:hiddenFill xmlns:a14="http://schemas.microsoft.com/office/drawing/2010/main">
+                <a:solidFill>
+                  <a:schemeClr val="accent1"/>
+                </a:solidFill>
+              </a14:hiddenFill>
+            </a:ext>
+            <a:ext uri="{91240B29-F687-4F45-9708-019B960494DF}">
+              <a14:hiddenLine xmlns:a14="http://schemas.microsoft.com/office/drawing/2010/main" w="9525">
+                <a:solidFill>
+                  <a:schemeClr val="tx1"/>
+                </a:solidFill>
+                <a:miter lim="800000"/>
+                <a:headEnd/>
+                <a:tailEnd/>
+              </a14:hiddenLine>
+            </a:ext>
+            <a:ext uri="{AF507438-7753-43E0-B8FC-AC1667EBCBE1}">
+              <a14:hiddenEffects xmlns:a14="http://schemas.microsoft.com/office/drawing/2010/main">
+                <a:effectLst>
+                  <a:outerShdw dist="35921" dir="2700000" algn="ctr" rotWithShape="0">
+                    <a:schemeClr val="bg2"/>
+                  </a:outerShdw>
+                </a:effectLst>
+              </a14:hiddenEffects>
+            </a:ext>
+          </a:extLst>
+        </p:spPr>
+      </p:pic>
+    </p:spTree>
+    <p:extLst>
+      <p:ext uri="{BB962C8B-B14F-4D97-AF65-F5344CB8AC3E}">
+        <p14:creationId xmlns:p14="http://schemas.microsoft.com/office/powerpoint/2010/main" val="3576834774"/>
+      </p:ext>
+    </p:extLst>
+  </p:cSld>
+  <p:clrMapOvr>
+    <a:masterClrMapping/>
+  </p:clrMapOvr>
+  <p:transition/>
+  <p:timing>
+    <p:tnLst>
+      <p:par>
+        <p:cTn id="1" dur="indefinite" restart="never" nodeType="tmRoot"/>
+      </p:par>
+    </p:tnLst>
+  </p:timing>
+</p:sld>
+</file>
+
+<file path=ppt/slides/slide31.xml><?xml version="1.0" encoding="utf-8"?>
+<p:sld xmlns:a="http://schemas.openxmlformats.org/drawingml/2006/main" xmlns:r="http://schemas.openxmlformats.org/officeDocument/2006/relationships" xmlns:p="http://schemas.openxmlformats.org/presentationml/2006/main">
+  <p:cSld>
+    <p:spTree>
+      <p:nvGrpSpPr>
+        <p:cNvPr id="1" name=""/>
+        <p:cNvGrpSpPr/>
+        <p:nvPr/>
+      </p:nvGrpSpPr>
+      <p:grpSpPr>
+        <a:xfrm>
+          <a:off x="0" y="0"/>
+          <a:ext cx="0" cy="0"/>
+          <a:chOff x="0" y="0"/>
+          <a:chExt cx="0" cy="0"/>
+        </a:xfrm>
+      </p:grpSpPr>
+      <p:sp>
+        <p:nvSpPr>
+          <p:cNvPr id="2" name="Inhaltsplatzhalter 1"/>
+          <p:cNvSpPr>
+            <a:spLocks noGrp="1"/>
+          </p:cNvSpPr>
+          <p:nvPr>
+            <p:ph idx="1"/>
+          </p:nvPr>
+        </p:nvSpPr>
+        <p:spPr/>
+        <p:txBody>
+          <a:bodyPr/>
+          <a:lstStyle/>
+          <a:p>
+            <a:endParaRPr lang="de-CH"/>
+          </a:p>
+        </p:txBody>
+      </p:sp>
+      <p:sp>
+        <p:nvSpPr>
+          <p:cNvPr id="3" name="Titel 2"/>
+          <p:cNvSpPr>
+            <a:spLocks noGrp="1"/>
+          </p:cNvSpPr>
+          <p:nvPr>
+            <p:ph type="title"/>
+          </p:nvPr>
+        </p:nvSpPr>
+        <p:spPr/>
+        <p:txBody>
+          <a:bodyPr/>
+          <a:lstStyle/>
+          <a:p>
+            <a:r>
+              <a:rPr lang="de-CH" dirty="0" smtClean="0"/>
+              <a:t>Auswertung Zeiterfassung</a:t>
+            </a:r>
+            <a:endParaRPr lang="de-CH" dirty="0"/>
+          </a:p>
+        </p:txBody>
+      </p:sp>
+    </p:spTree>
+    <p:extLst>
+      <p:ext uri="{BB962C8B-B14F-4D97-AF65-F5344CB8AC3E}">
+        <p14:creationId xmlns:p14="http://schemas.microsoft.com/office/powerpoint/2010/main" val="3261160706"/>
+      </p:ext>
+    </p:extLst>
+  </p:cSld>
+  <p:clrMapOvr>
+    <a:masterClrMapping/>
+  </p:clrMapOvr>
+  <p:transition/>
+  <p:timing>
+    <p:tnLst>
+      <p:par>
+        <p:cTn id="1" dur="indefinite" restart="never" nodeType="tmRoot"/>
+      </p:par>
+    </p:tnLst>
+  </p:timing>
+</p:sld>
+</file>
+
+<file path=ppt/slides/slide32.xml><?xml version="1.0" encoding="utf-8"?>
+<p:sld xmlns:a="http://schemas.openxmlformats.org/drawingml/2006/main" xmlns:r="http://schemas.openxmlformats.org/officeDocument/2006/relationships" xmlns:p="http://schemas.openxmlformats.org/presentationml/2006/main">
+  <p:cSld>
+    <p:spTree>
+      <p:nvGrpSpPr>
+        <p:cNvPr id="1" name=""/>
+        <p:cNvGrpSpPr/>
+        <p:nvPr/>
+      </p:nvGrpSpPr>
+      <p:grpSpPr>
+        <a:xfrm>
+          <a:off x="0" y="0"/>
+          <a:ext cx="0" cy="0"/>
+          <a:chOff x="0" y="0"/>
+          <a:chExt cx="0" cy="0"/>
+        </a:xfrm>
+      </p:grpSpPr>
+      <p:sp>
+        <p:nvSpPr>
+          <p:cNvPr id="3" name="Titel 2"/>
+          <p:cNvSpPr>
+            <a:spLocks noGrp="1"/>
+          </p:cNvSpPr>
+          <p:nvPr>
+            <p:ph type="title"/>
+          </p:nvPr>
+        </p:nvSpPr>
+        <p:spPr/>
+        <p:txBody>
+          <a:bodyPr/>
+          <a:lstStyle/>
+          <a:p>
+            <a:r>
+              <a:rPr lang="de-CH" dirty="0" smtClean="0"/>
+              <a:t>Risikomanagement</a:t>
+            </a:r>
+            <a:endParaRPr lang="de-CH" dirty="0"/>
+          </a:p>
+        </p:txBody>
+      </p:sp>
+      <p:pic>
+        <p:nvPicPr>
+          <p:cNvPr id="6146" name="Picture 2">
+            <a:hlinkClick r:id="rId3"/>
+          </p:cNvPr>
+          <p:cNvPicPr>
+            <a:picLocks noChangeAspect="1" noChangeArrowheads="1"/>
+          </p:cNvPicPr>
+          <p:nvPr/>
+        </p:nvPicPr>
+        <p:blipFill>
+          <a:blip r:embed="rId4">
+            <a:extLst>
+              <a:ext uri="{28A0092B-C50C-407E-A947-70E740481C1C}">
+                <a14:useLocalDpi xmlns:a14="http://schemas.microsoft.com/office/drawing/2010/main" val="0"/>
+              </a:ext>
+            </a:extLst>
+          </a:blip>
+          <a:srcRect/>
+          <a:stretch>
+            <a:fillRect/>
+          </a:stretch>
+        </p:blipFill>
+        <p:spPr bwMode="auto">
+          <a:xfrm>
+            <a:off x="6516216" y="4221088"/>
+            <a:ext cx="2088232" cy="2088232"/>
+          </a:xfrm>
+          <a:prstGeom prst="roundRect">
+            <a:avLst>
+              <a:gd name="adj" fmla="val 8594"/>
+            </a:avLst>
+          </a:prstGeom>
+          <a:solidFill>
+            <a:srgbClr val="FFFFFF">
+              <a:shade val="85000"/>
+            </a:srgbClr>
+          </a:solidFill>
+          <a:ln>
+            <a:noFill/>
+          </a:ln>
+          <a:effectLst>
+            <a:reflection blurRad="12700" stA="38000" endPos="28000" dist="5000" dir="5400000" sy="-100000" algn="bl" rotWithShape="0"/>
+          </a:effectLst>
+          <a:extLst>
+            <a:ext uri="{91240B29-F687-4F45-9708-019B960494DF}">
+              <a14:hiddenLine xmlns:a14="http://schemas.microsoft.com/office/drawing/2010/main" w="9525">
+                <a:solidFill>
+                  <a:schemeClr val="tx1"/>
+                </a:solidFill>
+                <a:miter lim="800000"/>
+                <a:headEnd/>
+                <a:tailEnd/>
+              </a14:hiddenLine>
+            </a:ext>
+            <a:ext uri="{AF507438-7753-43E0-B8FC-AC1667EBCBE1}">
+              <a14:hiddenEffects xmlns:a14="http://schemas.microsoft.com/office/drawing/2010/main">
+                <a:effectLst>
+                  <a:outerShdw dist="35921" dir="2700000" algn="ctr" rotWithShape="0">
+                    <a:schemeClr val="bg2"/>
+                  </a:outerShdw>
+                </a:effectLst>
+              </a14:hiddenEffects>
+            </a:ext>
+          </a:extLst>
+        </p:spPr>
+      </p:pic>
+      <p:sp>
+        <p:nvSpPr>
+          <p:cNvPr id="4" name="Inhaltsplatzhalter 3"/>
+          <p:cNvSpPr>
+            <a:spLocks noGrp="1"/>
+          </p:cNvSpPr>
+          <p:nvPr>
+            <p:ph idx="1"/>
+          </p:nvPr>
+        </p:nvSpPr>
+        <p:spPr/>
+        <p:txBody>
+          <a:bodyPr/>
+          <a:lstStyle/>
+          <a:p>
+            <a:pPr>
+              <a:tabLst>
+                <a:tab pos="4749800" algn="l"/>
+              </a:tabLst>
+            </a:pPr>
+            <a:r>
+              <a:rPr lang="de-CH" dirty="0" smtClean="0"/>
+              <a:t>Anzahl Risiken:	6</a:t>
+            </a:r>
+          </a:p>
+          <a:p>
+            <a:pPr>
+              <a:tabLst>
+                <a:tab pos="4749800" algn="l"/>
+              </a:tabLst>
+            </a:pPr>
+            <a:r>
+              <a:rPr lang="de-CH" dirty="0" smtClean="0"/>
+              <a:t>Verbleibende Reserve:	~13 Stunden</a:t>
+            </a:r>
+          </a:p>
+          <a:p>
+            <a:pPr>
+              <a:tabLst>
+                <a:tab pos="4749800" algn="l"/>
+              </a:tabLst>
+            </a:pPr>
+            <a:r>
+              <a:rPr lang="de-CH" dirty="0" smtClean="0"/>
+              <a:t>Bereinigte Risiken:	3</a:t>
+            </a:r>
+          </a:p>
+          <a:p>
+            <a:pPr>
+              <a:tabLst>
+                <a:tab pos="4749800" algn="l"/>
+              </a:tabLst>
+            </a:pPr>
+            <a:endParaRPr lang="de-CH" dirty="0" smtClean="0"/>
+          </a:p>
+          <a:p>
+            <a:pPr>
+              <a:tabLst>
+                <a:tab pos="4749800" algn="l"/>
+              </a:tabLst>
+            </a:pPr>
+            <a:r>
+              <a:rPr lang="de-CH" dirty="0" smtClean="0"/>
+              <a:t>Bereinigtes Risiko in Elaboration Phase:</a:t>
+            </a:r>
+          </a:p>
+          <a:p>
+            <a:pPr lvl="1">
+              <a:tabLst>
+                <a:tab pos="4749800" algn="l"/>
+              </a:tabLst>
+            </a:pPr>
+            <a:r>
+              <a:rPr lang="de-CH" dirty="0" smtClean="0"/>
+              <a:t>Übertragung Mobile </a:t>
+            </a:r>
+            <a:r>
+              <a:rPr lang="de-CH" dirty="0" smtClean="0">
+                <a:sym typeface="Wingdings" pitchFamily="2" charset="2"/>
+              </a:rPr>
+              <a:t> Server</a:t>
+            </a:r>
+            <a:r>
+              <a:rPr lang="de-CH" dirty="0" smtClean="0"/>
+              <a:t>  </a:t>
+            </a:r>
+            <a:endParaRPr lang="de-CH" dirty="0"/>
+          </a:p>
+        </p:txBody>
+      </p:sp>
+    </p:spTree>
+    <p:extLst>
+      <p:ext uri="{BB962C8B-B14F-4D97-AF65-F5344CB8AC3E}">
+        <p14:creationId xmlns:p14="http://schemas.microsoft.com/office/powerpoint/2010/main" val="1793667745"/>
+      </p:ext>
+    </p:extLst>
+  </p:cSld>
+  <p:clrMapOvr>
+    <a:masterClrMapping/>
+  </p:clrMapOvr>
+  <p:transition/>
+  <p:timing>
+    <p:tnLst>
+      <p:par>
+        <p:cTn id="1" dur="indefinite" restart="never" nodeType="tmRoot"/>
+      </p:par>
+    </p:tnLst>
+  </p:timing>
+</p:sld>
+</file>
+
+<file path=ppt/slides/slide33.xml><?xml version="1.0" encoding="utf-8"?>
+<p:sld xmlns:a="http://schemas.openxmlformats.org/drawingml/2006/main" xmlns:r="http://schemas.openxmlformats.org/officeDocument/2006/relationships" xmlns:p="http://schemas.openxmlformats.org/presentationml/2006/main">
+  <p:cSld>
+    <p:spTree>
+      <p:nvGrpSpPr>
+        <p:cNvPr id="1" name=""/>
+        <p:cNvGrpSpPr/>
+        <p:nvPr/>
+      </p:nvGrpSpPr>
+      <p:grpSpPr>
+        <a:xfrm>
+          <a:off x="0" y="0"/>
+          <a:ext cx="0" cy="0"/>
+          <a:chOff x="0" y="0"/>
+          <a:chExt cx="0" cy="0"/>
+        </a:xfrm>
+      </p:grpSpPr>
+      <p:sp>
+        <p:nvSpPr>
+          <p:cNvPr id="2" name="Inhaltsplatzhalter 1"/>
+          <p:cNvSpPr>
+            <a:spLocks noGrp="1"/>
+          </p:cNvSpPr>
+          <p:nvPr>
+            <p:ph idx="1"/>
+          </p:nvPr>
+        </p:nvSpPr>
+        <p:spPr/>
+        <p:txBody>
+          <a:bodyPr/>
+          <a:lstStyle/>
+          <a:p>
+            <a:r>
+              <a:rPr lang="de-CH" dirty="0"/>
+              <a:t>Technische </a:t>
+            </a:r>
+            <a:r>
+              <a:rPr lang="de-CH" dirty="0" smtClean="0"/>
+              <a:t>Risiken sind </a:t>
+            </a:r>
+            <a:r>
+              <a:rPr lang="de-CH" dirty="0"/>
+              <a:t>eliminieren</a:t>
+            </a:r>
+          </a:p>
+          <a:p>
+            <a:r>
+              <a:rPr lang="de-CH" dirty="0"/>
+              <a:t>Machbarkeit </a:t>
+            </a:r>
+            <a:r>
+              <a:rPr lang="de-CH" dirty="0" smtClean="0"/>
+              <a:t>ist beweisen</a:t>
+            </a:r>
+          </a:p>
+          <a:p>
+            <a:endParaRPr lang="de-CH" dirty="0"/>
+          </a:p>
+          <a:p>
+            <a:r>
+              <a:rPr lang="de-CH" dirty="0" smtClean="0"/>
+              <a:t>Start der Konstruktionsphase</a:t>
+            </a:r>
+            <a:endParaRPr lang="de-CH" dirty="0"/>
+          </a:p>
+          <a:p>
+            <a:endParaRPr lang="de-CH" dirty="0"/>
+          </a:p>
+        </p:txBody>
+      </p:sp>
+      <p:sp>
+        <p:nvSpPr>
+          <p:cNvPr id="3" name="Titel 2"/>
+          <p:cNvSpPr>
+            <a:spLocks noGrp="1"/>
+          </p:cNvSpPr>
+          <p:nvPr>
+            <p:ph type="title"/>
+          </p:nvPr>
+        </p:nvSpPr>
+        <p:spPr/>
+        <p:txBody>
+          <a:bodyPr/>
+          <a:lstStyle/>
+          <a:p>
+            <a:r>
+              <a:rPr lang="de-CH" dirty="0" smtClean="0"/>
+              <a:t>Zusammenfassung</a:t>
+            </a:r>
+            <a:endParaRPr lang="de-CH" dirty="0"/>
+          </a:p>
+        </p:txBody>
+      </p:sp>
+    </p:spTree>
+    <p:extLst>
+      <p:ext uri="{BB962C8B-B14F-4D97-AF65-F5344CB8AC3E}">
+        <p14:creationId xmlns:p14="http://schemas.microsoft.com/office/powerpoint/2010/main" val="1547100438"/>
+      </p:ext>
+    </p:extLst>
+  </p:cSld>
+  <p:clrMapOvr>
+    <a:masterClrMapping/>
+  </p:clrMapOvr>
+  <p:transition/>
+  <p:timing>
+    <p:tnLst>
+      <p:par>
+        <p:cTn id="1" dur="indefinite" restart="never" nodeType="tmRoot"/>
+      </p:par>
+    </p:tnLst>
+  </p:timing>
+</p:sld>
+</file>
+
+<file path=ppt/slides/slide34.xml><?xml version="1.0" encoding="utf-8"?>
+<p:sld xmlns:a="http://schemas.openxmlformats.org/drawingml/2006/main" xmlns:r="http://schemas.openxmlformats.org/officeDocument/2006/relationships" xmlns:p="http://schemas.openxmlformats.org/presentationml/2006/main">
+  <p:cSld>
+    <p:spTree>
+      <p:nvGrpSpPr>
+        <p:cNvPr id="1" name=""/>
+        <p:cNvGrpSpPr/>
+        <p:nvPr/>
+      </p:nvGrpSpPr>
+      <p:grpSpPr>
+        <a:xfrm>
+          <a:off x="0" y="0"/>
+          <a:ext cx="0" cy="0"/>
+          <a:chOff x="0" y="0"/>
+          <a:chExt cx="0" cy="0"/>
+        </a:xfrm>
+      </p:grpSpPr>
+      <p:sp>
+        <p:nvSpPr>
+          <p:cNvPr id="2" name="Inhaltsplatzhalter 1"/>
+          <p:cNvSpPr>
+            <a:spLocks noGrp="1"/>
+          </p:cNvSpPr>
+          <p:nvPr>
+            <p:ph idx="1"/>
+          </p:nvPr>
+        </p:nvSpPr>
+        <p:spPr>
+          <a:xfrm>
+            <a:off x="1331640" y="2132856"/>
+            <a:ext cx="3672408" cy="1440160"/>
+          </a:xfrm>
+        </p:spPr>
+        <p:txBody>
+          <a:bodyPr/>
+          <a:lstStyle/>
+          <a:p>
+            <a:pPr marL="109728" indent="0">
+              <a:buNone/>
+            </a:pPr>
+            <a:r>
+              <a:rPr lang="de-CH" dirty="0" smtClean="0"/>
+              <a:t>Vielen Dank für Ihre Aufmerksamkeit!</a:t>
+            </a:r>
+            <a:endParaRPr lang="de-CH" dirty="0"/>
+          </a:p>
+        </p:txBody>
+      </p:sp>
+      <p:sp>
+        <p:nvSpPr>
+          <p:cNvPr id="3" name="Titel 2"/>
+          <p:cNvSpPr>
+            <a:spLocks noGrp="1"/>
+          </p:cNvSpPr>
+          <p:nvPr>
+            <p:ph type="title"/>
+          </p:nvPr>
+        </p:nvSpPr>
+        <p:spPr/>
+        <p:txBody>
+          <a:bodyPr/>
+          <a:lstStyle/>
+          <a:p>
+            <a:r>
+              <a:rPr lang="de-CH" dirty="0" smtClean="0"/>
+              <a:t>Fragen</a:t>
+            </a:r>
+            <a:endParaRPr lang="de-CH" dirty="0"/>
+          </a:p>
+        </p:txBody>
+      </p:sp>
+      <p:pic>
+        <p:nvPicPr>
+          <p:cNvPr id="5122" name="Picture 2" descr="C:\Users\schefe\AppData\Local\Microsoft\Windows\Temporary Internet Files\Content.IE5\PFEG0HII\MP900315598[1].jpg"/>
+          <p:cNvPicPr>
+            <a:picLocks noChangeAspect="1" noChangeArrowheads="1"/>
+          </p:cNvPicPr>
+          <p:nvPr/>
+        </p:nvPicPr>
+        <p:blipFill>
+          <a:blip r:embed="rId2">
+            <a:extLst>
+              <a:ext uri="{28A0092B-C50C-407E-A947-70E740481C1C}">
+                <a14:useLocalDpi xmlns:a14="http://schemas.microsoft.com/office/drawing/2010/main" val="0"/>
+              </a:ext>
+            </a:extLst>
+          </a:blip>
+          <a:srcRect/>
+          <a:stretch>
+            <a:fillRect/>
+          </a:stretch>
+        </p:blipFill>
+        <p:spPr bwMode="auto">
+          <a:xfrm>
+            <a:off x="4860032" y="2924944"/>
+            <a:ext cx="2547196" cy="1817000"/>
+          </a:xfrm>
+          <a:prstGeom prst="roundRect">
+            <a:avLst>
+              <a:gd name="adj" fmla="val 8594"/>
+            </a:avLst>
+          </a:prstGeom>
+          <a:solidFill>
+            <a:srgbClr val="FFFFFF">
+              <a:shade val="85000"/>
+            </a:srgbClr>
+          </a:solidFill>
+          <a:ln>
+            <a:noFill/>
+          </a:ln>
+          <a:effectLst>
+            <a:reflection blurRad="12700" stA="38000" endPos="28000" dist="5000" dir="5400000" sy="-100000" algn="bl" rotWithShape="0"/>
+          </a:effectLst>
+          <a:extLst/>
+        </p:spPr>
+      </p:pic>
+    </p:spTree>
+    <p:extLst>
+      <p:ext uri="{BB962C8B-B14F-4D97-AF65-F5344CB8AC3E}">
+        <p14:creationId xmlns:p14="http://schemas.microsoft.com/office/powerpoint/2010/main" val="4262147464"/>
+      </p:ext>
+    </p:extLst>
+  </p:cSld>
+  <p:clrMapOvr>
+    <a:masterClrMapping/>
+  </p:clrMapOvr>
+  <p:transition/>
+  <p:timing>
+    <p:tnLst>
+      <p:par>
+        <p:cTn id="1" dur="indefinite" restart="never" nodeType="tmRoot"/>
+      </p:par>
+    </p:tnLst>
+  </p:timing>
+</p:sld>
+</file>
+
+<file path=ppt/slides/slide35.xml><?xml version="1.0" encoding="utf-8"?>
+<p:sld xmlns:a="http://schemas.openxmlformats.org/drawingml/2006/main" xmlns:r="http://schemas.openxmlformats.org/officeDocument/2006/relationships" xmlns:p="http://schemas.openxmlformats.org/presentationml/2006/main">
+  <p:cSld>
+    <p:spTree>
+      <p:nvGrpSpPr>
+        <p:cNvPr id="1" name=""/>
+        <p:cNvGrpSpPr/>
+        <p:nvPr/>
+      </p:nvGrpSpPr>
+      <p:grpSpPr>
+        <a:xfrm>
+          <a:off x="0" y="0"/>
+          <a:ext cx="0" cy="0"/>
+          <a:chOff x="0" y="0"/>
+          <a:chExt cx="0" cy="0"/>
+        </a:xfrm>
+      </p:grpSpPr>
+      <p:sp>
+        <p:nvSpPr>
+          <p:cNvPr id="3" name="Titel 2"/>
+          <p:cNvSpPr>
+            <a:spLocks noGrp="1"/>
+          </p:cNvSpPr>
+          <p:nvPr>
+            <p:ph type="title"/>
+          </p:nvPr>
+        </p:nvSpPr>
+        <p:spPr/>
+        <p:txBody>
+          <a:bodyPr/>
+          <a:lstStyle/>
+          <a:p>
+            <a:r>
+              <a:rPr lang="de-CH" dirty="0" smtClean="0"/>
+              <a:t>Live Demo</a:t>
             </a:r>
             <a:endParaRPr lang="de-CH" dirty="0"/>
           </a:p>
@@ -8427,15 +10590,7 @@
             <a:p>
               <a:r>
                 <a:rPr lang="de-CH" b="1" dirty="0" smtClean="0"/>
-                <a:t>Anzeige </a:t>
-              </a:r>
-              <a:r>
-                <a:rPr lang="de-CH" b="1" dirty="0" smtClean="0"/>
-                <a:t>Stundeneinträge auf </a:t>
-              </a:r>
-              <a:r>
-                <a:rPr lang="de-CH" b="1" dirty="0" smtClean="0"/>
-                <a:t>Server </a:t>
+                <a:t>Anzeige Stundeneinträge auf Server </a:t>
               </a:r>
               <a:endParaRPr lang="de-CH" b="1" dirty="0"/>
             </a:p>
@@ -8446,1023 +10601,6 @@
     <p:extLst>
       <p:ext uri="{BB962C8B-B14F-4D97-AF65-F5344CB8AC3E}">
         <p14:creationId xmlns:p14="http://schemas.microsoft.com/office/powerpoint/2010/main" val="2697756913"/>
-      </p:ext>
-    </p:extLst>
-  </p:cSld>
-  <p:clrMapOvr>
-    <a:masterClrMapping/>
-  </p:clrMapOvr>
-  <p:transition/>
-  <p:timing>
-    <p:tnLst>
-      <p:par>
-        <p:cTn id="1" dur="indefinite" restart="never" nodeType="tmRoot"/>
-      </p:par>
-    </p:tnLst>
-  </p:timing>
-</p:sld>
-</file>
-
-<file path=ppt/slides/slide22.xml><?xml version="1.0" encoding="utf-8"?>
-<p:sld xmlns:a="http://schemas.openxmlformats.org/drawingml/2006/main" xmlns:r="http://schemas.openxmlformats.org/officeDocument/2006/relationships" xmlns:p="http://schemas.openxmlformats.org/presentationml/2006/main">
-  <p:cSld>
-    <p:spTree>
-      <p:nvGrpSpPr>
-        <p:cNvPr id="1" name=""/>
-        <p:cNvGrpSpPr/>
-        <p:nvPr/>
-      </p:nvGrpSpPr>
-      <p:grpSpPr>
-        <a:xfrm>
-          <a:off x="0" y="0"/>
-          <a:ext cx="0" cy="0"/>
-          <a:chOff x="0" y="0"/>
-          <a:chExt cx="0" cy="0"/>
-        </a:xfrm>
-      </p:grpSpPr>
-      <p:sp>
-        <p:nvSpPr>
-          <p:cNvPr id="2" name="Inhaltsplatzhalter 1"/>
-          <p:cNvSpPr>
-            <a:spLocks noGrp="1"/>
-          </p:cNvSpPr>
-          <p:nvPr>
-            <p:ph idx="1"/>
-          </p:nvPr>
-        </p:nvSpPr>
-        <p:spPr/>
-        <p:txBody>
-          <a:bodyPr/>
-          <a:lstStyle/>
-          <a:p>
-            <a:r>
-              <a:rPr lang="de-CH" dirty="0" smtClean="0"/>
-              <a:t>Bisherige </a:t>
-            </a:r>
-            <a:r>
-              <a:rPr lang="de-CH" dirty="0" smtClean="0"/>
-              <a:t>totale Arbeitszeit: 433 </a:t>
-            </a:r>
-            <a:r>
-              <a:rPr lang="de-CH" dirty="0" smtClean="0"/>
-              <a:t>Stunden</a:t>
-            </a:r>
-          </a:p>
-          <a:p>
-            <a:r>
-              <a:rPr lang="de-CH" dirty="0"/>
-              <a:t>Release V0.1 </a:t>
-            </a:r>
-            <a:r>
-              <a:rPr lang="de-CH" dirty="0" smtClean="0"/>
-              <a:t>erstellt</a:t>
-            </a:r>
-            <a:endParaRPr lang="de-CH" dirty="0" smtClean="0"/>
-          </a:p>
-          <a:p>
-            <a:r>
-              <a:rPr lang="de-CH" dirty="0" smtClean="0"/>
-              <a:t>MS3 Elaboration wird heute abgeschlossen</a:t>
-            </a:r>
-            <a:endParaRPr lang="de-CH" dirty="0" smtClean="0"/>
-          </a:p>
-          <a:p>
-            <a:r>
-              <a:rPr lang="de-CH" dirty="0" err="1" smtClean="0"/>
-              <a:t>Construction</a:t>
-            </a:r>
-            <a:r>
-              <a:rPr lang="de-CH" dirty="0" smtClean="0"/>
-              <a:t> </a:t>
-            </a:r>
-            <a:r>
-              <a:rPr lang="de-CH" dirty="0" smtClean="0"/>
-              <a:t>Phase </a:t>
-            </a:r>
-            <a:r>
-              <a:rPr lang="de-CH" dirty="0" smtClean="0"/>
-              <a:t>geplant</a:t>
-            </a:r>
-          </a:p>
-          <a:p>
-            <a:r>
-              <a:rPr lang="de-CH" dirty="0" smtClean="0"/>
-              <a:t>Code Review gemacht</a:t>
-            </a:r>
-            <a:endParaRPr lang="de-CH" dirty="0" smtClean="0"/>
-          </a:p>
-          <a:p>
-            <a:endParaRPr lang="de-CH" dirty="0" smtClean="0"/>
-          </a:p>
-          <a:p>
-            <a:endParaRPr lang="de-CH" dirty="0" smtClean="0"/>
-          </a:p>
-          <a:p>
-            <a:endParaRPr lang="de-CH" dirty="0"/>
-          </a:p>
-        </p:txBody>
-      </p:sp>
-      <p:sp>
-        <p:nvSpPr>
-          <p:cNvPr id="3" name="Titel 2"/>
-          <p:cNvSpPr>
-            <a:spLocks noGrp="1"/>
-          </p:cNvSpPr>
-          <p:nvPr>
-            <p:ph type="title"/>
-          </p:nvPr>
-        </p:nvSpPr>
-        <p:spPr/>
-        <p:txBody>
-          <a:bodyPr/>
-          <a:lstStyle/>
-          <a:p>
-            <a:r>
-              <a:rPr lang="de-CH" dirty="0" smtClean="0"/>
-              <a:t>Projektstand</a:t>
-            </a:r>
-            <a:endParaRPr lang="de-CH" dirty="0"/>
-          </a:p>
-        </p:txBody>
-      </p:sp>
-      <p:pic>
-        <p:nvPicPr>
-          <p:cNvPr id="4099" name="Picture 3" descr="C:\Users\schefe\AppData\Local\Microsoft\Windows\Temporary Internet Files\Content.IE5\5MBT18M7\MP900438377[1].jpg"/>
-          <p:cNvPicPr>
-            <a:picLocks noChangeAspect="1" noChangeArrowheads="1"/>
-          </p:cNvPicPr>
-          <p:nvPr/>
-        </p:nvPicPr>
-        <p:blipFill>
-          <a:blip r:embed="rId3" cstate="print">
-            <a:extLst>
-              <a:ext uri="{28A0092B-C50C-407E-A947-70E740481C1C}">
-                <a14:useLocalDpi xmlns:a14="http://schemas.microsoft.com/office/drawing/2010/main" val="0"/>
-              </a:ext>
-            </a:extLst>
-          </a:blip>
-          <a:srcRect/>
-          <a:stretch>
-            <a:fillRect/>
-          </a:stretch>
-        </p:blipFill>
-        <p:spPr bwMode="auto">
-          <a:xfrm>
-            <a:off x="5724128" y="24723"/>
-            <a:ext cx="1088406" cy="1450287"/>
-          </a:xfrm>
-          <a:prstGeom prst="roundRect">
-            <a:avLst>
-              <a:gd name="adj" fmla="val 8594"/>
-            </a:avLst>
-          </a:prstGeom>
-          <a:solidFill>
-            <a:srgbClr val="FFFFFF">
-              <a:shade val="85000"/>
-            </a:srgbClr>
-          </a:solidFill>
-          <a:ln>
-            <a:noFill/>
-          </a:ln>
-          <a:effectLst>
-            <a:reflection blurRad="12700" stA="38000" endPos="28000" dist="5000" dir="5400000" sy="-100000" algn="bl" rotWithShape="0"/>
-          </a:effectLst>
-          <a:extLst/>
-        </p:spPr>
-      </p:pic>
-      <p:pic>
-        <p:nvPicPr>
-          <p:cNvPr id="3075" name="Picture 3"/>
-          <p:cNvPicPr>
-            <a:picLocks noChangeAspect="1" noChangeArrowheads="1"/>
-          </p:cNvPicPr>
-          <p:nvPr/>
-        </p:nvPicPr>
-        <p:blipFill>
-          <a:blip r:embed="rId4">
-            <a:extLst>
-              <a:ext uri="{28A0092B-C50C-407E-A947-70E740481C1C}">
-                <a14:useLocalDpi xmlns:a14="http://schemas.microsoft.com/office/drawing/2010/main" val="0"/>
-              </a:ext>
-            </a:extLst>
-          </a:blip>
-          <a:srcRect/>
-          <a:stretch>
-            <a:fillRect/>
-          </a:stretch>
-        </p:blipFill>
-        <p:spPr bwMode="auto">
-          <a:xfrm>
-            <a:off x="251520" y="4149080"/>
-            <a:ext cx="8713862" cy="1501788"/>
-          </a:xfrm>
-          <a:prstGeom prst="rect">
-            <a:avLst/>
-          </a:prstGeom>
-          <a:noFill/>
-          <a:ln>
-            <a:noFill/>
-          </a:ln>
-          <a:effectLst/>
-          <a:extLst>
-            <a:ext uri="{909E8E84-426E-40DD-AFC4-6F175D3DCCD1}">
-              <a14:hiddenFill xmlns:a14="http://schemas.microsoft.com/office/drawing/2010/main">
-                <a:solidFill>
-                  <a:schemeClr val="accent1"/>
-                </a:solidFill>
-              </a14:hiddenFill>
-            </a:ext>
-            <a:ext uri="{91240B29-F687-4F45-9708-019B960494DF}">
-              <a14:hiddenLine xmlns:a14="http://schemas.microsoft.com/office/drawing/2010/main" w="9525">
-                <a:solidFill>
-                  <a:schemeClr val="tx1"/>
-                </a:solidFill>
-                <a:miter lim="800000"/>
-                <a:headEnd/>
-                <a:tailEnd/>
-              </a14:hiddenLine>
-            </a:ext>
-            <a:ext uri="{AF507438-7753-43E0-B8FC-AC1667EBCBE1}">
-              <a14:hiddenEffects xmlns:a14="http://schemas.microsoft.com/office/drawing/2010/main">
-                <a:effectLst>
-                  <a:outerShdw dist="35921" dir="2700000" algn="ctr" rotWithShape="0">
-                    <a:schemeClr val="bg2"/>
-                  </a:outerShdw>
-                </a:effectLst>
-              </a14:hiddenEffects>
-            </a:ext>
-          </a:extLst>
-        </p:spPr>
-      </p:pic>
-    </p:spTree>
-    <p:extLst>
-      <p:ext uri="{BB962C8B-B14F-4D97-AF65-F5344CB8AC3E}">
-        <p14:creationId xmlns:p14="http://schemas.microsoft.com/office/powerpoint/2010/main" val="148297732"/>
-      </p:ext>
-    </p:extLst>
-  </p:cSld>
-  <p:clrMapOvr>
-    <a:masterClrMapping/>
-  </p:clrMapOvr>
-  <p:transition/>
-  <p:timing>
-    <p:tnLst>
-      <p:par>
-        <p:cTn id="1" dur="indefinite" restart="never" nodeType="tmRoot"/>
-      </p:par>
-    </p:tnLst>
-  </p:timing>
-</p:sld>
-</file>
-
-<file path=ppt/slides/slide23.xml><?xml version="1.0" encoding="utf-8"?>
-<p:sld xmlns:a="http://schemas.openxmlformats.org/drawingml/2006/main" xmlns:r="http://schemas.openxmlformats.org/officeDocument/2006/relationships" xmlns:p="http://schemas.openxmlformats.org/presentationml/2006/main">
-  <p:cSld>
-    <p:spTree>
-      <p:nvGrpSpPr>
-        <p:cNvPr id="1" name=""/>
-        <p:cNvGrpSpPr/>
-        <p:nvPr/>
-      </p:nvGrpSpPr>
-      <p:grpSpPr>
-        <a:xfrm>
-          <a:off x="0" y="0"/>
-          <a:ext cx="0" cy="0"/>
-          <a:chOff x="0" y="0"/>
-          <a:chExt cx="0" cy="0"/>
-        </a:xfrm>
-      </p:grpSpPr>
-      <p:pic>
-        <p:nvPicPr>
-          <p:cNvPr id="7170" name="Picture 2">
-            <a:hlinkClick r:id="rId2"/>
-          </p:cNvPr>
-          <p:cNvPicPr>
-            <a:picLocks noChangeAspect="1" noChangeArrowheads="1"/>
-          </p:cNvPicPr>
-          <p:nvPr/>
-        </p:nvPicPr>
-        <p:blipFill>
-          <a:blip r:embed="rId3">
-            <a:extLst>
-              <a:ext uri="{28A0092B-C50C-407E-A947-70E740481C1C}">
-                <a14:useLocalDpi xmlns:a14="http://schemas.microsoft.com/office/drawing/2010/main" val="0"/>
-              </a:ext>
-            </a:extLst>
-          </a:blip>
-          <a:srcRect/>
-          <a:stretch>
-            <a:fillRect/>
-          </a:stretch>
-        </p:blipFill>
-        <p:spPr bwMode="auto">
-          <a:xfrm>
-            <a:off x="7288113" y="5934422"/>
-            <a:ext cx="1621929" cy="751493"/>
-          </a:xfrm>
-          <a:prstGeom prst="rect">
-            <a:avLst/>
-          </a:prstGeom>
-          <a:noFill/>
-          <a:ln>
-            <a:noFill/>
-          </a:ln>
-          <a:effectLst/>
-          <a:extLst>
-            <a:ext uri="{909E8E84-426E-40DD-AFC4-6F175D3DCCD1}">
-              <a14:hiddenFill xmlns:a14="http://schemas.microsoft.com/office/drawing/2010/main">
-                <a:solidFill>
-                  <a:schemeClr val="accent1"/>
-                </a:solidFill>
-              </a14:hiddenFill>
-            </a:ext>
-            <a:ext uri="{91240B29-F687-4F45-9708-019B960494DF}">
-              <a14:hiddenLine xmlns:a14="http://schemas.microsoft.com/office/drawing/2010/main" w="9525">
-                <a:solidFill>
-                  <a:schemeClr val="tx1"/>
-                </a:solidFill>
-                <a:miter lim="800000"/>
-                <a:headEnd/>
-                <a:tailEnd/>
-              </a14:hiddenLine>
-            </a:ext>
-            <a:ext uri="{AF507438-7753-43E0-B8FC-AC1667EBCBE1}">
-              <a14:hiddenEffects xmlns:a14="http://schemas.microsoft.com/office/drawing/2010/main">
-                <a:effectLst>
-                  <a:outerShdw dist="35921" dir="2700000" algn="ctr" rotWithShape="0">
-                    <a:schemeClr val="bg2"/>
-                  </a:outerShdw>
-                </a:effectLst>
-              </a14:hiddenEffects>
-            </a:ext>
-          </a:extLst>
-        </p:spPr>
-      </p:pic>
-      <p:pic>
-        <p:nvPicPr>
-          <p:cNvPr id="7171" name="Picture 3"/>
-          <p:cNvPicPr>
-            <a:picLocks noChangeAspect="1" noChangeArrowheads="1"/>
-          </p:cNvPicPr>
-          <p:nvPr/>
-        </p:nvPicPr>
-        <p:blipFill>
-          <a:blip r:embed="rId4">
-            <a:extLst>
-              <a:ext uri="{28A0092B-C50C-407E-A947-70E740481C1C}">
-                <a14:useLocalDpi xmlns:a14="http://schemas.microsoft.com/office/drawing/2010/main" val="0"/>
-              </a:ext>
-            </a:extLst>
-          </a:blip>
-          <a:srcRect/>
-          <a:stretch>
-            <a:fillRect/>
-          </a:stretch>
-        </p:blipFill>
-        <p:spPr bwMode="auto">
-          <a:xfrm>
-            <a:off x="1475656" y="667321"/>
-            <a:ext cx="6408712" cy="5391901"/>
-          </a:xfrm>
-          <a:prstGeom prst="rect">
-            <a:avLst/>
-          </a:prstGeom>
-          <a:noFill/>
-          <a:ln>
-            <a:noFill/>
-          </a:ln>
-          <a:effectLst/>
-          <a:extLst>
-            <a:ext uri="{909E8E84-426E-40DD-AFC4-6F175D3DCCD1}">
-              <a14:hiddenFill xmlns:a14="http://schemas.microsoft.com/office/drawing/2010/main">
-                <a:solidFill>
-                  <a:schemeClr val="accent1"/>
-                </a:solidFill>
-              </a14:hiddenFill>
-            </a:ext>
-            <a:ext uri="{91240B29-F687-4F45-9708-019B960494DF}">
-              <a14:hiddenLine xmlns:a14="http://schemas.microsoft.com/office/drawing/2010/main" w="9525">
-                <a:solidFill>
-                  <a:schemeClr val="tx1"/>
-                </a:solidFill>
-                <a:miter lim="800000"/>
-                <a:headEnd/>
-                <a:tailEnd/>
-              </a14:hiddenLine>
-            </a:ext>
-            <a:ext uri="{AF507438-7753-43E0-B8FC-AC1667EBCBE1}">
-              <a14:hiddenEffects xmlns:a14="http://schemas.microsoft.com/office/drawing/2010/main">
-                <a:effectLst>
-                  <a:outerShdw dist="35921" dir="2700000" algn="ctr" rotWithShape="0">
-                    <a:schemeClr val="bg2"/>
-                  </a:outerShdw>
-                </a:effectLst>
-              </a14:hiddenEffects>
-            </a:ext>
-          </a:extLst>
-        </p:spPr>
-      </p:pic>
-    </p:spTree>
-    <p:extLst>
-      <p:ext uri="{BB962C8B-B14F-4D97-AF65-F5344CB8AC3E}">
-        <p14:creationId xmlns:p14="http://schemas.microsoft.com/office/powerpoint/2010/main" val="3576834774"/>
-      </p:ext>
-    </p:extLst>
-  </p:cSld>
-  <p:clrMapOvr>
-    <a:masterClrMapping/>
-  </p:clrMapOvr>
-  <p:transition/>
-  <p:timing>
-    <p:tnLst>
-      <p:par>
-        <p:cTn id="1" dur="indefinite" restart="never" nodeType="tmRoot"/>
-      </p:par>
-    </p:tnLst>
-  </p:timing>
-</p:sld>
-</file>
-
-<file path=ppt/slides/slide24.xml><?xml version="1.0" encoding="utf-8"?>
-<p:sld xmlns:a="http://schemas.openxmlformats.org/drawingml/2006/main" xmlns:r="http://schemas.openxmlformats.org/officeDocument/2006/relationships" xmlns:p="http://schemas.openxmlformats.org/presentationml/2006/main">
-  <p:cSld>
-    <p:spTree>
-      <p:nvGrpSpPr>
-        <p:cNvPr id="1" name=""/>
-        <p:cNvGrpSpPr/>
-        <p:nvPr/>
-      </p:nvGrpSpPr>
-      <p:grpSpPr>
-        <a:xfrm>
-          <a:off x="0" y="0"/>
-          <a:ext cx="0" cy="0"/>
-          <a:chOff x="0" y="0"/>
-          <a:chExt cx="0" cy="0"/>
-        </a:xfrm>
-      </p:grpSpPr>
-      <p:sp>
-        <p:nvSpPr>
-          <p:cNvPr id="2" name="Inhaltsplatzhalter 1"/>
-          <p:cNvSpPr>
-            <a:spLocks noGrp="1"/>
-          </p:cNvSpPr>
-          <p:nvPr>
-            <p:ph idx="1"/>
-          </p:nvPr>
-        </p:nvSpPr>
-        <p:spPr/>
-        <p:txBody>
-          <a:bodyPr/>
-          <a:lstStyle/>
-          <a:p>
-            <a:endParaRPr lang="de-CH"/>
-          </a:p>
-        </p:txBody>
-      </p:sp>
-      <p:sp>
-        <p:nvSpPr>
-          <p:cNvPr id="3" name="Titel 2"/>
-          <p:cNvSpPr>
-            <a:spLocks noGrp="1"/>
-          </p:cNvSpPr>
-          <p:nvPr>
-            <p:ph type="title"/>
-          </p:nvPr>
-        </p:nvSpPr>
-        <p:spPr/>
-        <p:txBody>
-          <a:bodyPr/>
-          <a:lstStyle/>
-          <a:p>
-            <a:r>
-              <a:rPr lang="de-CH" dirty="0" smtClean="0"/>
-              <a:t>Auswertung Zeiterfassung</a:t>
-            </a:r>
-            <a:endParaRPr lang="de-CH" dirty="0"/>
-          </a:p>
-        </p:txBody>
-      </p:sp>
-    </p:spTree>
-    <p:extLst>
-      <p:ext uri="{BB962C8B-B14F-4D97-AF65-F5344CB8AC3E}">
-        <p14:creationId xmlns:p14="http://schemas.microsoft.com/office/powerpoint/2010/main" val="3261160706"/>
-      </p:ext>
-    </p:extLst>
-  </p:cSld>
-  <p:clrMapOvr>
-    <a:masterClrMapping/>
-  </p:clrMapOvr>
-  <p:transition/>
-  <p:timing>
-    <p:tnLst>
-      <p:par>
-        <p:cTn id="1" dur="indefinite" restart="never" nodeType="tmRoot"/>
-      </p:par>
-    </p:tnLst>
-  </p:timing>
-</p:sld>
-</file>
-
-<file path=ppt/slides/slide25.xml><?xml version="1.0" encoding="utf-8"?>
-<p:sld xmlns:a="http://schemas.openxmlformats.org/drawingml/2006/main" xmlns:r="http://schemas.openxmlformats.org/officeDocument/2006/relationships" xmlns:p="http://schemas.openxmlformats.org/presentationml/2006/main">
-  <p:cSld>
-    <p:spTree>
-      <p:nvGrpSpPr>
-        <p:cNvPr id="1" name=""/>
-        <p:cNvGrpSpPr/>
-        <p:nvPr/>
-      </p:nvGrpSpPr>
-      <p:grpSpPr>
-        <a:xfrm>
-          <a:off x="0" y="0"/>
-          <a:ext cx="0" cy="0"/>
-          <a:chOff x="0" y="0"/>
-          <a:chExt cx="0" cy="0"/>
-        </a:xfrm>
-      </p:grpSpPr>
-      <p:sp>
-        <p:nvSpPr>
-          <p:cNvPr id="3" name="Titel 2"/>
-          <p:cNvSpPr>
-            <a:spLocks noGrp="1"/>
-          </p:cNvSpPr>
-          <p:nvPr>
-            <p:ph type="title"/>
-          </p:nvPr>
-        </p:nvSpPr>
-        <p:spPr/>
-        <p:txBody>
-          <a:bodyPr/>
-          <a:lstStyle/>
-          <a:p>
-            <a:r>
-              <a:rPr lang="de-CH" dirty="0" smtClean="0"/>
-              <a:t>Risikomanagement</a:t>
-            </a:r>
-            <a:endParaRPr lang="de-CH" dirty="0"/>
-          </a:p>
-        </p:txBody>
-      </p:sp>
-      <p:pic>
-        <p:nvPicPr>
-          <p:cNvPr id="6146" name="Picture 2">
-            <a:hlinkClick r:id="rId3"/>
-          </p:cNvPr>
-          <p:cNvPicPr>
-            <a:picLocks noChangeAspect="1" noChangeArrowheads="1"/>
-          </p:cNvPicPr>
-          <p:nvPr/>
-        </p:nvPicPr>
-        <p:blipFill>
-          <a:blip r:embed="rId4">
-            <a:extLst>
-              <a:ext uri="{28A0092B-C50C-407E-A947-70E740481C1C}">
-                <a14:useLocalDpi xmlns:a14="http://schemas.microsoft.com/office/drawing/2010/main" val="0"/>
-              </a:ext>
-            </a:extLst>
-          </a:blip>
-          <a:srcRect/>
-          <a:stretch>
-            <a:fillRect/>
-          </a:stretch>
-        </p:blipFill>
-        <p:spPr bwMode="auto">
-          <a:xfrm>
-            <a:off x="6516216" y="4221088"/>
-            <a:ext cx="2088232" cy="2088232"/>
-          </a:xfrm>
-          <a:prstGeom prst="roundRect">
-            <a:avLst>
-              <a:gd name="adj" fmla="val 8594"/>
-            </a:avLst>
-          </a:prstGeom>
-          <a:solidFill>
-            <a:srgbClr val="FFFFFF">
-              <a:shade val="85000"/>
-            </a:srgbClr>
-          </a:solidFill>
-          <a:ln>
-            <a:noFill/>
-          </a:ln>
-          <a:effectLst>
-            <a:reflection blurRad="12700" stA="38000" endPos="28000" dist="5000" dir="5400000" sy="-100000" algn="bl" rotWithShape="0"/>
-          </a:effectLst>
-          <a:extLst>
-            <a:ext uri="{91240B29-F687-4F45-9708-019B960494DF}">
-              <a14:hiddenLine xmlns:a14="http://schemas.microsoft.com/office/drawing/2010/main" w="9525">
-                <a:solidFill>
-                  <a:schemeClr val="tx1"/>
-                </a:solidFill>
-                <a:miter lim="800000"/>
-                <a:headEnd/>
-                <a:tailEnd/>
-              </a14:hiddenLine>
-            </a:ext>
-            <a:ext uri="{AF507438-7753-43E0-B8FC-AC1667EBCBE1}">
-              <a14:hiddenEffects xmlns:a14="http://schemas.microsoft.com/office/drawing/2010/main">
-                <a:effectLst>
-                  <a:outerShdw dist="35921" dir="2700000" algn="ctr" rotWithShape="0">
-                    <a:schemeClr val="bg2"/>
-                  </a:outerShdw>
-                </a:effectLst>
-              </a14:hiddenEffects>
-            </a:ext>
-          </a:extLst>
-        </p:spPr>
-      </p:pic>
-      <p:sp>
-        <p:nvSpPr>
-          <p:cNvPr id="4" name="Inhaltsplatzhalter 3"/>
-          <p:cNvSpPr>
-            <a:spLocks noGrp="1"/>
-          </p:cNvSpPr>
-          <p:nvPr>
-            <p:ph idx="1"/>
-          </p:nvPr>
-        </p:nvSpPr>
-        <p:spPr/>
-        <p:txBody>
-          <a:bodyPr/>
-          <a:lstStyle/>
-          <a:p>
-            <a:pPr>
-              <a:tabLst>
-                <a:tab pos="4749800" algn="l"/>
-              </a:tabLst>
-            </a:pPr>
-            <a:r>
-              <a:rPr lang="de-CH" dirty="0" smtClean="0"/>
-              <a:t>Anzahl </a:t>
-            </a:r>
-            <a:r>
-              <a:rPr lang="de-CH" dirty="0" smtClean="0"/>
-              <a:t>Risiken:	6</a:t>
-            </a:r>
-            <a:endParaRPr lang="de-CH" dirty="0" smtClean="0"/>
-          </a:p>
-          <a:p>
-            <a:pPr>
-              <a:tabLst>
-                <a:tab pos="4749800" algn="l"/>
-              </a:tabLst>
-            </a:pPr>
-            <a:r>
-              <a:rPr lang="de-CH" dirty="0" smtClean="0"/>
-              <a:t>Verbleibende Reserve:	~</a:t>
-            </a:r>
-            <a:r>
-              <a:rPr lang="de-CH" dirty="0" smtClean="0"/>
-              <a:t>13 Stunden</a:t>
-            </a:r>
-          </a:p>
-          <a:p>
-            <a:pPr>
-              <a:tabLst>
-                <a:tab pos="4749800" algn="l"/>
-              </a:tabLst>
-            </a:pPr>
-            <a:r>
-              <a:rPr lang="de-CH" dirty="0" smtClean="0"/>
-              <a:t>Bereinigte Risiken:	3</a:t>
-            </a:r>
-            <a:endParaRPr lang="de-CH" dirty="0" smtClean="0"/>
-          </a:p>
-          <a:p>
-            <a:pPr>
-              <a:tabLst>
-                <a:tab pos="4749800" algn="l"/>
-              </a:tabLst>
-            </a:pPr>
-            <a:endParaRPr lang="de-CH" dirty="0" smtClean="0"/>
-          </a:p>
-          <a:p>
-            <a:pPr>
-              <a:tabLst>
-                <a:tab pos="4749800" algn="l"/>
-              </a:tabLst>
-            </a:pPr>
-            <a:r>
-              <a:rPr lang="de-CH" dirty="0" smtClean="0"/>
-              <a:t>Bereinigtes Risiko in </a:t>
-            </a:r>
-            <a:r>
-              <a:rPr lang="de-CH" dirty="0" smtClean="0"/>
-              <a:t>Elaboration Phase:</a:t>
-            </a:r>
-          </a:p>
-          <a:p>
-            <a:pPr lvl="1">
-              <a:tabLst>
-                <a:tab pos="4749800" algn="l"/>
-              </a:tabLst>
-            </a:pPr>
-            <a:r>
-              <a:rPr lang="de-CH" dirty="0" smtClean="0"/>
-              <a:t>Übertragung Mobile </a:t>
-            </a:r>
-            <a:r>
-              <a:rPr lang="de-CH" dirty="0" smtClean="0">
-                <a:sym typeface="Wingdings" pitchFamily="2" charset="2"/>
-              </a:rPr>
-              <a:t> Server</a:t>
-            </a:r>
-            <a:r>
-              <a:rPr lang="de-CH" dirty="0" smtClean="0"/>
-              <a:t>  </a:t>
-            </a:r>
-            <a:endParaRPr lang="de-CH" dirty="0"/>
-          </a:p>
-        </p:txBody>
-      </p:sp>
-    </p:spTree>
-    <p:extLst>
-      <p:ext uri="{BB962C8B-B14F-4D97-AF65-F5344CB8AC3E}">
-        <p14:creationId xmlns:p14="http://schemas.microsoft.com/office/powerpoint/2010/main" val="1793667745"/>
-      </p:ext>
-    </p:extLst>
-  </p:cSld>
-  <p:clrMapOvr>
-    <a:masterClrMapping/>
-  </p:clrMapOvr>
-  <p:transition/>
-  <p:timing>
-    <p:tnLst>
-      <p:par>
-        <p:cTn id="1" dur="indefinite" restart="never" nodeType="tmRoot"/>
-      </p:par>
-    </p:tnLst>
-  </p:timing>
-</p:sld>
-</file>
-
-<file path=ppt/slides/slide26.xml><?xml version="1.0" encoding="utf-8"?>
-<p:sld xmlns:a="http://schemas.openxmlformats.org/drawingml/2006/main" xmlns:r="http://schemas.openxmlformats.org/officeDocument/2006/relationships" xmlns:p="http://schemas.openxmlformats.org/presentationml/2006/main">
-  <p:cSld>
-    <p:spTree>
-      <p:nvGrpSpPr>
-        <p:cNvPr id="1" name=""/>
-        <p:cNvGrpSpPr/>
-        <p:nvPr/>
-      </p:nvGrpSpPr>
-      <p:grpSpPr>
-        <a:xfrm>
-          <a:off x="0" y="0"/>
-          <a:ext cx="0" cy="0"/>
-          <a:chOff x="0" y="0"/>
-          <a:chExt cx="0" cy="0"/>
-        </a:xfrm>
-      </p:grpSpPr>
-      <p:sp>
-        <p:nvSpPr>
-          <p:cNvPr id="2" name="Inhaltsplatzhalter 1"/>
-          <p:cNvSpPr>
-            <a:spLocks noGrp="1"/>
-          </p:cNvSpPr>
-          <p:nvPr>
-            <p:ph idx="1"/>
-          </p:nvPr>
-        </p:nvSpPr>
-        <p:spPr>
-          <a:xfrm>
-            <a:off x="1331640" y="2132856"/>
-            <a:ext cx="3672408" cy="1440160"/>
-          </a:xfrm>
-        </p:spPr>
-        <p:txBody>
-          <a:bodyPr/>
-          <a:lstStyle/>
-          <a:p>
-            <a:pPr marL="109728" indent="0">
-              <a:buNone/>
-            </a:pPr>
-            <a:r>
-              <a:rPr lang="de-CH" dirty="0" smtClean="0"/>
-              <a:t>Vielen Dank für Ihre Aufmerksamkeit!</a:t>
-            </a:r>
-            <a:endParaRPr lang="de-CH" dirty="0"/>
-          </a:p>
-        </p:txBody>
-      </p:sp>
-      <p:sp>
-        <p:nvSpPr>
-          <p:cNvPr id="3" name="Titel 2"/>
-          <p:cNvSpPr>
-            <a:spLocks noGrp="1"/>
-          </p:cNvSpPr>
-          <p:nvPr>
-            <p:ph type="title"/>
-          </p:nvPr>
-        </p:nvSpPr>
-        <p:spPr/>
-        <p:txBody>
-          <a:bodyPr/>
-          <a:lstStyle/>
-          <a:p>
-            <a:r>
-              <a:rPr lang="de-CH" dirty="0" smtClean="0"/>
-              <a:t>Fragen</a:t>
-            </a:r>
-            <a:endParaRPr lang="de-CH" dirty="0"/>
-          </a:p>
-        </p:txBody>
-      </p:sp>
-      <p:pic>
-        <p:nvPicPr>
-          <p:cNvPr id="5122" name="Picture 2" descr="C:\Users\schefe\AppData\Local\Microsoft\Windows\Temporary Internet Files\Content.IE5\PFEG0HII\MP900315598[1].jpg"/>
-          <p:cNvPicPr>
-            <a:picLocks noChangeAspect="1" noChangeArrowheads="1"/>
-          </p:cNvPicPr>
-          <p:nvPr/>
-        </p:nvPicPr>
-        <p:blipFill>
-          <a:blip r:embed="rId2">
-            <a:extLst>
-              <a:ext uri="{28A0092B-C50C-407E-A947-70E740481C1C}">
-                <a14:useLocalDpi xmlns:a14="http://schemas.microsoft.com/office/drawing/2010/main" val="0"/>
-              </a:ext>
-            </a:extLst>
-          </a:blip>
-          <a:srcRect/>
-          <a:stretch>
-            <a:fillRect/>
-          </a:stretch>
-        </p:blipFill>
-        <p:spPr bwMode="auto">
-          <a:xfrm>
-            <a:off x="4860032" y="2924944"/>
-            <a:ext cx="2547196" cy="1817000"/>
-          </a:xfrm>
-          <a:prstGeom prst="roundRect">
-            <a:avLst>
-              <a:gd name="adj" fmla="val 8594"/>
-            </a:avLst>
-          </a:prstGeom>
-          <a:solidFill>
-            <a:srgbClr val="FFFFFF">
-              <a:shade val="85000"/>
-            </a:srgbClr>
-          </a:solidFill>
-          <a:ln>
-            <a:noFill/>
-          </a:ln>
-          <a:effectLst>
-            <a:reflection blurRad="12700" stA="38000" endPos="28000" dist="5000" dir="5400000" sy="-100000" algn="bl" rotWithShape="0"/>
-          </a:effectLst>
-          <a:extLst/>
-        </p:spPr>
-      </p:pic>
-    </p:spTree>
-    <p:extLst>
-      <p:ext uri="{BB962C8B-B14F-4D97-AF65-F5344CB8AC3E}">
-        <p14:creationId xmlns:p14="http://schemas.microsoft.com/office/powerpoint/2010/main" val="4262147464"/>
-      </p:ext>
-    </p:extLst>
-  </p:cSld>
-  <p:clrMapOvr>
-    <a:masterClrMapping/>
-  </p:clrMapOvr>
-  <p:transition/>
-  <p:timing>
-    <p:tnLst>
-      <p:par>
-        <p:cTn id="1" dur="indefinite" restart="never" nodeType="tmRoot"/>
-      </p:par>
-    </p:tnLst>
-  </p:timing>
-</p:sld>
-</file>
-
-<file path=ppt/slides/slide3.xml><?xml version="1.0" encoding="utf-8"?>
-<p:sld xmlns:a="http://schemas.openxmlformats.org/drawingml/2006/main" xmlns:r="http://schemas.openxmlformats.org/officeDocument/2006/relationships" xmlns:p="http://schemas.openxmlformats.org/presentationml/2006/main">
-  <p:cSld>
-    <p:spTree>
-      <p:nvGrpSpPr>
-        <p:cNvPr id="1" name=""/>
-        <p:cNvGrpSpPr/>
-        <p:nvPr/>
-      </p:nvGrpSpPr>
-      <p:grpSpPr>
-        <a:xfrm>
-          <a:off x="0" y="0"/>
-          <a:ext cx="0" cy="0"/>
-          <a:chOff x="0" y="0"/>
-          <a:chExt cx="0" cy="0"/>
-        </a:xfrm>
-      </p:grpSpPr>
-      <p:sp>
-        <p:nvSpPr>
-          <p:cNvPr id="2" name="Inhaltsplatzhalter 1"/>
-          <p:cNvSpPr>
-            <a:spLocks noGrp="1"/>
-          </p:cNvSpPr>
-          <p:nvPr>
-            <p:ph idx="1"/>
-          </p:nvPr>
-        </p:nvSpPr>
-        <p:spPr/>
-        <p:txBody>
-          <a:bodyPr/>
-          <a:lstStyle/>
-          <a:p>
-            <a:r>
-              <a:rPr lang="de-CH" dirty="0" smtClean="0"/>
-              <a:t>Technische Risiken eliminieren</a:t>
-            </a:r>
-          </a:p>
-          <a:p>
-            <a:r>
-              <a:rPr lang="de-CH" dirty="0" smtClean="0"/>
-              <a:t>Machbarkeit beweisen</a:t>
-            </a:r>
-          </a:p>
-          <a:p>
-            <a:r>
-              <a:rPr lang="de-CH" dirty="0" smtClean="0"/>
-              <a:t>Vorbereitung Konstruktionsphase</a:t>
-            </a:r>
-          </a:p>
-          <a:p>
-            <a:r>
-              <a:rPr lang="de-CH" dirty="0" smtClean="0"/>
-              <a:t>Evaluation Werkzeuge / Bibliotheken</a:t>
-            </a:r>
-            <a:endParaRPr lang="de-CH" dirty="0"/>
-          </a:p>
-        </p:txBody>
-      </p:sp>
-      <p:sp>
-        <p:nvSpPr>
-          <p:cNvPr id="3" name="Titel 2"/>
-          <p:cNvSpPr>
-            <a:spLocks noGrp="1"/>
-          </p:cNvSpPr>
-          <p:nvPr>
-            <p:ph type="title"/>
-          </p:nvPr>
-        </p:nvSpPr>
-        <p:spPr/>
-        <p:txBody>
-          <a:bodyPr/>
-          <a:lstStyle/>
-          <a:p>
-            <a:r>
-              <a:rPr lang="de-CH" dirty="0" smtClean="0"/>
-              <a:t>Ziele</a:t>
-            </a:r>
-            <a:endParaRPr lang="de-CH" dirty="0"/>
-          </a:p>
-        </p:txBody>
-      </p:sp>
-      <p:pic>
-        <p:nvPicPr>
-          <p:cNvPr id="3075" name="Picture 3" descr="C:\Users\Lukas Elmer\AppData\Local\Microsoft\Windows\Temporary Internet Files\Content.IE5\E2GAV9V0\MP900433179[1].jpg"/>
-          <p:cNvPicPr>
-            <a:picLocks noChangeAspect="1" noChangeArrowheads="1"/>
-          </p:cNvPicPr>
-          <p:nvPr/>
-        </p:nvPicPr>
-        <p:blipFill>
-          <a:blip r:embed="rId3" cstate="print">
-            <a:extLst>
-              <a:ext uri="{28A0092B-C50C-407E-A947-70E740481C1C}">
-                <a14:useLocalDpi xmlns:a14="http://schemas.microsoft.com/office/drawing/2010/main" val="0"/>
-              </a:ext>
-            </a:extLst>
-          </a:blip>
-          <a:srcRect/>
-          <a:stretch>
-            <a:fillRect/>
-          </a:stretch>
-        </p:blipFill>
-        <p:spPr bwMode="auto">
-          <a:xfrm>
-            <a:off x="6588224" y="4851085"/>
-            <a:ext cx="2466964" cy="1851447"/>
-          </a:xfrm>
-          <a:prstGeom prst="rect">
-            <a:avLst/>
-          </a:prstGeom>
-          <a:ln>
-            <a:noFill/>
-          </a:ln>
-          <a:effectLst>
-            <a:softEdge rad="112500"/>
-          </a:effectLst>
-          <a:extLst>
-            <a:ext uri="{909E8E84-426E-40DD-AFC4-6F175D3DCCD1}">
-              <a14:hiddenFill xmlns:a14="http://schemas.microsoft.com/office/drawing/2010/main">
-                <a:solidFill>
-                  <a:srgbClr val="FFFFFF"/>
-                </a:solidFill>
-              </a14:hiddenFill>
-            </a:ext>
-          </a:extLst>
-        </p:spPr>
-      </p:pic>
-    </p:spTree>
-    <p:extLst>
-      <p:ext uri="{BB962C8B-B14F-4D97-AF65-F5344CB8AC3E}">
-        <p14:creationId xmlns:p14="http://schemas.microsoft.com/office/powerpoint/2010/main" val="2857039303"/>
       </p:ext>
     </p:extLst>
   </p:cSld>
@@ -9567,8 +10705,20 @@
           <a:p>
             <a:r>
               <a:rPr lang="de-CH" dirty="0" smtClean="0"/>
-              <a:t>Konzentration Stundeneintrag</a:t>
-            </a:r>
+              <a:t>Konzentration </a:t>
+            </a:r>
+            <a:r>
+              <a:rPr lang="de-CH" dirty="0" smtClean="0"/>
+              <a:t>Stundeneintrag</a:t>
+            </a:r>
+          </a:p>
+          <a:p>
+            <a:pPr lvl="1"/>
+            <a:r>
+              <a:rPr lang="de-CH" dirty="0" smtClean="0"/>
+              <a:t>Details auf den nächsten Folien</a:t>
+            </a:r>
+            <a:endParaRPr lang="de-CH" dirty="0" smtClean="0"/>
           </a:p>
           <a:p>
             <a:endParaRPr lang="de-CH" dirty="0"/>
@@ -10029,7 +11179,11 @@
           <a:p>
             <a:r>
               <a:rPr lang="de-CH" dirty="0" smtClean="0"/>
-              <a:t>Funktionalität</a:t>
+              <a:t>Funktionalität </a:t>
+            </a:r>
+            <a:r>
+              <a:rPr lang="de-CH" sz="4400" dirty="0"/>
+              <a:t>Prototyp</a:t>
             </a:r>
             <a:endParaRPr lang="de-CH" dirty="0"/>
           </a:p>
@@ -10231,7 +11385,7 @@
           <a:p>
             <a:r>
               <a:rPr lang="de-CH" dirty="0" smtClean="0"/>
-              <a:t>Architektur</a:t>
+              <a:t>Architektur Übersicht</a:t>
             </a:r>
             <a:endParaRPr lang="de-CH" dirty="0"/>
           </a:p>

--- a/doc/05_Design/praesentation.pptx
+++ b/doc/05_Design/praesentation.pptx
@@ -28,15 +28,15 @@
     <p:sldId id="289" r:id="rId19"/>
     <p:sldId id="274" r:id="rId20"/>
     <p:sldId id="271" r:id="rId21"/>
-    <p:sldId id="290" r:id="rId22"/>
-    <p:sldId id="291" r:id="rId23"/>
-    <p:sldId id="293" r:id="rId24"/>
-    <p:sldId id="292" r:id="rId25"/>
-    <p:sldId id="288" r:id="rId26"/>
-    <p:sldId id="285" r:id="rId27"/>
-    <p:sldId id="286" r:id="rId28"/>
-    <p:sldId id="287" r:id="rId29"/>
-    <p:sldId id="276" r:id="rId30"/>
+    <p:sldId id="291" r:id="rId22"/>
+    <p:sldId id="293" r:id="rId23"/>
+    <p:sldId id="292" r:id="rId24"/>
+    <p:sldId id="288" r:id="rId25"/>
+    <p:sldId id="285" r:id="rId26"/>
+    <p:sldId id="286" r:id="rId27"/>
+    <p:sldId id="287" r:id="rId28"/>
+    <p:sldId id="276" r:id="rId29"/>
+    <p:sldId id="294" r:id="rId30"/>
     <p:sldId id="277" r:id="rId31"/>
     <p:sldId id="278" r:id="rId32"/>
     <p:sldId id="279" r:id="rId33"/>
@@ -735,31 +735,6 @@
           <a:bodyPr/>
           <a:lstStyle/>
           <a:p>
-            <a:pPr marL="0" marR="0" indent="0" algn="l" defTabSz="914400" rtl="0" eaLnBrk="1" fontAlgn="auto" latinLnBrk="0" hangingPunct="1">
-              <a:lnSpc>
-                <a:spcPct val="100000"/>
-              </a:lnSpc>
-              <a:spcBef>
-                <a:spcPts val="0"/>
-              </a:spcBef>
-              <a:spcAft>
-                <a:spcPts val="0"/>
-              </a:spcAft>
-              <a:buClrTx/>
-              <a:buSzTx/>
-              <a:buFontTx/>
-              <a:buNone/>
-              <a:tabLst/>
-              <a:defRPr/>
-            </a:pPr>
-            <a:r>
-              <a:rPr lang="de-CH" dirty="0" err="1" smtClean="0"/>
-              <a:t>Digi</a:t>
-            </a:r>
-            <a:r>
-              <a:rPr lang="de-CH" dirty="0" smtClean="0"/>
-              <a:t>?</a:t>
-            </a:r>
             <a:endParaRPr lang="de-CH" dirty="0"/>
           </a:p>
         </p:txBody>
@@ -781,91 +756,7 @@
           <a:p>
             <a:fld id="{B897FE81-6B21-41EA-A3E2-976A199E5936}" type="slidenum">
               <a:rPr lang="de-CH" smtClean="0"/>
-              <a:t>22</a:t>
-            </a:fld>
-            <a:endParaRPr lang="de-CH"/>
-          </a:p>
-        </p:txBody>
-      </p:sp>
-    </p:spTree>
-    <p:extLst>
-      <p:ext uri="{BB962C8B-B14F-4D97-AF65-F5344CB8AC3E}">
-        <p14:creationId xmlns:p14="http://schemas.microsoft.com/office/powerpoint/2010/main" val="4168059491"/>
-      </p:ext>
-    </p:extLst>
-  </p:cSld>
-  <p:clrMapOvr>
-    <a:masterClrMapping/>
-  </p:clrMapOvr>
-</p:notes>
-</file>
-
-<file path=ppt/notesSlides/notesSlide12.xml><?xml version="1.0" encoding="utf-8"?>
-<p:notes xmlns:a="http://schemas.openxmlformats.org/drawingml/2006/main" xmlns:r="http://schemas.openxmlformats.org/officeDocument/2006/relationships" xmlns:p="http://schemas.openxmlformats.org/presentationml/2006/main">
-  <p:cSld>
-    <p:spTree>
-      <p:nvGrpSpPr>
-        <p:cNvPr id="1" name=""/>
-        <p:cNvGrpSpPr/>
-        <p:nvPr/>
-      </p:nvGrpSpPr>
-      <p:grpSpPr>
-        <a:xfrm>
-          <a:off x="0" y="0"/>
-          <a:ext cx="0" cy="0"/>
-          <a:chOff x="0" y="0"/>
-          <a:chExt cx="0" cy="0"/>
-        </a:xfrm>
-      </p:grpSpPr>
-      <p:sp>
-        <p:nvSpPr>
-          <p:cNvPr id="2" name="Folienbildplatzhalter 1"/>
-          <p:cNvSpPr>
-            <a:spLocks noGrp="1" noRot="1" noChangeAspect="1"/>
-          </p:cNvSpPr>
-          <p:nvPr>
-            <p:ph type="sldImg"/>
-          </p:nvPr>
-        </p:nvSpPr>
-        <p:spPr/>
-      </p:sp>
-      <p:sp>
-        <p:nvSpPr>
-          <p:cNvPr id="3" name="Notizenplatzhalter 2"/>
-          <p:cNvSpPr>
-            <a:spLocks noGrp="1"/>
-          </p:cNvSpPr>
-          <p:nvPr>
-            <p:ph type="body" idx="1"/>
-          </p:nvPr>
-        </p:nvSpPr>
-        <p:spPr/>
-        <p:txBody>
-          <a:bodyPr/>
-          <a:lstStyle/>
-          <a:p>
-            <a:endParaRPr lang="de-CH" dirty="0"/>
-          </a:p>
-        </p:txBody>
-      </p:sp>
-      <p:sp>
-        <p:nvSpPr>
-          <p:cNvPr id="4" name="Foliennummernplatzhalter 3"/>
-          <p:cNvSpPr>
-            <a:spLocks noGrp="1"/>
-          </p:cNvSpPr>
-          <p:nvPr>
-            <p:ph type="sldNum" sz="quarter" idx="10"/>
-          </p:nvPr>
-        </p:nvSpPr>
-        <p:spPr/>
-        <p:txBody>
-          <a:bodyPr/>
-          <a:lstStyle/>
-          <a:p>
-            <a:fld id="{B897FE81-6B21-41EA-A3E2-976A199E5936}" type="slidenum">
-              <a:rPr lang="de-CH" smtClean="0"/>
-              <a:t>29</a:t>
+              <a:t>28</a:t>
             </a:fld>
             <a:endParaRPr lang="de-CH"/>
           </a:p>
@@ -884,7 +775,7 @@
 </p:notes>
 </file>
 
-<file path=ppt/notesSlides/notesSlide13.xml><?xml version="1.0" encoding="utf-8"?>
+<file path=ppt/notesSlides/notesSlide12.xml><?xml version="1.0" encoding="utf-8"?>
 <p:notes xmlns:a="http://schemas.openxmlformats.org/drawingml/2006/main" xmlns:r="http://schemas.openxmlformats.org/officeDocument/2006/relationships" xmlns:p="http://schemas.openxmlformats.org/presentationml/2006/main">
   <p:cSld>
     <p:spTree>
@@ -6803,16 +6694,28 @@
               <a:t> </a:t>
             </a:r>
             <a:r>
-              <a:rPr lang="de-CH" dirty="0" err="1"/>
+              <a:rPr lang="de-CH" dirty="0" err="1" smtClean="0"/>
               <a:t>configuration</a:t>
             </a:r>
+            <a:endParaRPr lang="de-CH" dirty="0" smtClean="0"/>
+          </a:p>
+          <a:p>
+            <a:pPr lvl="1"/>
+            <a:r>
+              <a:rPr lang="de-CH" dirty="0" smtClean="0"/>
+              <a:t>Schichtenmodell bereits gegeben</a:t>
+            </a:r>
             <a:endParaRPr lang="de-CH" dirty="0"/>
           </a:p>
           <a:p>
             <a:pPr lvl="1"/>
             <a:r>
               <a:rPr lang="de-CH" dirty="0"/>
-              <a:t>Applikation zu klein, um aufzuteilen</a:t>
+              <a:t>Applikation zu klein, um </a:t>
+            </a:r>
+            <a:r>
+              <a:rPr lang="de-CH" dirty="0" smtClean="0"/>
+              <a:t>weiter aufzuteilen</a:t>
             </a:r>
             <a:endParaRPr lang="de-CH" dirty="0" smtClean="0"/>
           </a:p>
@@ -7155,7 +7058,7 @@
             <a:pPr lvl="1"/>
             <a:r>
               <a:rPr lang="de-CH" dirty="0" smtClean="0"/>
-              <a:t>Aufteilbar</a:t>
+              <a:t>Umsetzung aufteilbar</a:t>
             </a:r>
             <a:endParaRPr lang="de-CH" dirty="0"/>
           </a:p>
@@ -7905,11 +7808,7 @@
           <a:p>
             <a:r>
               <a:rPr lang="de-CH" sz="3000" dirty="0" smtClean="0"/>
-              <a:t>Ziele, </a:t>
-            </a:r>
-            <a:r>
-              <a:rPr lang="de-CH" sz="3000" dirty="0" smtClean="0"/>
-              <a:t>Risiken</a:t>
+              <a:t>Ziele, Risiken</a:t>
             </a:r>
           </a:p>
           <a:p>
@@ -7917,7 +7816,6 @@
               <a:rPr lang="de-CH" sz="3000" dirty="0" smtClean="0"/>
               <a:t>Funktionalität Prototyp</a:t>
             </a:r>
-            <a:endParaRPr lang="de-CH" sz="3000" dirty="0" smtClean="0"/>
           </a:p>
           <a:p>
             <a:r>
@@ -7957,7 +7855,6 @@
               <a:rPr lang="de-CH" sz="2600" dirty="0" smtClean="0"/>
               <a:t>Packages</a:t>
             </a:r>
-            <a:endParaRPr lang="de-CH" sz="2600" dirty="0" smtClean="0"/>
           </a:p>
           <a:p>
             <a:pPr lvl="1"/>
@@ -8140,11 +8037,7 @@
           <a:p>
             <a:r>
               <a:rPr lang="de-CH" dirty="0" smtClean="0"/>
-              <a:t>Unit </a:t>
-            </a:r>
-            <a:r>
-              <a:rPr lang="de-CH" dirty="0" smtClean="0"/>
-              <a:t>Tests </a:t>
+              <a:t>Unit Tests </a:t>
             </a:r>
             <a:r>
               <a:rPr lang="de-CH" dirty="0" err="1" smtClean="0"/>
@@ -8250,142 +8143,7 @@
           <a:p>
             <a:r>
               <a:rPr lang="de-CH" dirty="0" smtClean="0"/>
-              <a:t>Unit </a:t>
-            </a:r>
-            <a:r>
-              <a:rPr lang="de-CH" dirty="0" smtClean="0"/>
-              <a:t>Tests </a:t>
-            </a:r>
-            <a:r>
-              <a:rPr lang="de-CH" dirty="0" err="1" smtClean="0"/>
-              <a:t>Rails</a:t>
-            </a:r>
-            <a:endParaRPr lang="de-CH" dirty="0"/>
-          </a:p>
-        </p:txBody>
-      </p:sp>
-      <p:pic>
-        <p:nvPicPr>
-          <p:cNvPr id="4098" name="Picture 2"/>
-          <p:cNvPicPr>
-            <a:picLocks noChangeAspect="1" noChangeArrowheads="1"/>
-          </p:cNvPicPr>
-          <p:nvPr/>
-        </p:nvPicPr>
-        <p:blipFill rotWithShape="1">
-          <a:blip r:embed="rId3">
-            <a:extLst>
-              <a:ext uri="{28A0092B-C50C-407E-A947-70E740481C1C}">
-                <a14:useLocalDpi xmlns:a14="http://schemas.microsoft.com/office/drawing/2010/main" val="0"/>
-              </a:ext>
-            </a:extLst>
-          </a:blip>
-          <a:srcRect t="-1" b="3551"/>
-          <a:stretch/>
-        </p:blipFill>
-        <p:spPr bwMode="auto">
-          <a:xfrm>
-            <a:off x="323528" y="2276872"/>
-            <a:ext cx="8652911" cy="2232247"/>
-          </a:xfrm>
-          <a:prstGeom prst="rect">
-            <a:avLst/>
-          </a:prstGeom>
-          <a:noFill/>
-          <a:ln>
-            <a:noFill/>
-          </a:ln>
-          <a:effectLst/>
-          <a:extLst>
-            <a:ext uri="{909E8E84-426E-40DD-AFC4-6F175D3DCCD1}">
-              <a14:hiddenFill xmlns:a14="http://schemas.microsoft.com/office/drawing/2010/main">
-                <a:solidFill>
-                  <a:schemeClr val="accent1"/>
-                </a:solidFill>
-              </a14:hiddenFill>
-            </a:ext>
-            <a:ext uri="{91240B29-F687-4F45-9708-019B960494DF}">
-              <a14:hiddenLine xmlns:a14="http://schemas.microsoft.com/office/drawing/2010/main" w="9525">
-                <a:solidFill>
-                  <a:schemeClr val="tx1"/>
-                </a:solidFill>
-                <a:miter lim="800000"/>
-                <a:headEnd/>
-                <a:tailEnd/>
-              </a14:hiddenLine>
-            </a:ext>
-            <a:ext uri="{AF507438-7753-43E0-B8FC-AC1667EBCBE1}">
-              <a14:hiddenEffects xmlns:a14="http://schemas.microsoft.com/office/drawing/2010/main">
-                <a:effectLst>
-                  <a:outerShdw dist="35921" dir="2700000" algn="ctr" rotWithShape="0">
-                    <a:schemeClr val="bg2"/>
-                  </a:outerShdw>
-                </a:effectLst>
-              </a14:hiddenEffects>
-            </a:ext>
-          </a:extLst>
-        </p:spPr>
-      </p:pic>
-    </p:spTree>
-    <p:extLst>
-      <p:ext uri="{BB962C8B-B14F-4D97-AF65-F5344CB8AC3E}">
-        <p14:creationId xmlns:p14="http://schemas.microsoft.com/office/powerpoint/2010/main" val="406795989"/>
-      </p:ext>
-    </p:extLst>
-  </p:cSld>
-  <p:clrMapOvr>
-    <a:masterClrMapping/>
-  </p:clrMapOvr>
-  <p:transition/>
-  <p:timing>
-    <p:tnLst>
-      <p:par>
-        <p:cTn id="1" dur="indefinite" restart="never" nodeType="tmRoot"/>
-      </p:par>
-    </p:tnLst>
-  </p:timing>
-</p:sld>
-</file>
-
-<file path=ppt/slides/slide22.xml><?xml version="1.0" encoding="utf-8"?>
-<p:sld xmlns:a="http://schemas.openxmlformats.org/drawingml/2006/main" xmlns:r="http://schemas.openxmlformats.org/officeDocument/2006/relationships" xmlns:p="http://schemas.openxmlformats.org/presentationml/2006/main">
-  <p:cSld>
-    <p:spTree>
-      <p:nvGrpSpPr>
-        <p:cNvPr id="1" name=""/>
-        <p:cNvGrpSpPr/>
-        <p:nvPr/>
-      </p:nvGrpSpPr>
-      <p:grpSpPr>
-        <a:xfrm>
-          <a:off x="0" y="0"/>
-          <a:ext cx="0" cy="0"/>
-          <a:chOff x="0" y="0"/>
-          <a:chExt cx="0" cy="0"/>
-        </a:xfrm>
-      </p:grpSpPr>
-      <p:sp>
-        <p:nvSpPr>
-          <p:cNvPr id="3" name="Titel 2"/>
-          <p:cNvSpPr>
-            <a:spLocks noGrp="1"/>
-          </p:cNvSpPr>
-          <p:nvPr>
-            <p:ph type="title"/>
-          </p:nvPr>
-        </p:nvSpPr>
-        <p:spPr/>
-        <p:txBody>
-          <a:bodyPr/>
-          <a:lstStyle/>
-          <a:p>
-            <a:r>
-              <a:rPr lang="de-CH" dirty="0" smtClean="0"/>
-              <a:t>Unit </a:t>
-            </a:r>
-            <a:r>
-              <a:rPr lang="de-CH" dirty="0" smtClean="0"/>
-              <a:t>Tests </a:t>
+              <a:t>Unit Tests </a:t>
             </a:r>
             <a:r>
               <a:rPr lang="de-CH" dirty="0" err="1" smtClean="0"/>
@@ -8519,7 +8277,7 @@
 </p:sld>
 </file>
 
-<file path=ppt/slides/slide23.xml><?xml version="1.0" encoding="utf-8"?>
+<file path=ppt/slides/slide22.xml><?xml version="1.0" encoding="utf-8"?>
 <p:sld xmlns:a="http://schemas.openxmlformats.org/drawingml/2006/main" xmlns:r="http://schemas.openxmlformats.org/officeDocument/2006/relationships" xmlns:p="http://schemas.openxmlformats.org/presentationml/2006/main">
   <p:cSld>
     <p:spTree>
@@ -8649,7 +8407,7 @@
 </p:sld>
 </file>
 
-<file path=ppt/slides/slide24.xml><?xml version="1.0" encoding="utf-8"?>
+<file path=ppt/slides/slide23.xml><?xml version="1.0" encoding="utf-8"?>
 <p:sld xmlns:a="http://schemas.openxmlformats.org/drawingml/2006/main" xmlns:r="http://schemas.openxmlformats.org/officeDocument/2006/relationships" xmlns:p="http://schemas.openxmlformats.org/presentationml/2006/main">
   <p:cSld>
     <p:spTree>
@@ -8751,7 +8509,7 @@
 </p:sld>
 </file>
 
-<file path=ppt/slides/slide25.xml><?xml version="1.0" encoding="utf-8"?>
+<file path=ppt/slides/slide24.xml><?xml version="1.0" encoding="utf-8"?>
 <p:sld xmlns:a="http://schemas.openxmlformats.org/drawingml/2006/main" xmlns:r="http://schemas.openxmlformats.org/officeDocument/2006/relationships" xmlns:p="http://schemas.openxmlformats.org/presentationml/2006/main">
   <p:cSld>
     <p:spTree>
@@ -8897,7 +8655,7 @@
 </p:sld>
 </file>
 
-<file path=ppt/slides/slide26.xml><?xml version="1.0" encoding="utf-8"?>
+<file path=ppt/slides/slide25.xml><?xml version="1.0" encoding="utf-8"?>
 <p:sld xmlns:a="http://schemas.openxmlformats.org/drawingml/2006/main" xmlns:r="http://schemas.openxmlformats.org/officeDocument/2006/relationships" xmlns:p="http://schemas.openxmlformats.org/presentationml/2006/main">
   <p:cSld>
     <p:spTree>
@@ -8997,7 +8755,7 @@
 </p:sld>
 </file>
 
-<file path=ppt/slides/slide27.xml><?xml version="1.0" encoding="utf-8"?>
+<file path=ppt/slides/slide26.xml><?xml version="1.0" encoding="utf-8"?>
 <p:sld xmlns:a="http://schemas.openxmlformats.org/drawingml/2006/main" xmlns:r="http://schemas.openxmlformats.org/officeDocument/2006/relationships" xmlns:p="http://schemas.openxmlformats.org/presentationml/2006/main">
   <p:cSld>
     <p:spTree>
@@ -9097,7 +8855,7 @@
 </p:sld>
 </file>
 
-<file path=ppt/slides/slide28.xml><?xml version="1.0" encoding="utf-8"?>
+<file path=ppt/slides/slide27.xml><?xml version="1.0" encoding="utf-8"?>
 <p:sld xmlns:a="http://schemas.openxmlformats.org/drawingml/2006/main" xmlns:r="http://schemas.openxmlformats.org/officeDocument/2006/relationships" xmlns:p="http://schemas.openxmlformats.org/presentationml/2006/main">
   <p:cSld>
     <p:spTree>
@@ -9197,7 +8955,7 @@
 </p:sld>
 </file>
 
-<file path=ppt/slides/slide29.xml><?xml version="1.0" encoding="utf-8"?>
+<file path=ppt/slides/slide28.xml><?xml version="1.0" encoding="utf-8"?>
 <p:sld xmlns:a="http://schemas.openxmlformats.org/drawingml/2006/main" xmlns:r="http://schemas.openxmlformats.org/officeDocument/2006/relationships" xmlns:p="http://schemas.openxmlformats.org/presentationml/2006/main">
   <p:cSld>
     <p:spTree>
@@ -9231,31 +8989,28 @@
           <a:p>
             <a:r>
               <a:rPr lang="de-CH" dirty="0" smtClean="0"/>
-              <a:t>MS3 </a:t>
+              <a:t>MS3 Elaboration wird heute abgeschlossen</a:t>
+            </a:r>
+          </a:p>
+          <a:p>
+            <a:r>
+              <a:rPr lang="de-CH" dirty="0"/>
+              <a:t>Konstruktionsphase </a:t>
             </a:r>
             <a:r>
               <a:rPr lang="de-CH" dirty="0" smtClean="0"/>
-              <a:t>Elaboration wird heute abgeschlossen</a:t>
-            </a:r>
-          </a:p>
-          <a:p>
-            <a:r>
-              <a:rPr lang="de-CH" dirty="0" err="1" smtClean="0"/>
-              <a:t>Construction</a:t>
+              <a:t>ist </a:t>
             </a:r>
             <a:r>
               <a:rPr lang="de-CH" dirty="0" smtClean="0"/>
-              <a:t> Phase geplant</a:t>
-            </a:r>
+              <a:t>geplant</a:t>
+            </a:r>
+            <a:endParaRPr lang="de-CH" dirty="0" smtClean="0"/>
           </a:p>
           <a:p>
             <a:r>
               <a:rPr lang="de-CH" dirty="0" smtClean="0"/>
-              <a:t>Code Review </a:t>
-            </a:r>
-            <a:r>
-              <a:rPr lang="de-CH" dirty="0" smtClean="0"/>
-              <a:t>gemacht</a:t>
+              <a:t>Code Review gemacht</a:t>
             </a:r>
           </a:p>
           <a:p>
@@ -9274,7 +9029,6 @@
               <a:rPr lang="de-CH" dirty="0" smtClean="0"/>
               <a:t>Als Tag v0.1 im SVN</a:t>
             </a:r>
-            <a:endParaRPr lang="de-CH" dirty="0" smtClean="0"/>
           </a:p>
           <a:p>
             <a:endParaRPr lang="de-CH" dirty="0" smtClean="0"/>
@@ -9378,6 +9132,108 @@
     <p:extLst>
       <p:ext uri="{BB962C8B-B14F-4D97-AF65-F5344CB8AC3E}">
         <p14:creationId xmlns:p14="http://schemas.microsoft.com/office/powerpoint/2010/main" val="148297732"/>
+      </p:ext>
+    </p:extLst>
+  </p:cSld>
+  <p:clrMapOvr>
+    <a:masterClrMapping/>
+  </p:clrMapOvr>
+  <p:transition/>
+  <p:timing>
+    <p:tnLst>
+      <p:par>
+        <p:cTn id="1" dur="indefinite" restart="never" nodeType="tmRoot"/>
+      </p:par>
+    </p:tnLst>
+  </p:timing>
+</p:sld>
+</file>
+
+<file path=ppt/slides/slide29.xml><?xml version="1.0" encoding="utf-8"?>
+<p:sld xmlns:a="http://schemas.openxmlformats.org/drawingml/2006/main" xmlns:r="http://schemas.openxmlformats.org/officeDocument/2006/relationships" xmlns:p="http://schemas.openxmlformats.org/presentationml/2006/main">
+  <p:cSld>
+    <p:spTree>
+      <p:nvGrpSpPr>
+        <p:cNvPr id="1" name=""/>
+        <p:cNvGrpSpPr/>
+        <p:nvPr/>
+      </p:nvGrpSpPr>
+      <p:grpSpPr>
+        <a:xfrm>
+          <a:off x="0" y="0"/>
+          <a:ext cx="0" cy="0"/>
+          <a:chOff x="0" y="0"/>
+          <a:chExt cx="0" cy="0"/>
+        </a:xfrm>
+      </p:grpSpPr>
+      <p:pic>
+        <p:nvPicPr>
+          <p:cNvPr id="2052" name="Picture 4"/>
+          <p:cNvPicPr>
+            <a:picLocks noChangeAspect="1" noChangeArrowheads="1"/>
+          </p:cNvPicPr>
+          <p:nvPr/>
+        </p:nvPicPr>
+        <p:blipFill>
+          <a:blip r:embed="rId2">
+            <a:extLst>
+              <a:ext uri="{28A0092B-C50C-407E-A947-70E740481C1C}">
+                <a14:useLocalDpi xmlns:a14="http://schemas.microsoft.com/office/drawing/2010/main" val="0"/>
+              </a:ext>
+            </a:extLst>
+          </a:blip>
+          <a:srcRect/>
+          <a:stretch>
+            <a:fillRect/>
+          </a:stretch>
+        </p:blipFill>
+        <p:spPr bwMode="auto">
+          <a:xfrm>
+            <a:off x="179512" y="188639"/>
+            <a:ext cx="8786559" cy="6240735"/>
+          </a:xfrm>
+          <a:prstGeom prst="rect">
+            <a:avLst/>
+          </a:prstGeom>
+          <a:noFill/>
+          <a:ln>
+            <a:noFill/>
+          </a:ln>
+          <a:effectLst/>
+          <a:extLst>
+            <a:ext uri="{909E8E84-426E-40DD-AFC4-6F175D3DCCD1}">
+              <a14:hiddenFill xmlns:a14="http://schemas.microsoft.com/office/drawing/2010/main">
+                <a:solidFill>
+                  <a:schemeClr val="accent1"/>
+                </a:solidFill>
+              </a14:hiddenFill>
+            </a:ext>
+            <a:ext uri="{91240B29-F687-4F45-9708-019B960494DF}">
+              <a14:hiddenLine xmlns:a14="http://schemas.microsoft.com/office/drawing/2010/main" w="9525">
+                <a:solidFill>
+                  <a:schemeClr val="tx1"/>
+                </a:solidFill>
+                <a:miter lim="800000"/>
+                <a:headEnd/>
+                <a:tailEnd/>
+              </a14:hiddenLine>
+            </a:ext>
+            <a:ext uri="{AF507438-7753-43E0-B8FC-AC1667EBCBE1}">
+              <a14:hiddenEffects xmlns:a14="http://schemas.microsoft.com/office/drawing/2010/main">
+                <a:effectLst>
+                  <a:outerShdw dist="35921" dir="2700000" algn="ctr" rotWithShape="0">
+                    <a:schemeClr val="bg2"/>
+                  </a:outerShdw>
+                </a:effectLst>
+              </a14:hiddenEffects>
+            </a:ext>
+          </a:extLst>
+        </p:spPr>
+      </p:pic>
+    </p:spTree>
+    <p:extLst>
+      <p:ext uri="{BB962C8B-B14F-4D97-AF65-F5344CB8AC3E}">
+        <p14:creationId xmlns:p14="http://schemas.microsoft.com/office/powerpoint/2010/main" val="2995529129"/>
       </p:ext>
     </p:extLst>
   </p:cSld>
@@ -9628,7 +9484,7 @@
       </p:pic>
       <p:pic>
         <p:nvPicPr>
-          <p:cNvPr id="7171" name="Picture 3"/>
+          <p:cNvPr id="1026" name="Picture 2"/>
           <p:cNvPicPr>
             <a:picLocks noChangeAspect="1" noChangeArrowheads="1"/>
           </p:cNvPicPr>
@@ -9649,8 +9505,8 @@
         </p:blipFill>
         <p:spPr bwMode="auto">
           <a:xfrm>
-            <a:off x="1475656" y="667321"/>
-            <a:ext cx="6408712" cy="5391901"/>
+            <a:off x="125220" y="188640"/>
+            <a:ext cx="8930958" cy="5688632"/>
           </a:xfrm>
           <a:prstGeom prst="rect">
             <a:avLst/>
@@ -10705,11 +10561,7 @@
           <a:p>
             <a:r>
               <a:rPr lang="de-CH" dirty="0" smtClean="0"/>
-              <a:t>Konzentration </a:t>
-            </a:r>
-            <a:r>
-              <a:rPr lang="de-CH" dirty="0" smtClean="0"/>
-              <a:t>Stundeneintrag</a:t>
+              <a:t>Konzentration Stundeneintrag</a:t>
             </a:r>
           </a:p>
           <a:p>
@@ -10718,7 +10570,6 @@
               <a:rPr lang="de-CH" dirty="0" smtClean="0"/>
               <a:t>Details auf den nächsten Folien</a:t>
             </a:r>
-            <a:endParaRPr lang="de-CH" dirty="0" smtClean="0"/>
           </a:p>
           <a:p>
             <a:endParaRPr lang="de-CH" dirty="0"/>

--- a/doc/05_Design/praesentation.pptx
+++ b/doc/05_Design/praesentation.pptx
@@ -5,7 +5,7 @@
     <p:sldMasterId id="2147483660" r:id="rId1"/>
   </p:sldMasterIdLst>
   <p:notesMasterIdLst>
-    <p:notesMasterId r:id="rId37"/>
+    <p:notesMasterId r:id="rId36"/>
   </p:notesMasterIdLst>
   <p:sldIdLst>
     <p:sldId id="256" r:id="rId2"/>
@@ -35,14 +35,13 @@
     <p:sldId id="285" r:id="rId26"/>
     <p:sldId id="286" r:id="rId27"/>
     <p:sldId id="287" r:id="rId28"/>
-    <p:sldId id="276" r:id="rId29"/>
-    <p:sldId id="294" r:id="rId30"/>
-    <p:sldId id="277" r:id="rId31"/>
-    <p:sldId id="278" r:id="rId32"/>
+    <p:sldId id="272" r:id="rId29"/>
+    <p:sldId id="276" r:id="rId30"/>
+    <p:sldId id="294" r:id="rId31"/>
+    <p:sldId id="277" r:id="rId32"/>
     <p:sldId id="279" r:id="rId33"/>
     <p:sldId id="283" r:id="rId34"/>
     <p:sldId id="280" r:id="rId35"/>
-    <p:sldId id="272" r:id="rId36"/>
   </p:sldIdLst>
   <p:sldSz cx="9144000" cy="6858000" type="screen4x3"/>
   <p:notesSz cx="6858000" cy="9144000"/>
@@ -542,7 +541,6 @@
               <a:rPr lang="de-CH" dirty="0" smtClean="0"/>
               <a:t>Christina</a:t>
             </a:r>
-            <a:endParaRPr lang="de-CH" dirty="0"/>
           </a:p>
         </p:txBody>
       </p:sp>
@@ -563,7 +561,7 @@
           <a:p>
             <a:fld id="{B897FE81-6B21-41EA-A3E2-976A199E5936}" type="slidenum">
               <a:rPr lang="de-CH" smtClean="0"/>
-              <a:t>2</a:t>
+              <a:t>1</a:t>
             </a:fld>
             <a:endParaRPr lang="de-CH"/>
           </a:p>
@@ -572,7 +570,7 @@
     </p:spTree>
     <p:extLst>
       <p:ext uri="{BB962C8B-B14F-4D97-AF65-F5344CB8AC3E}">
-        <p14:creationId xmlns:p14="http://schemas.microsoft.com/office/powerpoint/2010/main" val="2276129432"/>
+        <p14:creationId xmlns:p14="http://schemas.microsoft.com/office/powerpoint/2010/main" val="3037007249"/>
       </p:ext>
     </p:extLst>
   </p:cSld>
@@ -626,30 +624,9 @@
           <a:bodyPr/>
           <a:lstStyle/>
           <a:p>
-            <a:pPr marL="0" marR="0" indent="0" algn="l" defTabSz="914400" rtl="0" eaLnBrk="1" fontAlgn="auto" latinLnBrk="0" hangingPunct="1">
-              <a:lnSpc>
-                <a:spcPct val="100000"/>
-              </a:lnSpc>
-              <a:spcBef>
-                <a:spcPts val="0"/>
-              </a:spcBef>
-              <a:spcAft>
-                <a:spcPts val="0"/>
-              </a:spcAft>
-              <a:buClrTx/>
-              <a:buSzTx/>
-              <a:buFontTx/>
-              <a:buNone/>
-              <a:tabLst/>
-              <a:defRPr/>
-            </a:pPr>
-            <a:r>
-              <a:rPr lang="de-CH" dirty="0" err="1" smtClean="0"/>
-              <a:t>Digi</a:t>
-            </a:r>
-            <a:r>
-              <a:rPr lang="de-CH" dirty="0" smtClean="0"/>
-              <a:t>?</a:t>
+            <a:r>
+              <a:rPr lang="de-CH" dirty="0" smtClean="0"/>
+              <a:t>Delia</a:t>
             </a:r>
             <a:endParaRPr lang="de-CH" dirty="0"/>
           </a:p>
@@ -672,7 +649,7 @@
           <a:p>
             <a:fld id="{B897FE81-6B21-41EA-A3E2-976A199E5936}" type="slidenum">
               <a:rPr lang="de-CH" smtClean="0"/>
-              <a:t>21</a:t>
+              <a:t>10</a:t>
             </a:fld>
             <a:endParaRPr lang="de-CH"/>
           </a:p>
@@ -681,7 +658,7 @@
     </p:spTree>
     <p:extLst>
       <p:ext uri="{BB962C8B-B14F-4D97-AF65-F5344CB8AC3E}">
-        <p14:creationId xmlns:p14="http://schemas.microsoft.com/office/powerpoint/2010/main" val="4168059491"/>
+        <p14:creationId xmlns:p14="http://schemas.microsoft.com/office/powerpoint/2010/main" val="2503503869"/>
       </p:ext>
     </p:extLst>
   </p:cSld>
@@ -735,6 +712,10 @@
           <a:bodyPr/>
           <a:lstStyle/>
           <a:p>
+            <a:r>
+              <a:rPr lang="de-CH" dirty="0" smtClean="0"/>
+              <a:t>Lukas</a:t>
+            </a:r>
             <a:endParaRPr lang="de-CH" dirty="0"/>
           </a:p>
         </p:txBody>
@@ -756,7 +737,7 @@
           <a:p>
             <a:fld id="{B897FE81-6B21-41EA-A3E2-976A199E5936}" type="slidenum">
               <a:rPr lang="de-CH" smtClean="0"/>
-              <a:t>28</a:t>
+              <a:t>11</a:t>
             </a:fld>
             <a:endParaRPr lang="de-CH"/>
           </a:p>
@@ -765,7 +746,7 @@
     </p:spTree>
     <p:extLst>
       <p:ext uri="{BB962C8B-B14F-4D97-AF65-F5344CB8AC3E}">
-        <p14:creationId xmlns:p14="http://schemas.microsoft.com/office/powerpoint/2010/main" val="773231806"/>
+        <p14:creationId xmlns:p14="http://schemas.microsoft.com/office/powerpoint/2010/main" val="1387613710"/>
       </p:ext>
     </p:extLst>
   </p:cSld>
@@ -819,10 +800,29 @@
           <a:bodyPr/>
           <a:lstStyle/>
           <a:p>
-            <a:r>
-              <a:rPr lang="de-CH" dirty="0" smtClean="0"/>
-              <a:t>Remo</a:t>
-            </a:r>
+            <a:pPr marL="0" marR="0" indent="0" algn="l" defTabSz="914400" rtl="0" eaLnBrk="1" fontAlgn="auto" latinLnBrk="0" hangingPunct="1">
+              <a:lnSpc>
+                <a:spcPct val="100000"/>
+              </a:lnSpc>
+              <a:spcBef>
+                <a:spcPts val="0"/>
+              </a:spcBef>
+              <a:spcAft>
+                <a:spcPts val="0"/>
+              </a:spcAft>
+              <a:buClrTx/>
+              <a:buSzTx/>
+              <a:buFontTx/>
+              <a:buNone/>
+              <a:tabLst/>
+              <a:defRPr/>
+            </a:pPr>
+            <a:r>
+              <a:rPr lang="de-CH" dirty="0" smtClean="0"/>
+              <a:t>Lukas</a:t>
+            </a:r>
+          </a:p>
+          <a:p>
             <a:endParaRPr lang="de-CH" dirty="0"/>
           </a:p>
         </p:txBody>
@@ -844,7 +844,7 @@
           <a:p>
             <a:fld id="{B897FE81-6B21-41EA-A3E2-976A199E5936}" type="slidenum">
               <a:rPr lang="de-CH" smtClean="0"/>
-              <a:t>32</a:t>
+              <a:t>12</a:t>
             </a:fld>
             <a:endParaRPr lang="de-CH"/>
           </a:p>
@@ -853,7 +853,677 @@
     </p:spTree>
     <p:extLst>
       <p:ext uri="{BB962C8B-B14F-4D97-AF65-F5344CB8AC3E}">
-        <p14:creationId xmlns:p14="http://schemas.microsoft.com/office/powerpoint/2010/main" val="3091367744"/>
+        <p14:creationId xmlns:p14="http://schemas.microsoft.com/office/powerpoint/2010/main" val="1467435724"/>
+      </p:ext>
+    </p:extLst>
+  </p:cSld>
+  <p:clrMapOvr>
+    <a:masterClrMapping/>
+  </p:clrMapOvr>
+</p:notes>
+</file>
+
+<file path=ppt/notesSlides/notesSlide13.xml><?xml version="1.0" encoding="utf-8"?>
+<p:notes xmlns:a="http://schemas.openxmlformats.org/drawingml/2006/main" xmlns:r="http://schemas.openxmlformats.org/officeDocument/2006/relationships" xmlns:p="http://schemas.openxmlformats.org/presentationml/2006/main">
+  <p:cSld>
+    <p:spTree>
+      <p:nvGrpSpPr>
+        <p:cNvPr id="1" name=""/>
+        <p:cNvGrpSpPr/>
+        <p:nvPr/>
+      </p:nvGrpSpPr>
+      <p:grpSpPr>
+        <a:xfrm>
+          <a:off x="0" y="0"/>
+          <a:ext cx="0" cy="0"/>
+          <a:chOff x="0" y="0"/>
+          <a:chExt cx="0" cy="0"/>
+        </a:xfrm>
+      </p:grpSpPr>
+      <p:sp>
+        <p:nvSpPr>
+          <p:cNvPr id="2" name="Folienbildplatzhalter 1"/>
+          <p:cNvSpPr>
+            <a:spLocks noGrp="1" noRot="1" noChangeAspect="1"/>
+          </p:cNvSpPr>
+          <p:nvPr>
+            <p:ph type="sldImg"/>
+          </p:nvPr>
+        </p:nvSpPr>
+        <p:spPr/>
+      </p:sp>
+      <p:sp>
+        <p:nvSpPr>
+          <p:cNvPr id="3" name="Notizenplatzhalter 2"/>
+          <p:cNvSpPr>
+            <a:spLocks noGrp="1"/>
+          </p:cNvSpPr>
+          <p:nvPr>
+            <p:ph type="body" idx="1"/>
+          </p:nvPr>
+        </p:nvSpPr>
+        <p:spPr/>
+        <p:txBody>
+          <a:bodyPr/>
+          <a:lstStyle/>
+          <a:p>
+            <a:pPr marL="0" marR="0" indent="0" algn="l" defTabSz="914400" rtl="0" eaLnBrk="1" fontAlgn="auto" latinLnBrk="0" hangingPunct="1">
+              <a:lnSpc>
+                <a:spcPct val="100000"/>
+              </a:lnSpc>
+              <a:spcBef>
+                <a:spcPts val="0"/>
+              </a:spcBef>
+              <a:spcAft>
+                <a:spcPts val="0"/>
+              </a:spcAft>
+              <a:buClrTx/>
+              <a:buSzTx/>
+              <a:buFontTx/>
+              <a:buNone/>
+              <a:tabLst/>
+              <a:defRPr/>
+            </a:pPr>
+            <a:r>
+              <a:rPr lang="de-CH" dirty="0" smtClean="0"/>
+              <a:t>Lukas</a:t>
+            </a:r>
+          </a:p>
+          <a:p>
+            <a:endParaRPr lang="de-CH" dirty="0"/>
+          </a:p>
+        </p:txBody>
+      </p:sp>
+      <p:sp>
+        <p:nvSpPr>
+          <p:cNvPr id="4" name="Foliennummernplatzhalter 3"/>
+          <p:cNvSpPr>
+            <a:spLocks noGrp="1"/>
+          </p:cNvSpPr>
+          <p:nvPr>
+            <p:ph type="sldNum" sz="quarter" idx="10"/>
+          </p:nvPr>
+        </p:nvSpPr>
+        <p:spPr/>
+        <p:txBody>
+          <a:bodyPr/>
+          <a:lstStyle/>
+          <a:p>
+            <a:fld id="{B897FE81-6B21-41EA-A3E2-976A199E5936}" type="slidenum">
+              <a:rPr lang="de-CH" smtClean="0"/>
+              <a:t>13</a:t>
+            </a:fld>
+            <a:endParaRPr lang="de-CH"/>
+          </a:p>
+        </p:txBody>
+      </p:sp>
+    </p:spTree>
+    <p:extLst>
+      <p:ext uri="{BB962C8B-B14F-4D97-AF65-F5344CB8AC3E}">
+        <p14:creationId xmlns:p14="http://schemas.microsoft.com/office/powerpoint/2010/main" val="2854954236"/>
+      </p:ext>
+    </p:extLst>
+  </p:cSld>
+  <p:clrMapOvr>
+    <a:masterClrMapping/>
+  </p:clrMapOvr>
+</p:notes>
+</file>
+
+<file path=ppt/notesSlides/notesSlide14.xml><?xml version="1.0" encoding="utf-8"?>
+<p:notes xmlns:a="http://schemas.openxmlformats.org/drawingml/2006/main" xmlns:r="http://schemas.openxmlformats.org/officeDocument/2006/relationships" xmlns:p="http://schemas.openxmlformats.org/presentationml/2006/main">
+  <p:cSld>
+    <p:spTree>
+      <p:nvGrpSpPr>
+        <p:cNvPr id="1" name=""/>
+        <p:cNvGrpSpPr/>
+        <p:nvPr/>
+      </p:nvGrpSpPr>
+      <p:grpSpPr>
+        <a:xfrm>
+          <a:off x="0" y="0"/>
+          <a:ext cx="0" cy="0"/>
+          <a:chOff x="0" y="0"/>
+          <a:chExt cx="0" cy="0"/>
+        </a:xfrm>
+      </p:grpSpPr>
+      <p:sp>
+        <p:nvSpPr>
+          <p:cNvPr id="2" name="Folienbildplatzhalter 1"/>
+          <p:cNvSpPr>
+            <a:spLocks noGrp="1" noRot="1" noChangeAspect="1"/>
+          </p:cNvSpPr>
+          <p:nvPr>
+            <p:ph type="sldImg"/>
+          </p:nvPr>
+        </p:nvSpPr>
+        <p:spPr/>
+      </p:sp>
+      <p:sp>
+        <p:nvSpPr>
+          <p:cNvPr id="3" name="Notizenplatzhalter 2"/>
+          <p:cNvSpPr>
+            <a:spLocks noGrp="1"/>
+          </p:cNvSpPr>
+          <p:nvPr>
+            <p:ph type="body" idx="1"/>
+          </p:nvPr>
+        </p:nvSpPr>
+        <p:spPr/>
+        <p:txBody>
+          <a:bodyPr/>
+          <a:lstStyle/>
+          <a:p>
+            <a:pPr marL="0" marR="0" indent="0" algn="l" defTabSz="914400" rtl="0" eaLnBrk="1" fontAlgn="auto" latinLnBrk="0" hangingPunct="1">
+              <a:lnSpc>
+                <a:spcPct val="100000"/>
+              </a:lnSpc>
+              <a:spcBef>
+                <a:spcPts val="0"/>
+              </a:spcBef>
+              <a:spcAft>
+                <a:spcPts val="0"/>
+              </a:spcAft>
+              <a:buClrTx/>
+              <a:buSzTx/>
+              <a:buFontTx/>
+              <a:buNone/>
+              <a:tabLst/>
+              <a:defRPr/>
+            </a:pPr>
+            <a:r>
+              <a:rPr lang="de-CH" dirty="0" smtClean="0"/>
+              <a:t>Lukas</a:t>
+            </a:r>
+          </a:p>
+        </p:txBody>
+      </p:sp>
+      <p:sp>
+        <p:nvSpPr>
+          <p:cNvPr id="4" name="Foliennummernplatzhalter 3"/>
+          <p:cNvSpPr>
+            <a:spLocks noGrp="1"/>
+          </p:cNvSpPr>
+          <p:nvPr>
+            <p:ph type="sldNum" sz="quarter" idx="10"/>
+          </p:nvPr>
+        </p:nvSpPr>
+        <p:spPr/>
+        <p:txBody>
+          <a:bodyPr/>
+          <a:lstStyle/>
+          <a:p>
+            <a:fld id="{B897FE81-6B21-41EA-A3E2-976A199E5936}" type="slidenum">
+              <a:rPr lang="de-CH" smtClean="0"/>
+              <a:t>14</a:t>
+            </a:fld>
+            <a:endParaRPr lang="de-CH"/>
+          </a:p>
+        </p:txBody>
+      </p:sp>
+    </p:spTree>
+    <p:extLst>
+      <p:ext uri="{BB962C8B-B14F-4D97-AF65-F5344CB8AC3E}">
+        <p14:creationId xmlns:p14="http://schemas.microsoft.com/office/powerpoint/2010/main" val="2047122915"/>
+      </p:ext>
+    </p:extLst>
+  </p:cSld>
+  <p:clrMapOvr>
+    <a:masterClrMapping/>
+  </p:clrMapOvr>
+</p:notes>
+</file>
+
+<file path=ppt/notesSlides/notesSlide15.xml><?xml version="1.0" encoding="utf-8"?>
+<p:notes xmlns:a="http://schemas.openxmlformats.org/drawingml/2006/main" xmlns:r="http://schemas.openxmlformats.org/officeDocument/2006/relationships" xmlns:p="http://schemas.openxmlformats.org/presentationml/2006/main">
+  <p:cSld>
+    <p:spTree>
+      <p:nvGrpSpPr>
+        <p:cNvPr id="1" name=""/>
+        <p:cNvGrpSpPr/>
+        <p:nvPr/>
+      </p:nvGrpSpPr>
+      <p:grpSpPr>
+        <a:xfrm>
+          <a:off x="0" y="0"/>
+          <a:ext cx="0" cy="0"/>
+          <a:chOff x="0" y="0"/>
+          <a:chExt cx="0" cy="0"/>
+        </a:xfrm>
+      </p:grpSpPr>
+      <p:sp>
+        <p:nvSpPr>
+          <p:cNvPr id="2" name="Folienbildplatzhalter 1"/>
+          <p:cNvSpPr>
+            <a:spLocks noGrp="1" noRot="1" noChangeAspect="1"/>
+          </p:cNvSpPr>
+          <p:nvPr>
+            <p:ph type="sldImg"/>
+          </p:nvPr>
+        </p:nvSpPr>
+        <p:spPr/>
+      </p:sp>
+      <p:sp>
+        <p:nvSpPr>
+          <p:cNvPr id="3" name="Notizenplatzhalter 2"/>
+          <p:cNvSpPr>
+            <a:spLocks noGrp="1"/>
+          </p:cNvSpPr>
+          <p:nvPr>
+            <p:ph type="body" idx="1"/>
+          </p:nvPr>
+        </p:nvSpPr>
+        <p:spPr/>
+        <p:txBody>
+          <a:bodyPr/>
+          <a:lstStyle/>
+          <a:p>
+            <a:r>
+              <a:rPr lang="de-CH" dirty="0" smtClean="0"/>
+              <a:t>Diego</a:t>
+            </a:r>
+            <a:endParaRPr lang="de-CH" dirty="0"/>
+          </a:p>
+        </p:txBody>
+      </p:sp>
+      <p:sp>
+        <p:nvSpPr>
+          <p:cNvPr id="4" name="Foliennummernplatzhalter 3"/>
+          <p:cNvSpPr>
+            <a:spLocks noGrp="1"/>
+          </p:cNvSpPr>
+          <p:nvPr>
+            <p:ph type="sldNum" sz="quarter" idx="10"/>
+          </p:nvPr>
+        </p:nvSpPr>
+        <p:spPr/>
+        <p:txBody>
+          <a:bodyPr/>
+          <a:lstStyle/>
+          <a:p>
+            <a:fld id="{B897FE81-6B21-41EA-A3E2-976A199E5936}" type="slidenum">
+              <a:rPr lang="de-CH" smtClean="0"/>
+              <a:t>15</a:t>
+            </a:fld>
+            <a:endParaRPr lang="de-CH"/>
+          </a:p>
+        </p:txBody>
+      </p:sp>
+    </p:spTree>
+    <p:extLst>
+      <p:ext uri="{BB962C8B-B14F-4D97-AF65-F5344CB8AC3E}">
+        <p14:creationId xmlns:p14="http://schemas.microsoft.com/office/powerpoint/2010/main" val="2064200495"/>
+      </p:ext>
+    </p:extLst>
+  </p:cSld>
+  <p:clrMapOvr>
+    <a:masterClrMapping/>
+  </p:clrMapOvr>
+</p:notes>
+</file>
+
+<file path=ppt/notesSlides/notesSlide16.xml><?xml version="1.0" encoding="utf-8"?>
+<p:notes xmlns:a="http://schemas.openxmlformats.org/drawingml/2006/main" xmlns:r="http://schemas.openxmlformats.org/officeDocument/2006/relationships" xmlns:p="http://schemas.openxmlformats.org/presentationml/2006/main">
+  <p:cSld>
+    <p:spTree>
+      <p:nvGrpSpPr>
+        <p:cNvPr id="1" name=""/>
+        <p:cNvGrpSpPr/>
+        <p:nvPr/>
+      </p:nvGrpSpPr>
+      <p:grpSpPr>
+        <a:xfrm>
+          <a:off x="0" y="0"/>
+          <a:ext cx="0" cy="0"/>
+          <a:chOff x="0" y="0"/>
+          <a:chExt cx="0" cy="0"/>
+        </a:xfrm>
+      </p:grpSpPr>
+      <p:sp>
+        <p:nvSpPr>
+          <p:cNvPr id="2" name="Folienbildplatzhalter 1"/>
+          <p:cNvSpPr>
+            <a:spLocks noGrp="1" noRot="1" noChangeAspect="1"/>
+          </p:cNvSpPr>
+          <p:nvPr>
+            <p:ph type="sldImg"/>
+          </p:nvPr>
+        </p:nvSpPr>
+        <p:spPr/>
+      </p:sp>
+      <p:sp>
+        <p:nvSpPr>
+          <p:cNvPr id="3" name="Notizenplatzhalter 2"/>
+          <p:cNvSpPr>
+            <a:spLocks noGrp="1"/>
+          </p:cNvSpPr>
+          <p:nvPr>
+            <p:ph type="body" idx="1"/>
+          </p:nvPr>
+        </p:nvSpPr>
+        <p:spPr/>
+        <p:txBody>
+          <a:bodyPr/>
+          <a:lstStyle/>
+          <a:p>
+            <a:r>
+              <a:rPr lang="de-CH" dirty="0" smtClean="0"/>
+              <a:t>Diego</a:t>
+            </a:r>
+            <a:endParaRPr lang="de-CH" dirty="0"/>
+          </a:p>
+        </p:txBody>
+      </p:sp>
+      <p:sp>
+        <p:nvSpPr>
+          <p:cNvPr id="4" name="Foliennummernplatzhalter 3"/>
+          <p:cNvSpPr>
+            <a:spLocks noGrp="1"/>
+          </p:cNvSpPr>
+          <p:nvPr>
+            <p:ph type="sldNum" sz="quarter" idx="10"/>
+          </p:nvPr>
+        </p:nvSpPr>
+        <p:spPr/>
+        <p:txBody>
+          <a:bodyPr/>
+          <a:lstStyle/>
+          <a:p>
+            <a:fld id="{B897FE81-6B21-41EA-A3E2-976A199E5936}" type="slidenum">
+              <a:rPr lang="de-CH" smtClean="0"/>
+              <a:t>16</a:t>
+            </a:fld>
+            <a:endParaRPr lang="de-CH"/>
+          </a:p>
+        </p:txBody>
+      </p:sp>
+    </p:spTree>
+    <p:extLst>
+      <p:ext uri="{BB962C8B-B14F-4D97-AF65-F5344CB8AC3E}">
+        <p14:creationId xmlns:p14="http://schemas.microsoft.com/office/powerpoint/2010/main" val="3967320737"/>
+      </p:ext>
+    </p:extLst>
+  </p:cSld>
+  <p:clrMapOvr>
+    <a:masterClrMapping/>
+  </p:clrMapOvr>
+</p:notes>
+</file>
+
+<file path=ppt/notesSlides/notesSlide17.xml><?xml version="1.0" encoding="utf-8"?>
+<p:notes xmlns:a="http://schemas.openxmlformats.org/drawingml/2006/main" xmlns:r="http://schemas.openxmlformats.org/officeDocument/2006/relationships" xmlns:p="http://schemas.openxmlformats.org/presentationml/2006/main">
+  <p:cSld>
+    <p:spTree>
+      <p:nvGrpSpPr>
+        <p:cNvPr id="1" name=""/>
+        <p:cNvGrpSpPr/>
+        <p:nvPr/>
+      </p:nvGrpSpPr>
+      <p:grpSpPr>
+        <a:xfrm>
+          <a:off x="0" y="0"/>
+          <a:ext cx="0" cy="0"/>
+          <a:chOff x="0" y="0"/>
+          <a:chExt cx="0" cy="0"/>
+        </a:xfrm>
+      </p:grpSpPr>
+      <p:sp>
+        <p:nvSpPr>
+          <p:cNvPr id="2" name="Folienbildplatzhalter 1"/>
+          <p:cNvSpPr>
+            <a:spLocks noGrp="1" noRot="1" noChangeAspect="1"/>
+          </p:cNvSpPr>
+          <p:nvPr>
+            <p:ph type="sldImg"/>
+          </p:nvPr>
+        </p:nvSpPr>
+        <p:spPr/>
+      </p:sp>
+      <p:sp>
+        <p:nvSpPr>
+          <p:cNvPr id="3" name="Notizenplatzhalter 2"/>
+          <p:cNvSpPr>
+            <a:spLocks noGrp="1"/>
+          </p:cNvSpPr>
+          <p:nvPr>
+            <p:ph type="body" idx="1"/>
+          </p:nvPr>
+        </p:nvSpPr>
+        <p:spPr/>
+        <p:txBody>
+          <a:bodyPr/>
+          <a:lstStyle/>
+          <a:p>
+            <a:r>
+              <a:rPr lang="de-CH" dirty="0" smtClean="0"/>
+              <a:t>Diego</a:t>
+            </a:r>
+            <a:endParaRPr lang="de-CH" dirty="0"/>
+          </a:p>
+        </p:txBody>
+      </p:sp>
+      <p:sp>
+        <p:nvSpPr>
+          <p:cNvPr id="4" name="Foliennummernplatzhalter 3"/>
+          <p:cNvSpPr>
+            <a:spLocks noGrp="1"/>
+          </p:cNvSpPr>
+          <p:nvPr>
+            <p:ph type="sldNum" sz="quarter" idx="10"/>
+          </p:nvPr>
+        </p:nvSpPr>
+        <p:spPr/>
+        <p:txBody>
+          <a:bodyPr/>
+          <a:lstStyle/>
+          <a:p>
+            <a:fld id="{B897FE81-6B21-41EA-A3E2-976A199E5936}" type="slidenum">
+              <a:rPr lang="de-CH" smtClean="0"/>
+              <a:t>17</a:t>
+            </a:fld>
+            <a:endParaRPr lang="de-CH"/>
+          </a:p>
+        </p:txBody>
+      </p:sp>
+    </p:spTree>
+    <p:extLst>
+      <p:ext uri="{BB962C8B-B14F-4D97-AF65-F5344CB8AC3E}">
+        <p14:creationId xmlns:p14="http://schemas.microsoft.com/office/powerpoint/2010/main" val="2750101932"/>
+      </p:ext>
+    </p:extLst>
+  </p:cSld>
+  <p:clrMapOvr>
+    <a:masterClrMapping/>
+  </p:clrMapOvr>
+</p:notes>
+</file>
+
+<file path=ppt/notesSlides/notesSlide18.xml><?xml version="1.0" encoding="utf-8"?>
+<p:notes xmlns:a="http://schemas.openxmlformats.org/drawingml/2006/main" xmlns:r="http://schemas.openxmlformats.org/officeDocument/2006/relationships" xmlns:p="http://schemas.openxmlformats.org/presentationml/2006/main">
+  <p:cSld>
+    <p:spTree>
+      <p:nvGrpSpPr>
+        <p:cNvPr id="1" name=""/>
+        <p:cNvGrpSpPr/>
+        <p:nvPr/>
+      </p:nvGrpSpPr>
+      <p:grpSpPr>
+        <a:xfrm>
+          <a:off x="0" y="0"/>
+          <a:ext cx="0" cy="0"/>
+          <a:chOff x="0" y="0"/>
+          <a:chExt cx="0" cy="0"/>
+        </a:xfrm>
+      </p:grpSpPr>
+      <p:sp>
+        <p:nvSpPr>
+          <p:cNvPr id="2" name="Folienbildplatzhalter 1"/>
+          <p:cNvSpPr>
+            <a:spLocks noGrp="1" noRot="1" noChangeAspect="1"/>
+          </p:cNvSpPr>
+          <p:nvPr>
+            <p:ph type="sldImg"/>
+          </p:nvPr>
+        </p:nvSpPr>
+        <p:spPr/>
+      </p:sp>
+      <p:sp>
+        <p:nvSpPr>
+          <p:cNvPr id="3" name="Notizenplatzhalter 2"/>
+          <p:cNvSpPr>
+            <a:spLocks noGrp="1"/>
+          </p:cNvSpPr>
+          <p:nvPr>
+            <p:ph type="body" idx="1"/>
+          </p:nvPr>
+        </p:nvSpPr>
+        <p:spPr/>
+        <p:txBody>
+          <a:bodyPr/>
+          <a:lstStyle/>
+          <a:p>
+            <a:pPr marL="0" marR="0" indent="0" algn="l" defTabSz="914400" rtl="0" eaLnBrk="1" fontAlgn="auto" latinLnBrk="0" hangingPunct="1">
+              <a:lnSpc>
+                <a:spcPct val="100000"/>
+              </a:lnSpc>
+              <a:spcBef>
+                <a:spcPts val="0"/>
+              </a:spcBef>
+              <a:spcAft>
+                <a:spcPts val="0"/>
+              </a:spcAft>
+              <a:buClrTx/>
+              <a:buSzTx/>
+              <a:buFontTx/>
+              <a:buNone/>
+              <a:tabLst/>
+              <a:defRPr/>
+            </a:pPr>
+            <a:r>
+              <a:rPr lang="de-CH" dirty="0" smtClean="0"/>
+              <a:t>Diego</a:t>
+            </a:r>
+          </a:p>
+          <a:p>
+            <a:endParaRPr lang="de-CH" dirty="0"/>
+          </a:p>
+        </p:txBody>
+      </p:sp>
+      <p:sp>
+        <p:nvSpPr>
+          <p:cNvPr id="4" name="Foliennummernplatzhalter 3"/>
+          <p:cNvSpPr>
+            <a:spLocks noGrp="1"/>
+          </p:cNvSpPr>
+          <p:nvPr>
+            <p:ph type="sldNum" sz="quarter" idx="10"/>
+          </p:nvPr>
+        </p:nvSpPr>
+        <p:spPr/>
+        <p:txBody>
+          <a:bodyPr/>
+          <a:lstStyle/>
+          <a:p>
+            <a:fld id="{B897FE81-6B21-41EA-A3E2-976A199E5936}" type="slidenum">
+              <a:rPr lang="de-CH" smtClean="0"/>
+              <a:t>18</a:t>
+            </a:fld>
+            <a:endParaRPr lang="de-CH"/>
+          </a:p>
+        </p:txBody>
+      </p:sp>
+    </p:spTree>
+    <p:extLst>
+      <p:ext uri="{BB962C8B-B14F-4D97-AF65-F5344CB8AC3E}">
+        <p14:creationId xmlns:p14="http://schemas.microsoft.com/office/powerpoint/2010/main" val="1465809088"/>
+      </p:ext>
+    </p:extLst>
+  </p:cSld>
+  <p:clrMapOvr>
+    <a:masterClrMapping/>
+  </p:clrMapOvr>
+</p:notes>
+</file>
+
+<file path=ppt/notesSlides/notesSlide19.xml><?xml version="1.0" encoding="utf-8"?>
+<p:notes xmlns:a="http://schemas.openxmlformats.org/drawingml/2006/main" xmlns:r="http://schemas.openxmlformats.org/officeDocument/2006/relationships" xmlns:p="http://schemas.openxmlformats.org/presentationml/2006/main">
+  <p:cSld>
+    <p:spTree>
+      <p:nvGrpSpPr>
+        <p:cNvPr id="1" name=""/>
+        <p:cNvGrpSpPr/>
+        <p:nvPr/>
+      </p:nvGrpSpPr>
+      <p:grpSpPr>
+        <a:xfrm>
+          <a:off x="0" y="0"/>
+          <a:ext cx="0" cy="0"/>
+          <a:chOff x="0" y="0"/>
+          <a:chExt cx="0" cy="0"/>
+        </a:xfrm>
+      </p:grpSpPr>
+      <p:sp>
+        <p:nvSpPr>
+          <p:cNvPr id="2" name="Folienbildplatzhalter 1"/>
+          <p:cNvSpPr>
+            <a:spLocks noGrp="1" noRot="1" noChangeAspect="1"/>
+          </p:cNvSpPr>
+          <p:nvPr>
+            <p:ph type="sldImg"/>
+          </p:nvPr>
+        </p:nvSpPr>
+        <p:spPr/>
+      </p:sp>
+      <p:sp>
+        <p:nvSpPr>
+          <p:cNvPr id="3" name="Notizenplatzhalter 2"/>
+          <p:cNvSpPr>
+            <a:spLocks noGrp="1"/>
+          </p:cNvSpPr>
+          <p:nvPr>
+            <p:ph type="body" idx="1"/>
+          </p:nvPr>
+        </p:nvSpPr>
+        <p:spPr/>
+        <p:txBody>
+          <a:bodyPr/>
+          <a:lstStyle/>
+          <a:p>
+            <a:r>
+              <a:rPr lang="de-CH" dirty="0" smtClean="0"/>
+              <a:t>Diego</a:t>
+            </a:r>
+            <a:endParaRPr lang="de-CH" dirty="0"/>
+          </a:p>
+        </p:txBody>
+      </p:sp>
+      <p:sp>
+        <p:nvSpPr>
+          <p:cNvPr id="4" name="Foliennummernplatzhalter 3"/>
+          <p:cNvSpPr>
+            <a:spLocks noGrp="1"/>
+          </p:cNvSpPr>
+          <p:nvPr>
+            <p:ph type="sldNum" sz="quarter" idx="10"/>
+          </p:nvPr>
+        </p:nvSpPr>
+        <p:spPr/>
+        <p:txBody>
+          <a:bodyPr/>
+          <a:lstStyle/>
+          <a:p>
+            <a:fld id="{B897FE81-6B21-41EA-A3E2-976A199E5936}" type="slidenum">
+              <a:rPr lang="de-CH" smtClean="0"/>
+              <a:t>19</a:t>
+            </a:fld>
+            <a:endParaRPr lang="de-CH"/>
+          </a:p>
+        </p:txBody>
+      </p:sp>
+    </p:spTree>
+    <p:extLst>
+      <p:ext uri="{BB962C8B-B14F-4D97-AF65-F5344CB8AC3E}">
+        <p14:creationId xmlns:p14="http://schemas.microsoft.com/office/powerpoint/2010/main" val="2167019415"/>
       </p:ext>
     </p:extLst>
   </p:cSld>
@@ -907,6 +1577,270 @@
           <a:bodyPr/>
           <a:lstStyle/>
           <a:p>
+            <a:r>
+              <a:rPr lang="de-CH" dirty="0" smtClean="0"/>
+              <a:t>Christina</a:t>
+            </a:r>
+            <a:endParaRPr lang="de-CH" dirty="0"/>
+          </a:p>
+        </p:txBody>
+      </p:sp>
+      <p:sp>
+        <p:nvSpPr>
+          <p:cNvPr id="4" name="Foliennummernplatzhalter 3"/>
+          <p:cNvSpPr>
+            <a:spLocks noGrp="1"/>
+          </p:cNvSpPr>
+          <p:nvPr>
+            <p:ph type="sldNum" sz="quarter" idx="10"/>
+          </p:nvPr>
+        </p:nvSpPr>
+        <p:spPr/>
+        <p:txBody>
+          <a:bodyPr/>
+          <a:lstStyle/>
+          <a:p>
+            <a:fld id="{B897FE81-6B21-41EA-A3E2-976A199E5936}" type="slidenum">
+              <a:rPr lang="de-CH" smtClean="0"/>
+              <a:t>2</a:t>
+            </a:fld>
+            <a:endParaRPr lang="de-CH"/>
+          </a:p>
+        </p:txBody>
+      </p:sp>
+    </p:spTree>
+    <p:extLst>
+      <p:ext uri="{BB962C8B-B14F-4D97-AF65-F5344CB8AC3E}">
+        <p14:creationId xmlns:p14="http://schemas.microsoft.com/office/powerpoint/2010/main" val="2276129432"/>
+      </p:ext>
+    </p:extLst>
+  </p:cSld>
+  <p:clrMapOvr>
+    <a:masterClrMapping/>
+  </p:clrMapOvr>
+</p:notes>
+</file>
+
+<file path=ppt/notesSlides/notesSlide20.xml><?xml version="1.0" encoding="utf-8"?>
+<p:notes xmlns:a="http://schemas.openxmlformats.org/drawingml/2006/main" xmlns:r="http://schemas.openxmlformats.org/officeDocument/2006/relationships" xmlns:p="http://schemas.openxmlformats.org/presentationml/2006/main">
+  <p:cSld>
+    <p:spTree>
+      <p:nvGrpSpPr>
+        <p:cNvPr id="1" name=""/>
+        <p:cNvGrpSpPr/>
+        <p:nvPr/>
+      </p:nvGrpSpPr>
+      <p:grpSpPr>
+        <a:xfrm>
+          <a:off x="0" y="0"/>
+          <a:ext cx="0" cy="0"/>
+          <a:chOff x="0" y="0"/>
+          <a:chExt cx="0" cy="0"/>
+        </a:xfrm>
+      </p:grpSpPr>
+      <p:sp>
+        <p:nvSpPr>
+          <p:cNvPr id="2" name="Folienbildplatzhalter 1"/>
+          <p:cNvSpPr>
+            <a:spLocks noGrp="1" noRot="1" noChangeAspect="1"/>
+          </p:cNvSpPr>
+          <p:nvPr>
+            <p:ph type="sldImg"/>
+          </p:nvPr>
+        </p:nvSpPr>
+        <p:spPr/>
+      </p:sp>
+      <p:sp>
+        <p:nvSpPr>
+          <p:cNvPr id="3" name="Notizenplatzhalter 2"/>
+          <p:cNvSpPr>
+            <a:spLocks noGrp="1"/>
+          </p:cNvSpPr>
+          <p:nvPr>
+            <p:ph type="body" idx="1"/>
+          </p:nvPr>
+        </p:nvSpPr>
+        <p:spPr/>
+        <p:txBody>
+          <a:bodyPr/>
+          <a:lstStyle/>
+          <a:p>
+            <a:r>
+              <a:rPr lang="de-CH" dirty="0" smtClean="0"/>
+              <a:t>Christina</a:t>
+            </a:r>
+            <a:endParaRPr lang="de-CH" dirty="0"/>
+          </a:p>
+        </p:txBody>
+      </p:sp>
+      <p:sp>
+        <p:nvSpPr>
+          <p:cNvPr id="4" name="Foliennummernplatzhalter 3"/>
+          <p:cNvSpPr>
+            <a:spLocks noGrp="1"/>
+          </p:cNvSpPr>
+          <p:nvPr>
+            <p:ph type="sldNum" sz="quarter" idx="10"/>
+          </p:nvPr>
+        </p:nvSpPr>
+        <p:spPr/>
+        <p:txBody>
+          <a:bodyPr/>
+          <a:lstStyle/>
+          <a:p>
+            <a:fld id="{B897FE81-6B21-41EA-A3E2-976A199E5936}" type="slidenum">
+              <a:rPr lang="de-CH" smtClean="0"/>
+              <a:t>20</a:t>
+            </a:fld>
+            <a:endParaRPr lang="de-CH"/>
+          </a:p>
+        </p:txBody>
+      </p:sp>
+    </p:spTree>
+    <p:extLst>
+      <p:ext uri="{BB962C8B-B14F-4D97-AF65-F5344CB8AC3E}">
+        <p14:creationId xmlns:p14="http://schemas.microsoft.com/office/powerpoint/2010/main" val="4168059491"/>
+      </p:ext>
+    </p:extLst>
+  </p:cSld>
+  <p:clrMapOvr>
+    <a:masterClrMapping/>
+  </p:clrMapOvr>
+</p:notes>
+</file>
+
+<file path=ppt/notesSlides/notesSlide21.xml><?xml version="1.0" encoding="utf-8"?>
+<p:notes xmlns:a="http://schemas.openxmlformats.org/drawingml/2006/main" xmlns:r="http://schemas.openxmlformats.org/officeDocument/2006/relationships" xmlns:p="http://schemas.openxmlformats.org/presentationml/2006/main">
+  <p:cSld>
+    <p:spTree>
+      <p:nvGrpSpPr>
+        <p:cNvPr id="1" name=""/>
+        <p:cNvGrpSpPr/>
+        <p:nvPr/>
+      </p:nvGrpSpPr>
+      <p:grpSpPr>
+        <a:xfrm>
+          <a:off x="0" y="0"/>
+          <a:ext cx="0" cy="0"/>
+          <a:chOff x="0" y="0"/>
+          <a:chExt cx="0" cy="0"/>
+        </a:xfrm>
+      </p:grpSpPr>
+      <p:sp>
+        <p:nvSpPr>
+          <p:cNvPr id="2" name="Folienbildplatzhalter 1"/>
+          <p:cNvSpPr>
+            <a:spLocks noGrp="1" noRot="1" noChangeAspect="1"/>
+          </p:cNvSpPr>
+          <p:nvPr>
+            <p:ph type="sldImg"/>
+          </p:nvPr>
+        </p:nvSpPr>
+        <p:spPr/>
+      </p:sp>
+      <p:sp>
+        <p:nvSpPr>
+          <p:cNvPr id="3" name="Notizenplatzhalter 2"/>
+          <p:cNvSpPr>
+            <a:spLocks noGrp="1"/>
+          </p:cNvSpPr>
+          <p:nvPr>
+            <p:ph type="body" idx="1"/>
+          </p:nvPr>
+        </p:nvSpPr>
+        <p:spPr/>
+        <p:txBody>
+          <a:bodyPr/>
+          <a:lstStyle/>
+          <a:p>
+            <a:r>
+              <a:rPr lang="de-CH" dirty="0" smtClean="0"/>
+              <a:t>Christina</a:t>
+            </a:r>
+            <a:endParaRPr lang="de-CH" dirty="0"/>
+          </a:p>
+        </p:txBody>
+      </p:sp>
+      <p:sp>
+        <p:nvSpPr>
+          <p:cNvPr id="4" name="Foliennummernplatzhalter 3"/>
+          <p:cNvSpPr>
+            <a:spLocks noGrp="1"/>
+          </p:cNvSpPr>
+          <p:nvPr>
+            <p:ph type="sldNum" sz="quarter" idx="10"/>
+          </p:nvPr>
+        </p:nvSpPr>
+        <p:spPr/>
+        <p:txBody>
+          <a:bodyPr/>
+          <a:lstStyle/>
+          <a:p>
+            <a:fld id="{B897FE81-6B21-41EA-A3E2-976A199E5936}" type="slidenum">
+              <a:rPr lang="de-CH" smtClean="0"/>
+              <a:t>21</a:t>
+            </a:fld>
+            <a:endParaRPr lang="de-CH"/>
+          </a:p>
+        </p:txBody>
+      </p:sp>
+    </p:spTree>
+    <p:extLst>
+      <p:ext uri="{BB962C8B-B14F-4D97-AF65-F5344CB8AC3E}">
+        <p14:creationId xmlns:p14="http://schemas.microsoft.com/office/powerpoint/2010/main" val="4168059491"/>
+      </p:ext>
+    </p:extLst>
+  </p:cSld>
+  <p:clrMapOvr>
+    <a:masterClrMapping/>
+  </p:clrMapOvr>
+</p:notes>
+</file>
+
+<file path=ppt/notesSlides/notesSlide22.xml><?xml version="1.0" encoding="utf-8"?>
+<p:notes xmlns:a="http://schemas.openxmlformats.org/drawingml/2006/main" xmlns:r="http://schemas.openxmlformats.org/officeDocument/2006/relationships" xmlns:p="http://schemas.openxmlformats.org/presentationml/2006/main">
+  <p:cSld>
+    <p:spTree>
+      <p:nvGrpSpPr>
+        <p:cNvPr id="1" name=""/>
+        <p:cNvGrpSpPr/>
+        <p:nvPr/>
+      </p:nvGrpSpPr>
+      <p:grpSpPr>
+        <a:xfrm>
+          <a:off x="0" y="0"/>
+          <a:ext cx="0" cy="0"/>
+          <a:chOff x="0" y="0"/>
+          <a:chExt cx="0" cy="0"/>
+        </a:xfrm>
+      </p:grpSpPr>
+      <p:sp>
+        <p:nvSpPr>
+          <p:cNvPr id="2" name="Folienbildplatzhalter 1"/>
+          <p:cNvSpPr>
+            <a:spLocks noGrp="1" noRot="1" noChangeAspect="1"/>
+          </p:cNvSpPr>
+          <p:nvPr>
+            <p:ph type="sldImg"/>
+          </p:nvPr>
+        </p:nvSpPr>
+        <p:spPr/>
+      </p:sp>
+      <p:sp>
+        <p:nvSpPr>
+          <p:cNvPr id="3" name="Notizenplatzhalter 2"/>
+          <p:cNvSpPr>
+            <a:spLocks noGrp="1"/>
+          </p:cNvSpPr>
+          <p:nvPr>
+            <p:ph type="body" idx="1"/>
+          </p:nvPr>
+        </p:nvSpPr>
+        <p:spPr/>
+        <p:txBody>
+          <a:bodyPr/>
+          <a:lstStyle/>
+          <a:p>
             <a:pPr marL="0" marR="0" indent="0" algn="l" defTabSz="914400" rtl="0" eaLnBrk="1" fontAlgn="auto" latinLnBrk="0" hangingPunct="1">
               <a:lnSpc>
                 <a:spcPct val="100000"/>
@@ -951,7 +1885,7 @@
           <a:p>
             <a:fld id="{B897FE81-6B21-41EA-A3E2-976A199E5936}" type="slidenum">
               <a:rPr lang="de-CH" smtClean="0"/>
-              <a:t>3</a:t>
+              <a:t>22</a:t>
             </a:fld>
             <a:endParaRPr lang="de-CH"/>
           </a:p>
@@ -960,7 +1894,680 @@
     </p:spTree>
     <p:extLst>
       <p:ext uri="{BB962C8B-B14F-4D97-AF65-F5344CB8AC3E}">
-        <p14:creationId xmlns:p14="http://schemas.microsoft.com/office/powerpoint/2010/main" val="2650583565"/>
+        <p14:creationId xmlns:p14="http://schemas.microsoft.com/office/powerpoint/2010/main" val="1782689095"/>
+      </p:ext>
+    </p:extLst>
+  </p:cSld>
+  <p:clrMapOvr>
+    <a:masterClrMapping/>
+  </p:clrMapOvr>
+</p:notes>
+</file>
+
+<file path=ppt/notesSlides/notesSlide23.xml><?xml version="1.0" encoding="utf-8"?>
+<p:notes xmlns:a="http://schemas.openxmlformats.org/drawingml/2006/main" xmlns:r="http://schemas.openxmlformats.org/officeDocument/2006/relationships" xmlns:p="http://schemas.openxmlformats.org/presentationml/2006/main">
+  <p:cSld>
+    <p:spTree>
+      <p:nvGrpSpPr>
+        <p:cNvPr id="1" name=""/>
+        <p:cNvGrpSpPr/>
+        <p:nvPr/>
+      </p:nvGrpSpPr>
+      <p:grpSpPr>
+        <a:xfrm>
+          <a:off x="0" y="0"/>
+          <a:ext cx="0" cy="0"/>
+          <a:chOff x="0" y="0"/>
+          <a:chExt cx="0" cy="0"/>
+        </a:xfrm>
+      </p:grpSpPr>
+      <p:sp>
+        <p:nvSpPr>
+          <p:cNvPr id="2" name="Folienbildplatzhalter 1"/>
+          <p:cNvSpPr>
+            <a:spLocks noGrp="1" noRot="1" noChangeAspect="1"/>
+          </p:cNvSpPr>
+          <p:nvPr>
+            <p:ph type="sldImg"/>
+          </p:nvPr>
+        </p:nvSpPr>
+        <p:spPr/>
+      </p:sp>
+      <p:sp>
+        <p:nvSpPr>
+          <p:cNvPr id="3" name="Notizenplatzhalter 2"/>
+          <p:cNvSpPr>
+            <a:spLocks noGrp="1"/>
+          </p:cNvSpPr>
+          <p:nvPr>
+            <p:ph type="body" idx="1"/>
+          </p:nvPr>
+        </p:nvSpPr>
+        <p:spPr/>
+        <p:txBody>
+          <a:bodyPr/>
+          <a:lstStyle/>
+          <a:p>
+            <a:pPr marL="0" marR="0" indent="0" algn="l" defTabSz="914400" rtl="0" eaLnBrk="1" fontAlgn="auto" latinLnBrk="0" hangingPunct="1">
+              <a:lnSpc>
+                <a:spcPct val="100000"/>
+              </a:lnSpc>
+              <a:spcBef>
+                <a:spcPts val="0"/>
+              </a:spcBef>
+              <a:spcAft>
+                <a:spcPts val="0"/>
+              </a:spcAft>
+              <a:buClrTx/>
+              <a:buSzTx/>
+              <a:buFontTx/>
+              <a:buNone/>
+              <a:tabLst/>
+              <a:defRPr/>
+            </a:pPr>
+            <a:r>
+              <a:rPr lang="de-CH" dirty="0" smtClean="0"/>
+              <a:t>Christina</a:t>
+            </a:r>
+          </a:p>
+          <a:p>
+            <a:endParaRPr lang="de-CH" dirty="0"/>
+          </a:p>
+        </p:txBody>
+      </p:sp>
+      <p:sp>
+        <p:nvSpPr>
+          <p:cNvPr id="4" name="Foliennummernplatzhalter 3"/>
+          <p:cNvSpPr>
+            <a:spLocks noGrp="1"/>
+          </p:cNvSpPr>
+          <p:nvPr>
+            <p:ph type="sldNum" sz="quarter" idx="10"/>
+          </p:nvPr>
+        </p:nvSpPr>
+        <p:spPr/>
+        <p:txBody>
+          <a:bodyPr/>
+          <a:lstStyle/>
+          <a:p>
+            <a:fld id="{B897FE81-6B21-41EA-A3E2-976A199E5936}" type="slidenum">
+              <a:rPr lang="de-CH" smtClean="0"/>
+              <a:t>23</a:t>
+            </a:fld>
+            <a:endParaRPr lang="de-CH"/>
+          </a:p>
+        </p:txBody>
+      </p:sp>
+    </p:spTree>
+    <p:extLst>
+      <p:ext uri="{BB962C8B-B14F-4D97-AF65-F5344CB8AC3E}">
+        <p14:creationId xmlns:p14="http://schemas.microsoft.com/office/powerpoint/2010/main" val="3875931864"/>
+      </p:ext>
+    </p:extLst>
+  </p:cSld>
+  <p:clrMapOvr>
+    <a:masterClrMapping/>
+  </p:clrMapOvr>
+</p:notes>
+</file>
+
+<file path=ppt/notesSlides/notesSlide24.xml><?xml version="1.0" encoding="utf-8"?>
+<p:notes xmlns:a="http://schemas.openxmlformats.org/drawingml/2006/main" xmlns:r="http://schemas.openxmlformats.org/officeDocument/2006/relationships" xmlns:p="http://schemas.openxmlformats.org/presentationml/2006/main">
+  <p:cSld>
+    <p:spTree>
+      <p:nvGrpSpPr>
+        <p:cNvPr id="1" name=""/>
+        <p:cNvGrpSpPr/>
+        <p:nvPr/>
+      </p:nvGrpSpPr>
+      <p:grpSpPr>
+        <a:xfrm>
+          <a:off x="0" y="0"/>
+          <a:ext cx="0" cy="0"/>
+          <a:chOff x="0" y="0"/>
+          <a:chExt cx="0" cy="0"/>
+        </a:xfrm>
+      </p:grpSpPr>
+      <p:sp>
+        <p:nvSpPr>
+          <p:cNvPr id="2" name="Folienbildplatzhalter 1"/>
+          <p:cNvSpPr>
+            <a:spLocks noGrp="1" noRot="1" noChangeAspect="1"/>
+          </p:cNvSpPr>
+          <p:nvPr>
+            <p:ph type="sldImg"/>
+          </p:nvPr>
+        </p:nvSpPr>
+        <p:spPr/>
+      </p:sp>
+      <p:sp>
+        <p:nvSpPr>
+          <p:cNvPr id="3" name="Notizenplatzhalter 2"/>
+          <p:cNvSpPr>
+            <a:spLocks noGrp="1"/>
+          </p:cNvSpPr>
+          <p:nvPr>
+            <p:ph type="body" idx="1"/>
+          </p:nvPr>
+        </p:nvSpPr>
+        <p:spPr/>
+        <p:txBody>
+          <a:bodyPr/>
+          <a:lstStyle/>
+          <a:p>
+            <a:r>
+              <a:rPr lang="de-CH" dirty="0" smtClean="0"/>
+              <a:t>Remo</a:t>
+            </a:r>
+            <a:endParaRPr lang="de-CH" dirty="0"/>
+          </a:p>
+        </p:txBody>
+      </p:sp>
+      <p:sp>
+        <p:nvSpPr>
+          <p:cNvPr id="4" name="Foliennummernplatzhalter 3"/>
+          <p:cNvSpPr>
+            <a:spLocks noGrp="1"/>
+          </p:cNvSpPr>
+          <p:nvPr>
+            <p:ph type="sldNum" sz="quarter" idx="10"/>
+          </p:nvPr>
+        </p:nvSpPr>
+        <p:spPr/>
+        <p:txBody>
+          <a:bodyPr/>
+          <a:lstStyle/>
+          <a:p>
+            <a:fld id="{B897FE81-6B21-41EA-A3E2-976A199E5936}" type="slidenum">
+              <a:rPr lang="de-CH" smtClean="0"/>
+              <a:t>24</a:t>
+            </a:fld>
+            <a:endParaRPr lang="de-CH"/>
+          </a:p>
+        </p:txBody>
+      </p:sp>
+    </p:spTree>
+    <p:extLst>
+      <p:ext uri="{BB962C8B-B14F-4D97-AF65-F5344CB8AC3E}">
+        <p14:creationId xmlns:p14="http://schemas.microsoft.com/office/powerpoint/2010/main" val="502067956"/>
+      </p:ext>
+    </p:extLst>
+  </p:cSld>
+  <p:clrMapOvr>
+    <a:masterClrMapping/>
+  </p:clrMapOvr>
+</p:notes>
+</file>
+
+<file path=ppt/notesSlides/notesSlide25.xml><?xml version="1.0" encoding="utf-8"?>
+<p:notes xmlns:a="http://schemas.openxmlformats.org/drawingml/2006/main" xmlns:r="http://schemas.openxmlformats.org/officeDocument/2006/relationships" xmlns:p="http://schemas.openxmlformats.org/presentationml/2006/main">
+  <p:cSld>
+    <p:spTree>
+      <p:nvGrpSpPr>
+        <p:cNvPr id="1" name=""/>
+        <p:cNvGrpSpPr/>
+        <p:nvPr/>
+      </p:nvGrpSpPr>
+      <p:grpSpPr>
+        <a:xfrm>
+          <a:off x="0" y="0"/>
+          <a:ext cx="0" cy="0"/>
+          <a:chOff x="0" y="0"/>
+          <a:chExt cx="0" cy="0"/>
+        </a:xfrm>
+      </p:grpSpPr>
+      <p:sp>
+        <p:nvSpPr>
+          <p:cNvPr id="2" name="Folienbildplatzhalter 1"/>
+          <p:cNvSpPr>
+            <a:spLocks noGrp="1" noRot="1" noChangeAspect="1"/>
+          </p:cNvSpPr>
+          <p:nvPr>
+            <p:ph type="sldImg"/>
+          </p:nvPr>
+        </p:nvSpPr>
+        <p:spPr/>
+      </p:sp>
+      <p:sp>
+        <p:nvSpPr>
+          <p:cNvPr id="3" name="Notizenplatzhalter 2"/>
+          <p:cNvSpPr>
+            <a:spLocks noGrp="1"/>
+          </p:cNvSpPr>
+          <p:nvPr>
+            <p:ph type="body" idx="1"/>
+          </p:nvPr>
+        </p:nvSpPr>
+        <p:spPr/>
+        <p:txBody>
+          <a:bodyPr/>
+          <a:lstStyle/>
+          <a:p>
+            <a:r>
+              <a:rPr lang="de-CH" dirty="0" smtClean="0"/>
+              <a:t>Lukas</a:t>
+            </a:r>
+            <a:endParaRPr lang="de-CH" dirty="0"/>
+          </a:p>
+        </p:txBody>
+      </p:sp>
+      <p:sp>
+        <p:nvSpPr>
+          <p:cNvPr id="4" name="Foliennummernplatzhalter 3"/>
+          <p:cNvSpPr>
+            <a:spLocks noGrp="1"/>
+          </p:cNvSpPr>
+          <p:nvPr>
+            <p:ph type="sldNum" sz="quarter" idx="10"/>
+          </p:nvPr>
+        </p:nvSpPr>
+        <p:spPr/>
+        <p:txBody>
+          <a:bodyPr/>
+          <a:lstStyle/>
+          <a:p>
+            <a:fld id="{B897FE81-6B21-41EA-A3E2-976A199E5936}" type="slidenum">
+              <a:rPr lang="de-CH" smtClean="0"/>
+              <a:t>25</a:t>
+            </a:fld>
+            <a:endParaRPr lang="de-CH"/>
+          </a:p>
+        </p:txBody>
+      </p:sp>
+    </p:spTree>
+    <p:extLst>
+      <p:ext uri="{BB962C8B-B14F-4D97-AF65-F5344CB8AC3E}">
+        <p14:creationId xmlns:p14="http://schemas.microsoft.com/office/powerpoint/2010/main" val="1998516286"/>
+      </p:ext>
+    </p:extLst>
+  </p:cSld>
+  <p:clrMapOvr>
+    <a:masterClrMapping/>
+  </p:clrMapOvr>
+</p:notes>
+</file>
+
+<file path=ppt/notesSlides/notesSlide26.xml><?xml version="1.0" encoding="utf-8"?>
+<p:notes xmlns:a="http://schemas.openxmlformats.org/drawingml/2006/main" xmlns:r="http://schemas.openxmlformats.org/officeDocument/2006/relationships" xmlns:p="http://schemas.openxmlformats.org/presentationml/2006/main">
+  <p:cSld>
+    <p:spTree>
+      <p:nvGrpSpPr>
+        <p:cNvPr id="1" name=""/>
+        <p:cNvGrpSpPr/>
+        <p:nvPr/>
+      </p:nvGrpSpPr>
+      <p:grpSpPr>
+        <a:xfrm>
+          <a:off x="0" y="0"/>
+          <a:ext cx="0" cy="0"/>
+          <a:chOff x="0" y="0"/>
+          <a:chExt cx="0" cy="0"/>
+        </a:xfrm>
+      </p:grpSpPr>
+      <p:sp>
+        <p:nvSpPr>
+          <p:cNvPr id="2" name="Folienbildplatzhalter 1"/>
+          <p:cNvSpPr>
+            <a:spLocks noGrp="1" noRot="1" noChangeAspect="1"/>
+          </p:cNvSpPr>
+          <p:nvPr>
+            <p:ph type="sldImg"/>
+          </p:nvPr>
+        </p:nvSpPr>
+        <p:spPr/>
+      </p:sp>
+      <p:sp>
+        <p:nvSpPr>
+          <p:cNvPr id="3" name="Notizenplatzhalter 2"/>
+          <p:cNvSpPr>
+            <a:spLocks noGrp="1"/>
+          </p:cNvSpPr>
+          <p:nvPr>
+            <p:ph type="body" idx="1"/>
+          </p:nvPr>
+        </p:nvSpPr>
+        <p:spPr/>
+        <p:txBody>
+          <a:bodyPr/>
+          <a:lstStyle/>
+          <a:p>
+            <a:pPr marL="0" marR="0" indent="0" algn="l" defTabSz="914400" rtl="0" eaLnBrk="1" fontAlgn="auto" latinLnBrk="0" hangingPunct="1">
+              <a:lnSpc>
+                <a:spcPct val="100000"/>
+              </a:lnSpc>
+              <a:spcBef>
+                <a:spcPts val="0"/>
+              </a:spcBef>
+              <a:spcAft>
+                <a:spcPts val="0"/>
+              </a:spcAft>
+              <a:buClrTx/>
+              <a:buSzTx/>
+              <a:buFontTx/>
+              <a:buNone/>
+              <a:tabLst/>
+              <a:defRPr/>
+            </a:pPr>
+            <a:r>
+              <a:rPr lang="de-CH" dirty="0" smtClean="0"/>
+              <a:t>Lukas</a:t>
+            </a:r>
+          </a:p>
+          <a:p>
+            <a:endParaRPr lang="de-CH" dirty="0"/>
+          </a:p>
+        </p:txBody>
+      </p:sp>
+      <p:sp>
+        <p:nvSpPr>
+          <p:cNvPr id="4" name="Foliennummernplatzhalter 3"/>
+          <p:cNvSpPr>
+            <a:spLocks noGrp="1"/>
+          </p:cNvSpPr>
+          <p:nvPr>
+            <p:ph type="sldNum" sz="quarter" idx="10"/>
+          </p:nvPr>
+        </p:nvSpPr>
+        <p:spPr/>
+        <p:txBody>
+          <a:bodyPr/>
+          <a:lstStyle/>
+          <a:p>
+            <a:fld id="{B897FE81-6B21-41EA-A3E2-976A199E5936}" type="slidenum">
+              <a:rPr lang="de-CH" smtClean="0"/>
+              <a:t>26</a:t>
+            </a:fld>
+            <a:endParaRPr lang="de-CH"/>
+          </a:p>
+        </p:txBody>
+      </p:sp>
+    </p:spTree>
+    <p:extLst>
+      <p:ext uri="{BB962C8B-B14F-4D97-AF65-F5344CB8AC3E}">
+        <p14:creationId xmlns:p14="http://schemas.microsoft.com/office/powerpoint/2010/main" val="4090898817"/>
+      </p:ext>
+    </p:extLst>
+  </p:cSld>
+  <p:clrMapOvr>
+    <a:masterClrMapping/>
+  </p:clrMapOvr>
+</p:notes>
+</file>
+
+<file path=ppt/notesSlides/notesSlide27.xml><?xml version="1.0" encoding="utf-8"?>
+<p:notes xmlns:a="http://schemas.openxmlformats.org/drawingml/2006/main" xmlns:r="http://schemas.openxmlformats.org/officeDocument/2006/relationships" xmlns:p="http://schemas.openxmlformats.org/presentationml/2006/main">
+  <p:cSld>
+    <p:spTree>
+      <p:nvGrpSpPr>
+        <p:cNvPr id="1" name=""/>
+        <p:cNvGrpSpPr/>
+        <p:nvPr/>
+      </p:nvGrpSpPr>
+      <p:grpSpPr>
+        <a:xfrm>
+          <a:off x="0" y="0"/>
+          <a:ext cx="0" cy="0"/>
+          <a:chOff x="0" y="0"/>
+          <a:chExt cx="0" cy="0"/>
+        </a:xfrm>
+      </p:grpSpPr>
+      <p:sp>
+        <p:nvSpPr>
+          <p:cNvPr id="2" name="Folienbildplatzhalter 1"/>
+          <p:cNvSpPr>
+            <a:spLocks noGrp="1" noRot="1" noChangeAspect="1"/>
+          </p:cNvSpPr>
+          <p:nvPr>
+            <p:ph type="sldImg"/>
+          </p:nvPr>
+        </p:nvSpPr>
+        <p:spPr/>
+      </p:sp>
+      <p:sp>
+        <p:nvSpPr>
+          <p:cNvPr id="3" name="Notizenplatzhalter 2"/>
+          <p:cNvSpPr>
+            <a:spLocks noGrp="1"/>
+          </p:cNvSpPr>
+          <p:nvPr>
+            <p:ph type="body" idx="1"/>
+          </p:nvPr>
+        </p:nvSpPr>
+        <p:spPr/>
+        <p:txBody>
+          <a:bodyPr/>
+          <a:lstStyle/>
+          <a:p>
+            <a:pPr marL="0" marR="0" indent="0" algn="l" defTabSz="914400" rtl="0" eaLnBrk="1" fontAlgn="auto" latinLnBrk="0" hangingPunct="1">
+              <a:lnSpc>
+                <a:spcPct val="100000"/>
+              </a:lnSpc>
+              <a:spcBef>
+                <a:spcPts val="0"/>
+              </a:spcBef>
+              <a:spcAft>
+                <a:spcPts val="0"/>
+              </a:spcAft>
+              <a:buClrTx/>
+              <a:buSzTx/>
+              <a:buFontTx/>
+              <a:buNone/>
+              <a:tabLst/>
+              <a:defRPr/>
+            </a:pPr>
+            <a:r>
+              <a:rPr lang="de-CH" dirty="0" smtClean="0"/>
+              <a:t>Lukas</a:t>
+            </a:r>
+          </a:p>
+          <a:p>
+            <a:endParaRPr lang="de-CH" dirty="0"/>
+          </a:p>
+        </p:txBody>
+      </p:sp>
+      <p:sp>
+        <p:nvSpPr>
+          <p:cNvPr id="4" name="Foliennummernplatzhalter 3"/>
+          <p:cNvSpPr>
+            <a:spLocks noGrp="1"/>
+          </p:cNvSpPr>
+          <p:nvPr>
+            <p:ph type="sldNum" sz="quarter" idx="10"/>
+          </p:nvPr>
+        </p:nvSpPr>
+        <p:spPr/>
+        <p:txBody>
+          <a:bodyPr/>
+          <a:lstStyle/>
+          <a:p>
+            <a:fld id="{B897FE81-6B21-41EA-A3E2-976A199E5936}" type="slidenum">
+              <a:rPr lang="de-CH" smtClean="0"/>
+              <a:t>27</a:t>
+            </a:fld>
+            <a:endParaRPr lang="de-CH"/>
+          </a:p>
+        </p:txBody>
+      </p:sp>
+    </p:spTree>
+    <p:extLst>
+      <p:ext uri="{BB962C8B-B14F-4D97-AF65-F5344CB8AC3E}">
+        <p14:creationId xmlns:p14="http://schemas.microsoft.com/office/powerpoint/2010/main" val="3687515043"/>
+      </p:ext>
+    </p:extLst>
+  </p:cSld>
+  <p:clrMapOvr>
+    <a:masterClrMapping/>
+  </p:clrMapOvr>
+</p:notes>
+</file>
+
+<file path=ppt/notesSlides/notesSlide28.xml><?xml version="1.0" encoding="utf-8"?>
+<p:notes xmlns:a="http://schemas.openxmlformats.org/drawingml/2006/main" xmlns:r="http://schemas.openxmlformats.org/officeDocument/2006/relationships" xmlns:p="http://schemas.openxmlformats.org/presentationml/2006/main">
+  <p:cSld>
+    <p:spTree>
+      <p:nvGrpSpPr>
+        <p:cNvPr id="1" name=""/>
+        <p:cNvGrpSpPr/>
+        <p:nvPr/>
+      </p:nvGrpSpPr>
+      <p:grpSpPr>
+        <a:xfrm>
+          <a:off x="0" y="0"/>
+          <a:ext cx="0" cy="0"/>
+          <a:chOff x="0" y="0"/>
+          <a:chExt cx="0" cy="0"/>
+        </a:xfrm>
+      </p:grpSpPr>
+      <p:sp>
+        <p:nvSpPr>
+          <p:cNvPr id="2" name="Folienbildplatzhalter 1"/>
+          <p:cNvSpPr>
+            <a:spLocks noGrp="1" noRot="1" noChangeAspect="1"/>
+          </p:cNvSpPr>
+          <p:nvPr>
+            <p:ph type="sldImg"/>
+          </p:nvPr>
+        </p:nvSpPr>
+        <p:spPr/>
+      </p:sp>
+      <p:sp>
+        <p:nvSpPr>
+          <p:cNvPr id="3" name="Notizenplatzhalter 2"/>
+          <p:cNvSpPr>
+            <a:spLocks noGrp="1"/>
+          </p:cNvSpPr>
+          <p:nvPr>
+            <p:ph type="body" idx="1"/>
+          </p:nvPr>
+        </p:nvSpPr>
+        <p:spPr/>
+        <p:txBody>
+          <a:bodyPr/>
+          <a:lstStyle/>
+          <a:p>
+            <a:r>
+              <a:rPr lang="de-CH" dirty="0" smtClean="0"/>
+              <a:t>Remo</a:t>
+            </a:r>
+            <a:endParaRPr lang="de-CH" dirty="0"/>
+          </a:p>
+        </p:txBody>
+      </p:sp>
+      <p:sp>
+        <p:nvSpPr>
+          <p:cNvPr id="4" name="Foliennummernplatzhalter 3"/>
+          <p:cNvSpPr>
+            <a:spLocks noGrp="1"/>
+          </p:cNvSpPr>
+          <p:nvPr>
+            <p:ph type="sldNum" sz="quarter" idx="10"/>
+          </p:nvPr>
+        </p:nvSpPr>
+        <p:spPr/>
+        <p:txBody>
+          <a:bodyPr/>
+          <a:lstStyle/>
+          <a:p>
+            <a:fld id="{B897FE81-6B21-41EA-A3E2-976A199E5936}" type="slidenum">
+              <a:rPr lang="de-CH" smtClean="0"/>
+              <a:t>28</a:t>
+            </a:fld>
+            <a:endParaRPr lang="de-CH"/>
+          </a:p>
+        </p:txBody>
+      </p:sp>
+    </p:spTree>
+    <p:extLst>
+      <p:ext uri="{BB962C8B-B14F-4D97-AF65-F5344CB8AC3E}">
+        <p14:creationId xmlns:p14="http://schemas.microsoft.com/office/powerpoint/2010/main" val="3026096916"/>
+      </p:ext>
+    </p:extLst>
+  </p:cSld>
+  <p:clrMapOvr>
+    <a:masterClrMapping/>
+  </p:clrMapOvr>
+</p:notes>
+</file>
+
+<file path=ppt/notesSlides/notesSlide29.xml><?xml version="1.0" encoding="utf-8"?>
+<p:notes xmlns:a="http://schemas.openxmlformats.org/drawingml/2006/main" xmlns:r="http://schemas.openxmlformats.org/officeDocument/2006/relationships" xmlns:p="http://schemas.openxmlformats.org/presentationml/2006/main">
+  <p:cSld>
+    <p:spTree>
+      <p:nvGrpSpPr>
+        <p:cNvPr id="1" name=""/>
+        <p:cNvGrpSpPr/>
+        <p:nvPr/>
+      </p:nvGrpSpPr>
+      <p:grpSpPr>
+        <a:xfrm>
+          <a:off x="0" y="0"/>
+          <a:ext cx="0" cy="0"/>
+          <a:chOff x="0" y="0"/>
+          <a:chExt cx="0" cy="0"/>
+        </a:xfrm>
+      </p:grpSpPr>
+      <p:sp>
+        <p:nvSpPr>
+          <p:cNvPr id="2" name="Folienbildplatzhalter 1"/>
+          <p:cNvSpPr>
+            <a:spLocks noGrp="1" noRot="1" noChangeAspect="1"/>
+          </p:cNvSpPr>
+          <p:nvPr>
+            <p:ph type="sldImg"/>
+          </p:nvPr>
+        </p:nvSpPr>
+        <p:spPr/>
+      </p:sp>
+      <p:sp>
+        <p:nvSpPr>
+          <p:cNvPr id="3" name="Notizenplatzhalter 2"/>
+          <p:cNvSpPr>
+            <a:spLocks noGrp="1"/>
+          </p:cNvSpPr>
+          <p:nvPr>
+            <p:ph type="body" idx="1"/>
+          </p:nvPr>
+        </p:nvSpPr>
+        <p:spPr/>
+        <p:txBody>
+          <a:bodyPr/>
+          <a:lstStyle/>
+          <a:p>
+            <a:r>
+              <a:rPr lang="de-CH" dirty="0" smtClean="0"/>
+              <a:t>Delia</a:t>
+            </a:r>
+            <a:endParaRPr lang="de-CH" dirty="0"/>
+          </a:p>
+        </p:txBody>
+      </p:sp>
+      <p:sp>
+        <p:nvSpPr>
+          <p:cNvPr id="4" name="Foliennummernplatzhalter 3"/>
+          <p:cNvSpPr>
+            <a:spLocks noGrp="1"/>
+          </p:cNvSpPr>
+          <p:nvPr>
+            <p:ph type="sldNum" sz="quarter" idx="10"/>
+          </p:nvPr>
+        </p:nvSpPr>
+        <p:spPr/>
+        <p:txBody>
+          <a:bodyPr/>
+          <a:lstStyle/>
+          <a:p>
+            <a:fld id="{B897FE81-6B21-41EA-A3E2-976A199E5936}" type="slidenum">
+              <a:rPr lang="de-CH" smtClean="0"/>
+              <a:t>29</a:t>
+            </a:fld>
+            <a:endParaRPr lang="de-CH"/>
+          </a:p>
+        </p:txBody>
+      </p:sp>
+    </p:spTree>
+    <p:extLst>
+      <p:ext uri="{BB962C8B-B14F-4D97-AF65-F5344CB8AC3E}">
+        <p14:creationId xmlns:p14="http://schemas.microsoft.com/office/powerpoint/2010/main" val="773231806"/>
       </p:ext>
     </p:extLst>
   </p:cSld>
@@ -1058,7 +2665,7 @@
           <a:p>
             <a:fld id="{B897FE81-6B21-41EA-A3E2-976A199E5936}" type="slidenum">
               <a:rPr lang="de-CH" smtClean="0"/>
-              <a:t>4</a:t>
+              <a:t>3</a:t>
             </a:fld>
             <a:endParaRPr lang="de-CH"/>
           </a:p>
@@ -1067,7 +2674,485 @@
     </p:spTree>
     <p:extLst>
       <p:ext uri="{BB962C8B-B14F-4D97-AF65-F5344CB8AC3E}">
-        <p14:creationId xmlns:p14="http://schemas.microsoft.com/office/powerpoint/2010/main" val="993504281"/>
+        <p14:creationId xmlns:p14="http://schemas.microsoft.com/office/powerpoint/2010/main" val="2650583565"/>
+      </p:ext>
+    </p:extLst>
+  </p:cSld>
+  <p:clrMapOvr>
+    <a:masterClrMapping/>
+  </p:clrMapOvr>
+</p:notes>
+</file>
+
+<file path=ppt/notesSlides/notesSlide30.xml><?xml version="1.0" encoding="utf-8"?>
+<p:notes xmlns:a="http://schemas.openxmlformats.org/drawingml/2006/main" xmlns:r="http://schemas.openxmlformats.org/officeDocument/2006/relationships" xmlns:p="http://schemas.openxmlformats.org/presentationml/2006/main">
+  <p:cSld>
+    <p:spTree>
+      <p:nvGrpSpPr>
+        <p:cNvPr id="1" name=""/>
+        <p:cNvGrpSpPr/>
+        <p:nvPr/>
+      </p:nvGrpSpPr>
+      <p:grpSpPr>
+        <a:xfrm>
+          <a:off x="0" y="0"/>
+          <a:ext cx="0" cy="0"/>
+          <a:chOff x="0" y="0"/>
+          <a:chExt cx="0" cy="0"/>
+        </a:xfrm>
+      </p:grpSpPr>
+      <p:sp>
+        <p:nvSpPr>
+          <p:cNvPr id="2" name="Folienbildplatzhalter 1"/>
+          <p:cNvSpPr>
+            <a:spLocks noGrp="1" noRot="1" noChangeAspect="1"/>
+          </p:cNvSpPr>
+          <p:nvPr>
+            <p:ph type="sldImg"/>
+          </p:nvPr>
+        </p:nvSpPr>
+        <p:spPr/>
+      </p:sp>
+      <p:sp>
+        <p:nvSpPr>
+          <p:cNvPr id="3" name="Notizenplatzhalter 2"/>
+          <p:cNvSpPr>
+            <a:spLocks noGrp="1"/>
+          </p:cNvSpPr>
+          <p:nvPr>
+            <p:ph type="body" idx="1"/>
+          </p:nvPr>
+        </p:nvSpPr>
+        <p:spPr/>
+        <p:txBody>
+          <a:bodyPr/>
+          <a:lstStyle/>
+          <a:p>
+            <a:pPr marL="0" marR="0" indent="0" algn="l" defTabSz="914400" rtl="0" eaLnBrk="1" fontAlgn="auto" latinLnBrk="0" hangingPunct="1">
+              <a:lnSpc>
+                <a:spcPct val="100000"/>
+              </a:lnSpc>
+              <a:spcBef>
+                <a:spcPts val="0"/>
+              </a:spcBef>
+              <a:spcAft>
+                <a:spcPts val="0"/>
+              </a:spcAft>
+              <a:buClrTx/>
+              <a:buSzTx/>
+              <a:buFontTx/>
+              <a:buNone/>
+              <a:tabLst/>
+              <a:defRPr/>
+            </a:pPr>
+            <a:r>
+              <a:rPr lang="de-CH" dirty="0" smtClean="0"/>
+              <a:t>Delia</a:t>
+            </a:r>
+          </a:p>
+          <a:p>
+            <a:endParaRPr lang="de-CH" dirty="0"/>
+          </a:p>
+        </p:txBody>
+      </p:sp>
+      <p:sp>
+        <p:nvSpPr>
+          <p:cNvPr id="4" name="Foliennummernplatzhalter 3"/>
+          <p:cNvSpPr>
+            <a:spLocks noGrp="1"/>
+          </p:cNvSpPr>
+          <p:nvPr>
+            <p:ph type="sldNum" sz="quarter" idx="10"/>
+          </p:nvPr>
+        </p:nvSpPr>
+        <p:spPr/>
+        <p:txBody>
+          <a:bodyPr/>
+          <a:lstStyle/>
+          <a:p>
+            <a:fld id="{B897FE81-6B21-41EA-A3E2-976A199E5936}" type="slidenum">
+              <a:rPr lang="de-CH" smtClean="0"/>
+              <a:t>30</a:t>
+            </a:fld>
+            <a:endParaRPr lang="de-CH"/>
+          </a:p>
+        </p:txBody>
+      </p:sp>
+    </p:spTree>
+    <p:extLst>
+      <p:ext uri="{BB962C8B-B14F-4D97-AF65-F5344CB8AC3E}">
+        <p14:creationId xmlns:p14="http://schemas.microsoft.com/office/powerpoint/2010/main" val="2271130673"/>
+      </p:ext>
+    </p:extLst>
+  </p:cSld>
+  <p:clrMapOvr>
+    <a:masterClrMapping/>
+  </p:clrMapOvr>
+</p:notes>
+</file>
+
+<file path=ppt/notesSlides/notesSlide31.xml><?xml version="1.0" encoding="utf-8"?>
+<p:notes xmlns:a="http://schemas.openxmlformats.org/drawingml/2006/main" xmlns:r="http://schemas.openxmlformats.org/officeDocument/2006/relationships" xmlns:p="http://schemas.openxmlformats.org/presentationml/2006/main">
+  <p:cSld>
+    <p:spTree>
+      <p:nvGrpSpPr>
+        <p:cNvPr id="1" name=""/>
+        <p:cNvGrpSpPr/>
+        <p:nvPr/>
+      </p:nvGrpSpPr>
+      <p:grpSpPr>
+        <a:xfrm>
+          <a:off x="0" y="0"/>
+          <a:ext cx="0" cy="0"/>
+          <a:chOff x="0" y="0"/>
+          <a:chExt cx="0" cy="0"/>
+        </a:xfrm>
+      </p:grpSpPr>
+      <p:sp>
+        <p:nvSpPr>
+          <p:cNvPr id="2" name="Folienbildplatzhalter 1"/>
+          <p:cNvSpPr>
+            <a:spLocks noGrp="1" noRot="1" noChangeAspect="1"/>
+          </p:cNvSpPr>
+          <p:nvPr>
+            <p:ph type="sldImg"/>
+          </p:nvPr>
+        </p:nvSpPr>
+        <p:spPr/>
+      </p:sp>
+      <p:sp>
+        <p:nvSpPr>
+          <p:cNvPr id="3" name="Notizenplatzhalter 2"/>
+          <p:cNvSpPr>
+            <a:spLocks noGrp="1"/>
+          </p:cNvSpPr>
+          <p:nvPr>
+            <p:ph type="body" idx="1"/>
+          </p:nvPr>
+        </p:nvSpPr>
+        <p:spPr/>
+        <p:txBody>
+          <a:bodyPr/>
+          <a:lstStyle/>
+          <a:p>
+            <a:pPr marL="0" marR="0" indent="0" algn="l" defTabSz="914400" rtl="0" eaLnBrk="1" fontAlgn="auto" latinLnBrk="0" hangingPunct="1">
+              <a:lnSpc>
+                <a:spcPct val="100000"/>
+              </a:lnSpc>
+              <a:spcBef>
+                <a:spcPts val="0"/>
+              </a:spcBef>
+              <a:spcAft>
+                <a:spcPts val="0"/>
+              </a:spcAft>
+              <a:buClrTx/>
+              <a:buSzTx/>
+              <a:buFontTx/>
+              <a:buNone/>
+              <a:tabLst/>
+              <a:defRPr/>
+            </a:pPr>
+            <a:r>
+              <a:rPr lang="de-CH" dirty="0" smtClean="0"/>
+              <a:t>Delia</a:t>
+            </a:r>
+          </a:p>
+          <a:p>
+            <a:endParaRPr lang="de-CH" dirty="0"/>
+          </a:p>
+        </p:txBody>
+      </p:sp>
+      <p:sp>
+        <p:nvSpPr>
+          <p:cNvPr id="4" name="Foliennummernplatzhalter 3"/>
+          <p:cNvSpPr>
+            <a:spLocks noGrp="1"/>
+          </p:cNvSpPr>
+          <p:nvPr>
+            <p:ph type="sldNum" sz="quarter" idx="10"/>
+          </p:nvPr>
+        </p:nvSpPr>
+        <p:spPr/>
+        <p:txBody>
+          <a:bodyPr/>
+          <a:lstStyle/>
+          <a:p>
+            <a:fld id="{B897FE81-6B21-41EA-A3E2-976A199E5936}" type="slidenum">
+              <a:rPr lang="de-CH" smtClean="0"/>
+              <a:t>31</a:t>
+            </a:fld>
+            <a:endParaRPr lang="de-CH"/>
+          </a:p>
+        </p:txBody>
+      </p:sp>
+    </p:spTree>
+    <p:extLst>
+      <p:ext uri="{BB962C8B-B14F-4D97-AF65-F5344CB8AC3E}">
+        <p14:creationId xmlns:p14="http://schemas.microsoft.com/office/powerpoint/2010/main" val="1024066814"/>
+      </p:ext>
+    </p:extLst>
+  </p:cSld>
+  <p:clrMapOvr>
+    <a:masterClrMapping/>
+  </p:clrMapOvr>
+</p:notes>
+</file>
+
+<file path=ppt/notesSlides/notesSlide32.xml><?xml version="1.0" encoding="utf-8"?>
+<p:notes xmlns:a="http://schemas.openxmlformats.org/drawingml/2006/main" xmlns:r="http://schemas.openxmlformats.org/officeDocument/2006/relationships" xmlns:p="http://schemas.openxmlformats.org/presentationml/2006/main">
+  <p:cSld>
+    <p:spTree>
+      <p:nvGrpSpPr>
+        <p:cNvPr id="1" name=""/>
+        <p:cNvGrpSpPr/>
+        <p:nvPr/>
+      </p:nvGrpSpPr>
+      <p:grpSpPr>
+        <a:xfrm>
+          <a:off x="0" y="0"/>
+          <a:ext cx="0" cy="0"/>
+          <a:chOff x="0" y="0"/>
+          <a:chExt cx="0" cy="0"/>
+        </a:xfrm>
+      </p:grpSpPr>
+      <p:sp>
+        <p:nvSpPr>
+          <p:cNvPr id="2" name="Folienbildplatzhalter 1"/>
+          <p:cNvSpPr>
+            <a:spLocks noGrp="1" noRot="1" noChangeAspect="1"/>
+          </p:cNvSpPr>
+          <p:nvPr>
+            <p:ph type="sldImg"/>
+          </p:nvPr>
+        </p:nvSpPr>
+        <p:spPr/>
+      </p:sp>
+      <p:sp>
+        <p:nvSpPr>
+          <p:cNvPr id="3" name="Notizenplatzhalter 2"/>
+          <p:cNvSpPr>
+            <a:spLocks noGrp="1"/>
+          </p:cNvSpPr>
+          <p:nvPr>
+            <p:ph type="body" idx="1"/>
+          </p:nvPr>
+        </p:nvSpPr>
+        <p:spPr/>
+        <p:txBody>
+          <a:bodyPr/>
+          <a:lstStyle/>
+          <a:p>
+            <a:r>
+              <a:rPr lang="de-CH" dirty="0" smtClean="0"/>
+              <a:t>Remo</a:t>
+            </a:r>
+            <a:endParaRPr lang="de-CH" dirty="0"/>
+          </a:p>
+        </p:txBody>
+      </p:sp>
+      <p:sp>
+        <p:nvSpPr>
+          <p:cNvPr id="4" name="Foliennummernplatzhalter 3"/>
+          <p:cNvSpPr>
+            <a:spLocks noGrp="1"/>
+          </p:cNvSpPr>
+          <p:nvPr>
+            <p:ph type="sldNum" sz="quarter" idx="10"/>
+          </p:nvPr>
+        </p:nvSpPr>
+        <p:spPr/>
+        <p:txBody>
+          <a:bodyPr/>
+          <a:lstStyle/>
+          <a:p>
+            <a:fld id="{B897FE81-6B21-41EA-A3E2-976A199E5936}" type="slidenum">
+              <a:rPr lang="de-CH" smtClean="0"/>
+              <a:t>32</a:t>
+            </a:fld>
+            <a:endParaRPr lang="de-CH"/>
+          </a:p>
+        </p:txBody>
+      </p:sp>
+    </p:spTree>
+    <p:extLst>
+      <p:ext uri="{BB962C8B-B14F-4D97-AF65-F5344CB8AC3E}">
+        <p14:creationId xmlns:p14="http://schemas.microsoft.com/office/powerpoint/2010/main" val="3091367744"/>
+      </p:ext>
+    </p:extLst>
+  </p:cSld>
+  <p:clrMapOvr>
+    <a:masterClrMapping/>
+  </p:clrMapOvr>
+</p:notes>
+</file>
+
+<file path=ppt/notesSlides/notesSlide33.xml><?xml version="1.0" encoding="utf-8"?>
+<p:notes xmlns:a="http://schemas.openxmlformats.org/drawingml/2006/main" xmlns:r="http://schemas.openxmlformats.org/officeDocument/2006/relationships" xmlns:p="http://schemas.openxmlformats.org/presentationml/2006/main">
+  <p:cSld>
+    <p:spTree>
+      <p:nvGrpSpPr>
+        <p:cNvPr id="1" name=""/>
+        <p:cNvGrpSpPr/>
+        <p:nvPr/>
+      </p:nvGrpSpPr>
+      <p:grpSpPr>
+        <a:xfrm>
+          <a:off x="0" y="0"/>
+          <a:ext cx="0" cy="0"/>
+          <a:chOff x="0" y="0"/>
+          <a:chExt cx="0" cy="0"/>
+        </a:xfrm>
+      </p:grpSpPr>
+      <p:sp>
+        <p:nvSpPr>
+          <p:cNvPr id="2" name="Folienbildplatzhalter 1"/>
+          <p:cNvSpPr>
+            <a:spLocks noGrp="1" noRot="1" noChangeAspect="1"/>
+          </p:cNvSpPr>
+          <p:nvPr>
+            <p:ph type="sldImg"/>
+          </p:nvPr>
+        </p:nvSpPr>
+        <p:spPr/>
+      </p:sp>
+      <p:sp>
+        <p:nvSpPr>
+          <p:cNvPr id="3" name="Notizenplatzhalter 2"/>
+          <p:cNvSpPr>
+            <a:spLocks noGrp="1"/>
+          </p:cNvSpPr>
+          <p:nvPr>
+            <p:ph type="body" idx="1"/>
+          </p:nvPr>
+        </p:nvSpPr>
+        <p:spPr/>
+        <p:txBody>
+          <a:bodyPr/>
+          <a:lstStyle/>
+          <a:p>
+            <a:r>
+              <a:rPr lang="de-CH" dirty="0" smtClean="0"/>
+              <a:t>Diego</a:t>
+            </a:r>
+            <a:endParaRPr lang="de-CH" dirty="0"/>
+          </a:p>
+        </p:txBody>
+      </p:sp>
+      <p:sp>
+        <p:nvSpPr>
+          <p:cNvPr id="4" name="Foliennummernplatzhalter 3"/>
+          <p:cNvSpPr>
+            <a:spLocks noGrp="1"/>
+          </p:cNvSpPr>
+          <p:nvPr>
+            <p:ph type="sldNum" sz="quarter" idx="10"/>
+          </p:nvPr>
+        </p:nvSpPr>
+        <p:spPr/>
+        <p:txBody>
+          <a:bodyPr/>
+          <a:lstStyle/>
+          <a:p>
+            <a:fld id="{B897FE81-6B21-41EA-A3E2-976A199E5936}" type="slidenum">
+              <a:rPr lang="de-CH" smtClean="0"/>
+              <a:t>33</a:t>
+            </a:fld>
+            <a:endParaRPr lang="de-CH"/>
+          </a:p>
+        </p:txBody>
+      </p:sp>
+    </p:spTree>
+    <p:extLst>
+      <p:ext uri="{BB962C8B-B14F-4D97-AF65-F5344CB8AC3E}">
+        <p14:creationId xmlns:p14="http://schemas.microsoft.com/office/powerpoint/2010/main" val="212122398"/>
+      </p:ext>
+    </p:extLst>
+  </p:cSld>
+  <p:clrMapOvr>
+    <a:masterClrMapping/>
+  </p:clrMapOvr>
+</p:notes>
+</file>
+
+<file path=ppt/notesSlides/notesSlide34.xml><?xml version="1.0" encoding="utf-8"?>
+<p:notes xmlns:a="http://schemas.openxmlformats.org/drawingml/2006/main" xmlns:r="http://schemas.openxmlformats.org/officeDocument/2006/relationships" xmlns:p="http://schemas.openxmlformats.org/presentationml/2006/main">
+  <p:cSld>
+    <p:spTree>
+      <p:nvGrpSpPr>
+        <p:cNvPr id="1" name=""/>
+        <p:cNvGrpSpPr/>
+        <p:nvPr/>
+      </p:nvGrpSpPr>
+      <p:grpSpPr>
+        <a:xfrm>
+          <a:off x="0" y="0"/>
+          <a:ext cx="0" cy="0"/>
+          <a:chOff x="0" y="0"/>
+          <a:chExt cx="0" cy="0"/>
+        </a:xfrm>
+      </p:grpSpPr>
+      <p:sp>
+        <p:nvSpPr>
+          <p:cNvPr id="2" name="Folienbildplatzhalter 1"/>
+          <p:cNvSpPr>
+            <a:spLocks noGrp="1" noRot="1" noChangeAspect="1"/>
+          </p:cNvSpPr>
+          <p:nvPr>
+            <p:ph type="sldImg"/>
+          </p:nvPr>
+        </p:nvSpPr>
+        <p:spPr/>
+      </p:sp>
+      <p:sp>
+        <p:nvSpPr>
+          <p:cNvPr id="3" name="Notizenplatzhalter 2"/>
+          <p:cNvSpPr>
+            <a:spLocks noGrp="1"/>
+          </p:cNvSpPr>
+          <p:nvPr>
+            <p:ph type="body" idx="1"/>
+          </p:nvPr>
+        </p:nvSpPr>
+        <p:spPr/>
+        <p:txBody>
+          <a:bodyPr/>
+          <a:lstStyle/>
+          <a:p>
+            <a:r>
+              <a:rPr lang="de-CH" dirty="0" smtClean="0"/>
+              <a:t>Wikipedia :-P</a:t>
+            </a:r>
+            <a:endParaRPr lang="de-CH" dirty="0"/>
+          </a:p>
+        </p:txBody>
+      </p:sp>
+      <p:sp>
+        <p:nvSpPr>
+          <p:cNvPr id="4" name="Foliennummernplatzhalter 3"/>
+          <p:cNvSpPr>
+            <a:spLocks noGrp="1"/>
+          </p:cNvSpPr>
+          <p:nvPr>
+            <p:ph type="sldNum" sz="quarter" idx="10"/>
+          </p:nvPr>
+        </p:nvSpPr>
+        <p:spPr/>
+        <p:txBody>
+          <a:bodyPr/>
+          <a:lstStyle/>
+          <a:p>
+            <a:fld id="{B897FE81-6B21-41EA-A3E2-976A199E5936}" type="slidenum">
+              <a:rPr lang="de-CH" smtClean="0"/>
+              <a:t>34</a:t>
+            </a:fld>
+            <a:endParaRPr lang="de-CH"/>
+          </a:p>
+        </p:txBody>
+      </p:sp>
+    </p:spTree>
+    <p:extLst>
+      <p:ext uri="{BB962C8B-B14F-4D97-AF65-F5344CB8AC3E}">
+        <p14:creationId xmlns:p14="http://schemas.microsoft.com/office/powerpoint/2010/main" val="180670180"/>
       </p:ext>
     </p:extLst>
   </p:cSld>
@@ -1140,7 +3225,7 @@
             </a:pPr>
             <a:r>
               <a:rPr lang="de-CH" dirty="0" smtClean="0"/>
-              <a:t>Remo</a:t>
+              <a:t>Christina</a:t>
             </a:r>
           </a:p>
           <a:p>
@@ -1165,7 +3250,7 @@
           <a:p>
             <a:fld id="{B897FE81-6B21-41EA-A3E2-976A199E5936}" type="slidenum">
               <a:rPr lang="de-CH" smtClean="0"/>
-              <a:t>5</a:t>
+              <a:t>4</a:t>
             </a:fld>
             <a:endParaRPr lang="de-CH"/>
           </a:p>
@@ -1174,7 +3259,7 @@
     </p:spTree>
     <p:extLst>
       <p:ext uri="{BB962C8B-B14F-4D97-AF65-F5344CB8AC3E}">
-        <p14:creationId xmlns:p14="http://schemas.microsoft.com/office/powerpoint/2010/main" val="1769296887"/>
+        <p14:creationId xmlns:p14="http://schemas.microsoft.com/office/powerpoint/2010/main" val="993504281"/>
       </p:ext>
     </p:extLst>
   </p:cSld>
@@ -1228,10 +3313,29 @@
           <a:bodyPr/>
           <a:lstStyle/>
           <a:p>
+            <a:pPr marL="0" marR="0" indent="0" algn="l" defTabSz="914400" rtl="0" eaLnBrk="1" fontAlgn="auto" latinLnBrk="0" hangingPunct="1">
+              <a:lnSpc>
+                <a:spcPct val="100000"/>
+              </a:lnSpc>
+              <a:spcBef>
+                <a:spcPts val="0"/>
+              </a:spcBef>
+              <a:spcAft>
+                <a:spcPts val="0"/>
+              </a:spcAft>
+              <a:buClrTx/>
+              <a:buSzTx/>
+              <a:buFontTx/>
+              <a:buNone/>
+              <a:tabLst/>
+              <a:defRPr/>
+            </a:pPr>
             <a:r>
               <a:rPr lang="de-CH" dirty="0" smtClean="0"/>
               <a:t>Remo</a:t>
             </a:r>
+          </a:p>
+          <a:p>
             <a:endParaRPr lang="de-CH" dirty="0"/>
           </a:p>
         </p:txBody>
@@ -1253,7 +3357,7 @@
           <a:p>
             <a:fld id="{B897FE81-6B21-41EA-A3E2-976A199E5936}" type="slidenum">
               <a:rPr lang="de-CH" smtClean="0"/>
-              <a:t>6</a:t>
+              <a:t>5</a:t>
             </a:fld>
             <a:endParaRPr lang="de-CH"/>
           </a:p>
@@ -1262,7 +3366,7 @@
     </p:spTree>
     <p:extLst>
       <p:ext uri="{BB962C8B-B14F-4D97-AF65-F5344CB8AC3E}">
-        <p14:creationId xmlns:p14="http://schemas.microsoft.com/office/powerpoint/2010/main" val="1010838828"/>
+        <p14:creationId xmlns:p14="http://schemas.microsoft.com/office/powerpoint/2010/main" val="1769296887"/>
       </p:ext>
     </p:extLst>
   </p:cSld>
@@ -1316,29 +3420,10 @@
           <a:bodyPr/>
           <a:lstStyle/>
           <a:p>
-            <a:pPr marL="0" marR="0" indent="0" algn="l" defTabSz="914400" rtl="0" eaLnBrk="1" fontAlgn="auto" latinLnBrk="0" hangingPunct="1">
-              <a:lnSpc>
-                <a:spcPct val="100000"/>
-              </a:lnSpc>
-              <a:spcBef>
-                <a:spcPts val="0"/>
-              </a:spcBef>
-              <a:spcAft>
-                <a:spcPts val="0"/>
-              </a:spcAft>
-              <a:buClrTx/>
-              <a:buSzTx/>
-              <a:buFontTx/>
-              <a:buNone/>
-              <a:tabLst/>
-              <a:defRPr/>
-            </a:pPr>
             <a:r>
               <a:rPr lang="de-CH" dirty="0" smtClean="0"/>
               <a:t>Remo</a:t>
             </a:r>
-          </a:p>
-          <a:p>
             <a:endParaRPr lang="de-CH" dirty="0"/>
           </a:p>
         </p:txBody>
@@ -1360,7 +3445,7 @@
           <a:p>
             <a:fld id="{B897FE81-6B21-41EA-A3E2-976A199E5936}" type="slidenum">
               <a:rPr lang="de-CH" smtClean="0"/>
-              <a:t>7</a:t>
+              <a:t>6</a:t>
             </a:fld>
             <a:endParaRPr lang="de-CH"/>
           </a:p>
@@ -1369,7 +3454,7 @@
     </p:spTree>
     <p:extLst>
       <p:ext uri="{BB962C8B-B14F-4D97-AF65-F5344CB8AC3E}">
-        <p14:creationId xmlns:p14="http://schemas.microsoft.com/office/powerpoint/2010/main" val="4190317722"/>
+        <p14:creationId xmlns:p14="http://schemas.microsoft.com/office/powerpoint/2010/main" val="1010838828"/>
       </p:ext>
     </p:extLst>
   </p:cSld>
@@ -1423,10 +3508,29 @@
           <a:bodyPr/>
           <a:lstStyle/>
           <a:p>
-            <a:r>
-              <a:rPr lang="de-CH" dirty="0" smtClean="0"/>
-              <a:t>Delia</a:t>
-            </a:r>
+            <a:pPr marL="0" marR="0" indent="0" algn="l" defTabSz="914400" rtl="0" eaLnBrk="1" fontAlgn="auto" latinLnBrk="0" hangingPunct="1">
+              <a:lnSpc>
+                <a:spcPct val="100000"/>
+              </a:lnSpc>
+              <a:spcBef>
+                <a:spcPts val="0"/>
+              </a:spcBef>
+              <a:spcAft>
+                <a:spcPts val="0"/>
+              </a:spcAft>
+              <a:buClrTx/>
+              <a:buSzTx/>
+              <a:buFontTx/>
+              <a:buNone/>
+              <a:tabLst/>
+              <a:defRPr/>
+            </a:pPr>
+            <a:r>
+              <a:rPr lang="de-CH" dirty="0" smtClean="0"/>
+              <a:t>Remo</a:t>
+            </a:r>
+          </a:p>
+          <a:p>
             <a:endParaRPr lang="de-CH" dirty="0"/>
           </a:p>
         </p:txBody>
@@ -1448,7 +3552,7 @@
           <a:p>
             <a:fld id="{B897FE81-6B21-41EA-A3E2-976A199E5936}" type="slidenum">
               <a:rPr lang="de-CH" smtClean="0"/>
-              <a:t>16</a:t>
+              <a:t>7</a:t>
             </a:fld>
             <a:endParaRPr lang="de-CH"/>
           </a:p>
@@ -1457,7 +3561,7 @@
     </p:spTree>
     <p:extLst>
       <p:ext uri="{BB962C8B-B14F-4D97-AF65-F5344CB8AC3E}">
-        <p14:creationId xmlns:p14="http://schemas.microsoft.com/office/powerpoint/2010/main" val="3967320737"/>
+        <p14:creationId xmlns:p14="http://schemas.microsoft.com/office/powerpoint/2010/main" val="4190317722"/>
       </p:ext>
     </p:extLst>
   </p:cSld>
@@ -1512,8 +3616,8 @@
           <a:lstStyle/>
           <a:p>
             <a:r>
-              <a:rPr lang="de-CH" dirty="0" err="1" smtClean="0"/>
-              <a:t>Digi</a:t>
+              <a:rPr lang="de-CH" dirty="0" smtClean="0"/>
+              <a:t>Delia</a:t>
             </a:r>
             <a:endParaRPr lang="de-CH" dirty="0"/>
           </a:p>
@@ -1536,7 +3640,7 @@
           <a:p>
             <a:fld id="{B897FE81-6B21-41EA-A3E2-976A199E5936}" type="slidenum">
               <a:rPr lang="de-CH" smtClean="0"/>
-              <a:t>17</a:t>
+              <a:t>8</a:t>
             </a:fld>
             <a:endParaRPr lang="de-CH"/>
           </a:p>
@@ -1545,7 +3649,7 @@
     </p:spTree>
     <p:extLst>
       <p:ext uri="{BB962C8B-B14F-4D97-AF65-F5344CB8AC3E}">
-        <p14:creationId xmlns:p14="http://schemas.microsoft.com/office/powerpoint/2010/main" val="2750101932"/>
+        <p14:creationId xmlns:p14="http://schemas.microsoft.com/office/powerpoint/2010/main" val="2330507167"/>
       </p:ext>
     </p:extLst>
   </p:cSld>
@@ -1599,30 +3703,9 @@
           <a:bodyPr/>
           <a:lstStyle/>
           <a:p>
-            <a:pPr marL="0" marR="0" indent="0" algn="l" defTabSz="914400" rtl="0" eaLnBrk="1" fontAlgn="auto" latinLnBrk="0" hangingPunct="1">
-              <a:lnSpc>
-                <a:spcPct val="100000"/>
-              </a:lnSpc>
-              <a:spcBef>
-                <a:spcPts val="0"/>
-              </a:spcBef>
-              <a:spcAft>
-                <a:spcPts val="0"/>
-              </a:spcAft>
-              <a:buClrTx/>
-              <a:buSzTx/>
-              <a:buFontTx/>
-              <a:buNone/>
-              <a:tabLst/>
-              <a:defRPr/>
-            </a:pPr>
-            <a:r>
-              <a:rPr lang="de-CH" dirty="0" err="1" smtClean="0"/>
-              <a:t>Digi</a:t>
-            </a:r>
-            <a:r>
-              <a:rPr lang="de-CH" dirty="0" smtClean="0"/>
-              <a:t>?</a:t>
+            <a:r>
+              <a:rPr lang="de-CH" dirty="0" smtClean="0"/>
+              <a:t>Delia</a:t>
             </a:r>
             <a:endParaRPr lang="de-CH" dirty="0"/>
           </a:p>
@@ -1645,7 +3728,7 @@
           <a:p>
             <a:fld id="{B897FE81-6B21-41EA-A3E2-976A199E5936}" type="slidenum">
               <a:rPr lang="de-CH" smtClean="0"/>
-              <a:t>20</a:t>
+              <a:t>9</a:t>
             </a:fld>
             <a:endParaRPr lang="de-CH"/>
           </a:p>
@@ -1654,7 +3737,7 @@
     </p:spTree>
     <p:extLst>
       <p:ext uri="{BB962C8B-B14F-4D97-AF65-F5344CB8AC3E}">
-        <p14:creationId xmlns:p14="http://schemas.microsoft.com/office/powerpoint/2010/main" val="4168059491"/>
+        <p14:creationId xmlns:p14="http://schemas.microsoft.com/office/powerpoint/2010/main" val="3757142810"/>
       </p:ext>
     </p:extLst>
   </p:cSld>
@@ -6563,7 +8646,7 @@
           <p:nvPr/>
         </p:nvPicPr>
         <p:blipFill rotWithShape="1">
-          <a:blip r:embed="rId2">
+          <a:blip r:embed="rId3">
             <a:extLst>
               <a:ext uri="{28A0092B-C50C-407E-A947-70E740481C1C}">
                 <a14:useLocalDpi xmlns:a14="http://schemas.microsoft.com/office/drawing/2010/main" val="0"/>
@@ -6829,7 +8912,7 @@
           <p:nvPr/>
         </p:nvPicPr>
         <p:blipFill rotWithShape="1">
-          <a:blip r:embed="rId2">
+          <a:blip r:embed="rId3">
             <a:extLst>
               <a:ext uri="{28A0092B-C50C-407E-A947-70E740481C1C}">
                 <a14:useLocalDpi xmlns:a14="http://schemas.microsoft.com/office/drawing/2010/main" val="0"/>
@@ -6929,7 +9012,7 @@
           <p:nvPr/>
         </p:nvPicPr>
         <p:blipFill rotWithShape="1">
-          <a:blip r:embed="rId2">
+          <a:blip r:embed="rId3">
             <a:extLst>
               <a:ext uri="{28A0092B-C50C-407E-A947-70E740481C1C}">
                 <a14:useLocalDpi xmlns:a14="http://schemas.microsoft.com/office/drawing/2010/main" val="0"/>
@@ -7225,7 +9308,7 @@
           <p:nvPr/>
         </p:nvPicPr>
         <p:blipFill rotWithShape="1">
-          <a:blip r:embed="rId2">
+          <a:blip r:embed="rId3">
             <a:extLst>
               <a:ext uri="{28A0092B-C50C-407E-A947-70E740481C1C}">
                 <a14:useLocalDpi xmlns:a14="http://schemas.microsoft.com/office/drawing/2010/main" val="0"/>
@@ -7526,7 +9609,7 @@
           <p:nvPr/>
         </p:nvPicPr>
         <p:blipFill rotWithShape="1">
-          <a:blip r:embed="rId2">
+          <a:blip r:embed="rId3">
             <a:extLst>
               <a:ext uri="{28A0092B-C50C-407E-A947-70E740481C1C}">
                 <a14:useLocalDpi xmlns:a14="http://schemas.microsoft.com/office/drawing/2010/main" val="0"/>
@@ -8303,7 +10386,7 @@
           <p:nvPr/>
         </p:nvPicPr>
         <p:blipFill>
-          <a:blip r:embed="rId2">
+          <a:blip r:embed="rId3">
             <a:extLst>
               <a:ext uri="{28A0092B-C50C-407E-A947-70E740481C1C}">
                 <a14:useLocalDpi xmlns:a14="http://schemas.microsoft.com/office/drawing/2010/main" val="0"/>
@@ -8433,7 +10516,7 @@
           <p:nvPr/>
         </p:nvPicPr>
         <p:blipFill>
-          <a:blip r:embed="rId2">
+          <a:blip r:embed="rId3">
             <a:extLst>
               <a:ext uri="{28A0092B-C50C-407E-A947-70E740481C1C}">
                 <a14:useLocalDpi xmlns:a14="http://schemas.microsoft.com/office/drawing/2010/main" val="0"/>
@@ -8592,7 +10675,11 @@
           <a:p>
             <a:r>
               <a:rPr lang="de-CH" dirty="0" smtClean="0"/>
-              <a:t>2 Stundeneinträge erstellen (</a:t>
+              <a:t>3 </a:t>
+            </a:r>
+            <a:r>
+              <a:rPr lang="de-CH" dirty="0" smtClean="0"/>
+              <a:t>Stundeneinträge erstellen (</a:t>
             </a:r>
             <a:r>
               <a:rPr lang="de-CH" dirty="0" err="1" smtClean="0"/>
@@ -8681,7 +10768,7 @@
           <p:nvPr/>
         </p:nvPicPr>
         <p:blipFill rotWithShape="1">
-          <a:blip r:embed="rId2">
+          <a:blip r:embed="rId3">
             <a:extLst>
               <a:ext uri="{28A0092B-C50C-407E-A947-70E740481C1C}">
                 <a14:useLocalDpi xmlns:a14="http://schemas.microsoft.com/office/drawing/2010/main" val="0"/>
@@ -8781,7 +10868,7 @@
           <p:nvPr/>
         </p:nvPicPr>
         <p:blipFill rotWithShape="1">
-          <a:blip r:embed="rId2">
+          <a:blip r:embed="rId3">
             <a:extLst>
               <a:ext uri="{28A0092B-C50C-407E-A947-70E740481C1C}">
                 <a14:useLocalDpi xmlns:a14="http://schemas.microsoft.com/office/drawing/2010/main" val="0"/>
@@ -8881,7 +10968,7 @@
           <p:nvPr/>
         </p:nvPicPr>
         <p:blipFill rotWithShape="1">
-          <a:blip r:embed="rId2">
+          <a:blip r:embed="rId3">
             <a:extLst>
               <a:ext uri="{28A0092B-C50C-407E-A947-70E740481C1C}">
                 <a14:useLocalDpi xmlns:a14="http://schemas.microsoft.com/office/drawing/2010/main" val="0"/>
@@ -8974,1167 +11061,6 @@
       </p:grpSpPr>
       <p:sp>
         <p:nvSpPr>
-          <p:cNvPr id="2" name="Inhaltsplatzhalter 1"/>
-          <p:cNvSpPr>
-            <a:spLocks noGrp="1"/>
-          </p:cNvSpPr>
-          <p:nvPr>
-            <p:ph idx="1"/>
-          </p:nvPr>
-        </p:nvSpPr>
-        <p:spPr/>
-        <p:txBody>
-          <a:bodyPr/>
-          <a:lstStyle/>
-          <a:p>
-            <a:r>
-              <a:rPr lang="de-CH" dirty="0" smtClean="0"/>
-              <a:t>MS3 Elaboration wird heute abgeschlossen</a:t>
-            </a:r>
-          </a:p>
-          <a:p>
-            <a:r>
-              <a:rPr lang="de-CH" dirty="0"/>
-              <a:t>Konstruktionsphase </a:t>
-            </a:r>
-            <a:r>
-              <a:rPr lang="de-CH" dirty="0" smtClean="0"/>
-              <a:t>ist </a:t>
-            </a:r>
-            <a:r>
-              <a:rPr lang="de-CH" dirty="0" smtClean="0"/>
-              <a:t>geplant</a:t>
-            </a:r>
-            <a:endParaRPr lang="de-CH" dirty="0" smtClean="0"/>
-          </a:p>
-          <a:p>
-            <a:r>
-              <a:rPr lang="de-CH" dirty="0" smtClean="0"/>
-              <a:t>Code Review gemacht</a:t>
-            </a:r>
-          </a:p>
-          <a:p>
-            <a:r>
-              <a:rPr lang="de-CH" dirty="0"/>
-              <a:t>Release V0.1 </a:t>
-            </a:r>
-            <a:r>
-              <a:rPr lang="de-CH" dirty="0" smtClean="0"/>
-              <a:t>erstellt</a:t>
-            </a:r>
-          </a:p>
-          <a:p>
-            <a:pPr lvl="1"/>
-            <a:r>
-              <a:rPr lang="de-CH" dirty="0" smtClean="0"/>
-              <a:t>Als Tag v0.1 im SVN</a:t>
-            </a:r>
-          </a:p>
-          <a:p>
-            <a:endParaRPr lang="de-CH" dirty="0" smtClean="0"/>
-          </a:p>
-          <a:p>
-            <a:endParaRPr lang="de-CH" dirty="0" smtClean="0"/>
-          </a:p>
-          <a:p>
-            <a:endParaRPr lang="de-CH" dirty="0"/>
-          </a:p>
-        </p:txBody>
-      </p:sp>
-      <p:sp>
-        <p:nvSpPr>
-          <p:cNvPr id="3" name="Titel 2"/>
-          <p:cNvSpPr>
-            <a:spLocks noGrp="1"/>
-          </p:cNvSpPr>
-          <p:nvPr>
-            <p:ph type="title"/>
-          </p:nvPr>
-        </p:nvSpPr>
-        <p:spPr/>
-        <p:txBody>
-          <a:bodyPr/>
-          <a:lstStyle/>
-          <a:p>
-            <a:r>
-              <a:rPr lang="de-CH" dirty="0" smtClean="0"/>
-              <a:t>Projektstand</a:t>
-            </a:r>
-            <a:endParaRPr lang="de-CH" dirty="0"/>
-          </a:p>
-        </p:txBody>
-      </p:sp>
-      <p:pic>
-        <p:nvPicPr>
-          <p:cNvPr id="3075" name="Picture 3"/>
-          <p:cNvPicPr>
-            <a:picLocks noChangeAspect="1" noChangeArrowheads="1"/>
-          </p:cNvPicPr>
-          <p:nvPr/>
-        </p:nvPicPr>
-        <p:blipFill>
-          <a:blip r:embed="rId3">
-            <a:extLst>
-              <a:ext uri="{28A0092B-C50C-407E-A947-70E740481C1C}">
-                <a14:useLocalDpi xmlns:a14="http://schemas.microsoft.com/office/drawing/2010/main" val="0"/>
-              </a:ext>
-            </a:extLst>
-          </a:blip>
-          <a:srcRect/>
-          <a:stretch>
-            <a:fillRect/>
-          </a:stretch>
-        </p:blipFill>
-        <p:spPr bwMode="auto">
-          <a:xfrm>
-            <a:off x="251520" y="4149080"/>
-            <a:ext cx="8713862" cy="1501788"/>
-          </a:xfrm>
-          <a:prstGeom prst="rect">
-            <a:avLst/>
-          </a:prstGeom>
-          <a:noFill/>
-          <a:ln>
-            <a:noFill/>
-          </a:ln>
-          <a:effectLst/>
-          <a:extLst>
-            <a:ext uri="{909E8E84-426E-40DD-AFC4-6F175D3DCCD1}">
-              <a14:hiddenFill xmlns:a14="http://schemas.microsoft.com/office/drawing/2010/main">
-                <a:solidFill>
-                  <a:schemeClr val="accent1"/>
-                </a:solidFill>
-              </a14:hiddenFill>
-            </a:ext>
-            <a:ext uri="{91240B29-F687-4F45-9708-019B960494DF}">
-              <a14:hiddenLine xmlns:a14="http://schemas.microsoft.com/office/drawing/2010/main" w="9525">
-                <a:solidFill>
-                  <a:schemeClr val="tx1"/>
-                </a:solidFill>
-                <a:miter lim="800000"/>
-                <a:headEnd/>
-                <a:tailEnd/>
-              </a14:hiddenLine>
-            </a:ext>
-            <a:ext uri="{AF507438-7753-43E0-B8FC-AC1667EBCBE1}">
-              <a14:hiddenEffects xmlns:a14="http://schemas.microsoft.com/office/drawing/2010/main">
-                <a:effectLst>
-                  <a:outerShdw dist="35921" dir="2700000" algn="ctr" rotWithShape="0">
-                    <a:schemeClr val="bg2"/>
-                  </a:outerShdw>
-                </a:effectLst>
-              </a14:hiddenEffects>
-            </a:ext>
-          </a:extLst>
-        </p:spPr>
-      </p:pic>
-    </p:spTree>
-    <p:extLst>
-      <p:ext uri="{BB962C8B-B14F-4D97-AF65-F5344CB8AC3E}">
-        <p14:creationId xmlns:p14="http://schemas.microsoft.com/office/powerpoint/2010/main" val="148297732"/>
-      </p:ext>
-    </p:extLst>
-  </p:cSld>
-  <p:clrMapOvr>
-    <a:masterClrMapping/>
-  </p:clrMapOvr>
-  <p:transition/>
-  <p:timing>
-    <p:tnLst>
-      <p:par>
-        <p:cTn id="1" dur="indefinite" restart="never" nodeType="tmRoot"/>
-      </p:par>
-    </p:tnLst>
-  </p:timing>
-</p:sld>
-</file>
-
-<file path=ppt/slides/slide29.xml><?xml version="1.0" encoding="utf-8"?>
-<p:sld xmlns:a="http://schemas.openxmlformats.org/drawingml/2006/main" xmlns:r="http://schemas.openxmlformats.org/officeDocument/2006/relationships" xmlns:p="http://schemas.openxmlformats.org/presentationml/2006/main">
-  <p:cSld>
-    <p:spTree>
-      <p:nvGrpSpPr>
-        <p:cNvPr id="1" name=""/>
-        <p:cNvGrpSpPr/>
-        <p:nvPr/>
-      </p:nvGrpSpPr>
-      <p:grpSpPr>
-        <a:xfrm>
-          <a:off x="0" y="0"/>
-          <a:ext cx="0" cy="0"/>
-          <a:chOff x="0" y="0"/>
-          <a:chExt cx="0" cy="0"/>
-        </a:xfrm>
-      </p:grpSpPr>
-      <p:pic>
-        <p:nvPicPr>
-          <p:cNvPr id="2052" name="Picture 4"/>
-          <p:cNvPicPr>
-            <a:picLocks noChangeAspect="1" noChangeArrowheads="1"/>
-          </p:cNvPicPr>
-          <p:nvPr/>
-        </p:nvPicPr>
-        <p:blipFill>
-          <a:blip r:embed="rId2">
-            <a:extLst>
-              <a:ext uri="{28A0092B-C50C-407E-A947-70E740481C1C}">
-                <a14:useLocalDpi xmlns:a14="http://schemas.microsoft.com/office/drawing/2010/main" val="0"/>
-              </a:ext>
-            </a:extLst>
-          </a:blip>
-          <a:srcRect/>
-          <a:stretch>
-            <a:fillRect/>
-          </a:stretch>
-        </p:blipFill>
-        <p:spPr bwMode="auto">
-          <a:xfrm>
-            <a:off x="179512" y="188639"/>
-            <a:ext cx="8786559" cy="6240735"/>
-          </a:xfrm>
-          <a:prstGeom prst="rect">
-            <a:avLst/>
-          </a:prstGeom>
-          <a:noFill/>
-          <a:ln>
-            <a:noFill/>
-          </a:ln>
-          <a:effectLst/>
-          <a:extLst>
-            <a:ext uri="{909E8E84-426E-40DD-AFC4-6F175D3DCCD1}">
-              <a14:hiddenFill xmlns:a14="http://schemas.microsoft.com/office/drawing/2010/main">
-                <a:solidFill>
-                  <a:schemeClr val="accent1"/>
-                </a:solidFill>
-              </a14:hiddenFill>
-            </a:ext>
-            <a:ext uri="{91240B29-F687-4F45-9708-019B960494DF}">
-              <a14:hiddenLine xmlns:a14="http://schemas.microsoft.com/office/drawing/2010/main" w="9525">
-                <a:solidFill>
-                  <a:schemeClr val="tx1"/>
-                </a:solidFill>
-                <a:miter lim="800000"/>
-                <a:headEnd/>
-                <a:tailEnd/>
-              </a14:hiddenLine>
-            </a:ext>
-            <a:ext uri="{AF507438-7753-43E0-B8FC-AC1667EBCBE1}">
-              <a14:hiddenEffects xmlns:a14="http://schemas.microsoft.com/office/drawing/2010/main">
-                <a:effectLst>
-                  <a:outerShdw dist="35921" dir="2700000" algn="ctr" rotWithShape="0">
-                    <a:schemeClr val="bg2"/>
-                  </a:outerShdw>
-                </a:effectLst>
-              </a14:hiddenEffects>
-            </a:ext>
-          </a:extLst>
-        </p:spPr>
-      </p:pic>
-    </p:spTree>
-    <p:extLst>
-      <p:ext uri="{BB962C8B-B14F-4D97-AF65-F5344CB8AC3E}">
-        <p14:creationId xmlns:p14="http://schemas.microsoft.com/office/powerpoint/2010/main" val="2995529129"/>
-      </p:ext>
-    </p:extLst>
-  </p:cSld>
-  <p:clrMapOvr>
-    <a:masterClrMapping/>
-  </p:clrMapOvr>
-  <p:transition/>
-  <p:timing>
-    <p:tnLst>
-      <p:par>
-        <p:cTn id="1" dur="indefinite" restart="never" nodeType="tmRoot"/>
-      </p:par>
-    </p:tnLst>
-  </p:timing>
-</p:sld>
-</file>
-
-<file path=ppt/slides/slide3.xml><?xml version="1.0" encoding="utf-8"?>
-<p:sld xmlns:a="http://schemas.openxmlformats.org/drawingml/2006/main" xmlns:r="http://schemas.openxmlformats.org/officeDocument/2006/relationships" xmlns:p="http://schemas.openxmlformats.org/presentationml/2006/main">
-  <p:cSld>
-    <p:spTree>
-      <p:nvGrpSpPr>
-        <p:cNvPr id="1" name=""/>
-        <p:cNvGrpSpPr/>
-        <p:nvPr/>
-      </p:nvGrpSpPr>
-      <p:grpSpPr>
-        <a:xfrm>
-          <a:off x="0" y="0"/>
-          <a:ext cx="0" cy="0"/>
-          <a:chOff x="0" y="0"/>
-          <a:chExt cx="0" cy="0"/>
-        </a:xfrm>
-      </p:grpSpPr>
-      <p:sp>
-        <p:nvSpPr>
-          <p:cNvPr id="2" name="Inhaltsplatzhalter 1"/>
-          <p:cNvSpPr>
-            <a:spLocks noGrp="1"/>
-          </p:cNvSpPr>
-          <p:nvPr>
-            <p:ph idx="1"/>
-          </p:nvPr>
-        </p:nvSpPr>
-        <p:spPr/>
-        <p:txBody>
-          <a:bodyPr/>
-          <a:lstStyle/>
-          <a:p>
-            <a:r>
-              <a:rPr lang="de-CH" dirty="0" smtClean="0"/>
-              <a:t>Technische Risiken eliminieren</a:t>
-            </a:r>
-          </a:p>
-          <a:p>
-            <a:r>
-              <a:rPr lang="de-CH" dirty="0" smtClean="0"/>
-              <a:t>Machbarkeit beweisen</a:t>
-            </a:r>
-          </a:p>
-          <a:p>
-            <a:r>
-              <a:rPr lang="de-CH" dirty="0" smtClean="0"/>
-              <a:t>Vorbereitung Konstruktionsphase</a:t>
-            </a:r>
-          </a:p>
-          <a:p>
-            <a:r>
-              <a:rPr lang="de-CH" dirty="0" smtClean="0"/>
-              <a:t>Evaluation Werkzeuge / Bibliotheken</a:t>
-            </a:r>
-            <a:endParaRPr lang="de-CH" dirty="0"/>
-          </a:p>
-        </p:txBody>
-      </p:sp>
-      <p:sp>
-        <p:nvSpPr>
-          <p:cNvPr id="3" name="Titel 2"/>
-          <p:cNvSpPr>
-            <a:spLocks noGrp="1"/>
-          </p:cNvSpPr>
-          <p:nvPr>
-            <p:ph type="title"/>
-          </p:nvPr>
-        </p:nvSpPr>
-        <p:spPr/>
-        <p:txBody>
-          <a:bodyPr/>
-          <a:lstStyle/>
-          <a:p>
-            <a:r>
-              <a:rPr lang="de-CH" dirty="0" smtClean="0"/>
-              <a:t>Ziele</a:t>
-            </a:r>
-            <a:endParaRPr lang="de-CH" dirty="0"/>
-          </a:p>
-        </p:txBody>
-      </p:sp>
-      <p:pic>
-        <p:nvPicPr>
-          <p:cNvPr id="3075" name="Picture 3" descr="C:\Users\Lukas Elmer\AppData\Local\Microsoft\Windows\Temporary Internet Files\Content.IE5\E2GAV9V0\MP900433179[1].jpg"/>
-          <p:cNvPicPr>
-            <a:picLocks noChangeAspect="1" noChangeArrowheads="1"/>
-          </p:cNvPicPr>
-          <p:nvPr/>
-        </p:nvPicPr>
-        <p:blipFill>
-          <a:blip r:embed="rId3" cstate="print">
-            <a:extLst>
-              <a:ext uri="{28A0092B-C50C-407E-A947-70E740481C1C}">
-                <a14:useLocalDpi xmlns:a14="http://schemas.microsoft.com/office/drawing/2010/main" val="0"/>
-              </a:ext>
-            </a:extLst>
-          </a:blip>
-          <a:srcRect/>
-          <a:stretch>
-            <a:fillRect/>
-          </a:stretch>
-        </p:blipFill>
-        <p:spPr bwMode="auto">
-          <a:xfrm>
-            <a:off x="6588224" y="4851085"/>
-            <a:ext cx="2466964" cy="1851447"/>
-          </a:xfrm>
-          <a:prstGeom prst="rect">
-            <a:avLst/>
-          </a:prstGeom>
-          <a:ln>
-            <a:noFill/>
-          </a:ln>
-          <a:effectLst>
-            <a:softEdge rad="112500"/>
-          </a:effectLst>
-          <a:extLst>
-            <a:ext uri="{909E8E84-426E-40DD-AFC4-6F175D3DCCD1}">
-              <a14:hiddenFill xmlns:a14="http://schemas.microsoft.com/office/drawing/2010/main">
-                <a:solidFill>
-                  <a:srgbClr val="FFFFFF"/>
-                </a:solidFill>
-              </a14:hiddenFill>
-            </a:ext>
-          </a:extLst>
-        </p:spPr>
-      </p:pic>
-    </p:spTree>
-    <p:extLst>
-      <p:ext uri="{BB962C8B-B14F-4D97-AF65-F5344CB8AC3E}">
-        <p14:creationId xmlns:p14="http://schemas.microsoft.com/office/powerpoint/2010/main" val="2857039303"/>
-      </p:ext>
-    </p:extLst>
-  </p:cSld>
-  <p:clrMapOvr>
-    <a:masterClrMapping/>
-  </p:clrMapOvr>
-  <p:transition/>
-  <p:timing>
-    <p:tnLst>
-      <p:par>
-        <p:cTn id="1" dur="indefinite" restart="never" nodeType="tmRoot"/>
-      </p:par>
-    </p:tnLst>
-  </p:timing>
-</p:sld>
-</file>
-
-<file path=ppt/slides/slide30.xml><?xml version="1.0" encoding="utf-8"?>
-<p:sld xmlns:a="http://schemas.openxmlformats.org/drawingml/2006/main" xmlns:r="http://schemas.openxmlformats.org/officeDocument/2006/relationships" xmlns:p="http://schemas.openxmlformats.org/presentationml/2006/main">
-  <p:cSld>
-    <p:spTree>
-      <p:nvGrpSpPr>
-        <p:cNvPr id="1" name=""/>
-        <p:cNvGrpSpPr/>
-        <p:nvPr/>
-      </p:nvGrpSpPr>
-      <p:grpSpPr>
-        <a:xfrm>
-          <a:off x="0" y="0"/>
-          <a:ext cx="0" cy="0"/>
-          <a:chOff x="0" y="0"/>
-          <a:chExt cx="0" cy="0"/>
-        </a:xfrm>
-      </p:grpSpPr>
-      <p:pic>
-        <p:nvPicPr>
-          <p:cNvPr id="7170" name="Picture 2">
-            <a:hlinkClick r:id="rId2"/>
-          </p:cNvPr>
-          <p:cNvPicPr>
-            <a:picLocks noChangeAspect="1" noChangeArrowheads="1"/>
-          </p:cNvPicPr>
-          <p:nvPr/>
-        </p:nvPicPr>
-        <p:blipFill>
-          <a:blip r:embed="rId3">
-            <a:extLst>
-              <a:ext uri="{28A0092B-C50C-407E-A947-70E740481C1C}">
-                <a14:useLocalDpi xmlns:a14="http://schemas.microsoft.com/office/drawing/2010/main" val="0"/>
-              </a:ext>
-            </a:extLst>
-          </a:blip>
-          <a:srcRect/>
-          <a:stretch>
-            <a:fillRect/>
-          </a:stretch>
-        </p:blipFill>
-        <p:spPr bwMode="auto">
-          <a:xfrm>
-            <a:off x="7288113" y="5934422"/>
-            <a:ext cx="1621929" cy="751493"/>
-          </a:xfrm>
-          <a:prstGeom prst="rect">
-            <a:avLst/>
-          </a:prstGeom>
-          <a:noFill/>
-          <a:ln>
-            <a:noFill/>
-          </a:ln>
-          <a:effectLst/>
-          <a:extLst>
-            <a:ext uri="{909E8E84-426E-40DD-AFC4-6F175D3DCCD1}">
-              <a14:hiddenFill xmlns:a14="http://schemas.microsoft.com/office/drawing/2010/main">
-                <a:solidFill>
-                  <a:schemeClr val="accent1"/>
-                </a:solidFill>
-              </a14:hiddenFill>
-            </a:ext>
-            <a:ext uri="{91240B29-F687-4F45-9708-019B960494DF}">
-              <a14:hiddenLine xmlns:a14="http://schemas.microsoft.com/office/drawing/2010/main" w="9525">
-                <a:solidFill>
-                  <a:schemeClr val="tx1"/>
-                </a:solidFill>
-                <a:miter lim="800000"/>
-                <a:headEnd/>
-                <a:tailEnd/>
-              </a14:hiddenLine>
-            </a:ext>
-            <a:ext uri="{AF507438-7753-43E0-B8FC-AC1667EBCBE1}">
-              <a14:hiddenEffects xmlns:a14="http://schemas.microsoft.com/office/drawing/2010/main">
-                <a:effectLst>
-                  <a:outerShdw dist="35921" dir="2700000" algn="ctr" rotWithShape="0">
-                    <a:schemeClr val="bg2"/>
-                  </a:outerShdw>
-                </a:effectLst>
-              </a14:hiddenEffects>
-            </a:ext>
-          </a:extLst>
-        </p:spPr>
-      </p:pic>
-      <p:pic>
-        <p:nvPicPr>
-          <p:cNvPr id="1026" name="Picture 2"/>
-          <p:cNvPicPr>
-            <a:picLocks noChangeAspect="1" noChangeArrowheads="1"/>
-          </p:cNvPicPr>
-          <p:nvPr/>
-        </p:nvPicPr>
-        <p:blipFill>
-          <a:blip r:embed="rId4">
-            <a:extLst>
-              <a:ext uri="{28A0092B-C50C-407E-A947-70E740481C1C}">
-                <a14:useLocalDpi xmlns:a14="http://schemas.microsoft.com/office/drawing/2010/main" val="0"/>
-              </a:ext>
-            </a:extLst>
-          </a:blip>
-          <a:srcRect/>
-          <a:stretch>
-            <a:fillRect/>
-          </a:stretch>
-        </p:blipFill>
-        <p:spPr bwMode="auto">
-          <a:xfrm>
-            <a:off x="125220" y="188640"/>
-            <a:ext cx="8930958" cy="5688632"/>
-          </a:xfrm>
-          <a:prstGeom prst="rect">
-            <a:avLst/>
-          </a:prstGeom>
-          <a:noFill/>
-          <a:ln>
-            <a:noFill/>
-          </a:ln>
-          <a:effectLst/>
-          <a:extLst>
-            <a:ext uri="{909E8E84-426E-40DD-AFC4-6F175D3DCCD1}">
-              <a14:hiddenFill xmlns:a14="http://schemas.microsoft.com/office/drawing/2010/main">
-                <a:solidFill>
-                  <a:schemeClr val="accent1"/>
-                </a:solidFill>
-              </a14:hiddenFill>
-            </a:ext>
-            <a:ext uri="{91240B29-F687-4F45-9708-019B960494DF}">
-              <a14:hiddenLine xmlns:a14="http://schemas.microsoft.com/office/drawing/2010/main" w="9525">
-                <a:solidFill>
-                  <a:schemeClr val="tx1"/>
-                </a:solidFill>
-                <a:miter lim="800000"/>
-                <a:headEnd/>
-                <a:tailEnd/>
-              </a14:hiddenLine>
-            </a:ext>
-            <a:ext uri="{AF507438-7753-43E0-B8FC-AC1667EBCBE1}">
-              <a14:hiddenEffects xmlns:a14="http://schemas.microsoft.com/office/drawing/2010/main">
-                <a:effectLst>
-                  <a:outerShdw dist="35921" dir="2700000" algn="ctr" rotWithShape="0">
-                    <a:schemeClr val="bg2"/>
-                  </a:outerShdw>
-                </a:effectLst>
-              </a14:hiddenEffects>
-            </a:ext>
-          </a:extLst>
-        </p:spPr>
-      </p:pic>
-    </p:spTree>
-    <p:extLst>
-      <p:ext uri="{BB962C8B-B14F-4D97-AF65-F5344CB8AC3E}">
-        <p14:creationId xmlns:p14="http://schemas.microsoft.com/office/powerpoint/2010/main" val="3576834774"/>
-      </p:ext>
-    </p:extLst>
-  </p:cSld>
-  <p:clrMapOvr>
-    <a:masterClrMapping/>
-  </p:clrMapOvr>
-  <p:transition/>
-  <p:timing>
-    <p:tnLst>
-      <p:par>
-        <p:cTn id="1" dur="indefinite" restart="never" nodeType="tmRoot"/>
-      </p:par>
-    </p:tnLst>
-  </p:timing>
-</p:sld>
-</file>
-
-<file path=ppt/slides/slide31.xml><?xml version="1.0" encoding="utf-8"?>
-<p:sld xmlns:a="http://schemas.openxmlformats.org/drawingml/2006/main" xmlns:r="http://schemas.openxmlformats.org/officeDocument/2006/relationships" xmlns:p="http://schemas.openxmlformats.org/presentationml/2006/main">
-  <p:cSld>
-    <p:spTree>
-      <p:nvGrpSpPr>
-        <p:cNvPr id="1" name=""/>
-        <p:cNvGrpSpPr/>
-        <p:nvPr/>
-      </p:nvGrpSpPr>
-      <p:grpSpPr>
-        <a:xfrm>
-          <a:off x="0" y="0"/>
-          <a:ext cx="0" cy="0"/>
-          <a:chOff x="0" y="0"/>
-          <a:chExt cx="0" cy="0"/>
-        </a:xfrm>
-      </p:grpSpPr>
-      <p:sp>
-        <p:nvSpPr>
-          <p:cNvPr id="2" name="Inhaltsplatzhalter 1"/>
-          <p:cNvSpPr>
-            <a:spLocks noGrp="1"/>
-          </p:cNvSpPr>
-          <p:nvPr>
-            <p:ph idx="1"/>
-          </p:nvPr>
-        </p:nvSpPr>
-        <p:spPr/>
-        <p:txBody>
-          <a:bodyPr/>
-          <a:lstStyle/>
-          <a:p>
-            <a:endParaRPr lang="de-CH"/>
-          </a:p>
-        </p:txBody>
-      </p:sp>
-      <p:sp>
-        <p:nvSpPr>
-          <p:cNvPr id="3" name="Titel 2"/>
-          <p:cNvSpPr>
-            <a:spLocks noGrp="1"/>
-          </p:cNvSpPr>
-          <p:nvPr>
-            <p:ph type="title"/>
-          </p:nvPr>
-        </p:nvSpPr>
-        <p:spPr/>
-        <p:txBody>
-          <a:bodyPr/>
-          <a:lstStyle/>
-          <a:p>
-            <a:r>
-              <a:rPr lang="de-CH" dirty="0" smtClean="0"/>
-              <a:t>Auswertung Zeiterfassung</a:t>
-            </a:r>
-            <a:endParaRPr lang="de-CH" dirty="0"/>
-          </a:p>
-        </p:txBody>
-      </p:sp>
-    </p:spTree>
-    <p:extLst>
-      <p:ext uri="{BB962C8B-B14F-4D97-AF65-F5344CB8AC3E}">
-        <p14:creationId xmlns:p14="http://schemas.microsoft.com/office/powerpoint/2010/main" val="3261160706"/>
-      </p:ext>
-    </p:extLst>
-  </p:cSld>
-  <p:clrMapOvr>
-    <a:masterClrMapping/>
-  </p:clrMapOvr>
-  <p:transition/>
-  <p:timing>
-    <p:tnLst>
-      <p:par>
-        <p:cTn id="1" dur="indefinite" restart="never" nodeType="tmRoot"/>
-      </p:par>
-    </p:tnLst>
-  </p:timing>
-</p:sld>
-</file>
-
-<file path=ppt/slides/slide32.xml><?xml version="1.0" encoding="utf-8"?>
-<p:sld xmlns:a="http://schemas.openxmlformats.org/drawingml/2006/main" xmlns:r="http://schemas.openxmlformats.org/officeDocument/2006/relationships" xmlns:p="http://schemas.openxmlformats.org/presentationml/2006/main">
-  <p:cSld>
-    <p:spTree>
-      <p:nvGrpSpPr>
-        <p:cNvPr id="1" name=""/>
-        <p:cNvGrpSpPr/>
-        <p:nvPr/>
-      </p:nvGrpSpPr>
-      <p:grpSpPr>
-        <a:xfrm>
-          <a:off x="0" y="0"/>
-          <a:ext cx="0" cy="0"/>
-          <a:chOff x="0" y="0"/>
-          <a:chExt cx="0" cy="0"/>
-        </a:xfrm>
-      </p:grpSpPr>
-      <p:sp>
-        <p:nvSpPr>
-          <p:cNvPr id="3" name="Titel 2"/>
-          <p:cNvSpPr>
-            <a:spLocks noGrp="1"/>
-          </p:cNvSpPr>
-          <p:nvPr>
-            <p:ph type="title"/>
-          </p:nvPr>
-        </p:nvSpPr>
-        <p:spPr/>
-        <p:txBody>
-          <a:bodyPr/>
-          <a:lstStyle/>
-          <a:p>
-            <a:r>
-              <a:rPr lang="de-CH" dirty="0" smtClean="0"/>
-              <a:t>Risikomanagement</a:t>
-            </a:r>
-            <a:endParaRPr lang="de-CH" dirty="0"/>
-          </a:p>
-        </p:txBody>
-      </p:sp>
-      <p:pic>
-        <p:nvPicPr>
-          <p:cNvPr id="6146" name="Picture 2">
-            <a:hlinkClick r:id="rId3"/>
-          </p:cNvPr>
-          <p:cNvPicPr>
-            <a:picLocks noChangeAspect="1" noChangeArrowheads="1"/>
-          </p:cNvPicPr>
-          <p:nvPr/>
-        </p:nvPicPr>
-        <p:blipFill>
-          <a:blip r:embed="rId4">
-            <a:extLst>
-              <a:ext uri="{28A0092B-C50C-407E-A947-70E740481C1C}">
-                <a14:useLocalDpi xmlns:a14="http://schemas.microsoft.com/office/drawing/2010/main" val="0"/>
-              </a:ext>
-            </a:extLst>
-          </a:blip>
-          <a:srcRect/>
-          <a:stretch>
-            <a:fillRect/>
-          </a:stretch>
-        </p:blipFill>
-        <p:spPr bwMode="auto">
-          <a:xfrm>
-            <a:off x="6516216" y="4221088"/>
-            <a:ext cx="2088232" cy="2088232"/>
-          </a:xfrm>
-          <a:prstGeom prst="roundRect">
-            <a:avLst>
-              <a:gd name="adj" fmla="val 8594"/>
-            </a:avLst>
-          </a:prstGeom>
-          <a:solidFill>
-            <a:srgbClr val="FFFFFF">
-              <a:shade val="85000"/>
-            </a:srgbClr>
-          </a:solidFill>
-          <a:ln>
-            <a:noFill/>
-          </a:ln>
-          <a:effectLst>
-            <a:reflection blurRad="12700" stA="38000" endPos="28000" dist="5000" dir="5400000" sy="-100000" algn="bl" rotWithShape="0"/>
-          </a:effectLst>
-          <a:extLst>
-            <a:ext uri="{91240B29-F687-4F45-9708-019B960494DF}">
-              <a14:hiddenLine xmlns:a14="http://schemas.microsoft.com/office/drawing/2010/main" w="9525">
-                <a:solidFill>
-                  <a:schemeClr val="tx1"/>
-                </a:solidFill>
-                <a:miter lim="800000"/>
-                <a:headEnd/>
-                <a:tailEnd/>
-              </a14:hiddenLine>
-            </a:ext>
-            <a:ext uri="{AF507438-7753-43E0-B8FC-AC1667EBCBE1}">
-              <a14:hiddenEffects xmlns:a14="http://schemas.microsoft.com/office/drawing/2010/main">
-                <a:effectLst>
-                  <a:outerShdw dist="35921" dir="2700000" algn="ctr" rotWithShape="0">
-                    <a:schemeClr val="bg2"/>
-                  </a:outerShdw>
-                </a:effectLst>
-              </a14:hiddenEffects>
-            </a:ext>
-          </a:extLst>
-        </p:spPr>
-      </p:pic>
-      <p:sp>
-        <p:nvSpPr>
-          <p:cNvPr id="4" name="Inhaltsplatzhalter 3"/>
-          <p:cNvSpPr>
-            <a:spLocks noGrp="1"/>
-          </p:cNvSpPr>
-          <p:nvPr>
-            <p:ph idx="1"/>
-          </p:nvPr>
-        </p:nvSpPr>
-        <p:spPr/>
-        <p:txBody>
-          <a:bodyPr/>
-          <a:lstStyle/>
-          <a:p>
-            <a:pPr>
-              <a:tabLst>
-                <a:tab pos="4749800" algn="l"/>
-              </a:tabLst>
-            </a:pPr>
-            <a:r>
-              <a:rPr lang="de-CH" dirty="0" smtClean="0"/>
-              <a:t>Anzahl Risiken:	6</a:t>
-            </a:r>
-          </a:p>
-          <a:p>
-            <a:pPr>
-              <a:tabLst>
-                <a:tab pos="4749800" algn="l"/>
-              </a:tabLst>
-            </a:pPr>
-            <a:r>
-              <a:rPr lang="de-CH" dirty="0" smtClean="0"/>
-              <a:t>Verbleibende Reserve:	~13 Stunden</a:t>
-            </a:r>
-          </a:p>
-          <a:p>
-            <a:pPr>
-              <a:tabLst>
-                <a:tab pos="4749800" algn="l"/>
-              </a:tabLst>
-            </a:pPr>
-            <a:r>
-              <a:rPr lang="de-CH" dirty="0" smtClean="0"/>
-              <a:t>Bereinigte Risiken:	3</a:t>
-            </a:r>
-          </a:p>
-          <a:p>
-            <a:pPr>
-              <a:tabLst>
-                <a:tab pos="4749800" algn="l"/>
-              </a:tabLst>
-            </a:pPr>
-            <a:endParaRPr lang="de-CH" dirty="0" smtClean="0"/>
-          </a:p>
-          <a:p>
-            <a:pPr>
-              <a:tabLst>
-                <a:tab pos="4749800" algn="l"/>
-              </a:tabLst>
-            </a:pPr>
-            <a:r>
-              <a:rPr lang="de-CH" dirty="0" smtClean="0"/>
-              <a:t>Bereinigtes Risiko in Elaboration Phase:</a:t>
-            </a:r>
-          </a:p>
-          <a:p>
-            <a:pPr lvl="1">
-              <a:tabLst>
-                <a:tab pos="4749800" algn="l"/>
-              </a:tabLst>
-            </a:pPr>
-            <a:r>
-              <a:rPr lang="de-CH" dirty="0" smtClean="0"/>
-              <a:t>Übertragung Mobile </a:t>
-            </a:r>
-            <a:r>
-              <a:rPr lang="de-CH" dirty="0" smtClean="0">
-                <a:sym typeface="Wingdings" pitchFamily="2" charset="2"/>
-              </a:rPr>
-              <a:t> Server</a:t>
-            </a:r>
-            <a:r>
-              <a:rPr lang="de-CH" dirty="0" smtClean="0"/>
-              <a:t>  </a:t>
-            </a:r>
-            <a:endParaRPr lang="de-CH" dirty="0"/>
-          </a:p>
-        </p:txBody>
-      </p:sp>
-    </p:spTree>
-    <p:extLst>
-      <p:ext uri="{BB962C8B-B14F-4D97-AF65-F5344CB8AC3E}">
-        <p14:creationId xmlns:p14="http://schemas.microsoft.com/office/powerpoint/2010/main" val="1793667745"/>
-      </p:ext>
-    </p:extLst>
-  </p:cSld>
-  <p:clrMapOvr>
-    <a:masterClrMapping/>
-  </p:clrMapOvr>
-  <p:transition/>
-  <p:timing>
-    <p:tnLst>
-      <p:par>
-        <p:cTn id="1" dur="indefinite" restart="never" nodeType="tmRoot"/>
-      </p:par>
-    </p:tnLst>
-  </p:timing>
-</p:sld>
-</file>
-
-<file path=ppt/slides/slide33.xml><?xml version="1.0" encoding="utf-8"?>
-<p:sld xmlns:a="http://schemas.openxmlformats.org/drawingml/2006/main" xmlns:r="http://schemas.openxmlformats.org/officeDocument/2006/relationships" xmlns:p="http://schemas.openxmlformats.org/presentationml/2006/main">
-  <p:cSld>
-    <p:spTree>
-      <p:nvGrpSpPr>
-        <p:cNvPr id="1" name=""/>
-        <p:cNvGrpSpPr/>
-        <p:nvPr/>
-      </p:nvGrpSpPr>
-      <p:grpSpPr>
-        <a:xfrm>
-          <a:off x="0" y="0"/>
-          <a:ext cx="0" cy="0"/>
-          <a:chOff x="0" y="0"/>
-          <a:chExt cx="0" cy="0"/>
-        </a:xfrm>
-      </p:grpSpPr>
-      <p:sp>
-        <p:nvSpPr>
-          <p:cNvPr id="2" name="Inhaltsplatzhalter 1"/>
-          <p:cNvSpPr>
-            <a:spLocks noGrp="1"/>
-          </p:cNvSpPr>
-          <p:nvPr>
-            <p:ph idx="1"/>
-          </p:nvPr>
-        </p:nvSpPr>
-        <p:spPr/>
-        <p:txBody>
-          <a:bodyPr/>
-          <a:lstStyle/>
-          <a:p>
-            <a:r>
-              <a:rPr lang="de-CH" dirty="0"/>
-              <a:t>Technische </a:t>
-            </a:r>
-            <a:r>
-              <a:rPr lang="de-CH" dirty="0" smtClean="0"/>
-              <a:t>Risiken sind </a:t>
-            </a:r>
-            <a:r>
-              <a:rPr lang="de-CH" dirty="0"/>
-              <a:t>eliminieren</a:t>
-            </a:r>
-          </a:p>
-          <a:p>
-            <a:r>
-              <a:rPr lang="de-CH" dirty="0"/>
-              <a:t>Machbarkeit </a:t>
-            </a:r>
-            <a:r>
-              <a:rPr lang="de-CH" dirty="0" smtClean="0"/>
-              <a:t>ist beweisen</a:t>
-            </a:r>
-          </a:p>
-          <a:p>
-            <a:endParaRPr lang="de-CH" dirty="0"/>
-          </a:p>
-          <a:p>
-            <a:r>
-              <a:rPr lang="de-CH" dirty="0" smtClean="0"/>
-              <a:t>Start der Konstruktionsphase</a:t>
-            </a:r>
-            <a:endParaRPr lang="de-CH" dirty="0"/>
-          </a:p>
-          <a:p>
-            <a:endParaRPr lang="de-CH" dirty="0"/>
-          </a:p>
-        </p:txBody>
-      </p:sp>
-      <p:sp>
-        <p:nvSpPr>
-          <p:cNvPr id="3" name="Titel 2"/>
-          <p:cNvSpPr>
-            <a:spLocks noGrp="1"/>
-          </p:cNvSpPr>
-          <p:nvPr>
-            <p:ph type="title"/>
-          </p:nvPr>
-        </p:nvSpPr>
-        <p:spPr/>
-        <p:txBody>
-          <a:bodyPr/>
-          <a:lstStyle/>
-          <a:p>
-            <a:r>
-              <a:rPr lang="de-CH" dirty="0" smtClean="0"/>
-              <a:t>Zusammenfassung</a:t>
-            </a:r>
-            <a:endParaRPr lang="de-CH" dirty="0"/>
-          </a:p>
-        </p:txBody>
-      </p:sp>
-    </p:spTree>
-    <p:extLst>
-      <p:ext uri="{BB962C8B-B14F-4D97-AF65-F5344CB8AC3E}">
-        <p14:creationId xmlns:p14="http://schemas.microsoft.com/office/powerpoint/2010/main" val="1547100438"/>
-      </p:ext>
-    </p:extLst>
-  </p:cSld>
-  <p:clrMapOvr>
-    <a:masterClrMapping/>
-  </p:clrMapOvr>
-  <p:transition/>
-  <p:timing>
-    <p:tnLst>
-      <p:par>
-        <p:cTn id="1" dur="indefinite" restart="never" nodeType="tmRoot"/>
-      </p:par>
-    </p:tnLst>
-  </p:timing>
-</p:sld>
-</file>
-
-<file path=ppt/slides/slide34.xml><?xml version="1.0" encoding="utf-8"?>
-<p:sld xmlns:a="http://schemas.openxmlformats.org/drawingml/2006/main" xmlns:r="http://schemas.openxmlformats.org/officeDocument/2006/relationships" xmlns:p="http://schemas.openxmlformats.org/presentationml/2006/main">
-  <p:cSld>
-    <p:spTree>
-      <p:nvGrpSpPr>
-        <p:cNvPr id="1" name=""/>
-        <p:cNvGrpSpPr/>
-        <p:nvPr/>
-      </p:nvGrpSpPr>
-      <p:grpSpPr>
-        <a:xfrm>
-          <a:off x="0" y="0"/>
-          <a:ext cx="0" cy="0"/>
-          <a:chOff x="0" y="0"/>
-          <a:chExt cx="0" cy="0"/>
-        </a:xfrm>
-      </p:grpSpPr>
-      <p:sp>
-        <p:nvSpPr>
-          <p:cNvPr id="2" name="Inhaltsplatzhalter 1"/>
-          <p:cNvSpPr>
-            <a:spLocks noGrp="1"/>
-          </p:cNvSpPr>
-          <p:nvPr>
-            <p:ph idx="1"/>
-          </p:nvPr>
-        </p:nvSpPr>
-        <p:spPr>
-          <a:xfrm>
-            <a:off x="1331640" y="2132856"/>
-            <a:ext cx="3672408" cy="1440160"/>
-          </a:xfrm>
-        </p:spPr>
-        <p:txBody>
-          <a:bodyPr/>
-          <a:lstStyle/>
-          <a:p>
-            <a:pPr marL="109728" indent="0">
-              <a:buNone/>
-            </a:pPr>
-            <a:r>
-              <a:rPr lang="de-CH" dirty="0" smtClean="0"/>
-              <a:t>Vielen Dank für Ihre Aufmerksamkeit!</a:t>
-            </a:r>
-            <a:endParaRPr lang="de-CH" dirty="0"/>
-          </a:p>
-        </p:txBody>
-      </p:sp>
-      <p:sp>
-        <p:nvSpPr>
-          <p:cNvPr id="3" name="Titel 2"/>
-          <p:cNvSpPr>
-            <a:spLocks noGrp="1"/>
-          </p:cNvSpPr>
-          <p:nvPr>
-            <p:ph type="title"/>
-          </p:nvPr>
-        </p:nvSpPr>
-        <p:spPr/>
-        <p:txBody>
-          <a:bodyPr/>
-          <a:lstStyle/>
-          <a:p>
-            <a:r>
-              <a:rPr lang="de-CH" dirty="0" smtClean="0"/>
-              <a:t>Fragen</a:t>
-            </a:r>
-            <a:endParaRPr lang="de-CH" dirty="0"/>
-          </a:p>
-        </p:txBody>
-      </p:sp>
-      <p:pic>
-        <p:nvPicPr>
-          <p:cNvPr id="5122" name="Picture 2" descr="C:\Users\schefe\AppData\Local\Microsoft\Windows\Temporary Internet Files\Content.IE5\PFEG0HII\MP900315598[1].jpg"/>
-          <p:cNvPicPr>
-            <a:picLocks noChangeAspect="1" noChangeArrowheads="1"/>
-          </p:cNvPicPr>
-          <p:nvPr/>
-        </p:nvPicPr>
-        <p:blipFill>
-          <a:blip r:embed="rId2">
-            <a:extLst>
-              <a:ext uri="{28A0092B-C50C-407E-A947-70E740481C1C}">
-                <a14:useLocalDpi xmlns:a14="http://schemas.microsoft.com/office/drawing/2010/main" val="0"/>
-              </a:ext>
-            </a:extLst>
-          </a:blip>
-          <a:srcRect/>
-          <a:stretch>
-            <a:fillRect/>
-          </a:stretch>
-        </p:blipFill>
-        <p:spPr bwMode="auto">
-          <a:xfrm>
-            <a:off x="4860032" y="2924944"/>
-            <a:ext cx="2547196" cy="1817000"/>
-          </a:xfrm>
-          <a:prstGeom prst="roundRect">
-            <a:avLst>
-              <a:gd name="adj" fmla="val 8594"/>
-            </a:avLst>
-          </a:prstGeom>
-          <a:solidFill>
-            <a:srgbClr val="FFFFFF">
-              <a:shade val="85000"/>
-            </a:srgbClr>
-          </a:solidFill>
-          <a:ln>
-            <a:noFill/>
-          </a:ln>
-          <a:effectLst>
-            <a:reflection blurRad="12700" stA="38000" endPos="28000" dist="5000" dir="5400000" sy="-100000" algn="bl" rotWithShape="0"/>
-          </a:effectLst>
-          <a:extLst/>
-        </p:spPr>
-      </p:pic>
-    </p:spTree>
-    <p:extLst>
-      <p:ext uri="{BB962C8B-B14F-4D97-AF65-F5344CB8AC3E}">
-        <p14:creationId xmlns:p14="http://schemas.microsoft.com/office/powerpoint/2010/main" val="4262147464"/>
-      </p:ext>
-    </p:extLst>
-  </p:cSld>
-  <p:clrMapOvr>
-    <a:masterClrMapping/>
-  </p:clrMapOvr>
-  <p:transition/>
-  <p:timing>
-    <p:tnLst>
-      <p:par>
-        <p:cTn id="1" dur="indefinite" restart="never" nodeType="tmRoot"/>
-      </p:par>
-    </p:tnLst>
-  </p:timing>
-</p:sld>
-</file>
-
-<file path=ppt/slides/slide35.xml><?xml version="1.0" encoding="utf-8"?>
-<p:sld xmlns:a="http://schemas.openxmlformats.org/drawingml/2006/main" xmlns:r="http://schemas.openxmlformats.org/officeDocument/2006/relationships" xmlns:p="http://schemas.openxmlformats.org/presentationml/2006/main">
-  <p:cSld>
-    <p:spTree>
-      <p:nvGrpSpPr>
-        <p:cNvPr id="1" name=""/>
-        <p:cNvGrpSpPr/>
-        <p:nvPr/>
-      </p:nvGrpSpPr>
-      <p:grpSpPr>
-        <a:xfrm>
-          <a:off x="0" y="0"/>
-          <a:ext cx="0" cy="0"/>
-          <a:chOff x="0" y="0"/>
-          <a:chExt cx="0" cy="0"/>
-        </a:xfrm>
-      </p:grpSpPr>
-      <p:sp>
-        <p:nvSpPr>
           <p:cNvPr id="3" name="Titel 2"/>
           <p:cNvSpPr>
             <a:spLocks noGrp="1"/>
@@ -10179,7 +11105,7 @@
             <p:nvPr/>
           </p:nvPicPr>
           <p:blipFill>
-            <a:blip r:embed="rId2">
+            <a:blip r:embed="rId3">
               <a:extLst>
                 <a:ext uri="{28A0092B-C50C-407E-A947-70E740481C1C}">
                   <a14:useLocalDpi xmlns:a14="http://schemas.microsoft.com/office/drawing/2010/main" val="0"/>
@@ -10302,7 +11228,7 @@
               <p:nvPr/>
             </p:nvPicPr>
             <p:blipFill>
-              <a:blip r:embed="rId3">
+              <a:blip r:embed="rId4">
                 <a:extLst>
                   <a:ext uri="{28A0092B-C50C-407E-A947-70E740481C1C}">
                     <a14:useLocalDpi xmlns:a14="http://schemas.microsoft.com/office/drawing/2010/main" val="0"/>
@@ -10366,7 +11292,7 @@
               <p:nvPr/>
             </p:nvPicPr>
             <p:blipFill>
-              <a:blip r:embed="rId4">
+              <a:blip r:embed="rId5">
                 <a:extLst>
                   <a:ext uri="{28A0092B-C50C-407E-A947-70E740481C1C}">
                     <a14:useLocalDpi xmlns:a14="http://schemas.microsoft.com/office/drawing/2010/main" val="0"/>
@@ -10457,6 +11383,1124 @@
     <p:extLst>
       <p:ext uri="{BB962C8B-B14F-4D97-AF65-F5344CB8AC3E}">
         <p14:creationId xmlns:p14="http://schemas.microsoft.com/office/powerpoint/2010/main" val="2697756913"/>
+      </p:ext>
+    </p:extLst>
+  </p:cSld>
+  <p:clrMapOvr>
+    <a:masterClrMapping/>
+  </p:clrMapOvr>
+  <p:transition/>
+  <p:timing>
+    <p:tnLst>
+      <p:par>
+        <p:cTn id="1" dur="indefinite" restart="never" nodeType="tmRoot"/>
+      </p:par>
+    </p:tnLst>
+  </p:timing>
+</p:sld>
+</file>
+
+<file path=ppt/slides/slide29.xml><?xml version="1.0" encoding="utf-8"?>
+<p:sld xmlns:a="http://schemas.openxmlformats.org/drawingml/2006/main" xmlns:r="http://schemas.openxmlformats.org/officeDocument/2006/relationships" xmlns:p="http://schemas.openxmlformats.org/presentationml/2006/main">
+  <p:cSld>
+    <p:spTree>
+      <p:nvGrpSpPr>
+        <p:cNvPr id="1" name=""/>
+        <p:cNvGrpSpPr/>
+        <p:nvPr/>
+      </p:nvGrpSpPr>
+      <p:grpSpPr>
+        <a:xfrm>
+          <a:off x="0" y="0"/>
+          <a:ext cx="0" cy="0"/>
+          <a:chOff x="0" y="0"/>
+          <a:chExt cx="0" cy="0"/>
+        </a:xfrm>
+      </p:grpSpPr>
+      <p:sp>
+        <p:nvSpPr>
+          <p:cNvPr id="2" name="Inhaltsplatzhalter 1"/>
+          <p:cNvSpPr>
+            <a:spLocks noGrp="1"/>
+          </p:cNvSpPr>
+          <p:nvPr>
+            <p:ph idx="1"/>
+          </p:nvPr>
+        </p:nvSpPr>
+        <p:spPr/>
+        <p:txBody>
+          <a:bodyPr/>
+          <a:lstStyle/>
+          <a:p>
+            <a:r>
+              <a:rPr lang="de-CH" dirty="0" smtClean="0"/>
+              <a:t>MS3 Elaboration wird heute abgeschlossen</a:t>
+            </a:r>
+          </a:p>
+          <a:p>
+            <a:r>
+              <a:rPr lang="de-CH" dirty="0"/>
+              <a:t>Konstruktionsphase </a:t>
+            </a:r>
+            <a:r>
+              <a:rPr lang="de-CH" dirty="0" smtClean="0"/>
+              <a:t>ist </a:t>
+            </a:r>
+            <a:r>
+              <a:rPr lang="de-CH" dirty="0" smtClean="0"/>
+              <a:t>geplant</a:t>
+            </a:r>
+            <a:endParaRPr lang="de-CH" dirty="0" smtClean="0"/>
+          </a:p>
+          <a:p>
+            <a:r>
+              <a:rPr lang="de-CH" dirty="0" smtClean="0"/>
+              <a:t>Code Review gemacht</a:t>
+            </a:r>
+          </a:p>
+          <a:p>
+            <a:r>
+              <a:rPr lang="de-CH" dirty="0"/>
+              <a:t>Release V0.1 </a:t>
+            </a:r>
+            <a:r>
+              <a:rPr lang="de-CH" dirty="0" smtClean="0"/>
+              <a:t>erstellt</a:t>
+            </a:r>
+          </a:p>
+          <a:p>
+            <a:pPr lvl="1"/>
+            <a:r>
+              <a:rPr lang="de-CH" dirty="0" smtClean="0"/>
+              <a:t>Als Tag v0.1 im SVN</a:t>
+            </a:r>
+          </a:p>
+          <a:p>
+            <a:endParaRPr lang="de-CH" dirty="0" smtClean="0"/>
+          </a:p>
+          <a:p>
+            <a:endParaRPr lang="de-CH" dirty="0" smtClean="0"/>
+          </a:p>
+          <a:p>
+            <a:endParaRPr lang="de-CH" dirty="0"/>
+          </a:p>
+        </p:txBody>
+      </p:sp>
+      <p:sp>
+        <p:nvSpPr>
+          <p:cNvPr id="3" name="Titel 2"/>
+          <p:cNvSpPr>
+            <a:spLocks noGrp="1"/>
+          </p:cNvSpPr>
+          <p:nvPr>
+            <p:ph type="title"/>
+          </p:nvPr>
+        </p:nvSpPr>
+        <p:spPr/>
+        <p:txBody>
+          <a:bodyPr/>
+          <a:lstStyle/>
+          <a:p>
+            <a:r>
+              <a:rPr lang="de-CH" dirty="0" smtClean="0"/>
+              <a:t>Projektstand</a:t>
+            </a:r>
+            <a:endParaRPr lang="de-CH" dirty="0"/>
+          </a:p>
+        </p:txBody>
+      </p:sp>
+      <p:pic>
+        <p:nvPicPr>
+          <p:cNvPr id="3075" name="Picture 3"/>
+          <p:cNvPicPr>
+            <a:picLocks noChangeAspect="1" noChangeArrowheads="1"/>
+          </p:cNvPicPr>
+          <p:nvPr/>
+        </p:nvPicPr>
+        <p:blipFill>
+          <a:blip r:embed="rId3">
+            <a:extLst>
+              <a:ext uri="{28A0092B-C50C-407E-A947-70E740481C1C}">
+                <a14:useLocalDpi xmlns:a14="http://schemas.microsoft.com/office/drawing/2010/main" val="0"/>
+              </a:ext>
+            </a:extLst>
+          </a:blip>
+          <a:srcRect/>
+          <a:stretch>
+            <a:fillRect/>
+          </a:stretch>
+        </p:blipFill>
+        <p:spPr bwMode="auto">
+          <a:xfrm>
+            <a:off x="251520" y="4149080"/>
+            <a:ext cx="8713862" cy="1501788"/>
+          </a:xfrm>
+          <a:prstGeom prst="rect">
+            <a:avLst/>
+          </a:prstGeom>
+          <a:noFill/>
+          <a:ln>
+            <a:noFill/>
+          </a:ln>
+          <a:effectLst/>
+          <a:extLst>
+            <a:ext uri="{909E8E84-426E-40DD-AFC4-6F175D3DCCD1}">
+              <a14:hiddenFill xmlns:a14="http://schemas.microsoft.com/office/drawing/2010/main">
+                <a:solidFill>
+                  <a:schemeClr val="accent1"/>
+                </a:solidFill>
+              </a14:hiddenFill>
+            </a:ext>
+            <a:ext uri="{91240B29-F687-4F45-9708-019B960494DF}">
+              <a14:hiddenLine xmlns:a14="http://schemas.microsoft.com/office/drawing/2010/main" w="9525">
+                <a:solidFill>
+                  <a:schemeClr val="tx1"/>
+                </a:solidFill>
+                <a:miter lim="800000"/>
+                <a:headEnd/>
+                <a:tailEnd/>
+              </a14:hiddenLine>
+            </a:ext>
+            <a:ext uri="{AF507438-7753-43E0-B8FC-AC1667EBCBE1}">
+              <a14:hiddenEffects xmlns:a14="http://schemas.microsoft.com/office/drawing/2010/main">
+                <a:effectLst>
+                  <a:outerShdw dist="35921" dir="2700000" algn="ctr" rotWithShape="0">
+                    <a:schemeClr val="bg2"/>
+                  </a:outerShdw>
+                </a:effectLst>
+              </a14:hiddenEffects>
+            </a:ext>
+          </a:extLst>
+        </p:spPr>
+      </p:pic>
+    </p:spTree>
+    <p:extLst>
+      <p:ext uri="{BB962C8B-B14F-4D97-AF65-F5344CB8AC3E}">
+        <p14:creationId xmlns:p14="http://schemas.microsoft.com/office/powerpoint/2010/main" val="148297732"/>
+      </p:ext>
+    </p:extLst>
+  </p:cSld>
+  <p:clrMapOvr>
+    <a:masterClrMapping/>
+  </p:clrMapOvr>
+  <p:transition/>
+  <p:timing>
+    <p:tnLst>
+      <p:par>
+        <p:cTn id="1" dur="indefinite" restart="never" nodeType="tmRoot"/>
+      </p:par>
+    </p:tnLst>
+  </p:timing>
+</p:sld>
+</file>
+
+<file path=ppt/slides/slide3.xml><?xml version="1.0" encoding="utf-8"?>
+<p:sld xmlns:a="http://schemas.openxmlformats.org/drawingml/2006/main" xmlns:r="http://schemas.openxmlformats.org/officeDocument/2006/relationships" xmlns:p="http://schemas.openxmlformats.org/presentationml/2006/main">
+  <p:cSld>
+    <p:spTree>
+      <p:nvGrpSpPr>
+        <p:cNvPr id="1" name=""/>
+        <p:cNvGrpSpPr/>
+        <p:nvPr/>
+      </p:nvGrpSpPr>
+      <p:grpSpPr>
+        <a:xfrm>
+          <a:off x="0" y="0"/>
+          <a:ext cx="0" cy="0"/>
+          <a:chOff x="0" y="0"/>
+          <a:chExt cx="0" cy="0"/>
+        </a:xfrm>
+      </p:grpSpPr>
+      <p:sp>
+        <p:nvSpPr>
+          <p:cNvPr id="2" name="Inhaltsplatzhalter 1"/>
+          <p:cNvSpPr>
+            <a:spLocks noGrp="1"/>
+          </p:cNvSpPr>
+          <p:nvPr>
+            <p:ph idx="1"/>
+          </p:nvPr>
+        </p:nvSpPr>
+        <p:spPr/>
+        <p:txBody>
+          <a:bodyPr/>
+          <a:lstStyle/>
+          <a:p>
+            <a:r>
+              <a:rPr lang="de-CH" dirty="0" smtClean="0"/>
+              <a:t>Technische Risiken eliminieren</a:t>
+            </a:r>
+          </a:p>
+          <a:p>
+            <a:r>
+              <a:rPr lang="de-CH" dirty="0" smtClean="0"/>
+              <a:t>Machbarkeit beweisen</a:t>
+            </a:r>
+          </a:p>
+          <a:p>
+            <a:r>
+              <a:rPr lang="de-CH" dirty="0" smtClean="0"/>
+              <a:t>Vorbereitung Konstruktionsphase</a:t>
+            </a:r>
+          </a:p>
+          <a:p>
+            <a:r>
+              <a:rPr lang="de-CH" dirty="0" smtClean="0"/>
+              <a:t>Evaluation Werkzeuge / Bibliotheken</a:t>
+            </a:r>
+            <a:endParaRPr lang="de-CH" dirty="0"/>
+          </a:p>
+        </p:txBody>
+      </p:sp>
+      <p:sp>
+        <p:nvSpPr>
+          <p:cNvPr id="3" name="Titel 2"/>
+          <p:cNvSpPr>
+            <a:spLocks noGrp="1"/>
+          </p:cNvSpPr>
+          <p:nvPr>
+            <p:ph type="title"/>
+          </p:nvPr>
+        </p:nvSpPr>
+        <p:spPr/>
+        <p:txBody>
+          <a:bodyPr/>
+          <a:lstStyle/>
+          <a:p>
+            <a:r>
+              <a:rPr lang="de-CH" dirty="0" smtClean="0"/>
+              <a:t>Ziele</a:t>
+            </a:r>
+            <a:endParaRPr lang="de-CH" dirty="0"/>
+          </a:p>
+        </p:txBody>
+      </p:sp>
+      <p:pic>
+        <p:nvPicPr>
+          <p:cNvPr id="3075" name="Picture 3" descr="C:\Users\Lukas Elmer\AppData\Local\Microsoft\Windows\Temporary Internet Files\Content.IE5\E2GAV9V0\MP900433179[1].jpg"/>
+          <p:cNvPicPr>
+            <a:picLocks noChangeAspect="1" noChangeArrowheads="1"/>
+          </p:cNvPicPr>
+          <p:nvPr/>
+        </p:nvPicPr>
+        <p:blipFill>
+          <a:blip r:embed="rId3" cstate="print">
+            <a:extLst>
+              <a:ext uri="{28A0092B-C50C-407E-A947-70E740481C1C}">
+                <a14:useLocalDpi xmlns:a14="http://schemas.microsoft.com/office/drawing/2010/main" val="0"/>
+              </a:ext>
+            </a:extLst>
+          </a:blip>
+          <a:srcRect/>
+          <a:stretch>
+            <a:fillRect/>
+          </a:stretch>
+        </p:blipFill>
+        <p:spPr bwMode="auto">
+          <a:xfrm>
+            <a:off x="6588224" y="4851085"/>
+            <a:ext cx="2466964" cy="1851447"/>
+          </a:xfrm>
+          <a:prstGeom prst="rect">
+            <a:avLst/>
+          </a:prstGeom>
+          <a:ln>
+            <a:noFill/>
+          </a:ln>
+          <a:effectLst>
+            <a:softEdge rad="112500"/>
+          </a:effectLst>
+          <a:extLst>
+            <a:ext uri="{909E8E84-426E-40DD-AFC4-6F175D3DCCD1}">
+              <a14:hiddenFill xmlns:a14="http://schemas.microsoft.com/office/drawing/2010/main">
+                <a:solidFill>
+                  <a:srgbClr val="FFFFFF"/>
+                </a:solidFill>
+              </a14:hiddenFill>
+            </a:ext>
+          </a:extLst>
+        </p:spPr>
+      </p:pic>
+    </p:spTree>
+    <p:extLst>
+      <p:ext uri="{BB962C8B-B14F-4D97-AF65-F5344CB8AC3E}">
+        <p14:creationId xmlns:p14="http://schemas.microsoft.com/office/powerpoint/2010/main" val="2857039303"/>
+      </p:ext>
+    </p:extLst>
+  </p:cSld>
+  <p:clrMapOvr>
+    <a:masterClrMapping/>
+  </p:clrMapOvr>
+  <p:transition/>
+  <p:timing>
+    <p:tnLst>
+      <p:par>
+        <p:cTn id="1" dur="indefinite" restart="never" nodeType="tmRoot"/>
+      </p:par>
+    </p:tnLst>
+  </p:timing>
+</p:sld>
+</file>
+
+<file path=ppt/slides/slide30.xml><?xml version="1.0" encoding="utf-8"?>
+<p:sld xmlns:a="http://schemas.openxmlformats.org/drawingml/2006/main" xmlns:r="http://schemas.openxmlformats.org/officeDocument/2006/relationships" xmlns:p="http://schemas.openxmlformats.org/presentationml/2006/main">
+  <p:cSld>
+    <p:spTree>
+      <p:nvGrpSpPr>
+        <p:cNvPr id="1" name=""/>
+        <p:cNvGrpSpPr/>
+        <p:nvPr/>
+      </p:nvGrpSpPr>
+      <p:grpSpPr>
+        <a:xfrm>
+          <a:off x="0" y="0"/>
+          <a:ext cx="0" cy="0"/>
+          <a:chOff x="0" y="0"/>
+          <a:chExt cx="0" cy="0"/>
+        </a:xfrm>
+      </p:grpSpPr>
+      <p:pic>
+        <p:nvPicPr>
+          <p:cNvPr id="2052" name="Picture 4"/>
+          <p:cNvPicPr>
+            <a:picLocks noChangeAspect="1" noChangeArrowheads="1"/>
+          </p:cNvPicPr>
+          <p:nvPr/>
+        </p:nvPicPr>
+        <p:blipFill>
+          <a:blip r:embed="rId3">
+            <a:extLst>
+              <a:ext uri="{28A0092B-C50C-407E-A947-70E740481C1C}">
+                <a14:useLocalDpi xmlns:a14="http://schemas.microsoft.com/office/drawing/2010/main" val="0"/>
+              </a:ext>
+            </a:extLst>
+          </a:blip>
+          <a:srcRect/>
+          <a:stretch>
+            <a:fillRect/>
+          </a:stretch>
+        </p:blipFill>
+        <p:spPr bwMode="auto">
+          <a:xfrm>
+            <a:off x="179512" y="188639"/>
+            <a:ext cx="8786559" cy="6240735"/>
+          </a:xfrm>
+          <a:prstGeom prst="rect">
+            <a:avLst/>
+          </a:prstGeom>
+          <a:noFill/>
+          <a:ln>
+            <a:noFill/>
+          </a:ln>
+          <a:effectLst/>
+          <a:extLst>
+            <a:ext uri="{909E8E84-426E-40DD-AFC4-6F175D3DCCD1}">
+              <a14:hiddenFill xmlns:a14="http://schemas.microsoft.com/office/drawing/2010/main">
+                <a:solidFill>
+                  <a:schemeClr val="accent1"/>
+                </a:solidFill>
+              </a14:hiddenFill>
+            </a:ext>
+            <a:ext uri="{91240B29-F687-4F45-9708-019B960494DF}">
+              <a14:hiddenLine xmlns:a14="http://schemas.microsoft.com/office/drawing/2010/main" w="9525">
+                <a:solidFill>
+                  <a:schemeClr val="tx1"/>
+                </a:solidFill>
+                <a:miter lim="800000"/>
+                <a:headEnd/>
+                <a:tailEnd/>
+              </a14:hiddenLine>
+            </a:ext>
+            <a:ext uri="{AF507438-7753-43E0-B8FC-AC1667EBCBE1}">
+              <a14:hiddenEffects xmlns:a14="http://schemas.microsoft.com/office/drawing/2010/main">
+                <a:effectLst>
+                  <a:outerShdw dist="35921" dir="2700000" algn="ctr" rotWithShape="0">
+                    <a:schemeClr val="bg2"/>
+                  </a:outerShdw>
+                </a:effectLst>
+              </a14:hiddenEffects>
+            </a:ext>
+          </a:extLst>
+        </p:spPr>
+      </p:pic>
+    </p:spTree>
+    <p:extLst>
+      <p:ext uri="{BB962C8B-B14F-4D97-AF65-F5344CB8AC3E}">
+        <p14:creationId xmlns:p14="http://schemas.microsoft.com/office/powerpoint/2010/main" val="2995529129"/>
+      </p:ext>
+    </p:extLst>
+  </p:cSld>
+  <p:clrMapOvr>
+    <a:masterClrMapping/>
+  </p:clrMapOvr>
+  <p:transition/>
+  <p:timing>
+    <p:tnLst>
+      <p:par>
+        <p:cTn id="1" dur="indefinite" restart="never" nodeType="tmRoot"/>
+      </p:par>
+    </p:tnLst>
+  </p:timing>
+</p:sld>
+</file>
+
+<file path=ppt/slides/slide31.xml><?xml version="1.0" encoding="utf-8"?>
+<p:sld xmlns:a="http://schemas.openxmlformats.org/drawingml/2006/main" xmlns:r="http://schemas.openxmlformats.org/officeDocument/2006/relationships" xmlns:p="http://schemas.openxmlformats.org/presentationml/2006/main">
+  <p:cSld>
+    <p:spTree>
+      <p:nvGrpSpPr>
+        <p:cNvPr id="1" name=""/>
+        <p:cNvGrpSpPr/>
+        <p:nvPr/>
+      </p:nvGrpSpPr>
+      <p:grpSpPr>
+        <a:xfrm>
+          <a:off x="0" y="0"/>
+          <a:ext cx="0" cy="0"/>
+          <a:chOff x="0" y="0"/>
+          <a:chExt cx="0" cy="0"/>
+        </a:xfrm>
+      </p:grpSpPr>
+      <p:pic>
+        <p:nvPicPr>
+          <p:cNvPr id="7170" name="Picture 2">
+            <a:hlinkClick r:id="rId3"/>
+          </p:cNvPr>
+          <p:cNvPicPr>
+            <a:picLocks noChangeAspect="1" noChangeArrowheads="1"/>
+          </p:cNvPicPr>
+          <p:nvPr/>
+        </p:nvPicPr>
+        <p:blipFill>
+          <a:blip r:embed="rId4">
+            <a:extLst>
+              <a:ext uri="{28A0092B-C50C-407E-A947-70E740481C1C}">
+                <a14:useLocalDpi xmlns:a14="http://schemas.microsoft.com/office/drawing/2010/main" val="0"/>
+              </a:ext>
+            </a:extLst>
+          </a:blip>
+          <a:srcRect/>
+          <a:stretch>
+            <a:fillRect/>
+          </a:stretch>
+        </p:blipFill>
+        <p:spPr bwMode="auto">
+          <a:xfrm>
+            <a:off x="7288113" y="5934422"/>
+            <a:ext cx="1621929" cy="751493"/>
+          </a:xfrm>
+          <a:prstGeom prst="rect">
+            <a:avLst/>
+          </a:prstGeom>
+          <a:noFill/>
+          <a:ln>
+            <a:noFill/>
+          </a:ln>
+          <a:effectLst/>
+          <a:extLst>
+            <a:ext uri="{909E8E84-426E-40DD-AFC4-6F175D3DCCD1}">
+              <a14:hiddenFill xmlns:a14="http://schemas.microsoft.com/office/drawing/2010/main">
+                <a:solidFill>
+                  <a:schemeClr val="accent1"/>
+                </a:solidFill>
+              </a14:hiddenFill>
+            </a:ext>
+            <a:ext uri="{91240B29-F687-4F45-9708-019B960494DF}">
+              <a14:hiddenLine xmlns:a14="http://schemas.microsoft.com/office/drawing/2010/main" w="9525">
+                <a:solidFill>
+                  <a:schemeClr val="tx1"/>
+                </a:solidFill>
+                <a:miter lim="800000"/>
+                <a:headEnd/>
+                <a:tailEnd/>
+              </a14:hiddenLine>
+            </a:ext>
+            <a:ext uri="{AF507438-7753-43E0-B8FC-AC1667EBCBE1}">
+              <a14:hiddenEffects xmlns:a14="http://schemas.microsoft.com/office/drawing/2010/main">
+                <a:effectLst>
+                  <a:outerShdw dist="35921" dir="2700000" algn="ctr" rotWithShape="0">
+                    <a:schemeClr val="bg2"/>
+                  </a:outerShdw>
+                </a:effectLst>
+              </a14:hiddenEffects>
+            </a:ext>
+          </a:extLst>
+        </p:spPr>
+      </p:pic>
+      <p:pic>
+        <p:nvPicPr>
+          <p:cNvPr id="1026" name="Picture 2"/>
+          <p:cNvPicPr>
+            <a:picLocks noChangeAspect="1" noChangeArrowheads="1"/>
+          </p:cNvPicPr>
+          <p:nvPr/>
+        </p:nvPicPr>
+        <p:blipFill>
+          <a:blip r:embed="rId5">
+            <a:extLst>
+              <a:ext uri="{28A0092B-C50C-407E-A947-70E740481C1C}">
+                <a14:useLocalDpi xmlns:a14="http://schemas.microsoft.com/office/drawing/2010/main" val="0"/>
+              </a:ext>
+            </a:extLst>
+          </a:blip>
+          <a:srcRect/>
+          <a:stretch>
+            <a:fillRect/>
+          </a:stretch>
+        </p:blipFill>
+        <p:spPr bwMode="auto">
+          <a:xfrm>
+            <a:off x="125220" y="188640"/>
+            <a:ext cx="8930958" cy="5688632"/>
+          </a:xfrm>
+          <a:prstGeom prst="rect">
+            <a:avLst/>
+          </a:prstGeom>
+          <a:noFill/>
+          <a:ln>
+            <a:noFill/>
+          </a:ln>
+          <a:effectLst/>
+          <a:extLst>
+            <a:ext uri="{909E8E84-426E-40DD-AFC4-6F175D3DCCD1}">
+              <a14:hiddenFill xmlns:a14="http://schemas.microsoft.com/office/drawing/2010/main">
+                <a:solidFill>
+                  <a:schemeClr val="accent1"/>
+                </a:solidFill>
+              </a14:hiddenFill>
+            </a:ext>
+            <a:ext uri="{91240B29-F687-4F45-9708-019B960494DF}">
+              <a14:hiddenLine xmlns:a14="http://schemas.microsoft.com/office/drawing/2010/main" w="9525">
+                <a:solidFill>
+                  <a:schemeClr val="tx1"/>
+                </a:solidFill>
+                <a:miter lim="800000"/>
+                <a:headEnd/>
+                <a:tailEnd/>
+              </a14:hiddenLine>
+            </a:ext>
+            <a:ext uri="{AF507438-7753-43E0-B8FC-AC1667EBCBE1}">
+              <a14:hiddenEffects xmlns:a14="http://schemas.microsoft.com/office/drawing/2010/main">
+                <a:effectLst>
+                  <a:outerShdw dist="35921" dir="2700000" algn="ctr" rotWithShape="0">
+                    <a:schemeClr val="bg2"/>
+                  </a:outerShdw>
+                </a:effectLst>
+              </a14:hiddenEffects>
+            </a:ext>
+          </a:extLst>
+        </p:spPr>
+      </p:pic>
+    </p:spTree>
+    <p:extLst>
+      <p:ext uri="{BB962C8B-B14F-4D97-AF65-F5344CB8AC3E}">
+        <p14:creationId xmlns:p14="http://schemas.microsoft.com/office/powerpoint/2010/main" val="3576834774"/>
+      </p:ext>
+    </p:extLst>
+  </p:cSld>
+  <p:clrMapOvr>
+    <a:masterClrMapping/>
+  </p:clrMapOvr>
+  <p:transition/>
+  <p:timing>
+    <p:tnLst>
+      <p:par>
+        <p:cTn id="1" dur="indefinite" restart="never" nodeType="tmRoot"/>
+      </p:par>
+    </p:tnLst>
+  </p:timing>
+</p:sld>
+</file>
+
+<file path=ppt/slides/slide32.xml><?xml version="1.0" encoding="utf-8"?>
+<p:sld xmlns:a="http://schemas.openxmlformats.org/drawingml/2006/main" xmlns:r="http://schemas.openxmlformats.org/officeDocument/2006/relationships" xmlns:p="http://schemas.openxmlformats.org/presentationml/2006/main">
+  <p:cSld>
+    <p:spTree>
+      <p:nvGrpSpPr>
+        <p:cNvPr id="1" name=""/>
+        <p:cNvGrpSpPr/>
+        <p:nvPr/>
+      </p:nvGrpSpPr>
+      <p:grpSpPr>
+        <a:xfrm>
+          <a:off x="0" y="0"/>
+          <a:ext cx="0" cy="0"/>
+          <a:chOff x="0" y="0"/>
+          <a:chExt cx="0" cy="0"/>
+        </a:xfrm>
+      </p:grpSpPr>
+      <p:sp>
+        <p:nvSpPr>
+          <p:cNvPr id="3" name="Titel 2"/>
+          <p:cNvSpPr>
+            <a:spLocks noGrp="1"/>
+          </p:cNvSpPr>
+          <p:nvPr>
+            <p:ph type="title"/>
+          </p:nvPr>
+        </p:nvSpPr>
+        <p:spPr/>
+        <p:txBody>
+          <a:bodyPr/>
+          <a:lstStyle/>
+          <a:p>
+            <a:r>
+              <a:rPr lang="de-CH" dirty="0" smtClean="0"/>
+              <a:t>Risikomanagement</a:t>
+            </a:r>
+            <a:endParaRPr lang="de-CH" dirty="0"/>
+          </a:p>
+        </p:txBody>
+      </p:sp>
+      <p:pic>
+        <p:nvPicPr>
+          <p:cNvPr id="6146" name="Picture 2">
+            <a:hlinkClick r:id="rId3"/>
+          </p:cNvPr>
+          <p:cNvPicPr>
+            <a:picLocks noChangeAspect="1" noChangeArrowheads="1"/>
+          </p:cNvPicPr>
+          <p:nvPr/>
+        </p:nvPicPr>
+        <p:blipFill>
+          <a:blip r:embed="rId4">
+            <a:extLst>
+              <a:ext uri="{28A0092B-C50C-407E-A947-70E740481C1C}">
+                <a14:useLocalDpi xmlns:a14="http://schemas.microsoft.com/office/drawing/2010/main" val="0"/>
+              </a:ext>
+            </a:extLst>
+          </a:blip>
+          <a:srcRect/>
+          <a:stretch>
+            <a:fillRect/>
+          </a:stretch>
+        </p:blipFill>
+        <p:spPr bwMode="auto">
+          <a:xfrm>
+            <a:off x="6516216" y="4221088"/>
+            <a:ext cx="2088232" cy="2088232"/>
+          </a:xfrm>
+          <a:prstGeom prst="roundRect">
+            <a:avLst>
+              <a:gd name="adj" fmla="val 8594"/>
+            </a:avLst>
+          </a:prstGeom>
+          <a:solidFill>
+            <a:srgbClr val="FFFFFF">
+              <a:shade val="85000"/>
+            </a:srgbClr>
+          </a:solidFill>
+          <a:ln>
+            <a:noFill/>
+          </a:ln>
+          <a:effectLst>
+            <a:reflection blurRad="12700" stA="38000" endPos="28000" dist="5000" dir="5400000" sy="-100000" algn="bl" rotWithShape="0"/>
+          </a:effectLst>
+          <a:extLst>
+            <a:ext uri="{91240B29-F687-4F45-9708-019B960494DF}">
+              <a14:hiddenLine xmlns:a14="http://schemas.microsoft.com/office/drawing/2010/main" w="9525">
+                <a:solidFill>
+                  <a:schemeClr val="tx1"/>
+                </a:solidFill>
+                <a:miter lim="800000"/>
+                <a:headEnd/>
+                <a:tailEnd/>
+              </a14:hiddenLine>
+            </a:ext>
+            <a:ext uri="{AF507438-7753-43E0-B8FC-AC1667EBCBE1}">
+              <a14:hiddenEffects xmlns:a14="http://schemas.microsoft.com/office/drawing/2010/main">
+                <a:effectLst>
+                  <a:outerShdw dist="35921" dir="2700000" algn="ctr" rotWithShape="0">
+                    <a:schemeClr val="bg2"/>
+                  </a:outerShdw>
+                </a:effectLst>
+              </a14:hiddenEffects>
+            </a:ext>
+          </a:extLst>
+        </p:spPr>
+      </p:pic>
+      <p:sp>
+        <p:nvSpPr>
+          <p:cNvPr id="4" name="Inhaltsplatzhalter 3"/>
+          <p:cNvSpPr>
+            <a:spLocks noGrp="1"/>
+          </p:cNvSpPr>
+          <p:nvPr>
+            <p:ph idx="1"/>
+          </p:nvPr>
+        </p:nvSpPr>
+        <p:spPr/>
+        <p:txBody>
+          <a:bodyPr/>
+          <a:lstStyle/>
+          <a:p>
+            <a:pPr>
+              <a:tabLst>
+                <a:tab pos="4749800" algn="l"/>
+              </a:tabLst>
+            </a:pPr>
+            <a:r>
+              <a:rPr lang="de-CH" dirty="0" smtClean="0"/>
+              <a:t>Anzahl Risiken:	6</a:t>
+            </a:r>
+          </a:p>
+          <a:p>
+            <a:pPr>
+              <a:tabLst>
+                <a:tab pos="4749800" algn="l"/>
+              </a:tabLst>
+            </a:pPr>
+            <a:r>
+              <a:rPr lang="de-CH" dirty="0" smtClean="0"/>
+              <a:t>Verbleibende Reserve:	~13 Stunden</a:t>
+            </a:r>
+          </a:p>
+          <a:p>
+            <a:pPr>
+              <a:tabLst>
+                <a:tab pos="4749800" algn="l"/>
+              </a:tabLst>
+            </a:pPr>
+            <a:r>
+              <a:rPr lang="de-CH" dirty="0" smtClean="0"/>
+              <a:t>Bereinigte Risiken:	3</a:t>
+            </a:r>
+          </a:p>
+          <a:p>
+            <a:pPr>
+              <a:tabLst>
+                <a:tab pos="4749800" algn="l"/>
+              </a:tabLst>
+            </a:pPr>
+            <a:endParaRPr lang="de-CH" dirty="0" smtClean="0"/>
+          </a:p>
+          <a:p>
+            <a:pPr>
+              <a:tabLst>
+                <a:tab pos="4749800" algn="l"/>
+              </a:tabLst>
+            </a:pPr>
+            <a:r>
+              <a:rPr lang="de-CH" dirty="0" smtClean="0"/>
+              <a:t>Bereinigtes Risiko in Elaboration </a:t>
+            </a:r>
+            <a:r>
+              <a:rPr lang="de-CH" dirty="0" smtClean="0"/>
+              <a:t>Phase</a:t>
+            </a:r>
+            <a:endParaRPr lang="de-CH" dirty="0" smtClean="0"/>
+          </a:p>
+          <a:p>
+            <a:pPr lvl="1">
+              <a:tabLst>
+                <a:tab pos="4749800" algn="l"/>
+              </a:tabLst>
+            </a:pPr>
+            <a:r>
+              <a:rPr lang="de-CH" dirty="0" smtClean="0"/>
+              <a:t>Übertragung Mobile </a:t>
+            </a:r>
+            <a:r>
+              <a:rPr lang="de-CH" dirty="0" smtClean="0">
+                <a:sym typeface="Wingdings" pitchFamily="2" charset="2"/>
+              </a:rPr>
+              <a:t> Server</a:t>
+            </a:r>
+            <a:r>
+              <a:rPr lang="de-CH" dirty="0" smtClean="0"/>
+              <a:t>  </a:t>
+            </a:r>
+            <a:endParaRPr lang="de-CH" dirty="0"/>
+          </a:p>
+        </p:txBody>
+      </p:sp>
+    </p:spTree>
+    <p:extLst>
+      <p:ext uri="{BB962C8B-B14F-4D97-AF65-F5344CB8AC3E}">
+        <p14:creationId xmlns:p14="http://schemas.microsoft.com/office/powerpoint/2010/main" val="1793667745"/>
+      </p:ext>
+    </p:extLst>
+  </p:cSld>
+  <p:clrMapOvr>
+    <a:masterClrMapping/>
+  </p:clrMapOvr>
+  <p:transition/>
+  <p:timing>
+    <p:tnLst>
+      <p:par>
+        <p:cTn id="1" dur="indefinite" restart="never" nodeType="tmRoot"/>
+      </p:par>
+    </p:tnLst>
+  </p:timing>
+</p:sld>
+</file>
+
+<file path=ppt/slides/slide33.xml><?xml version="1.0" encoding="utf-8"?>
+<p:sld xmlns:a="http://schemas.openxmlformats.org/drawingml/2006/main" xmlns:r="http://schemas.openxmlformats.org/officeDocument/2006/relationships" xmlns:p="http://schemas.openxmlformats.org/presentationml/2006/main">
+  <p:cSld>
+    <p:spTree>
+      <p:nvGrpSpPr>
+        <p:cNvPr id="1" name=""/>
+        <p:cNvGrpSpPr/>
+        <p:nvPr/>
+      </p:nvGrpSpPr>
+      <p:grpSpPr>
+        <a:xfrm>
+          <a:off x="0" y="0"/>
+          <a:ext cx="0" cy="0"/>
+          <a:chOff x="0" y="0"/>
+          <a:chExt cx="0" cy="0"/>
+        </a:xfrm>
+      </p:grpSpPr>
+      <p:sp>
+        <p:nvSpPr>
+          <p:cNvPr id="2" name="Inhaltsplatzhalter 1"/>
+          <p:cNvSpPr>
+            <a:spLocks noGrp="1"/>
+          </p:cNvSpPr>
+          <p:nvPr>
+            <p:ph idx="1"/>
+          </p:nvPr>
+        </p:nvSpPr>
+        <p:spPr/>
+        <p:txBody>
+          <a:bodyPr/>
+          <a:lstStyle/>
+          <a:p>
+            <a:r>
+              <a:rPr lang="de-CH" dirty="0"/>
+              <a:t>Technische </a:t>
+            </a:r>
+            <a:r>
+              <a:rPr lang="de-CH" dirty="0" smtClean="0"/>
+              <a:t>Risiken sind </a:t>
+            </a:r>
+            <a:r>
+              <a:rPr lang="de-CH" dirty="0"/>
+              <a:t>eliminieren</a:t>
+            </a:r>
+          </a:p>
+          <a:p>
+            <a:r>
+              <a:rPr lang="de-CH" dirty="0"/>
+              <a:t>Machbarkeit </a:t>
+            </a:r>
+            <a:r>
+              <a:rPr lang="de-CH" dirty="0" smtClean="0"/>
+              <a:t>ist </a:t>
+            </a:r>
+            <a:r>
+              <a:rPr lang="de-CH" dirty="0" smtClean="0"/>
+              <a:t>bewiesen</a:t>
+            </a:r>
+            <a:endParaRPr lang="de-CH" dirty="0" smtClean="0"/>
+          </a:p>
+          <a:p>
+            <a:r>
+              <a:rPr lang="de-CH" dirty="0" smtClean="0"/>
+              <a:t>Architekturprototyp läuft und kann weiterentwickelt werden</a:t>
+            </a:r>
+          </a:p>
+          <a:p>
+            <a:r>
+              <a:rPr lang="de-CH" dirty="0"/>
+              <a:t>Testabläufe definiert und demonstriert</a:t>
+            </a:r>
+            <a:endParaRPr lang="de-CH" dirty="0" smtClean="0"/>
+          </a:p>
+          <a:p>
+            <a:r>
+              <a:rPr lang="de-CH" dirty="0"/>
+              <a:t>Projekt ist on </a:t>
+            </a:r>
+            <a:r>
+              <a:rPr lang="de-CH" dirty="0" smtClean="0"/>
+              <a:t>Track</a:t>
+            </a:r>
+            <a:endParaRPr lang="de-CH" dirty="0" smtClean="0"/>
+          </a:p>
+          <a:p>
+            <a:r>
+              <a:rPr lang="de-CH" dirty="0" smtClean="0"/>
+              <a:t>Konstruktionsphase kann gestartet werden </a:t>
+            </a:r>
+            <a:r>
+              <a:rPr lang="de-CH" dirty="0" smtClean="0">
+                <a:sym typeface="Wingdings" pitchFamily="2" charset="2"/>
+              </a:rPr>
+              <a:t></a:t>
+            </a:r>
+            <a:endParaRPr lang="de-CH" dirty="0"/>
+          </a:p>
+          <a:p>
+            <a:endParaRPr lang="de-CH" dirty="0"/>
+          </a:p>
+        </p:txBody>
+      </p:sp>
+      <p:sp>
+        <p:nvSpPr>
+          <p:cNvPr id="3" name="Titel 2"/>
+          <p:cNvSpPr>
+            <a:spLocks noGrp="1"/>
+          </p:cNvSpPr>
+          <p:nvPr>
+            <p:ph type="title"/>
+          </p:nvPr>
+        </p:nvSpPr>
+        <p:spPr/>
+        <p:txBody>
+          <a:bodyPr/>
+          <a:lstStyle/>
+          <a:p>
+            <a:r>
+              <a:rPr lang="de-CH" dirty="0" smtClean="0"/>
+              <a:t>Zusammenfassung</a:t>
+            </a:r>
+            <a:endParaRPr lang="de-CH" dirty="0"/>
+          </a:p>
+        </p:txBody>
+      </p:sp>
+    </p:spTree>
+    <p:extLst>
+      <p:ext uri="{BB962C8B-B14F-4D97-AF65-F5344CB8AC3E}">
+        <p14:creationId xmlns:p14="http://schemas.microsoft.com/office/powerpoint/2010/main" val="1547100438"/>
+      </p:ext>
+    </p:extLst>
+  </p:cSld>
+  <p:clrMapOvr>
+    <a:masterClrMapping/>
+  </p:clrMapOvr>
+  <p:transition/>
+  <p:timing>
+    <p:tnLst>
+      <p:par>
+        <p:cTn id="1" dur="indefinite" restart="never" nodeType="tmRoot"/>
+      </p:par>
+    </p:tnLst>
+  </p:timing>
+</p:sld>
+</file>
+
+<file path=ppt/slides/slide34.xml><?xml version="1.0" encoding="utf-8"?>
+<p:sld xmlns:a="http://schemas.openxmlformats.org/drawingml/2006/main" xmlns:r="http://schemas.openxmlformats.org/officeDocument/2006/relationships" xmlns:p="http://schemas.openxmlformats.org/presentationml/2006/main">
+  <p:cSld>
+    <p:spTree>
+      <p:nvGrpSpPr>
+        <p:cNvPr id="1" name=""/>
+        <p:cNvGrpSpPr/>
+        <p:nvPr/>
+      </p:nvGrpSpPr>
+      <p:grpSpPr>
+        <a:xfrm>
+          <a:off x="0" y="0"/>
+          <a:ext cx="0" cy="0"/>
+          <a:chOff x="0" y="0"/>
+          <a:chExt cx="0" cy="0"/>
+        </a:xfrm>
+      </p:grpSpPr>
+      <p:sp>
+        <p:nvSpPr>
+          <p:cNvPr id="2" name="Inhaltsplatzhalter 1"/>
+          <p:cNvSpPr>
+            <a:spLocks noGrp="1"/>
+          </p:cNvSpPr>
+          <p:nvPr>
+            <p:ph idx="1"/>
+          </p:nvPr>
+        </p:nvSpPr>
+        <p:spPr>
+          <a:xfrm>
+            <a:off x="1331640" y="2132856"/>
+            <a:ext cx="3672408" cy="1440160"/>
+          </a:xfrm>
+        </p:spPr>
+        <p:txBody>
+          <a:bodyPr/>
+          <a:lstStyle/>
+          <a:p>
+            <a:pPr marL="109728" indent="0">
+              <a:buNone/>
+            </a:pPr>
+            <a:r>
+              <a:rPr lang="de-CH" dirty="0" smtClean="0"/>
+              <a:t>Vielen Dank für Ihre Aufmerksamkeit!</a:t>
+            </a:r>
+            <a:endParaRPr lang="de-CH" dirty="0"/>
+          </a:p>
+        </p:txBody>
+      </p:sp>
+      <p:sp>
+        <p:nvSpPr>
+          <p:cNvPr id="3" name="Titel 2"/>
+          <p:cNvSpPr>
+            <a:spLocks noGrp="1"/>
+          </p:cNvSpPr>
+          <p:nvPr>
+            <p:ph type="title"/>
+          </p:nvPr>
+        </p:nvSpPr>
+        <p:spPr/>
+        <p:txBody>
+          <a:bodyPr/>
+          <a:lstStyle/>
+          <a:p>
+            <a:r>
+              <a:rPr lang="de-CH" dirty="0" smtClean="0"/>
+              <a:t>Fragen</a:t>
+            </a:r>
+            <a:endParaRPr lang="de-CH" dirty="0"/>
+          </a:p>
+        </p:txBody>
+      </p:sp>
+      <p:pic>
+        <p:nvPicPr>
+          <p:cNvPr id="5122" name="Picture 2" descr="C:\Users\schefe\AppData\Local\Microsoft\Windows\Temporary Internet Files\Content.IE5\PFEG0HII\MP900315598[1].jpg"/>
+          <p:cNvPicPr>
+            <a:picLocks noChangeAspect="1" noChangeArrowheads="1"/>
+          </p:cNvPicPr>
+          <p:nvPr/>
+        </p:nvPicPr>
+        <p:blipFill>
+          <a:blip r:embed="rId3">
+            <a:extLst>
+              <a:ext uri="{28A0092B-C50C-407E-A947-70E740481C1C}">
+                <a14:useLocalDpi xmlns:a14="http://schemas.microsoft.com/office/drawing/2010/main" val="0"/>
+              </a:ext>
+            </a:extLst>
+          </a:blip>
+          <a:srcRect/>
+          <a:stretch>
+            <a:fillRect/>
+          </a:stretch>
+        </p:blipFill>
+        <p:spPr bwMode="auto">
+          <a:xfrm>
+            <a:off x="4860032" y="2924944"/>
+            <a:ext cx="2547196" cy="1817000"/>
+          </a:xfrm>
+          <a:prstGeom prst="roundRect">
+            <a:avLst>
+              <a:gd name="adj" fmla="val 8594"/>
+            </a:avLst>
+          </a:prstGeom>
+          <a:solidFill>
+            <a:srgbClr val="FFFFFF">
+              <a:shade val="85000"/>
+            </a:srgbClr>
+          </a:solidFill>
+          <a:ln>
+            <a:noFill/>
+          </a:ln>
+          <a:effectLst>
+            <a:reflection blurRad="12700" stA="38000" endPos="28000" dist="5000" dir="5400000" sy="-100000" algn="bl" rotWithShape="0"/>
+          </a:effectLst>
+          <a:extLst/>
+        </p:spPr>
+      </p:pic>
+    </p:spTree>
+    <p:extLst>
+      <p:ext uri="{BB962C8B-B14F-4D97-AF65-F5344CB8AC3E}">
+        <p14:creationId xmlns:p14="http://schemas.microsoft.com/office/powerpoint/2010/main" val="4262147464"/>
       </p:ext>
     </p:extLst>
   </p:cSld>
@@ -11049,7 +13093,7 @@
           <p:nvPr/>
         </p:nvPicPr>
         <p:blipFill>
-          <a:blip r:embed="rId2" cstate="print">
+          <a:blip r:embed="rId3" cstate="print">
             <a:extLst>
               <a:ext uri="{28A0092B-C50C-407E-A947-70E740481C1C}">
                 <a14:useLocalDpi xmlns:a14="http://schemas.microsoft.com/office/drawing/2010/main" val="0"/>
@@ -11251,7 +13295,7 @@
           <p:nvPr/>
         </p:nvPicPr>
         <p:blipFill rotWithShape="1">
-          <a:blip r:embed="rId2">
+          <a:blip r:embed="rId3">
             <a:extLst>
               <a:ext uri="{28A0092B-C50C-407E-A947-70E740481C1C}">
                 <a14:useLocalDpi xmlns:a14="http://schemas.microsoft.com/office/drawing/2010/main" val="0"/>

--- a/doc/05_Design/praesentation.pptx
+++ b/doc/05_Design/praesentation.pptx
@@ -10621,12 +10621,35 @@
         </p:nvSpPr>
         <p:spPr/>
         <p:txBody>
-          <a:bodyPr/>
+          <a:bodyPr>
+            <a:normAutofit fontScale="92500" lnSpcReduction="10000"/>
+          </a:bodyPr>
           <a:lstStyle/>
           <a:p>
             <a:r>
               <a:rPr lang="de-CH" dirty="0" smtClean="0"/>
-              <a:t>Programm starten</a:t>
+              <a:t>Über alle </a:t>
+            </a:r>
+            <a:r>
+              <a:rPr lang="de-CH" dirty="0" err="1" smtClean="0"/>
+              <a:t>Layers</a:t>
+            </a:r>
+            <a:r>
+              <a:rPr lang="de-CH" dirty="0" smtClean="0"/>
+              <a:t>, über alle Tiers</a:t>
+            </a:r>
+          </a:p>
+          <a:p>
+            <a:endParaRPr lang="de-CH" dirty="0"/>
+          </a:p>
+          <a:p>
+            <a:r>
+              <a:rPr lang="de-CH" dirty="0" smtClean="0"/>
+              <a:t>Programm </a:t>
+            </a:r>
+            <a:r>
+              <a:rPr lang="de-CH" dirty="0" smtClean="0"/>
+              <a:t>starten</a:t>
             </a:r>
           </a:p>
           <a:p>

--- a/doc/05_Design/praesentation.pptx
+++ b/doc/05_Design/praesentation.pptx
@@ -8800,7 +8800,6 @@
               <a:rPr lang="de-CH" dirty="0" smtClean="0"/>
               <a:t>weiter aufzuteilen</a:t>
             </a:r>
-            <a:endParaRPr lang="de-CH" dirty="0" smtClean="0"/>
           </a:p>
           <a:p>
             <a:r>
@@ -10645,11 +10644,7 @@
           <a:p>
             <a:r>
               <a:rPr lang="de-CH" dirty="0" smtClean="0"/>
-              <a:t>Programm </a:t>
-            </a:r>
-            <a:r>
-              <a:rPr lang="de-CH" dirty="0" smtClean="0"/>
-              <a:t>starten</a:t>
+              <a:t>Programm starten</a:t>
             </a:r>
           </a:p>
           <a:p>
@@ -10698,11 +10693,7 @@
           <a:p>
             <a:r>
               <a:rPr lang="de-CH" dirty="0" smtClean="0"/>
-              <a:t>3 </a:t>
-            </a:r>
-            <a:r>
-              <a:rPr lang="de-CH" dirty="0" smtClean="0"/>
-              <a:t>Stundeneinträge erstellen (</a:t>
+              <a:t>3 Stundeneinträge erstellen (</a:t>
             </a:r>
             <a:r>
               <a:rPr lang="de-CH" dirty="0" err="1" smtClean="0"/>
@@ -11467,13 +11458,8 @@
             </a:r>
             <a:r>
               <a:rPr lang="de-CH" dirty="0" smtClean="0"/>
-              <a:t>ist </a:t>
-            </a:r>
-            <a:r>
-              <a:rPr lang="de-CH" dirty="0" smtClean="0"/>
-              <a:t>geplant</a:t>
-            </a:r>
-            <a:endParaRPr lang="de-CH" dirty="0" smtClean="0"/>
+              <a:t>ist geplant</a:t>
+            </a:r>
           </a:p>
           <a:p>
             <a:r>
@@ -12205,13 +12191,8 @@
             </a:pPr>
             <a:r>
               <a:rPr lang="de-CH" dirty="0" smtClean="0"/>
-              <a:t>Bereinigtes Risiko in Elaboration </a:t>
-            </a:r>
-            <a:r>
-              <a:rPr lang="de-CH" dirty="0" smtClean="0"/>
-              <a:t>Phase</a:t>
-            </a:r>
-            <a:endParaRPr lang="de-CH" dirty="0" smtClean="0"/>
+              <a:t>Bereinigtes Risiko in Elaboration Phase</a:t>
+            </a:r>
           </a:p>
           <a:p>
             <a:pPr lvl="1">
@@ -12310,13 +12291,8 @@
             </a:r>
             <a:r>
               <a:rPr lang="de-CH" dirty="0" smtClean="0"/>
-              <a:t>ist </a:t>
-            </a:r>
-            <a:r>
-              <a:rPr lang="de-CH" dirty="0" smtClean="0"/>
-              <a:t>bewiesen</a:t>
-            </a:r>
-            <a:endParaRPr lang="de-CH" dirty="0" smtClean="0"/>
+              <a:t>ist bewiesen</a:t>
+            </a:r>
           </a:p>
           <a:p>
             <a:r>
@@ -12340,7 +12316,6 @@
               <a:rPr lang="de-CH" dirty="0" smtClean="0"/>
               <a:t>Track</a:t>
             </a:r>
-            <a:endParaRPr lang="de-CH" dirty="0" smtClean="0"/>
           </a:p>
           <a:p>
             <a:r>
@@ -13053,16 +13028,36 @@
               <a:rPr lang="de-CH" dirty="0" smtClean="0">
                 <a:sym typeface="Wingdings" pitchFamily="2" charset="2"/>
               </a:rPr>
-              <a:t> DB  Netz-</a:t>
-            </a:r>
-          </a:p>
-          <a:p>
-            <a:pPr lvl="1"/>
+              <a:t> DB </a:t>
+            </a:r>
+            <a:r>
+              <a:rPr lang="de-CH" smtClean="0">
+                <a:sym typeface="Wingdings" pitchFamily="2" charset="2"/>
+              </a:rPr>
+              <a:t> </a:t>
+            </a:r>
+            <a:r>
+              <a:rPr lang="de-CH" smtClean="0">
+                <a:sym typeface="Wingdings" pitchFamily="2" charset="2"/>
+              </a:rPr>
+              <a:t>Netz-</a:t>
+            </a:r>
+            <a:br>
+              <a:rPr lang="de-CH" smtClean="0">
+                <a:sym typeface="Wingdings" pitchFamily="2" charset="2"/>
+              </a:rPr>
+            </a:br>
+            <a:r>
+              <a:rPr lang="de-CH" smtClean="0">
+                <a:sym typeface="Wingdings" pitchFamily="2" charset="2"/>
+              </a:rPr>
+              <a:t>werk </a:t>
+            </a:r>
             <a:r>
               <a:rPr lang="de-CH" dirty="0" smtClean="0">
                 <a:sym typeface="Wingdings" pitchFamily="2" charset="2"/>
               </a:rPr>
-              <a:t>werk  Server DB </a:t>
+              <a:t> Server DB </a:t>
             </a:r>
             <a:r>
               <a:rPr lang="de-CH" dirty="0">
